--- a/ML_workshop.pptx
+++ b/ML_workshop.pptx
@@ -248,7 +248,7 @@
           <a:p>
             <a:fld id="{CF147484-EED0-47A5-9822-A8389DF9D591}" type="datetimeFigureOut">
               <a:rPr lang="zh-TW" altLang="en-US" smtClean="0"/>
-              <a:t>2021/11/21</a:t>
+              <a:t>2021/12/7</a:t>
             </a:fld>
             <a:endParaRPr lang="zh-TW" altLang="en-US"/>
           </a:p>
@@ -930,7 +930,7 @@
           <a:p>
             <a:fld id="{50E19A1F-3094-4FFA-9841-3C8B913EEDA7}" type="datetimeFigureOut">
               <a:rPr lang="zh-TW" altLang="en-US" smtClean="0"/>
-              <a:t>2021/11/21</a:t>
+              <a:t>2021/12/7</a:t>
             </a:fld>
             <a:endParaRPr lang="zh-TW" altLang="en-US"/>
           </a:p>
@@ -1254,7 +1254,7 @@
           <a:p>
             <a:fld id="{50E19A1F-3094-4FFA-9841-3C8B913EEDA7}" type="datetimeFigureOut">
               <a:rPr lang="zh-TW" altLang="en-US" smtClean="0"/>
-              <a:t>2021/11/21</a:t>
+              <a:t>2021/12/7</a:t>
             </a:fld>
             <a:endParaRPr lang="zh-TW" altLang="en-US"/>
           </a:p>
@@ -1502,7 +1502,7 @@
           <a:p>
             <a:fld id="{50E19A1F-3094-4FFA-9841-3C8B913EEDA7}" type="datetimeFigureOut">
               <a:rPr lang="zh-TW" altLang="en-US" smtClean="0"/>
-              <a:t>2021/11/21</a:t>
+              <a:t>2021/12/7</a:t>
             </a:fld>
             <a:endParaRPr lang="zh-TW" altLang="en-US"/>
           </a:p>
@@ -1841,7 +1841,7 @@
           <a:p>
             <a:fld id="{50E19A1F-3094-4FFA-9841-3C8B913EEDA7}" type="datetimeFigureOut">
               <a:rPr lang="zh-TW" altLang="en-US" smtClean="0"/>
-              <a:t>2021/11/21</a:t>
+              <a:t>2021/12/7</a:t>
             </a:fld>
             <a:endParaRPr lang="zh-TW" altLang="en-US"/>
           </a:p>
@@ -2188,7 +2188,7 @@
           <a:p>
             <a:fld id="{50E19A1F-3094-4FFA-9841-3C8B913EEDA7}" type="datetimeFigureOut">
               <a:rPr lang="zh-TW" altLang="en-US" smtClean="0"/>
-              <a:t>2021/11/21</a:t>
+              <a:t>2021/12/7</a:t>
             </a:fld>
             <a:endParaRPr lang="zh-TW" altLang="en-US"/>
           </a:p>
@@ -2562,7 +2562,7 @@
           <a:p>
             <a:fld id="{50E19A1F-3094-4FFA-9841-3C8B913EEDA7}" type="datetimeFigureOut">
               <a:rPr lang="zh-TW" altLang="en-US" smtClean="0"/>
-              <a:t>2021/11/21</a:t>
+              <a:t>2021/12/7</a:t>
             </a:fld>
             <a:endParaRPr lang="zh-TW" altLang="en-US"/>
           </a:p>
@@ -3032,7 +3032,7 @@
           <a:p>
             <a:fld id="{50E19A1F-3094-4FFA-9841-3C8B913EEDA7}" type="datetimeFigureOut">
               <a:rPr lang="zh-TW" altLang="en-US" smtClean="0"/>
-              <a:t>2021/11/21</a:t>
+              <a:t>2021/12/7</a:t>
             </a:fld>
             <a:endParaRPr lang="zh-TW" altLang="en-US"/>
           </a:p>
@@ -3237,7 +3237,7 @@
           <a:p>
             <a:fld id="{50E19A1F-3094-4FFA-9841-3C8B913EEDA7}" type="datetimeFigureOut">
               <a:rPr lang="zh-TW" altLang="en-US" smtClean="0"/>
-              <a:t>2021/11/21</a:t>
+              <a:t>2021/12/7</a:t>
             </a:fld>
             <a:endParaRPr lang="zh-TW" altLang="en-US"/>
           </a:p>
@@ -3448,7 +3448,7 @@
           <a:p>
             <a:fld id="{50E19A1F-3094-4FFA-9841-3C8B913EEDA7}" type="datetimeFigureOut">
               <a:rPr lang="zh-TW" altLang="en-US" smtClean="0"/>
-              <a:t>2021/11/21</a:t>
+              <a:t>2021/12/7</a:t>
             </a:fld>
             <a:endParaRPr lang="zh-TW" altLang="en-US"/>
           </a:p>
@@ -3680,7 +3680,7 @@
           <a:p>
             <a:fld id="{50E19A1F-3094-4FFA-9841-3C8B913EEDA7}" type="datetimeFigureOut">
               <a:rPr lang="zh-TW" altLang="en-US" smtClean="0"/>
-              <a:t>2021/11/21</a:t>
+              <a:t>2021/12/7</a:t>
             </a:fld>
             <a:endParaRPr lang="zh-TW" altLang="en-US"/>
           </a:p>
@@ -3928,7 +3928,7 @@
           <a:p>
             <a:fld id="{50E19A1F-3094-4FFA-9841-3C8B913EEDA7}" type="datetimeFigureOut">
               <a:rPr lang="zh-TW" altLang="en-US" smtClean="0"/>
-              <a:t>2021/11/21</a:t>
+              <a:t>2021/12/7</a:t>
             </a:fld>
             <a:endParaRPr lang="zh-TW" altLang="en-US"/>
           </a:p>
@@ -4226,7 +4226,7 @@
           <a:p>
             <a:fld id="{50E19A1F-3094-4FFA-9841-3C8B913EEDA7}" type="datetimeFigureOut">
               <a:rPr lang="zh-TW" altLang="en-US" smtClean="0"/>
-              <a:t>2021/11/21</a:t>
+              <a:t>2021/12/7</a:t>
             </a:fld>
             <a:endParaRPr lang="zh-TW" altLang="en-US"/>
           </a:p>
@@ -4620,7 +4620,7 @@
           <a:p>
             <a:fld id="{50E19A1F-3094-4FFA-9841-3C8B913EEDA7}" type="datetimeFigureOut">
               <a:rPr lang="zh-TW" altLang="en-US" smtClean="0"/>
-              <a:t>2021/11/21</a:t>
+              <a:t>2021/12/7</a:t>
             </a:fld>
             <a:endParaRPr lang="zh-TW" altLang="en-US"/>
           </a:p>
@@ -4769,7 +4769,7 @@
           <a:p>
             <a:fld id="{50E19A1F-3094-4FFA-9841-3C8B913EEDA7}" type="datetimeFigureOut">
               <a:rPr lang="zh-TW" altLang="en-US" smtClean="0"/>
-              <a:t>2021/11/21</a:t>
+              <a:t>2021/12/7</a:t>
             </a:fld>
             <a:endParaRPr lang="zh-TW" altLang="en-US"/>
           </a:p>
@@ -4895,7 +4895,7 @@
           <a:p>
             <a:fld id="{50E19A1F-3094-4FFA-9841-3C8B913EEDA7}" type="datetimeFigureOut">
               <a:rPr lang="zh-TW" altLang="en-US" smtClean="0"/>
-              <a:t>2021/11/21</a:t>
+              <a:t>2021/12/7</a:t>
             </a:fld>
             <a:endParaRPr lang="zh-TW" altLang="en-US"/>
           </a:p>
@@ -5150,7 +5150,7 @@
           <a:p>
             <a:fld id="{50E19A1F-3094-4FFA-9841-3C8B913EEDA7}" type="datetimeFigureOut">
               <a:rPr lang="zh-TW" altLang="en-US" smtClean="0"/>
-              <a:t>2021/11/21</a:t>
+              <a:t>2021/12/7</a:t>
             </a:fld>
             <a:endParaRPr lang="zh-TW" altLang="en-US"/>
           </a:p>
@@ -5465,7 +5465,7 @@
           <a:p>
             <a:fld id="{50E19A1F-3094-4FFA-9841-3C8B913EEDA7}" type="datetimeFigureOut">
               <a:rPr lang="zh-TW" altLang="en-US" smtClean="0"/>
-              <a:t>2021/11/21</a:t>
+              <a:t>2021/12/7</a:t>
             </a:fld>
             <a:endParaRPr lang="zh-TW" altLang="en-US"/>
           </a:p>
@@ -5816,7 +5816,7 @@
           <a:p>
             <a:fld id="{50E19A1F-3094-4FFA-9841-3C8B913EEDA7}" type="datetimeFigureOut">
               <a:rPr lang="zh-TW" altLang="en-US" smtClean="0"/>
-              <a:t>2021/11/21</a:t>
+              <a:t>2021/12/7</a:t>
             </a:fld>
             <a:endParaRPr lang="zh-TW" altLang="en-US"/>
           </a:p>
@@ -7329,8 +7329,8 @@
           </a:p>
         </p:txBody>
       </p:sp>
-      <mc:AlternateContent xmlns:mc="http://schemas.openxmlformats.org/markup-compatibility/2006" xmlns:a14="http://schemas.microsoft.com/office/drawing/2010/main">
-        <mc:Choice Requires="a14">
+      <mc:AlternateContent xmlns:mc="http://schemas.openxmlformats.org/markup-compatibility/2006">
+        <mc:Choice xmlns:a14="http://schemas.microsoft.com/office/drawing/2010/main" Requires="a14">
           <p:sp>
             <p:nvSpPr>
               <p:cNvPr id="5" name="內容版面配置區 4">
@@ -7364,12 +7364,24 @@
                 </a:r>
                 <a14:m>
                   <m:oMath xmlns:m="http://schemas.openxmlformats.org/officeDocument/2006/math">
-                    <m:r>
-                      <a:rPr lang="en-US" altLang="zh-TW" b="0" i="1" smtClean="0">
-                        <a:latin typeface="Cambria Math" panose="02040503050406030204" pitchFamily="18" charset="0"/>
-                      </a:rPr>
-                      <m:t>𝑌</m:t>
-                    </m:r>
+                    <m:acc>
+                      <m:accPr>
+                        <m:chr m:val="̂"/>
+                        <m:ctrlPr>
+                          <a:rPr lang="en-US" altLang="zh-TW" b="0" i="1" dirty="0" smtClean="0">
+                            <a:latin typeface="Cambria Math" panose="02040503050406030204" pitchFamily="18" charset="0"/>
+                          </a:rPr>
+                        </m:ctrlPr>
+                      </m:accPr>
+                      <m:e>
+                        <m:r>
+                          <a:rPr lang="en-US" altLang="zh-TW" b="0" i="1" dirty="0" smtClean="0">
+                            <a:latin typeface="Cambria Math" panose="02040503050406030204" pitchFamily="18" charset="0"/>
+                          </a:rPr>
+                          <m:t>𝑌</m:t>
+                        </m:r>
+                      </m:e>
+                    </m:acc>
                     <m:r>
                       <a:rPr lang="en-US" altLang="zh-TW" b="0" i="1" smtClean="0">
                         <a:latin typeface="Cambria Math" panose="02040503050406030204" pitchFamily="18" charset="0"/>
@@ -7800,7 +7812,7 @@
             </p:txBody>
           </p:sp>
         </mc:Choice>
-        <mc:Fallback xmlns="">
+        <mc:Fallback>
           <p:sp>
             <p:nvSpPr>
               <p:cNvPr id="5" name="內容版面配置區 4">
@@ -7821,7 +7833,7 @@
               <a:blipFill>
                 <a:blip r:embed="rId2"/>
                 <a:stretch>
-                  <a:fillRect l="-1144" t="-3303" b="-2936"/>
+                  <a:fillRect l="-1144" t="-3119" b="-3303"/>
                 </a:stretch>
               </a:blipFill>
             </p:spPr>
@@ -8341,7 +8353,13 @@
                               <a:rPr lang="en-US" altLang="zh-TW" b="0" i="1" smtClean="0">
                                 <a:latin typeface="Cambria Math" panose="02040503050406030204" pitchFamily="18" charset="0"/>
                               </a:rPr>
-                              <m:t>−1</m:t>
+                              <m:t>−</m:t>
+                            </m:r>
+                            <m:r>
+                              <a:rPr lang="en-US" altLang="zh-TW" b="0" i="1" smtClean="0">
+                                <a:latin typeface="Cambria Math" panose="02040503050406030204" pitchFamily="18" charset="0"/>
+                              </a:rPr>
+                              <m:t>1</m:t>
                             </m:r>
                           </m:sub>
                         </m:sSub>
@@ -8378,7 +8396,13 @@
                               <a:rPr lang="en-US" altLang="zh-TW" b="0" i="1" smtClean="0">
                                 <a:latin typeface="Cambria Math" panose="02040503050406030204" pitchFamily="18" charset="0"/>
                               </a:rPr>
-                              <m:t>+1</m:t>
+                              <m:t>+</m:t>
+                            </m:r>
+                            <m:r>
+                              <a:rPr lang="en-US" altLang="zh-TW" b="0" i="1" smtClean="0">
+                                <a:latin typeface="Cambria Math" panose="02040503050406030204" pitchFamily="18" charset="0"/>
+                              </a:rPr>
+                              <m:t>1</m:t>
                             </m:r>
                           </m:sub>
                         </m:sSub>
@@ -8637,7 +8661,13 @@
                               <a:rPr lang="en-US" altLang="zh-TW" b="0" i="1" smtClean="0">
                                 <a:latin typeface="Cambria Math" panose="02040503050406030204" pitchFamily="18" charset="0"/>
                               </a:rPr>
-                              <m:t>=1</m:t>
+                              <m:t>=</m:t>
+                            </m:r>
+                            <m:r>
+                              <a:rPr lang="en-US" altLang="zh-TW" b="0" i="1" smtClean="0">
+                                <a:latin typeface="Cambria Math" panose="02040503050406030204" pitchFamily="18" charset="0"/>
+                              </a:rPr>
+                              <m:t>1</m:t>
                             </m:r>
                           </m:sub>
                           <m:sup>
@@ -8831,7 +8861,13 @@
                           <a:rPr lang="en-US" altLang="zh-TW" i="1">
                             <a:latin typeface="Cambria Math" panose="02040503050406030204" pitchFamily="18" charset="0"/>
                           </a:rPr>
-                          <m:t>=1</m:t>
+                          <m:t>=</m:t>
+                        </m:r>
+                        <m:r>
+                          <a:rPr lang="en-US" altLang="zh-TW" i="1">
+                            <a:latin typeface="Cambria Math" panose="02040503050406030204" pitchFamily="18" charset="0"/>
+                          </a:rPr>
+                          <m:t>1</m:t>
                         </m:r>
                       </m:sub>
                       <m:sup>

--- a/ML_workshop.pptx
+++ b/ML_workshop.pptx
@@ -5,18 +5,20 @@
     <p:sldMasterId id="2147483927" r:id="rId1"/>
   </p:sldMasterIdLst>
   <p:notesMasterIdLst>
-    <p:notesMasterId r:id="rId11"/>
+    <p:notesMasterId r:id="rId13"/>
   </p:notesMasterIdLst>
   <p:sldIdLst>
     <p:sldId id="256" r:id="rId2"/>
-    <p:sldId id="257" r:id="rId3"/>
-    <p:sldId id="258" r:id="rId4"/>
-    <p:sldId id="264" r:id="rId5"/>
-    <p:sldId id="263" r:id="rId6"/>
-    <p:sldId id="262" r:id="rId7"/>
-    <p:sldId id="266" r:id="rId8"/>
-    <p:sldId id="268" r:id="rId9"/>
-    <p:sldId id="267" r:id="rId10"/>
+    <p:sldId id="270" r:id="rId3"/>
+    <p:sldId id="257" r:id="rId4"/>
+    <p:sldId id="258" r:id="rId5"/>
+    <p:sldId id="269" r:id="rId6"/>
+    <p:sldId id="264" r:id="rId7"/>
+    <p:sldId id="263" r:id="rId8"/>
+    <p:sldId id="262" r:id="rId9"/>
+    <p:sldId id="266" r:id="rId10"/>
+    <p:sldId id="268" r:id="rId11"/>
+    <p:sldId id="267" r:id="rId12"/>
   </p:sldIdLst>
   <p:sldSz cx="12192000" cy="6858000"/>
   <p:notesSz cx="6858000" cy="9144000"/>
@@ -121,8 +123,10 @@
         <p14:section name="預設章節" id="{DD76B857-9D03-4593-9B0F-4D086132E2E3}">
           <p14:sldIdLst>
             <p14:sldId id="256"/>
+            <p14:sldId id="270"/>
             <p14:sldId id="257"/>
             <p14:sldId id="258"/>
+            <p14:sldId id="269"/>
             <p14:sldId id="264"/>
             <p14:sldId id="263"/>
             <p14:sldId id="262"/>
@@ -248,7 +252,7 @@
           <a:p>
             <a:fld id="{CF147484-EED0-47A5-9822-A8389DF9D591}" type="datetimeFigureOut">
               <a:rPr lang="zh-TW" altLang="en-US" smtClean="0"/>
-              <a:t>2021/12/7</a:t>
+              <a:t>2021/12/8</a:t>
             </a:fld>
             <a:endParaRPr lang="zh-TW" altLang="en-US"/>
           </a:p>
@@ -580,7 +584,7 @@
           <a:p>
             <a:fld id="{AE4E7785-5069-4032-9A67-A3D927B60198}" type="slidenum">
               <a:rPr lang="zh-TW" altLang="en-US" smtClean="0"/>
-              <a:t>6</a:t>
+              <a:t>8</a:t>
             </a:fld>
             <a:endParaRPr lang="zh-TW" altLang="en-US"/>
           </a:p>
@@ -930,7 +934,7 @@
           <a:p>
             <a:fld id="{50E19A1F-3094-4FFA-9841-3C8B913EEDA7}" type="datetimeFigureOut">
               <a:rPr lang="zh-TW" altLang="en-US" smtClean="0"/>
-              <a:t>2021/12/7</a:t>
+              <a:t>2021/12/8</a:t>
             </a:fld>
             <a:endParaRPr lang="zh-TW" altLang="en-US"/>
           </a:p>
@@ -1254,7 +1258,7 @@
           <a:p>
             <a:fld id="{50E19A1F-3094-4FFA-9841-3C8B913EEDA7}" type="datetimeFigureOut">
               <a:rPr lang="zh-TW" altLang="en-US" smtClean="0"/>
-              <a:t>2021/12/7</a:t>
+              <a:t>2021/12/8</a:t>
             </a:fld>
             <a:endParaRPr lang="zh-TW" altLang="en-US"/>
           </a:p>
@@ -1502,7 +1506,7 @@
           <a:p>
             <a:fld id="{50E19A1F-3094-4FFA-9841-3C8B913EEDA7}" type="datetimeFigureOut">
               <a:rPr lang="zh-TW" altLang="en-US" smtClean="0"/>
-              <a:t>2021/12/7</a:t>
+              <a:t>2021/12/8</a:t>
             </a:fld>
             <a:endParaRPr lang="zh-TW" altLang="en-US"/>
           </a:p>
@@ -1841,7 +1845,7 @@
           <a:p>
             <a:fld id="{50E19A1F-3094-4FFA-9841-3C8B913EEDA7}" type="datetimeFigureOut">
               <a:rPr lang="zh-TW" altLang="en-US" smtClean="0"/>
-              <a:t>2021/12/7</a:t>
+              <a:t>2021/12/8</a:t>
             </a:fld>
             <a:endParaRPr lang="zh-TW" altLang="en-US"/>
           </a:p>
@@ -2188,7 +2192,7 @@
           <a:p>
             <a:fld id="{50E19A1F-3094-4FFA-9841-3C8B913EEDA7}" type="datetimeFigureOut">
               <a:rPr lang="zh-TW" altLang="en-US" smtClean="0"/>
-              <a:t>2021/12/7</a:t>
+              <a:t>2021/12/8</a:t>
             </a:fld>
             <a:endParaRPr lang="zh-TW" altLang="en-US"/>
           </a:p>
@@ -2562,7 +2566,7 @@
           <a:p>
             <a:fld id="{50E19A1F-3094-4FFA-9841-3C8B913EEDA7}" type="datetimeFigureOut">
               <a:rPr lang="zh-TW" altLang="en-US" smtClean="0"/>
-              <a:t>2021/12/7</a:t>
+              <a:t>2021/12/8</a:t>
             </a:fld>
             <a:endParaRPr lang="zh-TW" altLang="en-US"/>
           </a:p>
@@ -3032,7 +3036,7 @@
           <a:p>
             <a:fld id="{50E19A1F-3094-4FFA-9841-3C8B913EEDA7}" type="datetimeFigureOut">
               <a:rPr lang="zh-TW" altLang="en-US" smtClean="0"/>
-              <a:t>2021/12/7</a:t>
+              <a:t>2021/12/8</a:t>
             </a:fld>
             <a:endParaRPr lang="zh-TW" altLang="en-US"/>
           </a:p>
@@ -3237,7 +3241,7 @@
           <a:p>
             <a:fld id="{50E19A1F-3094-4FFA-9841-3C8B913EEDA7}" type="datetimeFigureOut">
               <a:rPr lang="zh-TW" altLang="en-US" smtClean="0"/>
-              <a:t>2021/12/7</a:t>
+              <a:t>2021/12/8</a:t>
             </a:fld>
             <a:endParaRPr lang="zh-TW" altLang="en-US"/>
           </a:p>
@@ -3448,7 +3452,7 @@
           <a:p>
             <a:fld id="{50E19A1F-3094-4FFA-9841-3C8B913EEDA7}" type="datetimeFigureOut">
               <a:rPr lang="zh-TW" altLang="en-US" smtClean="0"/>
-              <a:t>2021/12/7</a:t>
+              <a:t>2021/12/8</a:t>
             </a:fld>
             <a:endParaRPr lang="zh-TW" altLang="en-US"/>
           </a:p>
@@ -3680,7 +3684,7 @@
           <a:p>
             <a:fld id="{50E19A1F-3094-4FFA-9841-3C8B913EEDA7}" type="datetimeFigureOut">
               <a:rPr lang="zh-TW" altLang="en-US" smtClean="0"/>
-              <a:t>2021/12/7</a:t>
+              <a:t>2021/12/8</a:t>
             </a:fld>
             <a:endParaRPr lang="zh-TW" altLang="en-US"/>
           </a:p>
@@ -3928,7 +3932,7 @@
           <a:p>
             <a:fld id="{50E19A1F-3094-4FFA-9841-3C8B913EEDA7}" type="datetimeFigureOut">
               <a:rPr lang="zh-TW" altLang="en-US" smtClean="0"/>
-              <a:t>2021/12/7</a:t>
+              <a:t>2021/12/8</a:t>
             </a:fld>
             <a:endParaRPr lang="zh-TW" altLang="en-US"/>
           </a:p>
@@ -4226,7 +4230,7 @@
           <a:p>
             <a:fld id="{50E19A1F-3094-4FFA-9841-3C8B913EEDA7}" type="datetimeFigureOut">
               <a:rPr lang="zh-TW" altLang="en-US" smtClean="0"/>
-              <a:t>2021/12/7</a:t>
+              <a:t>2021/12/8</a:t>
             </a:fld>
             <a:endParaRPr lang="zh-TW" altLang="en-US"/>
           </a:p>
@@ -4620,7 +4624,7 @@
           <a:p>
             <a:fld id="{50E19A1F-3094-4FFA-9841-3C8B913EEDA7}" type="datetimeFigureOut">
               <a:rPr lang="zh-TW" altLang="en-US" smtClean="0"/>
-              <a:t>2021/12/7</a:t>
+              <a:t>2021/12/8</a:t>
             </a:fld>
             <a:endParaRPr lang="zh-TW" altLang="en-US"/>
           </a:p>
@@ -4769,7 +4773,7 @@
           <a:p>
             <a:fld id="{50E19A1F-3094-4FFA-9841-3C8B913EEDA7}" type="datetimeFigureOut">
               <a:rPr lang="zh-TW" altLang="en-US" smtClean="0"/>
-              <a:t>2021/12/7</a:t>
+              <a:t>2021/12/8</a:t>
             </a:fld>
             <a:endParaRPr lang="zh-TW" altLang="en-US"/>
           </a:p>
@@ -4895,7 +4899,7 @@
           <a:p>
             <a:fld id="{50E19A1F-3094-4FFA-9841-3C8B913EEDA7}" type="datetimeFigureOut">
               <a:rPr lang="zh-TW" altLang="en-US" smtClean="0"/>
-              <a:t>2021/12/7</a:t>
+              <a:t>2021/12/8</a:t>
             </a:fld>
             <a:endParaRPr lang="zh-TW" altLang="en-US"/>
           </a:p>
@@ -5150,7 +5154,7 @@
           <a:p>
             <a:fld id="{50E19A1F-3094-4FFA-9841-3C8B913EEDA7}" type="datetimeFigureOut">
               <a:rPr lang="zh-TW" altLang="en-US" smtClean="0"/>
-              <a:t>2021/12/7</a:t>
+              <a:t>2021/12/8</a:t>
             </a:fld>
             <a:endParaRPr lang="zh-TW" altLang="en-US"/>
           </a:p>
@@ -5465,7 +5469,7 @@
           <a:p>
             <a:fld id="{50E19A1F-3094-4FFA-9841-3C8B913EEDA7}" type="datetimeFigureOut">
               <a:rPr lang="zh-TW" altLang="en-US" smtClean="0"/>
-              <a:t>2021/12/7</a:t>
+              <a:t>2021/12/8</a:t>
             </a:fld>
             <a:endParaRPr lang="zh-TW" altLang="en-US"/>
           </a:p>
@@ -5816,7 +5820,7 @@
           <a:p>
             <a:fld id="{50E19A1F-3094-4FFA-9841-3C8B913EEDA7}" type="datetimeFigureOut">
               <a:rPr lang="zh-TW" altLang="en-US" smtClean="0"/>
-              <a:t>2021/12/7</a:t>
+              <a:t>2021/12/8</a:t>
             </a:fld>
             <a:endParaRPr lang="zh-TW" altLang="en-US"/>
           </a:p>
@@ -6418,7 +6422,22 @@
           <a:bodyPr/>
           <a:lstStyle/>
           <a:p>
-            <a:endParaRPr lang="zh-TW" altLang="en-US" dirty="0"/>
+            <a:r>
+              <a:rPr lang="zh-TW" altLang="en-US" dirty="0"/>
+              <a:t>國立陽明交通大學</a:t>
+            </a:r>
+            <a:r>
+              <a:rPr lang="en-US" altLang="zh-TW" dirty="0" err="1"/>
+              <a:t>MIPLab</a:t>
+            </a:r>
+            <a:r>
+              <a:rPr lang="en-US" altLang="zh-TW" dirty="0"/>
+              <a:t> – </a:t>
+            </a:r>
+            <a:r>
+              <a:rPr lang="zh-TW" altLang="en-US" dirty="0"/>
+              <a:t>吳仁傑</a:t>
+            </a:r>
           </a:p>
         </p:txBody>
       </p:sp>
@@ -6426,6 +6445,256 @@
     <p:extLst>
       <p:ext uri="{BB962C8B-B14F-4D97-AF65-F5344CB8AC3E}">
         <p14:creationId xmlns:p14="http://schemas.microsoft.com/office/powerpoint/2010/main" val="3572416157"/>
+      </p:ext>
+    </p:extLst>
+  </p:cSld>
+  <p:clrMapOvr>
+    <a:masterClrMapping/>
+  </p:clrMapOvr>
+</p:sld>
+</file>
+
+<file path=ppt/slides/slide10.xml><?xml version="1.0" encoding="utf-8"?>
+<p:sld xmlns:a="http://schemas.openxmlformats.org/drawingml/2006/main" xmlns:r="http://schemas.openxmlformats.org/officeDocument/2006/relationships" xmlns:p="http://schemas.openxmlformats.org/presentationml/2006/main">
+  <p:cSld>
+    <p:spTree>
+      <p:nvGrpSpPr>
+        <p:cNvPr id="1" name=""/>
+        <p:cNvGrpSpPr/>
+        <p:nvPr/>
+      </p:nvGrpSpPr>
+      <p:grpSpPr>
+        <a:xfrm>
+          <a:off x="0" y="0"/>
+          <a:ext cx="0" cy="0"/>
+          <a:chOff x="0" y="0"/>
+          <a:chExt cx="0" cy="0"/>
+        </a:xfrm>
+      </p:grpSpPr>
+      <p:sp>
+        <p:nvSpPr>
+          <p:cNvPr id="2" name="標題 1">
+            <a:extLst>
+              <a:ext uri="{FF2B5EF4-FFF2-40B4-BE49-F238E27FC236}">
+                <a16:creationId xmlns:a16="http://schemas.microsoft.com/office/drawing/2014/main" id="{C8E48965-8037-4518-9B1F-97A622225491}"/>
+              </a:ext>
+            </a:extLst>
+          </p:cNvPr>
+          <p:cNvSpPr>
+            <a:spLocks noGrp="1"/>
+          </p:cNvSpPr>
+          <p:nvPr>
+            <p:ph type="title"/>
+          </p:nvPr>
+        </p:nvSpPr>
+        <p:spPr/>
+        <p:txBody>
+          <a:bodyPr/>
+          <a:lstStyle/>
+          <a:p>
+            <a:r>
+              <a:rPr lang="en-US" altLang="zh-TW" dirty="0"/>
+              <a:t>K-fold cross validation </a:t>
+            </a:r>
+            <a:endParaRPr lang="zh-TW" altLang="en-US" dirty="0"/>
+          </a:p>
+        </p:txBody>
+      </p:sp>
+      <p:sp>
+        <p:nvSpPr>
+          <p:cNvPr id="3" name="內容版面配置區 2">
+            <a:extLst>
+              <a:ext uri="{FF2B5EF4-FFF2-40B4-BE49-F238E27FC236}">
+                <a16:creationId xmlns:a16="http://schemas.microsoft.com/office/drawing/2014/main" id="{201DA8D7-255F-4C52-B442-74F6553F2386}"/>
+              </a:ext>
+            </a:extLst>
+          </p:cNvPr>
+          <p:cNvSpPr>
+            <a:spLocks noGrp="1"/>
+          </p:cNvSpPr>
+          <p:nvPr>
+            <p:ph idx="1"/>
+          </p:nvPr>
+        </p:nvSpPr>
+        <p:spPr/>
+        <p:txBody>
+          <a:bodyPr/>
+          <a:lstStyle/>
+          <a:p>
+            <a:r>
+              <a:rPr lang="en-US" altLang="zh-TW" dirty="0"/>
+              <a:t>3 roles of dataset</a:t>
+            </a:r>
+          </a:p>
+          <a:p>
+            <a:pPr lvl="1"/>
+            <a:r>
+              <a:rPr lang="en-US" altLang="zh-TW" dirty="0"/>
+              <a:t>Training set : for train model</a:t>
+            </a:r>
+          </a:p>
+          <a:p>
+            <a:pPr lvl="1"/>
+            <a:r>
+              <a:rPr lang="en-US" altLang="zh-TW" dirty="0"/>
+              <a:t>Validation set : for hyperparameters tuning</a:t>
+            </a:r>
+          </a:p>
+          <a:p>
+            <a:pPr lvl="1"/>
+            <a:r>
+              <a:rPr lang="en-US" altLang="zh-TW" dirty="0"/>
+              <a:t>Testing set : for model performance evaluation</a:t>
+            </a:r>
+            <a:endParaRPr lang="zh-TW" altLang="en-US" dirty="0"/>
+          </a:p>
+        </p:txBody>
+      </p:sp>
+    </p:spTree>
+    <p:extLst>
+      <p:ext uri="{BB962C8B-B14F-4D97-AF65-F5344CB8AC3E}">
+        <p14:creationId xmlns:p14="http://schemas.microsoft.com/office/powerpoint/2010/main" val="4003296924"/>
+      </p:ext>
+    </p:extLst>
+  </p:cSld>
+  <p:clrMapOvr>
+    <a:masterClrMapping/>
+  </p:clrMapOvr>
+</p:sld>
+</file>
+
+<file path=ppt/slides/slide11.xml><?xml version="1.0" encoding="utf-8"?>
+<p:sld xmlns:a="http://schemas.openxmlformats.org/drawingml/2006/main" xmlns:r="http://schemas.openxmlformats.org/officeDocument/2006/relationships" xmlns:p="http://schemas.openxmlformats.org/presentationml/2006/main">
+  <p:cSld>
+    <p:spTree>
+      <p:nvGrpSpPr>
+        <p:cNvPr id="1" name=""/>
+        <p:cNvGrpSpPr/>
+        <p:nvPr/>
+      </p:nvGrpSpPr>
+      <p:grpSpPr>
+        <a:xfrm>
+          <a:off x="0" y="0"/>
+          <a:ext cx="0" cy="0"/>
+          <a:chOff x="0" y="0"/>
+          <a:chExt cx="0" cy="0"/>
+        </a:xfrm>
+      </p:grpSpPr>
+      <p:sp>
+        <p:nvSpPr>
+          <p:cNvPr id="2" name="標題 1">
+            <a:extLst>
+              <a:ext uri="{FF2B5EF4-FFF2-40B4-BE49-F238E27FC236}">
+                <a16:creationId xmlns:a16="http://schemas.microsoft.com/office/drawing/2014/main" id="{9C3043A8-99FB-406E-94CE-C5955C08CC27}"/>
+              </a:ext>
+            </a:extLst>
+          </p:cNvPr>
+          <p:cNvSpPr>
+            <a:spLocks noGrp="1"/>
+          </p:cNvSpPr>
+          <p:nvPr>
+            <p:ph type="title"/>
+          </p:nvPr>
+        </p:nvSpPr>
+        <p:spPr/>
+        <p:txBody>
+          <a:bodyPr/>
+          <a:lstStyle/>
+          <a:p>
+            <a:r>
+              <a:rPr lang="en-US" altLang="zh-TW" dirty="0"/>
+              <a:t>K-fold cross validation </a:t>
+            </a:r>
+            <a:endParaRPr lang="zh-TW" altLang="en-US" dirty="0"/>
+          </a:p>
+        </p:txBody>
+      </p:sp>
+      <p:sp>
+        <p:nvSpPr>
+          <p:cNvPr id="4" name="內容版面配置區 3">
+            <a:extLst>
+              <a:ext uri="{FF2B5EF4-FFF2-40B4-BE49-F238E27FC236}">
+                <a16:creationId xmlns:a16="http://schemas.microsoft.com/office/drawing/2014/main" id="{7EB0F08D-B77D-47E6-BE9E-1AAB8278F19C}"/>
+              </a:ext>
+            </a:extLst>
+          </p:cNvPr>
+          <p:cNvSpPr>
+            <a:spLocks noGrp="1"/>
+          </p:cNvSpPr>
+          <p:nvPr>
+            <p:ph sz="half" idx="1"/>
+          </p:nvPr>
+        </p:nvSpPr>
+        <p:spPr/>
+        <p:txBody>
+          <a:bodyPr/>
+          <a:lstStyle/>
+          <a:p>
+            <a:r>
+              <a:rPr lang="en-US" altLang="zh-TW" dirty="0"/>
+              <a:t>Hyperparameters is a parameter whose value is used to control the learning process</a:t>
+            </a:r>
+          </a:p>
+          <a:p>
+            <a:r>
+              <a:rPr lang="en-US" altLang="zh-TW" dirty="0"/>
+              <a:t>Find hyperparameter settings that have best average performance of each split.</a:t>
+            </a:r>
+            <a:endParaRPr lang="zh-TW" altLang="en-US" dirty="0"/>
+          </a:p>
+        </p:txBody>
+      </p:sp>
+      <p:pic>
+        <p:nvPicPr>
+          <p:cNvPr id="1026" name="Picture 2" descr="3.1. Cross-validation: evaluating estimator performance — scikit-learn  1.0.1 documentation">
+            <a:extLst>
+              <a:ext uri="{FF2B5EF4-FFF2-40B4-BE49-F238E27FC236}">
+                <a16:creationId xmlns:a16="http://schemas.microsoft.com/office/drawing/2014/main" id="{6607C1BA-2611-4113-906D-18658FA38857}"/>
+              </a:ext>
+            </a:extLst>
+          </p:cNvPr>
+          <p:cNvPicPr>
+            <a:picLocks noChangeAspect="1" noChangeArrowheads="1"/>
+          </p:cNvPicPr>
+          <p:nvPr/>
+        </p:nvPicPr>
+        <p:blipFill>
+          <a:blip r:embed="rId2">
+            <a:extLst>
+              <a:ext uri="{28A0092B-C50C-407E-A947-70E740481C1C}">
+                <a14:useLocalDpi xmlns:a14="http://schemas.microsoft.com/office/drawing/2010/main" val="0"/>
+              </a:ext>
+            </a:extLst>
+          </a:blip>
+          <a:srcRect/>
+          <a:stretch>
+            <a:fillRect/>
+          </a:stretch>
+        </p:blipFill>
+        <p:spPr bwMode="auto">
+          <a:xfrm>
+            <a:off x="6226263" y="2717534"/>
+            <a:ext cx="4588041" cy="3177931"/>
+          </a:xfrm>
+          <a:prstGeom prst="rect">
+            <a:avLst/>
+          </a:prstGeom>
+          <a:noFill/>
+          <a:extLst>
+            <a:ext uri="{909E8E84-426E-40DD-AFC4-6F175D3DCCD1}">
+              <a14:hiddenFill xmlns:a14="http://schemas.microsoft.com/office/drawing/2010/main">
+                <a:solidFill>
+                  <a:srgbClr val="FFFFFF"/>
+                </a:solidFill>
+              </a14:hiddenFill>
+            </a:ext>
+          </a:extLst>
+        </p:spPr>
+      </p:pic>
+    </p:spTree>
+    <p:extLst>
+      <p:ext uri="{BB962C8B-B14F-4D97-AF65-F5344CB8AC3E}">
+        <p14:creationId xmlns:p14="http://schemas.microsoft.com/office/powerpoint/2010/main" val="1215112184"/>
       </p:ext>
     </p:extLst>
   </p:cSld>
@@ -6454,10 +6723,10 @@
       </p:grpSpPr>
       <p:sp>
         <p:nvSpPr>
-          <p:cNvPr id="6" name="標題 5">
+          <p:cNvPr id="2" name="標題 1">
             <a:extLst>
               <a:ext uri="{FF2B5EF4-FFF2-40B4-BE49-F238E27FC236}">
-                <a16:creationId xmlns:a16="http://schemas.microsoft.com/office/drawing/2014/main" id="{404B3690-C787-41C5-8A03-C2E0D6BE916C}"/>
+                <a16:creationId xmlns:a16="http://schemas.microsoft.com/office/drawing/2014/main" id="{CC418AD0-308A-40D9-AD0C-AC0E2D97E487}"/>
               </a:ext>
             </a:extLst>
           </p:cNvPr>
@@ -6475,7 +6744,7 @@
           <a:p>
             <a:r>
               <a:rPr lang="en-US" altLang="zh-TW" dirty="0"/>
-              <a:t>Course Summary</a:t>
+              <a:t>Outline</a:t>
             </a:r>
             <a:endParaRPr lang="zh-TW" altLang="en-US" dirty="0"/>
           </a:p>
@@ -6483,10 +6752,10 @@
       </p:sp>
       <p:sp>
         <p:nvSpPr>
-          <p:cNvPr id="7" name="內容版面配置區 6">
+          <p:cNvPr id="3" name="內容版面配置區 2">
             <a:extLst>
               <a:ext uri="{FF2B5EF4-FFF2-40B4-BE49-F238E27FC236}">
-                <a16:creationId xmlns:a16="http://schemas.microsoft.com/office/drawing/2014/main" id="{E0C272F6-60D0-4746-9212-567531EB7E0B}"/>
+                <a16:creationId xmlns:a16="http://schemas.microsoft.com/office/drawing/2014/main" id="{76CAA2BB-3E33-4FDF-9811-D9F482FF4D87}"/>
               </a:ext>
             </a:extLst>
           </p:cNvPr>
@@ -6499,68 +6768,45 @@
         </p:nvSpPr>
         <p:spPr/>
         <p:txBody>
-          <a:bodyPr>
-            <a:normAutofit/>
-          </a:bodyPr>
+          <a:bodyPr/>
           <a:lstStyle/>
           <a:p>
-            <a:pPr marL="457200" indent="-457200">
-              <a:buFont typeface="+mj-lt"/>
-              <a:buAutoNum type="arabicPeriod"/>
-            </a:pPr>
             <a:r>
               <a:rPr lang="en-US" altLang="zh-TW" dirty="0"/>
-              <a:t>Validation</a:t>
-            </a:r>
-          </a:p>
-          <a:p>
-            <a:pPr lvl="1"/>
-            <a:r>
-              <a:rPr lang="en-US" altLang="zh-TW" dirty="0">
-                <a:solidFill>
-                  <a:srgbClr val="FF0000"/>
-                </a:solidFill>
-              </a:rPr>
-              <a:t>K-fold cross validation (*optional)</a:t>
-            </a:r>
-          </a:p>
-          <a:p>
-            <a:pPr lvl="1"/>
+              <a:t>Course Summary</a:t>
+            </a:r>
+          </a:p>
+          <a:p>
             <a:r>
               <a:rPr lang="en-US" altLang="zh-TW" dirty="0"/>
-              <a:t>Leave-one-out cross validation</a:t>
-            </a:r>
-          </a:p>
-          <a:p>
-            <a:pPr lvl="1"/>
+              <a:t>Google </a:t>
+            </a:r>
+            <a:r>
+              <a:rPr lang="en-US" altLang="zh-TW" dirty="0" err="1"/>
+              <a:t>colab</a:t>
+            </a:r>
+            <a:endParaRPr lang="en-US" altLang="zh-TW" dirty="0"/>
+          </a:p>
+          <a:p>
             <a:r>
               <a:rPr lang="en-US" altLang="zh-TW" dirty="0"/>
-              <a:t>Holdout cross validation</a:t>
-            </a:r>
-          </a:p>
-          <a:p>
-            <a:pPr marL="457200" indent="-457200">
-              <a:lnSpc>
-                <a:spcPct val="150000"/>
-              </a:lnSpc>
-              <a:buFont typeface="+mj-lt"/>
-              <a:buAutoNum type="arabicPeriod"/>
-            </a:pPr>
+              <a:t>Linear regression</a:t>
+            </a:r>
+          </a:p>
+          <a:p>
             <a:r>
               <a:rPr lang="en-US" altLang="zh-TW" dirty="0"/>
-              <a:t>Evaluation</a:t>
-            </a:r>
-          </a:p>
-          <a:p>
-            <a:pPr lvl="1"/>
-            <a:r>
-              <a:rPr lang="en-US" altLang="zh-TW" dirty="0">
-                <a:solidFill>
-                  <a:srgbClr val="FF0000"/>
-                </a:solidFill>
-              </a:rPr>
-              <a:t>Confusion matrix</a:t>
-            </a:r>
+              <a:t>Naive Bayes classifier</a:t>
+            </a:r>
+          </a:p>
+          <a:p>
+            <a:r>
+              <a:rPr lang="en-US" altLang="zh-TW" dirty="0"/>
+              <a:t>K-fold cross validation </a:t>
+            </a:r>
+          </a:p>
+          <a:p>
+            <a:endParaRPr lang="en-US" altLang="zh-TW" dirty="0"/>
           </a:p>
           <a:p>
             <a:endParaRPr lang="zh-TW" altLang="en-US" dirty="0"/>
@@ -6570,7 +6816,7 @@
     </p:spTree>
     <p:extLst>
       <p:ext uri="{BB962C8B-B14F-4D97-AF65-F5344CB8AC3E}">
-        <p14:creationId xmlns:p14="http://schemas.microsoft.com/office/powerpoint/2010/main" val="3260500670"/>
+        <p14:creationId xmlns:p14="http://schemas.microsoft.com/office/powerpoint/2010/main" val="668745891"/>
       </p:ext>
     </p:extLst>
   </p:cSld>
@@ -6645,6 +6891,151 @@
         <p:spPr/>
         <p:txBody>
           <a:bodyPr>
+            <a:normAutofit/>
+          </a:bodyPr>
+          <a:lstStyle/>
+          <a:p>
+            <a:pPr marL="457200" indent="-457200">
+              <a:buFont typeface="+mj-lt"/>
+              <a:buAutoNum type="arabicPeriod"/>
+            </a:pPr>
+            <a:r>
+              <a:rPr lang="en-US" altLang="zh-TW" dirty="0"/>
+              <a:t>Validation</a:t>
+            </a:r>
+          </a:p>
+          <a:p>
+            <a:pPr lvl="1"/>
+            <a:r>
+              <a:rPr lang="en-US" altLang="zh-TW" dirty="0">
+                <a:solidFill>
+                  <a:srgbClr val="FF0000"/>
+                </a:solidFill>
+              </a:rPr>
+              <a:t>K-fold cross validation (*optional)</a:t>
+            </a:r>
+          </a:p>
+          <a:p>
+            <a:pPr lvl="1"/>
+            <a:r>
+              <a:rPr lang="en-US" altLang="zh-TW" dirty="0"/>
+              <a:t>Leave-one-out cross validation</a:t>
+            </a:r>
+          </a:p>
+          <a:p>
+            <a:pPr lvl="1"/>
+            <a:r>
+              <a:rPr lang="en-US" altLang="zh-TW" dirty="0"/>
+              <a:t>Holdout cross validation</a:t>
+            </a:r>
+          </a:p>
+          <a:p>
+            <a:pPr marL="457200" indent="-457200">
+              <a:lnSpc>
+                <a:spcPct val="150000"/>
+              </a:lnSpc>
+              <a:buFont typeface="+mj-lt"/>
+              <a:buAutoNum type="arabicPeriod"/>
+            </a:pPr>
+            <a:r>
+              <a:rPr lang="en-US" altLang="zh-TW" dirty="0"/>
+              <a:t>Evaluation</a:t>
+            </a:r>
+          </a:p>
+          <a:p>
+            <a:pPr lvl="1"/>
+            <a:r>
+              <a:rPr lang="en-US" altLang="zh-TW" dirty="0">
+                <a:solidFill>
+                  <a:srgbClr val="FF0000"/>
+                </a:solidFill>
+              </a:rPr>
+              <a:t>Confusion matrix</a:t>
+            </a:r>
+          </a:p>
+          <a:p>
+            <a:endParaRPr lang="zh-TW" altLang="en-US" dirty="0"/>
+          </a:p>
+        </p:txBody>
+      </p:sp>
+    </p:spTree>
+    <p:extLst>
+      <p:ext uri="{BB962C8B-B14F-4D97-AF65-F5344CB8AC3E}">
+        <p14:creationId xmlns:p14="http://schemas.microsoft.com/office/powerpoint/2010/main" val="3260500670"/>
+      </p:ext>
+    </p:extLst>
+  </p:cSld>
+  <p:clrMapOvr>
+    <a:masterClrMapping/>
+  </p:clrMapOvr>
+</p:sld>
+</file>
+
+<file path=ppt/slides/slide4.xml><?xml version="1.0" encoding="utf-8"?>
+<p:sld xmlns:a="http://schemas.openxmlformats.org/drawingml/2006/main" xmlns:r="http://schemas.openxmlformats.org/officeDocument/2006/relationships" xmlns:p="http://schemas.openxmlformats.org/presentationml/2006/main">
+  <p:cSld>
+    <p:spTree>
+      <p:nvGrpSpPr>
+        <p:cNvPr id="1" name=""/>
+        <p:cNvGrpSpPr/>
+        <p:nvPr/>
+      </p:nvGrpSpPr>
+      <p:grpSpPr>
+        <a:xfrm>
+          <a:off x="0" y="0"/>
+          <a:ext cx="0" cy="0"/>
+          <a:chOff x="0" y="0"/>
+          <a:chExt cx="0" cy="0"/>
+        </a:xfrm>
+      </p:grpSpPr>
+      <p:sp>
+        <p:nvSpPr>
+          <p:cNvPr id="6" name="標題 5">
+            <a:extLst>
+              <a:ext uri="{FF2B5EF4-FFF2-40B4-BE49-F238E27FC236}">
+                <a16:creationId xmlns:a16="http://schemas.microsoft.com/office/drawing/2014/main" id="{404B3690-C787-41C5-8A03-C2E0D6BE916C}"/>
+              </a:ext>
+            </a:extLst>
+          </p:cNvPr>
+          <p:cNvSpPr>
+            <a:spLocks noGrp="1"/>
+          </p:cNvSpPr>
+          <p:nvPr>
+            <p:ph type="title"/>
+          </p:nvPr>
+        </p:nvSpPr>
+        <p:spPr/>
+        <p:txBody>
+          <a:bodyPr/>
+          <a:lstStyle/>
+          <a:p>
+            <a:r>
+              <a:rPr lang="en-US" altLang="zh-TW" dirty="0"/>
+              <a:t>Course Summary</a:t>
+            </a:r>
+            <a:endParaRPr lang="zh-TW" altLang="en-US" dirty="0"/>
+          </a:p>
+        </p:txBody>
+      </p:sp>
+      <p:sp>
+        <p:nvSpPr>
+          <p:cNvPr id="7" name="內容版面配置區 6">
+            <a:extLst>
+              <a:ext uri="{FF2B5EF4-FFF2-40B4-BE49-F238E27FC236}">
+                <a16:creationId xmlns:a16="http://schemas.microsoft.com/office/drawing/2014/main" id="{E0C272F6-60D0-4746-9212-567531EB7E0B}"/>
+              </a:ext>
+            </a:extLst>
+          </p:cNvPr>
+          <p:cNvSpPr>
+            <a:spLocks noGrp="1"/>
+          </p:cNvSpPr>
+          <p:nvPr>
+            <p:ph idx="1"/>
+          </p:nvPr>
+        </p:nvSpPr>
+        <p:spPr/>
+        <p:txBody>
+          <a:bodyPr>
             <a:normAutofit fontScale="92500" lnSpcReduction="20000"/>
           </a:bodyPr>
           <a:lstStyle/>
@@ -6748,7 +7139,107 @@
 </p:sld>
 </file>
 
-<file path=ppt/slides/slide4.xml><?xml version="1.0" encoding="utf-8"?>
+<file path=ppt/slides/slide5.xml><?xml version="1.0" encoding="utf-8"?>
+<p:sld xmlns:a="http://schemas.openxmlformats.org/drawingml/2006/main" xmlns:r="http://schemas.openxmlformats.org/officeDocument/2006/relationships" xmlns:p="http://schemas.openxmlformats.org/presentationml/2006/main">
+  <p:cSld>
+    <p:spTree>
+      <p:nvGrpSpPr>
+        <p:cNvPr id="1" name=""/>
+        <p:cNvGrpSpPr/>
+        <p:nvPr/>
+      </p:nvGrpSpPr>
+      <p:grpSpPr>
+        <a:xfrm>
+          <a:off x="0" y="0"/>
+          <a:ext cx="0" cy="0"/>
+          <a:chOff x="0" y="0"/>
+          <a:chExt cx="0" cy="0"/>
+        </a:xfrm>
+      </p:grpSpPr>
+      <p:sp>
+        <p:nvSpPr>
+          <p:cNvPr id="2" name="標題 1">
+            <a:extLst>
+              <a:ext uri="{FF2B5EF4-FFF2-40B4-BE49-F238E27FC236}">
+                <a16:creationId xmlns:a16="http://schemas.microsoft.com/office/drawing/2014/main" id="{1FA1A006-AF7F-46DC-8A18-E16F26CA8DFB}"/>
+              </a:ext>
+            </a:extLst>
+          </p:cNvPr>
+          <p:cNvSpPr>
+            <a:spLocks noGrp="1"/>
+          </p:cNvSpPr>
+          <p:nvPr>
+            <p:ph type="title"/>
+          </p:nvPr>
+        </p:nvSpPr>
+        <p:spPr/>
+        <p:txBody>
+          <a:bodyPr/>
+          <a:lstStyle/>
+          <a:p>
+            <a:r>
+              <a:rPr lang="en-US" altLang="zh-TW" dirty="0"/>
+              <a:t>Google </a:t>
+            </a:r>
+            <a:r>
+              <a:rPr lang="en-US" altLang="zh-TW" dirty="0" err="1"/>
+              <a:t>colab</a:t>
+            </a:r>
+            <a:endParaRPr lang="zh-TW" altLang="en-US" dirty="0"/>
+          </a:p>
+        </p:txBody>
+      </p:sp>
+      <p:sp>
+        <p:nvSpPr>
+          <p:cNvPr id="3" name="內容版面配置區 2">
+            <a:extLst>
+              <a:ext uri="{FF2B5EF4-FFF2-40B4-BE49-F238E27FC236}">
+                <a16:creationId xmlns:a16="http://schemas.microsoft.com/office/drawing/2014/main" id="{8FE8FFCC-A3EB-4C83-8517-C65250F8258D}"/>
+              </a:ext>
+            </a:extLst>
+          </p:cNvPr>
+          <p:cNvSpPr>
+            <a:spLocks noGrp="1"/>
+          </p:cNvSpPr>
+          <p:nvPr>
+            <p:ph idx="1"/>
+          </p:nvPr>
+        </p:nvSpPr>
+        <p:spPr/>
+        <p:txBody>
+          <a:bodyPr/>
+          <a:lstStyle/>
+          <a:p>
+            <a:r>
+              <a:rPr lang="zh-TW" altLang="en-US" dirty="0"/>
+              <a:t>下載教材檔案</a:t>
+            </a:r>
+            <a:endParaRPr lang="en-US" altLang="zh-TW" dirty="0"/>
+          </a:p>
+          <a:p>
+            <a:pPr lvl="1"/>
+            <a:r>
+              <a:rPr lang="en-US" altLang="zh-TW" dirty="0"/>
+              <a:t>https://drive.google.com/file/d/1MDGy3AIAJ4koW9ot3sxsfCbCKMG24ahC/view?usp=sharing</a:t>
+            </a:r>
+            <a:endParaRPr lang="zh-TW" altLang="en-US" dirty="0"/>
+          </a:p>
+        </p:txBody>
+      </p:sp>
+    </p:spTree>
+    <p:extLst>
+      <p:ext uri="{BB962C8B-B14F-4D97-AF65-F5344CB8AC3E}">
+        <p14:creationId xmlns:p14="http://schemas.microsoft.com/office/powerpoint/2010/main" val="715892325"/>
+      </p:ext>
+    </p:extLst>
+  </p:cSld>
+  <p:clrMapOvr>
+    <a:masterClrMapping/>
+  </p:clrMapOvr>
+</p:sld>
+</file>
+
+<file path=ppt/slides/slide6.xml><?xml version="1.0" encoding="utf-8"?>
 <p:sld xmlns:a="http://schemas.openxmlformats.org/drawingml/2006/main" xmlns:r="http://schemas.openxmlformats.org/officeDocument/2006/relationships" xmlns:p="http://schemas.openxmlformats.org/presentationml/2006/main">
   <p:cSld>
     <p:spTree>
@@ -7283,7 +7774,7 @@
 </p:sld>
 </file>
 
-<file path=ppt/slides/slide5.xml><?xml version="1.0" encoding="utf-8"?>
+<file path=ppt/slides/slide7.xml><?xml version="1.0" encoding="utf-8"?>
 <p:sld xmlns:a="http://schemas.openxmlformats.org/drawingml/2006/main" xmlns:r="http://schemas.openxmlformats.org/officeDocument/2006/relationships" xmlns:p="http://schemas.openxmlformats.org/presentationml/2006/main">
   <p:cSld>
     <p:spTree>
@@ -7329,8 +7820,8 @@
           </a:p>
         </p:txBody>
       </p:sp>
-      <mc:AlternateContent xmlns:mc="http://schemas.openxmlformats.org/markup-compatibility/2006">
-        <mc:Choice xmlns:a14="http://schemas.microsoft.com/office/drawing/2010/main" Requires="a14">
+      <mc:AlternateContent xmlns:mc="http://schemas.openxmlformats.org/markup-compatibility/2006" xmlns:a14="http://schemas.microsoft.com/office/drawing/2010/main">
+        <mc:Choice Requires="a14">
           <p:sp>
             <p:nvSpPr>
               <p:cNvPr id="5" name="內容版面配置區 4">
@@ -7812,7 +8303,7 @@
             </p:txBody>
           </p:sp>
         </mc:Choice>
-        <mc:Fallback>
+        <mc:Fallback xmlns="">
           <p:sp>
             <p:nvSpPr>
               <p:cNvPr id="5" name="內容版面配置區 4">
@@ -7865,7 +8356,7 @@
 </p:sld>
 </file>
 
-<file path=ppt/slides/slide6.xml><?xml version="1.0" encoding="utf-8"?>
+<file path=ppt/slides/slide8.xml><?xml version="1.0" encoding="utf-8"?>
 <p:sld xmlns:a="http://schemas.openxmlformats.org/drawingml/2006/main" xmlns:r="http://schemas.openxmlformats.org/officeDocument/2006/relationships" xmlns:p="http://schemas.openxmlformats.org/presentationml/2006/main">
   <p:cSld>
     <p:spTree>
@@ -8353,13 +8844,7 @@
                               <a:rPr lang="en-US" altLang="zh-TW" b="0" i="1" smtClean="0">
                                 <a:latin typeface="Cambria Math" panose="02040503050406030204" pitchFamily="18" charset="0"/>
                               </a:rPr>
-                              <m:t>−</m:t>
-                            </m:r>
-                            <m:r>
-                              <a:rPr lang="en-US" altLang="zh-TW" b="0" i="1" smtClean="0">
-                                <a:latin typeface="Cambria Math" panose="02040503050406030204" pitchFamily="18" charset="0"/>
-                              </a:rPr>
-                              <m:t>1</m:t>
+                              <m:t>−1</m:t>
                             </m:r>
                           </m:sub>
                         </m:sSub>
@@ -8396,13 +8881,7 @@
                               <a:rPr lang="en-US" altLang="zh-TW" b="0" i="1" smtClean="0">
                                 <a:latin typeface="Cambria Math" panose="02040503050406030204" pitchFamily="18" charset="0"/>
                               </a:rPr>
-                              <m:t>+</m:t>
-                            </m:r>
-                            <m:r>
-                              <a:rPr lang="en-US" altLang="zh-TW" b="0" i="1" smtClean="0">
-                                <a:latin typeface="Cambria Math" panose="02040503050406030204" pitchFamily="18" charset="0"/>
-                              </a:rPr>
-                              <m:t>1</m:t>
+                              <m:t>+1</m:t>
                             </m:r>
                           </m:sub>
                         </m:sSub>
@@ -8661,13 +9140,7 @@
                               <a:rPr lang="en-US" altLang="zh-TW" b="0" i="1" smtClean="0">
                                 <a:latin typeface="Cambria Math" panose="02040503050406030204" pitchFamily="18" charset="0"/>
                               </a:rPr>
-                              <m:t>=</m:t>
-                            </m:r>
-                            <m:r>
-                              <a:rPr lang="en-US" altLang="zh-TW" b="0" i="1" smtClean="0">
-                                <a:latin typeface="Cambria Math" panose="02040503050406030204" pitchFamily="18" charset="0"/>
-                              </a:rPr>
-                              <m:t>1</m:t>
+                              <m:t>=1</m:t>
                             </m:r>
                           </m:sub>
                           <m:sup>
@@ -8861,13 +9334,7 @@
                           <a:rPr lang="en-US" altLang="zh-TW" i="1">
                             <a:latin typeface="Cambria Math" panose="02040503050406030204" pitchFamily="18" charset="0"/>
                           </a:rPr>
-                          <m:t>=</m:t>
-                        </m:r>
-                        <m:r>
-                          <a:rPr lang="en-US" altLang="zh-TW" i="1">
-                            <a:latin typeface="Cambria Math" panose="02040503050406030204" pitchFamily="18" charset="0"/>
-                          </a:rPr>
-                          <m:t>1</m:t>
+                          <m:t>=1</m:t>
                         </m:r>
                       </m:sub>
                       <m:sup>
@@ -8989,7 +9456,7 @@
 </p:sld>
 </file>
 
-<file path=ppt/slides/slide7.xml><?xml version="1.0" encoding="utf-8"?>
+<file path=ppt/slides/slide9.xml><?xml version="1.0" encoding="utf-8"?>
 <p:sld xmlns:a="http://schemas.openxmlformats.org/drawingml/2006/main" xmlns:r="http://schemas.openxmlformats.org/officeDocument/2006/relationships" xmlns:p="http://schemas.openxmlformats.org/presentationml/2006/main">
   <p:cSld>
     <p:spTree>
@@ -9607,256 +10074,6 @@
     <p:extLst>
       <p:ext uri="{BB962C8B-B14F-4D97-AF65-F5344CB8AC3E}">
         <p14:creationId xmlns:p14="http://schemas.microsoft.com/office/powerpoint/2010/main" val="3175432762"/>
-      </p:ext>
-    </p:extLst>
-  </p:cSld>
-  <p:clrMapOvr>
-    <a:masterClrMapping/>
-  </p:clrMapOvr>
-</p:sld>
-</file>
-
-<file path=ppt/slides/slide8.xml><?xml version="1.0" encoding="utf-8"?>
-<p:sld xmlns:a="http://schemas.openxmlformats.org/drawingml/2006/main" xmlns:r="http://schemas.openxmlformats.org/officeDocument/2006/relationships" xmlns:p="http://schemas.openxmlformats.org/presentationml/2006/main">
-  <p:cSld>
-    <p:spTree>
-      <p:nvGrpSpPr>
-        <p:cNvPr id="1" name=""/>
-        <p:cNvGrpSpPr/>
-        <p:nvPr/>
-      </p:nvGrpSpPr>
-      <p:grpSpPr>
-        <a:xfrm>
-          <a:off x="0" y="0"/>
-          <a:ext cx="0" cy="0"/>
-          <a:chOff x="0" y="0"/>
-          <a:chExt cx="0" cy="0"/>
-        </a:xfrm>
-      </p:grpSpPr>
-      <p:sp>
-        <p:nvSpPr>
-          <p:cNvPr id="2" name="標題 1">
-            <a:extLst>
-              <a:ext uri="{FF2B5EF4-FFF2-40B4-BE49-F238E27FC236}">
-                <a16:creationId xmlns:a16="http://schemas.microsoft.com/office/drawing/2014/main" id="{C8E48965-8037-4518-9B1F-97A622225491}"/>
-              </a:ext>
-            </a:extLst>
-          </p:cNvPr>
-          <p:cNvSpPr>
-            <a:spLocks noGrp="1"/>
-          </p:cNvSpPr>
-          <p:nvPr>
-            <p:ph type="title"/>
-          </p:nvPr>
-        </p:nvSpPr>
-        <p:spPr/>
-        <p:txBody>
-          <a:bodyPr/>
-          <a:lstStyle/>
-          <a:p>
-            <a:r>
-              <a:rPr lang="en-US" altLang="zh-TW" dirty="0"/>
-              <a:t>K-fold cross validation </a:t>
-            </a:r>
-            <a:endParaRPr lang="zh-TW" altLang="en-US" dirty="0"/>
-          </a:p>
-        </p:txBody>
-      </p:sp>
-      <p:sp>
-        <p:nvSpPr>
-          <p:cNvPr id="3" name="內容版面配置區 2">
-            <a:extLst>
-              <a:ext uri="{FF2B5EF4-FFF2-40B4-BE49-F238E27FC236}">
-                <a16:creationId xmlns:a16="http://schemas.microsoft.com/office/drawing/2014/main" id="{201DA8D7-255F-4C52-B442-74F6553F2386}"/>
-              </a:ext>
-            </a:extLst>
-          </p:cNvPr>
-          <p:cNvSpPr>
-            <a:spLocks noGrp="1"/>
-          </p:cNvSpPr>
-          <p:nvPr>
-            <p:ph idx="1"/>
-          </p:nvPr>
-        </p:nvSpPr>
-        <p:spPr/>
-        <p:txBody>
-          <a:bodyPr/>
-          <a:lstStyle/>
-          <a:p>
-            <a:r>
-              <a:rPr lang="en-US" altLang="zh-TW" dirty="0"/>
-              <a:t>3 roles of dataset</a:t>
-            </a:r>
-          </a:p>
-          <a:p>
-            <a:pPr lvl="1"/>
-            <a:r>
-              <a:rPr lang="en-US" altLang="zh-TW" dirty="0"/>
-              <a:t>Training set : for train model</a:t>
-            </a:r>
-          </a:p>
-          <a:p>
-            <a:pPr lvl="1"/>
-            <a:r>
-              <a:rPr lang="en-US" altLang="zh-TW" dirty="0"/>
-              <a:t>Validation set : for hyperparameters tuning</a:t>
-            </a:r>
-          </a:p>
-          <a:p>
-            <a:pPr lvl="1"/>
-            <a:r>
-              <a:rPr lang="en-US" altLang="zh-TW" dirty="0"/>
-              <a:t>Testing set : for model performance evaluation</a:t>
-            </a:r>
-            <a:endParaRPr lang="zh-TW" altLang="en-US" dirty="0"/>
-          </a:p>
-        </p:txBody>
-      </p:sp>
-    </p:spTree>
-    <p:extLst>
-      <p:ext uri="{BB962C8B-B14F-4D97-AF65-F5344CB8AC3E}">
-        <p14:creationId xmlns:p14="http://schemas.microsoft.com/office/powerpoint/2010/main" val="4003296924"/>
-      </p:ext>
-    </p:extLst>
-  </p:cSld>
-  <p:clrMapOvr>
-    <a:masterClrMapping/>
-  </p:clrMapOvr>
-</p:sld>
-</file>
-
-<file path=ppt/slides/slide9.xml><?xml version="1.0" encoding="utf-8"?>
-<p:sld xmlns:a="http://schemas.openxmlformats.org/drawingml/2006/main" xmlns:r="http://schemas.openxmlformats.org/officeDocument/2006/relationships" xmlns:p="http://schemas.openxmlformats.org/presentationml/2006/main">
-  <p:cSld>
-    <p:spTree>
-      <p:nvGrpSpPr>
-        <p:cNvPr id="1" name=""/>
-        <p:cNvGrpSpPr/>
-        <p:nvPr/>
-      </p:nvGrpSpPr>
-      <p:grpSpPr>
-        <a:xfrm>
-          <a:off x="0" y="0"/>
-          <a:ext cx="0" cy="0"/>
-          <a:chOff x="0" y="0"/>
-          <a:chExt cx="0" cy="0"/>
-        </a:xfrm>
-      </p:grpSpPr>
-      <p:sp>
-        <p:nvSpPr>
-          <p:cNvPr id="2" name="標題 1">
-            <a:extLst>
-              <a:ext uri="{FF2B5EF4-FFF2-40B4-BE49-F238E27FC236}">
-                <a16:creationId xmlns:a16="http://schemas.microsoft.com/office/drawing/2014/main" id="{9C3043A8-99FB-406E-94CE-C5955C08CC27}"/>
-              </a:ext>
-            </a:extLst>
-          </p:cNvPr>
-          <p:cNvSpPr>
-            <a:spLocks noGrp="1"/>
-          </p:cNvSpPr>
-          <p:nvPr>
-            <p:ph type="title"/>
-          </p:nvPr>
-        </p:nvSpPr>
-        <p:spPr/>
-        <p:txBody>
-          <a:bodyPr/>
-          <a:lstStyle/>
-          <a:p>
-            <a:r>
-              <a:rPr lang="en-US" altLang="zh-TW" dirty="0"/>
-              <a:t>K-fold cross validation </a:t>
-            </a:r>
-            <a:endParaRPr lang="zh-TW" altLang="en-US" dirty="0"/>
-          </a:p>
-        </p:txBody>
-      </p:sp>
-      <p:sp>
-        <p:nvSpPr>
-          <p:cNvPr id="4" name="內容版面配置區 3">
-            <a:extLst>
-              <a:ext uri="{FF2B5EF4-FFF2-40B4-BE49-F238E27FC236}">
-                <a16:creationId xmlns:a16="http://schemas.microsoft.com/office/drawing/2014/main" id="{7EB0F08D-B77D-47E6-BE9E-1AAB8278F19C}"/>
-              </a:ext>
-            </a:extLst>
-          </p:cNvPr>
-          <p:cNvSpPr>
-            <a:spLocks noGrp="1"/>
-          </p:cNvSpPr>
-          <p:nvPr>
-            <p:ph sz="half" idx="1"/>
-          </p:nvPr>
-        </p:nvSpPr>
-        <p:spPr/>
-        <p:txBody>
-          <a:bodyPr/>
-          <a:lstStyle/>
-          <a:p>
-            <a:r>
-              <a:rPr lang="en-US" altLang="zh-TW" dirty="0"/>
-              <a:t>Hyperparameters is a parameter whose value is used to control the learning process</a:t>
-            </a:r>
-          </a:p>
-          <a:p>
-            <a:r>
-              <a:rPr lang="en-US" altLang="zh-TW" dirty="0"/>
-              <a:t>Find hyperparameter settings that have best average performance of each split.</a:t>
-            </a:r>
-            <a:endParaRPr lang="zh-TW" altLang="en-US" dirty="0"/>
-          </a:p>
-        </p:txBody>
-      </p:sp>
-      <p:pic>
-        <p:nvPicPr>
-          <p:cNvPr id="1026" name="Picture 2" descr="3.1. Cross-validation: evaluating estimator performance — scikit-learn  1.0.1 documentation">
-            <a:extLst>
-              <a:ext uri="{FF2B5EF4-FFF2-40B4-BE49-F238E27FC236}">
-                <a16:creationId xmlns:a16="http://schemas.microsoft.com/office/drawing/2014/main" id="{6607C1BA-2611-4113-906D-18658FA38857}"/>
-              </a:ext>
-            </a:extLst>
-          </p:cNvPr>
-          <p:cNvPicPr>
-            <a:picLocks noChangeAspect="1" noChangeArrowheads="1"/>
-          </p:cNvPicPr>
-          <p:nvPr/>
-        </p:nvPicPr>
-        <p:blipFill>
-          <a:blip r:embed="rId2">
-            <a:extLst>
-              <a:ext uri="{28A0092B-C50C-407E-A947-70E740481C1C}">
-                <a14:useLocalDpi xmlns:a14="http://schemas.microsoft.com/office/drawing/2010/main" val="0"/>
-              </a:ext>
-            </a:extLst>
-          </a:blip>
-          <a:srcRect/>
-          <a:stretch>
-            <a:fillRect/>
-          </a:stretch>
-        </p:blipFill>
-        <p:spPr bwMode="auto">
-          <a:xfrm>
-            <a:off x="6226263" y="2717534"/>
-            <a:ext cx="4588041" cy="3177931"/>
-          </a:xfrm>
-          <a:prstGeom prst="rect">
-            <a:avLst/>
-          </a:prstGeom>
-          <a:noFill/>
-          <a:extLst>
-            <a:ext uri="{909E8E84-426E-40DD-AFC4-6F175D3DCCD1}">
-              <a14:hiddenFill xmlns:a14="http://schemas.microsoft.com/office/drawing/2010/main">
-                <a:solidFill>
-                  <a:srgbClr val="FFFFFF"/>
-                </a:solidFill>
-              </a14:hiddenFill>
-            </a:ext>
-          </a:extLst>
-        </p:spPr>
-      </p:pic>
-    </p:spTree>
-    <p:extLst>
-      <p:ext uri="{BB962C8B-B14F-4D97-AF65-F5344CB8AC3E}">
-        <p14:creationId xmlns:p14="http://schemas.microsoft.com/office/powerpoint/2010/main" val="1215112184"/>
       </p:ext>
     </p:extLst>
   </p:cSld>

--- a/ML_workshop.pptx
+++ b/ML_workshop.pptx
@@ -5,20 +5,22 @@
     <p:sldMasterId id="2147483927" r:id="rId1"/>
   </p:sldMasterIdLst>
   <p:notesMasterIdLst>
-    <p:notesMasterId r:id="rId13"/>
+    <p:notesMasterId r:id="rId15"/>
   </p:notesMasterIdLst>
   <p:sldIdLst>
     <p:sldId id="256" r:id="rId2"/>
-    <p:sldId id="270" r:id="rId3"/>
-    <p:sldId id="257" r:id="rId4"/>
-    <p:sldId id="258" r:id="rId5"/>
+    <p:sldId id="257" r:id="rId3"/>
+    <p:sldId id="258" r:id="rId4"/>
+    <p:sldId id="271" r:id="rId5"/>
     <p:sldId id="269" r:id="rId6"/>
-    <p:sldId id="264" r:id="rId7"/>
-    <p:sldId id="263" r:id="rId8"/>
-    <p:sldId id="262" r:id="rId9"/>
-    <p:sldId id="266" r:id="rId10"/>
-    <p:sldId id="268" r:id="rId11"/>
-    <p:sldId id="267" r:id="rId12"/>
+    <p:sldId id="272" r:id="rId7"/>
+    <p:sldId id="273" r:id="rId8"/>
+    <p:sldId id="264" r:id="rId9"/>
+    <p:sldId id="263" r:id="rId10"/>
+    <p:sldId id="262" r:id="rId11"/>
+    <p:sldId id="266" r:id="rId12"/>
+    <p:sldId id="268" r:id="rId13"/>
+    <p:sldId id="267" r:id="rId14"/>
   </p:sldIdLst>
   <p:sldSz cx="12192000" cy="6858000"/>
   <p:notesSz cx="6858000" cy="9144000"/>
@@ -123,10 +125,12 @@
         <p14:section name="預設章節" id="{DD76B857-9D03-4593-9B0F-4D086132E2E3}">
           <p14:sldIdLst>
             <p14:sldId id="256"/>
-            <p14:sldId id="270"/>
             <p14:sldId id="257"/>
             <p14:sldId id="258"/>
+            <p14:sldId id="271"/>
             <p14:sldId id="269"/>
+            <p14:sldId id="272"/>
+            <p14:sldId id="273"/>
             <p14:sldId id="264"/>
             <p14:sldId id="263"/>
             <p14:sldId id="262"/>
@@ -584,7 +588,7 @@
           <a:p>
             <a:fld id="{AE4E7785-5069-4032-9A67-A3D927B60198}" type="slidenum">
               <a:rPr lang="zh-TW" altLang="en-US" smtClean="0"/>
-              <a:t>8</a:t>
+              <a:t>10</a:t>
             </a:fld>
             <a:endParaRPr lang="zh-TW" altLang="en-US"/>
           </a:p>
@@ -6473,1908 +6477,6 @@
       </p:grpSpPr>
       <p:sp>
         <p:nvSpPr>
-          <p:cNvPr id="2" name="標題 1">
-            <a:extLst>
-              <a:ext uri="{FF2B5EF4-FFF2-40B4-BE49-F238E27FC236}">
-                <a16:creationId xmlns:a16="http://schemas.microsoft.com/office/drawing/2014/main" id="{C8E48965-8037-4518-9B1F-97A622225491}"/>
-              </a:ext>
-            </a:extLst>
-          </p:cNvPr>
-          <p:cNvSpPr>
-            <a:spLocks noGrp="1"/>
-          </p:cNvSpPr>
-          <p:nvPr>
-            <p:ph type="title"/>
-          </p:nvPr>
-        </p:nvSpPr>
-        <p:spPr/>
-        <p:txBody>
-          <a:bodyPr/>
-          <a:lstStyle/>
-          <a:p>
-            <a:r>
-              <a:rPr lang="en-US" altLang="zh-TW" dirty="0"/>
-              <a:t>K-fold cross validation </a:t>
-            </a:r>
-            <a:endParaRPr lang="zh-TW" altLang="en-US" dirty="0"/>
-          </a:p>
-        </p:txBody>
-      </p:sp>
-      <p:sp>
-        <p:nvSpPr>
-          <p:cNvPr id="3" name="內容版面配置區 2">
-            <a:extLst>
-              <a:ext uri="{FF2B5EF4-FFF2-40B4-BE49-F238E27FC236}">
-                <a16:creationId xmlns:a16="http://schemas.microsoft.com/office/drawing/2014/main" id="{201DA8D7-255F-4C52-B442-74F6553F2386}"/>
-              </a:ext>
-            </a:extLst>
-          </p:cNvPr>
-          <p:cNvSpPr>
-            <a:spLocks noGrp="1"/>
-          </p:cNvSpPr>
-          <p:nvPr>
-            <p:ph idx="1"/>
-          </p:nvPr>
-        </p:nvSpPr>
-        <p:spPr/>
-        <p:txBody>
-          <a:bodyPr/>
-          <a:lstStyle/>
-          <a:p>
-            <a:r>
-              <a:rPr lang="en-US" altLang="zh-TW" dirty="0"/>
-              <a:t>3 roles of dataset</a:t>
-            </a:r>
-          </a:p>
-          <a:p>
-            <a:pPr lvl="1"/>
-            <a:r>
-              <a:rPr lang="en-US" altLang="zh-TW" dirty="0"/>
-              <a:t>Training set : for train model</a:t>
-            </a:r>
-          </a:p>
-          <a:p>
-            <a:pPr lvl="1"/>
-            <a:r>
-              <a:rPr lang="en-US" altLang="zh-TW" dirty="0"/>
-              <a:t>Validation set : for hyperparameters tuning</a:t>
-            </a:r>
-          </a:p>
-          <a:p>
-            <a:pPr lvl="1"/>
-            <a:r>
-              <a:rPr lang="en-US" altLang="zh-TW" dirty="0"/>
-              <a:t>Testing set : for model performance evaluation</a:t>
-            </a:r>
-            <a:endParaRPr lang="zh-TW" altLang="en-US" dirty="0"/>
-          </a:p>
-        </p:txBody>
-      </p:sp>
-    </p:spTree>
-    <p:extLst>
-      <p:ext uri="{BB962C8B-B14F-4D97-AF65-F5344CB8AC3E}">
-        <p14:creationId xmlns:p14="http://schemas.microsoft.com/office/powerpoint/2010/main" val="4003296924"/>
-      </p:ext>
-    </p:extLst>
-  </p:cSld>
-  <p:clrMapOvr>
-    <a:masterClrMapping/>
-  </p:clrMapOvr>
-</p:sld>
-</file>
-
-<file path=ppt/slides/slide11.xml><?xml version="1.0" encoding="utf-8"?>
-<p:sld xmlns:a="http://schemas.openxmlformats.org/drawingml/2006/main" xmlns:r="http://schemas.openxmlformats.org/officeDocument/2006/relationships" xmlns:p="http://schemas.openxmlformats.org/presentationml/2006/main">
-  <p:cSld>
-    <p:spTree>
-      <p:nvGrpSpPr>
-        <p:cNvPr id="1" name=""/>
-        <p:cNvGrpSpPr/>
-        <p:nvPr/>
-      </p:nvGrpSpPr>
-      <p:grpSpPr>
-        <a:xfrm>
-          <a:off x="0" y="0"/>
-          <a:ext cx="0" cy="0"/>
-          <a:chOff x="0" y="0"/>
-          <a:chExt cx="0" cy="0"/>
-        </a:xfrm>
-      </p:grpSpPr>
-      <p:sp>
-        <p:nvSpPr>
-          <p:cNvPr id="2" name="標題 1">
-            <a:extLst>
-              <a:ext uri="{FF2B5EF4-FFF2-40B4-BE49-F238E27FC236}">
-                <a16:creationId xmlns:a16="http://schemas.microsoft.com/office/drawing/2014/main" id="{9C3043A8-99FB-406E-94CE-C5955C08CC27}"/>
-              </a:ext>
-            </a:extLst>
-          </p:cNvPr>
-          <p:cNvSpPr>
-            <a:spLocks noGrp="1"/>
-          </p:cNvSpPr>
-          <p:nvPr>
-            <p:ph type="title"/>
-          </p:nvPr>
-        </p:nvSpPr>
-        <p:spPr/>
-        <p:txBody>
-          <a:bodyPr/>
-          <a:lstStyle/>
-          <a:p>
-            <a:r>
-              <a:rPr lang="en-US" altLang="zh-TW" dirty="0"/>
-              <a:t>K-fold cross validation </a:t>
-            </a:r>
-            <a:endParaRPr lang="zh-TW" altLang="en-US" dirty="0"/>
-          </a:p>
-        </p:txBody>
-      </p:sp>
-      <p:sp>
-        <p:nvSpPr>
-          <p:cNvPr id="4" name="內容版面配置區 3">
-            <a:extLst>
-              <a:ext uri="{FF2B5EF4-FFF2-40B4-BE49-F238E27FC236}">
-                <a16:creationId xmlns:a16="http://schemas.microsoft.com/office/drawing/2014/main" id="{7EB0F08D-B77D-47E6-BE9E-1AAB8278F19C}"/>
-              </a:ext>
-            </a:extLst>
-          </p:cNvPr>
-          <p:cNvSpPr>
-            <a:spLocks noGrp="1"/>
-          </p:cNvSpPr>
-          <p:nvPr>
-            <p:ph sz="half" idx="1"/>
-          </p:nvPr>
-        </p:nvSpPr>
-        <p:spPr/>
-        <p:txBody>
-          <a:bodyPr/>
-          <a:lstStyle/>
-          <a:p>
-            <a:r>
-              <a:rPr lang="en-US" altLang="zh-TW" dirty="0"/>
-              <a:t>Hyperparameters is a parameter whose value is used to control the learning process</a:t>
-            </a:r>
-          </a:p>
-          <a:p>
-            <a:r>
-              <a:rPr lang="en-US" altLang="zh-TW" dirty="0"/>
-              <a:t>Find hyperparameter settings that have best average performance of each split.</a:t>
-            </a:r>
-            <a:endParaRPr lang="zh-TW" altLang="en-US" dirty="0"/>
-          </a:p>
-        </p:txBody>
-      </p:sp>
-      <p:pic>
-        <p:nvPicPr>
-          <p:cNvPr id="1026" name="Picture 2" descr="3.1. Cross-validation: evaluating estimator performance — scikit-learn  1.0.1 documentation">
-            <a:extLst>
-              <a:ext uri="{FF2B5EF4-FFF2-40B4-BE49-F238E27FC236}">
-                <a16:creationId xmlns:a16="http://schemas.microsoft.com/office/drawing/2014/main" id="{6607C1BA-2611-4113-906D-18658FA38857}"/>
-              </a:ext>
-            </a:extLst>
-          </p:cNvPr>
-          <p:cNvPicPr>
-            <a:picLocks noChangeAspect="1" noChangeArrowheads="1"/>
-          </p:cNvPicPr>
-          <p:nvPr/>
-        </p:nvPicPr>
-        <p:blipFill>
-          <a:blip r:embed="rId2">
-            <a:extLst>
-              <a:ext uri="{28A0092B-C50C-407E-A947-70E740481C1C}">
-                <a14:useLocalDpi xmlns:a14="http://schemas.microsoft.com/office/drawing/2010/main" val="0"/>
-              </a:ext>
-            </a:extLst>
-          </a:blip>
-          <a:srcRect/>
-          <a:stretch>
-            <a:fillRect/>
-          </a:stretch>
-        </p:blipFill>
-        <p:spPr bwMode="auto">
-          <a:xfrm>
-            <a:off x="6226263" y="2717534"/>
-            <a:ext cx="4588041" cy="3177931"/>
-          </a:xfrm>
-          <a:prstGeom prst="rect">
-            <a:avLst/>
-          </a:prstGeom>
-          <a:noFill/>
-          <a:extLst>
-            <a:ext uri="{909E8E84-426E-40DD-AFC4-6F175D3DCCD1}">
-              <a14:hiddenFill xmlns:a14="http://schemas.microsoft.com/office/drawing/2010/main">
-                <a:solidFill>
-                  <a:srgbClr val="FFFFFF"/>
-                </a:solidFill>
-              </a14:hiddenFill>
-            </a:ext>
-          </a:extLst>
-        </p:spPr>
-      </p:pic>
-    </p:spTree>
-    <p:extLst>
-      <p:ext uri="{BB962C8B-B14F-4D97-AF65-F5344CB8AC3E}">
-        <p14:creationId xmlns:p14="http://schemas.microsoft.com/office/powerpoint/2010/main" val="1215112184"/>
-      </p:ext>
-    </p:extLst>
-  </p:cSld>
-  <p:clrMapOvr>
-    <a:masterClrMapping/>
-  </p:clrMapOvr>
-</p:sld>
-</file>
-
-<file path=ppt/slides/slide2.xml><?xml version="1.0" encoding="utf-8"?>
-<p:sld xmlns:a="http://schemas.openxmlformats.org/drawingml/2006/main" xmlns:r="http://schemas.openxmlformats.org/officeDocument/2006/relationships" xmlns:p="http://schemas.openxmlformats.org/presentationml/2006/main">
-  <p:cSld>
-    <p:spTree>
-      <p:nvGrpSpPr>
-        <p:cNvPr id="1" name=""/>
-        <p:cNvGrpSpPr/>
-        <p:nvPr/>
-      </p:nvGrpSpPr>
-      <p:grpSpPr>
-        <a:xfrm>
-          <a:off x="0" y="0"/>
-          <a:ext cx="0" cy="0"/>
-          <a:chOff x="0" y="0"/>
-          <a:chExt cx="0" cy="0"/>
-        </a:xfrm>
-      </p:grpSpPr>
-      <p:sp>
-        <p:nvSpPr>
-          <p:cNvPr id="2" name="標題 1">
-            <a:extLst>
-              <a:ext uri="{FF2B5EF4-FFF2-40B4-BE49-F238E27FC236}">
-                <a16:creationId xmlns:a16="http://schemas.microsoft.com/office/drawing/2014/main" id="{CC418AD0-308A-40D9-AD0C-AC0E2D97E487}"/>
-              </a:ext>
-            </a:extLst>
-          </p:cNvPr>
-          <p:cNvSpPr>
-            <a:spLocks noGrp="1"/>
-          </p:cNvSpPr>
-          <p:nvPr>
-            <p:ph type="title"/>
-          </p:nvPr>
-        </p:nvSpPr>
-        <p:spPr/>
-        <p:txBody>
-          <a:bodyPr/>
-          <a:lstStyle/>
-          <a:p>
-            <a:r>
-              <a:rPr lang="en-US" altLang="zh-TW" dirty="0"/>
-              <a:t>Outline</a:t>
-            </a:r>
-            <a:endParaRPr lang="zh-TW" altLang="en-US" dirty="0"/>
-          </a:p>
-        </p:txBody>
-      </p:sp>
-      <p:sp>
-        <p:nvSpPr>
-          <p:cNvPr id="3" name="內容版面配置區 2">
-            <a:extLst>
-              <a:ext uri="{FF2B5EF4-FFF2-40B4-BE49-F238E27FC236}">
-                <a16:creationId xmlns:a16="http://schemas.microsoft.com/office/drawing/2014/main" id="{76CAA2BB-3E33-4FDF-9811-D9F482FF4D87}"/>
-              </a:ext>
-            </a:extLst>
-          </p:cNvPr>
-          <p:cNvSpPr>
-            <a:spLocks noGrp="1"/>
-          </p:cNvSpPr>
-          <p:nvPr>
-            <p:ph idx="1"/>
-          </p:nvPr>
-        </p:nvSpPr>
-        <p:spPr/>
-        <p:txBody>
-          <a:bodyPr/>
-          <a:lstStyle/>
-          <a:p>
-            <a:r>
-              <a:rPr lang="en-US" altLang="zh-TW" dirty="0"/>
-              <a:t>Course Summary</a:t>
-            </a:r>
-          </a:p>
-          <a:p>
-            <a:r>
-              <a:rPr lang="en-US" altLang="zh-TW" dirty="0"/>
-              <a:t>Google </a:t>
-            </a:r>
-            <a:r>
-              <a:rPr lang="en-US" altLang="zh-TW" dirty="0" err="1"/>
-              <a:t>colab</a:t>
-            </a:r>
-            <a:endParaRPr lang="en-US" altLang="zh-TW" dirty="0"/>
-          </a:p>
-          <a:p>
-            <a:r>
-              <a:rPr lang="en-US" altLang="zh-TW" dirty="0"/>
-              <a:t>Linear regression</a:t>
-            </a:r>
-          </a:p>
-          <a:p>
-            <a:r>
-              <a:rPr lang="en-US" altLang="zh-TW" dirty="0"/>
-              <a:t>Naive Bayes classifier</a:t>
-            </a:r>
-          </a:p>
-          <a:p>
-            <a:r>
-              <a:rPr lang="en-US" altLang="zh-TW" dirty="0"/>
-              <a:t>K-fold cross validation </a:t>
-            </a:r>
-          </a:p>
-          <a:p>
-            <a:endParaRPr lang="en-US" altLang="zh-TW" dirty="0"/>
-          </a:p>
-          <a:p>
-            <a:endParaRPr lang="zh-TW" altLang="en-US" dirty="0"/>
-          </a:p>
-        </p:txBody>
-      </p:sp>
-    </p:spTree>
-    <p:extLst>
-      <p:ext uri="{BB962C8B-B14F-4D97-AF65-F5344CB8AC3E}">
-        <p14:creationId xmlns:p14="http://schemas.microsoft.com/office/powerpoint/2010/main" val="668745891"/>
-      </p:ext>
-    </p:extLst>
-  </p:cSld>
-  <p:clrMapOvr>
-    <a:masterClrMapping/>
-  </p:clrMapOvr>
-</p:sld>
-</file>
-
-<file path=ppt/slides/slide3.xml><?xml version="1.0" encoding="utf-8"?>
-<p:sld xmlns:a="http://schemas.openxmlformats.org/drawingml/2006/main" xmlns:r="http://schemas.openxmlformats.org/officeDocument/2006/relationships" xmlns:p="http://schemas.openxmlformats.org/presentationml/2006/main">
-  <p:cSld>
-    <p:spTree>
-      <p:nvGrpSpPr>
-        <p:cNvPr id="1" name=""/>
-        <p:cNvGrpSpPr/>
-        <p:nvPr/>
-      </p:nvGrpSpPr>
-      <p:grpSpPr>
-        <a:xfrm>
-          <a:off x="0" y="0"/>
-          <a:ext cx="0" cy="0"/>
-          <a:chOff x="0" y="0"/>
-          <a:chExt cx="0" cy="0"/>
-        </a:xfrm>
-      </p:grpSpPr>
-      <p:sp>
-        <p:nvSpPr>
-          <p:cNvPr id="6" name="標題 5">
-            <a:extLst>
-              <a:ext uri="{FF2B5EF4-FFF2-40B4-BE49-F238E27FC236}">
-                <a16:creationId xmlns:a16="http://schemas.microsoft.com/office/drawing/2014/main" id="{404B3690-C787-41C5-8A03-C2E0D6BE916C}"/>
-              </a:ext>
-            </a:extLst>
-          </p:cNvPr>
-          <p:cNvSpPr>
-            <a:spLocks noGrp="1"/>
-          </p:cNvSpPr>
-          <p:nvPr>
-            <p:ph type="title"/>
-          </p:nvPr>
-        </p:nvSpPr>
-        <p:spPr/>
-        <p:txBody>
-          <a:bodyPr/>
-          <a:lstStyle/>
-          <a:p>
-            <a:r>
-              <a:rPr lang="en-US" altLang="zh-TW" dirty="0"/>
-              <a:t>Course Summary</a:t>
-            </a:r>
-            <a:endParaRPr lang="zh-TW" altLang="en-US" dirty="0"/>
-          </a:p>
-        </p:txBody>
-      </p:sp>
-      <p:sp>
-        <p:nvSpPr>
-          <p:cNvPr id="7" name="內容版面配置區 6">
-            <a:extLst>
-              <a:ext uri="{FF2B5EF4-FFF2-40B4-BE49-F238E27FC236}">
-                <a16:creationId xmlns:a16="http://schemas.microsoft.com/office/drawing/2014/main" id="{E0C272F6-60D0-4746-9212-567531EB7E0B}"/>
-              </a:ext>
-            </a:extLst>
-          </p:cNvPr>
-          <p:cNvSpPr>
-            <a:spLocks noGrp="1"/>
-          </p:cNvSpPr>
-          <p:nvPr>
-            <p:ph idx="1"/>
-          </p:nvPr>
-        </p:nvSpPr>
-        <p:spPr/>
-        <p:txBody>
-          <a:bodyPr>
-            <a:normAutofit/>
-          </a:bodyPr>
-          <a:lstStyle/>
-          <a:p>
-            <a:pPr marL="457200" indent="-457200">
-              <a:buFont typeface="+mj-lt"/>
-              <a:buAutoNum type="arabicPeriod"/>
-            </a:pPr>
-            <a:r>
-              <a:rPr lang="en-US" altLang="zh-TW" dirty="0"/>
-              <a:t>Validation</a:t>
-            </a:r>
-          </a:p>
-          <a:p>
-            <a:pPr lvl="1"/>
-            <a:r>
-              <a:rPr lang="en-US" altLang="zh-TW" dirty="0">
-                <a:solidFill>
-                  <a:srgbClr val="FF0000"/>
-                </a:solidFill>
-              </a:rPr>
-              <a:t>K-fold cross validation (*optional)</a:t>
-            </a:r>
-          </a:p>
-          <a:p>
-            <a:pPr lvl="1"/>
-            <a:r>
-              <a:rPr lang="en-US" altLang="zh-TW" dirty="0"/>
-              <a:t>Leave-one-out cross validation</a:t>
-            </a:r>
-          </a:p>
-          <a:p>
-            <a:pPr lvl="1"/>
-            <a:r>
-              <a:rPr lang="en-US" altLang="zh-TW" dirty="0"/>
-              <a:t>Holdout cross validation</a:t>
-            </a:r>
-          </a:p>
-          <a:p>
-            <a:pPr marL="457200" indent="-457200">
-              <a:lnSpc>
-                <a:spcPct val="150000"/>
-              </a:lnSpc>
-              <a:buFont typeface="+mj-lt"/>
-              <a:buAutoNum type="arabicPeriod"/>
-            </a:pPr>
-            <a:r>
-              <a:rPr lang="en-US" altLang="zh-TW" dirty="0"/>
-              <a:t>Evaluation</a:t>
-            </a:r>
-          </a:p>
-          <a:p>
-            <a:pPr lvl="1"/>
-            <a:r>
-              <a:rPr lang="en-US" altLang="zh-TW" dirty="0">
-                <a:solidFill>
-                  <a:srgbClr val="FF0000"/>
-                </a:solidFill>
-              </a:rPr>
-              <a:t>Confusion matrix</a:t>
-            </a:r>
-          </a:p>
-          <a:p>
-            <a:endParaRPr lang="zh-TW" altLang="en-US" dirty="0"/>
-          </a:p>
-        </p:txBody>
-      </p:sp>
-    </p:spTree>
-    <p:extLst>
-      <p:ext uri="{BB962C8B-B14F-4D97-AF65-F5344CB8AC3E}">
-        <p14:creationId xmlns:p14="http://schemas.microsoft.com/office/powerpoint/2010/main" val="3260500670"/>
-      </p:ext>
-    </p:extLst>
-  </p:cSld>
-  <p:clrMapOvr>
-    <a:masterClrMapping/>
-  </p:clrMapOvr>
-</p:sld>
-</file>
-
-<file path=ppt/slides/slide4.xml><?xml version="1.0" encoding="utf-8"?>
-<p:sld xmlns:a="http://schemas.openxmlformats.org/drawingml/2006/main" xmlns:r="http://schemas.openxmlformats.org/officeDocument/2006/relationships" xmlns:p="http://schemas.openxmlformats.org/presentationml/2006/main">
-  <p:cSld>
-    <p:spTree>
-      <p:nvGrpSpPr>
-        <p:cNvPr id="1" name=""/>
-        <p:cNvGrpSpPr/>
-        <p:nvPr/>
-      </p:nvGrpSpPr>
-      <p:grpSpPr>
-        <a:xfrm>
-          <a:off x="0" y="0"/>
-          <a:ext cx="0" cy="0"/>
-          <a:chOff x="0" y="0"/>
-          <a:chExt cx="0" cy="0"/>
-        </a:xfrm>
-      </p:grpSpPr>
-      <p:sp>
-        <p:nvSpPr>
-          <p:cNvPr id="6" name="標題 5">
-            <a:extLst>
-              <a:ext uri="{FF2B5EF4-FFF2-40B4-BE49-F238E27FC236}">
-                <a16:creationId xmlns:a16="http://schemas.microsoft.com/office/drawing/2014/main" id="{404B3690-C787-41C5-8A03-C2E0D6BE916C}"/>
-              </a:ext>
-            </a:extLst>
-          </p:cNvPr>
-          <p:cNvSpPr>
-            <a:spLocks noGrp="1"/>
-          </p:cNvSpPr>
-          <p:nvPr>
-            <p:ph type="title"/>
-          </p:nvPr>
-        </p:nvSpPr>
-        <p:spPr/>
-        <p:txBody>
-          <a:bodyPr/>
-          <a:lstStyle/>
-          <a:p>
-            <a:r>
-              <a:rPr lang="en-US" altLang="zh-TW" dirty="0"/>
-              <a:t>Course Summary</a:t>
-            </a:r>
-            <a:endParaRPr lang="zh-TW" altLang="en-US" dirty="0"/>
-          </a:p>
-        </p:txBody>
-      </p:sp>
-      <p:sp>
-        <p:nvSpPr>
-          <p:cNvPr id="7" name="內容版面配置區 6">
-            <a:extLst>
-              <a:ext uri="{FF2B5EF4-FFF2-40B4-BE49-F238E27FC236}">
-                <a16:creationId xmlns:a16="http://schemas.microsoft.com/office/drawing/2014/main" id="{E0C272F6-60D0-4746-9212-567531EB7E0B}"/>
-              </a:ext>
-            </a:extLst>
-          </p:cNvPr>
-          <p:cNvSpPr>
-            <a:spLocks noGrp="1"/>
-          </p:cNvSpPr>
-          <p:nvPr>
-            <p:ph idx="1"/>
-          </p:nvPr>
-        </p:nvSpPr>
-        <p:spPr/>
-        <p:txBody>
-          <a:bodyPr>
-            <a:normAutofit fontScale="92500" lnSpcReduction="20000"/>
-          </a:bodyPr>
-          <a:lstStyle/>
-          <a:p>
-            <a:pPr marL="457200" indent="-457200">
-              <a:buFont typeface="+mj-lt"/>
-              <a:buAutoNum type="arabicPeriod" startAt="3"/>
-            </a:pPr>
-            <a:r>
-              <a:rPr lang="en-US" altLang="zh-TW" dirty="0"/>
-              <a:t>Supervised learning algorithm</a:t>
-            </a:r>
-          </a:p>
-          <a:p>
-            <a:pPr lvl="1"/>
-            <a:r>
-              <a:rPr lang="en-US" altLang="zh-TW" dirty="0">
-                <a:solidFill>
-                  <a:srgbClr val="FF0000"/>
-                </a:solidFill>
-              </a:rPr>
-              <a:t>Naive Bayes</a:t>
-            </a:r>
-          </a:p>
-          <a:p>
-            <a:pPr lvl="1"/>
-            <a:r>
-              <a:rPr lang="en-US" altLang="zh-TW" dirty="0"/>
-              <a:t>Decision tree</a:t>
-            </a:r>
-          </a:p>
-          <a:p>
-            <a:pPr lvl="1"/>
-            <a:r>
-              <a:rPr lang="en-US" altLang="zh-TW" dirty="0">
-                <a:solidFill>
-                  <a:srgbClr val="FF0000"/>
-                </a:solidFill>
-              </a:rPr>
-              <a:t>Linear regression</a:t>
-            </a:r>
-          </a:p>
-          <a:p>
-            <a:pPr lvl="1">
-              <a:lnSpc>
-                <a:spcPct val="120000"/>
-              </a:lnSpc>
-            </a:pPr>
-            <a:r>
-              <a:rPr lang="en-US" altLang="zh-TW" dirty="0">
-                <a:solidFill>
-                  <a:schemeClr val="tx1"/>
-                </a:solidFill>
-              </a:rPr>
-              <a:t>Logistic regression</a:t>
-            </a:r>
-          </a:p>
-          <a:p>
-            <a:pPr lvl="1">
-              <a:lnSpc>
-                <a:spcPct val="110000"/>
-              </a:lnSpc>
-            </a:pPr>
-            <a:r>
-              <a:rPr lang="en-US" altLang="zh-TW" dirty="0"/>
-              <a:t>SVM</a:t>
-            </a:r>
-            <a:endParaRPr lang="zh-TW" altLang="en-US" dirty="0"/>
-          </a:p>
-          <a:p>
-            <a:pPr>
-              <a:lnSpc>
-                <a:spcPct val="170000"/>
-              </a:lnSpc>
-            </a:pPr>
-            <a:r>
-              <a:rPr lang="en-US" altLang="zh-TW" dirty="0"/>
-              <a:t>Unsupervised learning algorithm</a:t>
-            </a:r>
-          </a:p>
-          <a:p>
-            <a:pPr lvl="1"/>
-            <a:r>
-              <a:rPr lang="en-US" altLang="zh-TW" dirty="0"/>
-              <a:t>KNN</a:t>
-            </a:r>
-            <a:endParaRPr lang="zh-TW" altLang="en-US" dirty="0"/>
-          </a:p>
-        </p:txBody>
-      </p:sp>
-    </p:spTree>
-    <p:extLst>
-      <p:ext uri="{BB962C8B-B14F-4D97-AF65-F5344CB8AC3E}">
-        <p14:creationId xmlns:p14="http://schemas.microsoft.com/office/powerpoint/2010/main" val="3814035138"/>
-      </p:ext>
-    </p:extLst>
-  </p:cSld>
-  <p:clrMapOvr>
-    <a:masterClrMapping/>
-  </p:clrMapOvr>
-</p:sld>
-</file>
-
-<file path=ppt/slides/slide5.xml><?xml version="1.0" encoding="utf-8"?>
-<p:sld xmlns:a="http://schemas.openxmlformats.org/drawingml/2006/main" xmlns:r="http://schemas.openxmlformats.org/officeDocument/2006/relationships" xmlns:p="http://schemas.openxmlformats.org/presentationml/2006/main">
-  <p:cSld>
-    <p:spTree>
-      <p:nvGrpSpPr>
-        <p:cNvPr id="1" name=""/>
-        <p:cNvGrpSpPr/>
-        <p:nvPr/>
-      </p:nvGrpSpPr>
-      <p:grpSpPr>
-        <a:xfrm>
-          <a:off x="0" y="0"/>
-          <a:ext cx="0" cy="0"/>
-          <a:chOff x="0" y="0"/>
-          <a:chExt cx="0" cy="0"/>
-        </a:xfrm>
-      </p:grpSpPr>
-      <p:sp>
-        <p:nvSpPr>
-          <p:cNvPr id="2" name="標題 1">
-            <a:extLst>
-              <a:ext uri="{FF2B5EF4-FFF2-40B4-BE49-F238E27FC236}">
-                <a16:creationId xmlns:a16="http://schemas.microsoft.com/office/drawing/2014/main" id="{1FA1A006-AF7F-46DC-8A18-E16F26CA8DFB}"/>
-              </a:ext>
-            </a:extLst>
-          </p:cNvPr>
-          <p:cNvSpPr>
-            <a:spLocks noGrp="1"/>
-          </p:cNvSpPr>
-          <p:nvPr>
-            <p:ph type="title"/>
-          </p:nvPr>
-        </p:nvSpPr>
-        <p:spPr/>
-        <p:txBody>
-          <a:bodyPr/>
-          <a:lstStyle/>
-          <a:p>
-            <a:r>
-              <a:rPr lang="en-US" altLang="zh-TW" dirty="0"/>
-              <a:t>Google </a:t>
-            </a:r>
-            <a:r>
-              <a:rPr lang="en-US" altLang="zh-TW" dirty="0" err="1"/>
-              <a:t>colab</a:t>
-            </a:r>
-            <a:endParaRPr lang="zh-TW" altLang="en-US" dirty="0"/>
-          </a:p>
-        </p:txBody>
-      </p:sp>
-      <p:sp>
-        <p:nvSpPr>
-          <p:cNvPr id="3" name="內容版面配置區 2">
-            <a:extLst>
-              <a:ext uri="{FF2B5EF4-FFF2-40B4-BE49-F238E27FC236}">
-                <a16:creationId xmlns:a16="http://schemas.microsoft.com/office/drawing/2014/main" id="{8FE8FFCC-A3EB-4C83-8517-C65250F8258D}"/>
-              </a:ext>
-            </a:extLst>
-          </p:cNvPr>
-          <p:cNvSpPr>
-            <a:spLocks noGrp="1"/>
-          </p:cNvSpPr>
-          <p:nvPr>
-            <p:ph idx="1"/>
-          </p:nvPr>
-        </p:nvSpPr>
-        <p:spPr/>
-        <p:txBody>
-          <a:bodyPr/>
-          <a:lstStyle/>
-          <a:p>
-            <a:r>
-              <a:rPr lang="zh-TW" altLang="en-US" dirty="0"/>
-              <a:t>下載教材檔案</a:t>
-            </a:r>
-            <a:endParaRPr lang="en-US" altLang="zh-TW" dirty="0"/>
-          </a:p>
-          <a:p>
-            <a:pPr lvl="1"/>
-            <a:r>
-              <a:rPr lang="en-US" altLang="zh-TW" dirty="0"/>
-              <a:t>https://drive.google.com/file/d/1MDGy3AIAJ4koW9ot3sxsfCbCKMG24ahC/view?usp=sharing</a:t>
-            </a:r>
-            <a:endParaRPr lang="zh-TW" altLang="en-US" dirty="0"/>
-          </a:p>
-        </p:txBody>
-      </p:sp>
-    </p:spTree>
-    <p:extLst>
-      <p:ext uri="{BB962C8B-B14F-4D97-AF65-F5344CB8AC3E}">
-        <p14:creationId xmlns:p14="http://schemas.microsoft.com/office/powerpoint/2010/main" val="715892325"/>
-      </p:ext>
-    </p:extLst>
-  </p:cSld>
-  <p:clrMapOvr>
-    <a:masterClrMapping/>
-  </p:clrMapOvr>
-</p:sld>
-</file>
-
-<file path=ppt/slides/slide6.xml><?xml version="1.0" encoding="utf-8"?>
-<p:sld xmlns:a="http://schemas.openxmlformats.org/drawingml/2006/main" xmlns:r="http://schemas.openxmlformats.org/officeDocument/2006/relationships" xmlns:p="http://schemas.openxmlformats.org/presentationml/2006/main">
-  <p:cSld>
-    <p:spTree>
-      <p:nvGrpSpPr>
-        <p:cNvPr id="1" name=""/>
-        <p:cNvGrpSpPr/>
-        <p:nvPr/>
-      </p:nvGrpSpPr>
-      <p:grpSpPr>
-        <a:xfrm>
-          <a:off x="0" y="0"/>
-          <a:ext cx="0" cy="0"/>
-          <a:chOff x="0" y="0"/>
-          <a:chExt cx="0" cy="0"/>
-        </a:xfrm>
-      </p:grpSpPr>
-      <p:sp>
-        <p:nvSpPr>
-          <p:cNvPr id="4" name="標題 3">
-            <a:extLst>
-              <a:ext uri="{FF2B5EF4-FFF2-40B4-BE49-F238E27FC236}">
-                <a16:creationId xmlns:a16="http://schemas.microsoft.com/office/drawing/2014/main" id="{992F8E74-2C84-4402-A3DE-83D140DA9B3F}"/>
-              </a:ext>
-            </a:extLst>
-          </p:cNvPr>
-          <p:cNvSpPr>
-            <a:spLocks noGrp="1"/>
-          </p:cNvSpPr>
-          <p:nvPr>
-            <p:ph type="title"/>
-          </p:nvPr>
-        </p:nvSpPr>
-        <p:spPr/>
-        <p:txBody>
-          <a:bodyPr/>
-          <a:lstStyle/>
-          <a:p>
-            <a:r>
-              <a:rPr lang="en-US" altLang="zh-TW" dirty="0"/>
-              <a:t>Linear regression</a:t>
-            </a:r>
-            <a:endParaRPr lang="zh-TW" altLang="en-US" dirty="0"/>
-          </a:p>
-        </p:txBody>
-      </p:sp>
-      <mc:AlternateContent xmlns:mc="http://schemas.openxmlformats.org/markup-compatibility/2006" xmlns:a14="http://schemas.microsoft.com/office/drawing/2010/main">
-        <mc:Choice Requires="a14">
-          <p:sp>
-            <p:nvSpPr>
-              <p:cNvPr id="5" name="內容版面配置區 4">
-                <a:extLst>
-                  <a:ext uri="{FF2B5EF4-FFF2-40B4-BE49-F238E27FC236}">
-                    <a16:creationId xmlns:a16="http://schemas.microsoft.com/office/drawing/2014/main" id="{CD4F6108-B0D4-48B5-AF50-D92C8FF9D70D}"/>
-                  </a:ext>
-                </a:extLst>
-              </p:cNvPr>
-              <p:cNvSpPr>
-                <a:spLocks noGrp="1"/>
-              </p:cNvSpPr>
-              <p:nvPr>
-                <p:ph idx="1"/>
-              </p:nvPr>
-            </p:nvSpPr>
-            <p:spPr/>
-            <p:txBody>
-              <a:bodyPr/>
-              <a:lstStyle/>
-              <a:p>
-                <a:pPr marL="457200" indent="-457200">
-                  <a:buFont typeface="+mj-lt"/>
-                  <a:buAutoNum type="arabicPeriod"/>
-                </a:pPr>
-                <a:r>
-                  <a:rPr lang="en-US" altLang="zh-TW" dirty="0"/>
-                  <a:t>Input : </a:t>
-                </a:r>
-                <a14:m>
-                  <m:oMath xmlns:m="http://schemas.openxmlformats.org/officeDocument/2006/math">
-                    <m:r>
-                      <a:rPr lang="en-US" altLang="zh-TW" b="0" i="1" smtClean="0">
-                        <a:latin typeface="Cambria Math" panose="02040503050406030204" pitchFamily="18" charset="0"/>
-                      </a:rPr>
-                      <m:t>𝑋</m:t>
-                    </m:r>
-                    <m:r>
-                      <a:rPr lang="en-US" altLang="zh-TW" b="0" i="1" smtClean="0">
-                        <a:latin typeface="Cambria Math" panose="02040503050406030204" pitchFamily="18" charset="0"/>
-                      </a:rPr>
-                      <m:t>=[</m:t>
-                    </m:r>
-                    <m:sSub>
-                      <m:sSubPr>
-                        <m:ctrlPr>
-                          <a:rPr lang="en-US" altLang="zh-TW" b="0" i="1" smtClean="0">
-                            <a:latin typeface="Cambria Math" panose="02040503050406030204" pitchFamily="18" charset="0"/>
-                          </a:rPr>
-                        </m:ctrlPr>
-                      </m:sSubPr>
-                      <m:e>
-                        <m:r>
-                          <a:rPr lang="en-US" altLang="zh-TW" b="0" i="1" smtClean="0">
-                            <a:latin typeface="Cambria Math" panose="02040503050406030204" pitchFamily="18" charset="0"/>
-                          </a:rPr>
-                          <m:t>𝑥</m:t>
-                        </m:r>
-                      </m:e>
-                      <m:sub>
-                        <m:r>
-                          <a:rPr lang="en-US" altLang="zh-TW" b="0" i="1" smtClean="0">
-                            <a:latin typeface="Cambria Math" panose="02040503050406030204" pitchFamily="18" charset="0"/>
-                          </a:rPr>
-                          <m:t>1</m:t>
-                        </m:r>
-                      </m:sub>
-                    </m:sSub>
-                    <m:r>
-                      <a:rPr lang="en-US" altLang="zh-TW" b="0" i="1" smtClean="0">
-                        <a:latin typeface="Cambria Math" panose="02040503050406030204" pitchFamily="18" charset="0"/>
-                      </a:rPr>
-                      <m:t>, ⋯,</m:t>
-                    </m:r>
-                    <m:sSub>
-                      <m:sSubPr>
-                        <m:ctrlPr>
-                          <a:rPr lang="en-US" altLang="zh-TW" b="0" i="1" smtClean="0">
-                            <a:latin typeface="Cambria Math" panose="02040503050406030204" pitchFamily="18" charset="0"/>
-                          </a:rPr>
-                        </m:ctrlPr>
-                      </m:sSubPr>
-                      <m:e>
-                        <m:r>
-                          <a:rPr lang="en-US" altLang="zh-TW" b="0" i="1" smtClean="0">
-                            <a:latin typeface="Cambria Math" panose="02040503050406030204" pitchFamily="18" charset="0"/>
-                          </a:rPr>
-                          <m:t>𝑥</m:t>
-                        </m:r>
-                      </m:e>
-                      <m:sub>
-                        <m:r>
-                          <a:rPr lang="en-US" altLang="zh-TW" b="0" i="1" smtClean="0">
-                            <a:latin typeface="Cambria Math" panose="02040503050406030204" pitchFamily="18" charset="0"/>
-                          </a:rPr>
-                          <m:t>𝑛</m:t>
-                        </m:r>
-                      </m:sub>
-                    </m:sSub>
-                    <m:r>
-                      <a:rPr lang="en-US" altLang="zh-TW" b="0" i="1" smtClean="0">
-                        <a:latin typeface="Cambria Math" panose="02040503050406030204" pitchFamily="18" charset="0"/>
-                      </a:rPr>
-                      <m:t>]</m:t>
-                    </m:r>
-                  </m:oMath>
-                </a14:m>
-                <a:r>
-                  <a:rPr lang="en-US" altLang="zh-TW" b="0" dirty="0"/>
-                  <a:t>   </a:t>
-                </a:r>
-                <a14:m>
-                  <m:oMath xmlns:m="http://schemas.openxmlformats.org/officeDocument/2006/math">
-                    <m:d>
-                      <m:dPr>
-                        <m:ctrlPr>
-                          <a:rPr lang="en-US" altLang="zh-TW" i="1" dirty="0" smtClean="0">
-                            <a:latin typeface="Cambria Math" panose="02040503050406030204" pitchFamily="18" charset="0"/>
-                          </a:rPr>
-                        </m:ctrlPr>
-                      </m:dPr>
-                      <m:e>
-                        <m:r>
-                          <a:rPr lang="en-US" altLang="zh-TW" i="1" dirty="0" smtClean="0">
-                            <a:latin typeface="Cambria Math" panose="02040503050406030204" pitchFamily="18" charset="0"/>
-                          </a:rPr>
-                          <m:t>∈</m:t>
-                        </m:r>
-                        <m:sSup>
-                          <m:sSupPr>
-                            <m:ctrlPr>
-                              <a:rPr lang="en-US" altLang="zh-TW" b="0" i="1" dirty="0" smtClean="0">
-                                <a:latin typeface="Cambria Math" panose="02040503050406030204" pitchFamily="18" charset="0"/>
-                              </a:rPr>
-                            </m:ctrlPr>
-                          </m:sSupPr>
-                          <m:e>
-                            <m:r>
-                              <a:rPr lang="en-US" altLang="zh-TW" b="0" i="1" dirty="0" smtClean="0">
-                                <a:latin typeface="Cambria Math" panose="02040503050406030204" pitchFamily="18" charset="0"/>
-                              </a:rPr>
-                              <m:t>ℝ</m:t>
-                            </m:r>
-                          </m:e>
-                          <m:sup>
-                            <m:r>
-                              <a:rPr lang="en-US" altLang="zh-TW" b="0" i="1" dirty="0" smtClean="0">
-                                <a:latin typeface="Cambria Math" panose="02040503050406030204" pitchFamily="18" charset="0"/>
-                              </a:rPr>
-                              <m:t>𝑛</m:t>
-                            </m:r>
-                          </m:sup>
-                        </m:sSup>
-                      </m:e>
-                    </m:d>
-                  </m:oMath>
-                </a14:m>
-                <a:endParaRPr lang="en-US" altLang="zh-TW" b="0" dirty="0"/>
-              </a:p>
-              <a:p>
-                <a:pPr lvl="1"/>
-                <a:r>
-                  <a:rPr lang="en-US" altLang="zh-TW" b="0" dirty="0"/>
-                  <a:t>Every </a:t>
-                </a:r>
-                <a14:m>
-                  <m:oMath xmlns:m="http://schemas.openxmlformats.org/officeDocument/2006/math">
-                    <m:sSub>
-                      <m:sSubPr>
-                        <m:ctrlPr>
-                          <a:rPr lang="en-US" altLang="zh-TW" b="0" i="1" smtClean="0">
-                            <a:latin typeface="Cambria Math" panose="02040503050406030204" pitchFamily="18" charset="0"/>
-                          </a:rPr>
-                        </m:ctrlPr>
-                      </m:sSubPr>
-                      <m:e>
-                        <m:r>
-                          <a:rPr lang="en-US" altLang="zh-TW" b="0" i="1" smtClean="0">
-                            <a:latin typeface="Cambria Math" panose="02040503050406030204" pitchFamily="18" charset="0"/>
-                          </a:rPr>
-                          <m:t>𝑥</m:t>
-                        </m:r>
-                      </m:e>
-                      <m:sub>
-                        <m:r>
-                          <a:rPr lang="en-US" altLang="zh-TW" b="0" i="1" smtClean="0">
-                            <a:latin typeface="Cambria Math" panose="02040503050406030204" pitchFamily="18" charset="0"/>
-                          </a:rPr>
-                          <m:t>𝑘</m:t>
-                        </m:r>
-                      </m:sub>
-                    </m:sSub>
-                    <m:r>
-                      <a:rPr lang="en-US" altLang="zh-TW" b="0" i="0" smtClean="0">
-                        <a:latin typeface="Cambria Math" panose="02040503050406030204" pitchFamily="18" charset="0"/>
-                      </a:rPr>
-                      <m:t> </m:t>
-                    </m:r>
-                  </m:oMath>
-                </a14:m>
-                <a:r>
-                  <a:rPr lang="en-US" altLang="zh-TW" dirty="0"/>
-                  <a:t>is a quantitative variable</a:t>
-                </a:r>
-                <a:endParaRPr lang="en-US" altLang="zh-TW" b="0" dirty="0"/>
-              </a:p>
-              <a:p>
-                <a:pPr marL="457200" indent="-457200">
-                  <a:lnSpc>
-                    <a:spcPct val="150000"/>
-                  </a:lnSpc>
-                  <a:buFont typeface="+mj-lt"/>
-                  <a:buAutoNum type="arabicPeriod"/>
-                </a:pPr>
-                <a:r>
-                  <a:rPr lang="en-US" altLang="zh-TW" dirty="0"/>
-                  <a:t>Output : </a:t>
-                </a:r>
-                <a14:m>
-                  <m:oMath xmlns:m="http://schemas.openxmlformats.org/officeDocument/2006/math">
-                    <m:acc>
-                      <m:accPr>
-                        <m:chr m:val="̂"/>
-                        <m:ctrlPr>
-                          <a:rPr lang="en-US" altLang="zh-TW" b="0" i="1" smtClean="0">
-                            <a:latin typeface="Cambria Math" panose="02040503050406030204" pitchFamily="18" charset="0"/>
-                          </a:rPr>
-                        </m:ctrlPr>
-                      </m:accPr>
-                      <m:e>
-                        <m:r>
-                          <m:rPr>
-                            <m:sty m:val="p"/>
-                          </m:rPr>
-                          <a:rPr lang="en-US" altLang="zh-TW">
-                            <a:latin typeface="Cambria Math" panose="02040503050406030204" pitchFamily="18" charset="0"/>
-                          </a:rPr>
-                          <m:t>Y</m:t>
-                        </m:r>
-                      </m:e>
-                    </m:acc>
-                    <m:r>
-                      <a:rPr lang="en-US" altLang="zh-TW" b="0" i="1" smtClean="0">
-                        <a:latin typeface="Cambria Math" panose="02040503050406030204" pitchFamily="18" charset="0"/>
-                      </a:rPr>
-                      <m:t> ∈</m:t>
-                    </m:r>
-                    <m:r>
-                      <a:rPr lang="en-US" altLang="zh-TW" b="0" i="1" smtClean="0">
-                        <a:latin typeface="Cambria Math" panose="02040503050406030204" pitchFamily="18" charset="0"/>
-                      </a:rPr>
-                      <m:t>ℝ</m:t>
-                    </m:r>
-                  </m:oMath>
-                </a14:m>
-                <a:endParaRPr lang="en-US" altLang="zh-TW" dirty="0"/>
-              </a:p>
-              <a:p>
-                <a:pPr marL="457200" indent="-457200">
-                  <a:lnSpc>
-                    <a:spcPct val="150000"/>
-                  </a:lnSpc>
-                  <a:buFont typeface="+mj-lt"/>
-                  <a:buAutoNum type="arabicPeriod"/>
-                </a:pPr>
-                <a:r>
-                  <a:rPr lang="en-US" altLang="zh-TW" dirty="0"/>
-                  <a:t>Parameters : </a:t>
-                </a:r>
-                <a14:m>
-                  <m:oMath xmlns:m="http://schemas.openxmlformats.org/officeDocument/2006/math">
-                    <m:r>
-                      <a:rPr lang="en-US" altLang="zh-TW" b="0" i="1" smtClean="0">
-                        <a:latin typeface="Cambria Math" panose="02040503050406030204" pitchFamily="18" charset="0"/>
-                      </a:rPr>
-                      <m:t>𝑊</m:t>
-                    </m:r>
-                    <m:r>
-                      <a:rPr lang="en-US" altLang="zh-TW" b="0" i="1" smtClean="0">
-                        <a:latin typeface="Cambria Math" panose="02040503050406030204" pitchFamily="18" charset="0"/>
-                      </a:rPr>
-                      <m:t>=[</m:t>
-                    </m:r>
-                    <m:sSub>
-                      <m:sSubPr>
-                        <m:ctrlPr>
-                          <a:rPr lang="en-US" altLang="zh-TW" b="0" i="1" smtClean="0">
-                            <a:latin typeface="Cambria Math" panose="02040503050406030204" pitchFamily="18" charset="0"/>
-                          </a:rPr>
-                        </m:ctrlPr>
-                      </m:sSubPr>
-                      <m:e>
-                        <m:r>
-                          <a:rPr lang="en-US" altLang="zh-TW" b="0" i="1" smtClean="0">
-                            <a:latin typeface="Cambria Math" panose="02040503050406030204" pitchFamily="18" charset="0"/>
-                          </a:rPr>
-                          <m:t>𝑤</m:t>
-                        </m:r>
-                      </m:e>
-                      <m:sub>
-                        <m:r>
-                          <a:rPr lang="en-US" altLang="zh-TW" b="0" i="1" smtClean="0">
-                            <a:latin typeface="Cambria Math" panose="02040503050406030204" pitchFamily="18" charset="0"/>
-                          </a:rPr>
-                          <m:t>0</m:t>
-                        </m:r>
-                      </m:sub>
-                    </m:sSub>
-                    <m:r>
-                      <a:rPr lang="en-US" altLang="zh-TW" b="0" i="1" smtClean="0">
-                        <a:latin typeface="Cambria Math" panose="02040503050406030204" pitchFamily="18" charset="0"/>
-                      </a:rPr>
-                      <m:t>,</m:t>
-                    </m:r>
-                    <m:sSub>
-                      <m:sSubPr>
-                        <m:ctrlPr>
-                          <a:rPr lang="en-US" altLang="zh-TW" b="0" i="1" smtClean="0">
-                            <a:latin typeface="Cambria Math" panose="02040503050406030204" pitchFamily="18" charset="0"/>
-                          </a:rPr>
-                        </m:ctrlPr>
-                      </m:sSubPr>
-                      <m:e>
-                        <m:r>
-                          <a:rPr lang="en-US" altLang="zh-TW" b="0" i="1" smtClean="0">
-                            <a:latin typeface="Cambria Math" panose="02040503050406030204" pitchFamily="18" charset="0"/>
-                          </a:rPr>
-                          <m:t>𝑤</m:t>
-                        </m:r>
-                      </m:e>
-                      <m:sub>
-                        <m:r>
-                          <a:rPr lang="en-US" altLang="zh-TW" b="0" i="1" smtClean="0">
-                            <a:latin typeface="Cambria Math" panose="02040503050406030204" pitchFamily="18" charset="0"/>
-                          </a:rPr>
-                          <m:t>1</m:t>
-                        </m:r>
-                      </m:sub>
-                    </m:sSub>
-                    <m:r>
-                      <a:rPr lang="en-US" altLang="zh-TW" b="0" i="1" smtClean="0">
-                        <a:latin typeface="Cambria Math" panose="02040503050406030204" pitchFamily="18" charset="0"/>
-                      </a:rPr>
-                      <m:t>,⋯,</m:t>
-                    </m:r>
-                    <m:sSub>
-                      <m:sSubPr>
-                        <m:ctrlPr>
-                          <a:rPr lang="en-US" altLang="zh-TW" b="0" i="1" smtClean="0">
-                            <a:latin typeface="Cambria Math" panose="02040503050406030204" pitchFamily="18" charset="0"/>
-                          </a:rPr>
-                        </m:ctrlPr>
-                      </m:sSubPr>
-                      <m:e>
-                        <m:r>
-                          <a:rPr lang="en-US" altLang="zh-TW" b="0" i="1" smtClean="0">
-                            <a:latin typeface="Cambria Math" panose="02040503050406030204" pitchFamily="18" charset="0"/>
-                          </a:rPr>
-                          <m:t>𝑤</m:t>
-                        </m:r>
-                      </m:e>
-                      <m:sub>
-                        <m:r>
-                          <a:rPr lang="en-US" altLang="zh-TW" b="0" i="1" smtClean="0">
-                            <a:latin typeface="Cambria Math" panose="02040503050406030204" pitchFamily="18" charset="0"/>
-                          </a:rPr>
-                          <m:t>𝑛</m:t>
-                        </m:r>
-                      </m:sub>
-                    </m:sSub>
-                    <m:r>
-                      <a:rPr lang="en-US" altLang="zh-TW" b="0" i="1" smtClean="0">
-                        <a:latin typeface="Cambria Math" panose="02040503050406030204" pitchFamily="18" charset="0"/>
-                      </a:rPr>
-                      <m:t>]</m:t>
-                    </m:r>
-                  </m:oMath>
-                </a14:m>
-                <a:r>
-                  <a:rPr lang="zh-TW" altLang="en-US" dirty="0"/>
-                  <a:t> </a:t>
-                </a:r>
-                <a14:m>
-                  <m:oMath xmlns:m="http://schemas.openxmlformats.org/officeDocument/2006/math">
-                    <m:r>
-                      <a:rPr lang="en-US" altLang="zh-TW" i="1" dirty="0">
-                        <a:latin typeface="Cambria Math" panose="02040503050406030204" pitchFamily="18" charset="0"/>
-                      </a:rPr>
-                      <m:t>(∈</m:t>
-                    </m:r>
-                    <m:sSup>
-                      <m:sSupPr>
-                        <m:ctrlPr>
-                          <a:rPr lang="en-US" altLang="zh-TW" i="1" dirty="0">
-                            <a:latin typeface="Cambria Math" panose="02040503050406030204" pitchFamily="18" charset="0"/>
-                          </a:rPr>
-                        </m:ctrlPr>
-                      </m:sSupPr>
-                      <m:e>
-                        <m:r>
-                          <a:rPr lang="en-US" altLang="zh-TW" i="1" dirty="0">
-                            <a:latin typeface="Cambria Math" panose="02040503050406030204" pitchFamily="18" charset="0"/>
-                          </a:rPr>
-                          <m:t>ℝ</m:t>
-                        </m:r>
-                      </m:e>
-                      <m:sup>
-                        <m:r>
-                          <a:rPr lang="en-US" altLang="zh-TW" i="1" dirty="0">
-                            <a:latin typeface="Cambria Math" panose="02040503050406030204" pitchFamily="18" charset="0"/>
-                          </a:rPr>
-                          <m:t>𝑛</m:t>
-                        </m:r>
-                        <m:r>
-                          <a:rPr lang="en-US" altLang="zh-TW" b="0" i="1" dirty="0" smtClean="0">
-                            <a:latin typeface="Cambria Math" panose="02040503050406030204" pitchFamily="18" charset="0"/>
-                          </a:rPr>
-                          <m:t>+1</m:t>
-                        </m:r>
-                      </m:sup>
-                    </m:sSup>
-                    <m:r>
-                      <a:rPr lang="en-US" altLang="zh-TW" i="1" dirty="0">
-                        <a:latin typeface="Cambria Math" panose="02040503050406030204" pitchFamily="18" charset="0"/>
-                      </a:rPr>
-                      <m:t>)</m:t>
-                    </m:r>
-                  </m:oMath>
-                </a14:m>
-                <a:endParaRPr lang="en-US" altLang="zh-TW" dirty="0"/>
-              </a:p>
-            </p:txBody>
-          </p:sp>
-        </mc:Choice>
-        <mc:Fallback xmlns="">
-          <p:sp>
-            <p:nvSpPr>
-              <p:cNvPr id="5" name="內容版面配置區 4">
-                <a:extLst>
-                  <a:ext uri="{FF2B5EF4-FFF2-40B4-BE49-F238E27FC236}">
-                    <a16:creationId xmlns:a16="http://schemas.microsoft.com/office/drawing/2014/main" id="{CD4F6108-B0D4-48B5-AF50-D92C8FF9D70D}"/>
-                  </a:ext>
-                </a:extLst>
-              </p:cNvPr>
-              <p:cNvSpPr>
-                <a:spLocks noGrp="1" noRot="1" noChangeAspect="1" noMove="1" noResize="1" noEditPoints="1" noAdjustHandles="1" noChangeArrowheads="1" noChangeShapeType="1" noTextEdit="1"/>
-              </p:cNvSpPr>
-              <p:nvPr>
-                <p:ph idx="1"/>
-              </p:nvPr>
-            </p:nvSpPr>
-            <p:spPr>
-              <a:blipFill>
-                <a:blip r:embed="rId2"/>
-                <a:stretch>
-                  <a:fillRect l="-1144" t="-2385"/>
-                </a:stretch>
-              </a:blipFill>
-            </p:spPr>
-            <p:txBody>
-              <a:bodyPr/>
-              <a:lstStyle/>
-              <a:p>
-                <a:r>
-                  <a:rPr lang="zh-TW" altLang="en-US">
-                    <a:noFill/>
-                  </a:rPr>
-                  <a:t> </a:t>
-                </a:r>
-              </a:p>
-            </p:txBody>
-          </p:sp>
-        </mc:Fallback>
-      </mc:AlternateContent>
-    </p:spTree>
-    <p:extLst>
-      <p:ext uri="{BB962C8B-B14F-4D97-AF65-F5344CB8AC3E}">
-        <p14:creationId xmlns:p14="http://schemas.microsoft.com/office/powerpoint/2010/main" val="1386952173"/>
-      </p:ext>
-    </p:extLst>
-  </p:cSld>
-  <p:clrMapOvr>
-    <a:masterClrMapping/>
-  </p:clrMapOvr>
-</p:sld>
-</file>
-
-<file path=ppt/slides/slide7.xml><?xml version="1.0" encoding="utf-8"?>
-<p:sld xmlns:a="http://schemas.openxmlformats.org/drawingml/2006/main" xmlns:r="http://schemas.openxmlformats.org/officeDocument/2006/relationships" xmlns:p="http://schemas.openxmlformats.org/presentationml/2006/main">
-  <p:cSld>
-    <p:spTree>
-      <p:nvGrpSpPr>
-        <p:cNvPr id="1" name=""/>
-        <p:cNvGrpSpPr/>
-        <p:nvPr/>
-      </p:nvGrpSpPr>
-      <p:grpSpPr>
-        <a:xfrm>
-          <a:off x="0" y="0"/>
-          <a:ext cx="0" cy="0"/>
-          <a:chOff x="0" y="0"/>
-          <a:chExt cx="0" cy="0"/>
-        </a:xfrm>
-      </p:grpSpPr>
-      <p:sp>
-        <p:nvSpPr>
-          <p:cNvPr id="4" name="標題 3">
-            <a:extLst>
-              <a:ext uri="{FF2B5EF4-FFF2-40B4-BE49-F238E27FC236}">
-                <a16:creationId xmlns:a16="http://schemas.microsoft.com/office/drawing/2014/main" id="{992F8E74-2C84-4402-A3DE-83D140DA9B3F}"/>
-              </a:ext>
-            </a:extLst>
-          </p:cNvPr>
-          <p:cNvSpPr>
-            <a:spLocks noGrp="1"/>
-          </p:cNvSpPr>
-          <p:nvPr>
-            <p:ph type="title"/>
-          </p:nvPr>
-        </p:nvSpPr>
-        <p:spPr/>
-        <p:txBody>
-          <a:bodyPr/>
-          <a:lstStyle/>
-          <a:p>
-            <a:r>
-              <a:rPr lang="en-US" altLang="zh-TW" dirty="0"/>
-              <a:t>Linear regression</a:t>
-            </a:r>
-            <a:endParaRPr lang="zh-TW" altLang="en-US" dirty="0"/>
-          </a:p>
-        </p:txBody>
-      </p:sp>
-      <mc:AlternateContent xmlns:mc="http://schemas.openxmlformats.org/markup-compatibility/2006" xmlns:a14="http://schemas.microsoft.com/office/drawing/2010/main">
-        <mc:Choice Requires="a14">
-          <p:sp>
-            <p:nvSpPr>
-              <p:cNvPr id="5" name="內容版面配置區 4">
-                <a:extLst>
-                  <a:ext uri="{FF2B5EF4-FFF2-40B4-BE49-F238E27FC236}">
-                    <a16:creationId xmlns:a16="http://schemas.microsoft.com/office/drawing/2014/main" id="{CD4F6108-B0D4-48B5-AF50-D92C8FF9D70D}"/>
-                  </a:ext>
-                </a:extLst>
-              </p:cNvPr>
-              <p:cNvSpPr>
-                <a:spLocks noGrp="1"/>
-              </p:cNvSpPr>
-              <p:nvPr>
-                <p:ph idx="1"/>
-              </p:nvPr>
-            </p:nvSpPr>
-            <p:spPr/>
-            <p:txBody>
-              <a:bodyPr>
-                <a:normAutofit lnSpcReduction="10000"/>
-              </a:bodyPr>
-              <a:lstStyle/>
-              <a:p>
-                <a:pPr marL="457200" indent="-457200">
-                  <a:buFont typeface="+mj-lt"/>
-                  <a:buAutoNum type="arabicPeriod" startAt="4"/>
-                </a:pPr>
-                <a:r>
-                  <a:rPr lang="en-US" altLang="zh-TW" dirty="0"/>
-                  <a:t>Formula : </a:t>
-                </a:r>
-                <a14:m>
-                  <m:oMath xmlns:m="http://schemas.openxmlformats.org/officeDocument/2006/math">
-                    <m:acc>
-                      <m:accPr>
-                        <m:chr m:val="̂"/>
-                        <m:ctrlPr>
-                          <a:rPr lang="en-US" altLang="zh-TW" b="0" i="1" dirty="0" smtClean="0">
-                            <a:latin typeface="Cambria Math" panose="02040503050406030204" pitchFamily="18" charset="0"/>
-                          </a:rPr>
-                        </m:ctrlPr>
-                      </m:accPr>
-                      <m:e>
-                        <m:r>
-                          <a:rPr lang="en-US" altLang="zh-TW" b="0" i="1" dirty="0" smtClean="0">
-                            <a:latin typeface="Cambria Math" panose="02040503050406030204" pitchFamily="18" charset="0"/>
-                          </a:rPr>
-                          <m:t>𝑌</m:t>
-                        </m:r>
-                      </m:e>
-                    </m:acc>
-                    <m:r>
-                      <a:rPr lang="en-US" altLang="zh-TW" b="0" i="1" smtClean="0">
-                        <a:latin typeface="Cambria Math" panose="02040503050406030204" pitchFamily="18" charset="0"/>
-                      </a:rPr>
-                      <m:t>=</m:t>
-                    </m:r>
-                    <m:sSub>
-                      <m:sSubPr>
-                        <m:ctrlPr>
-                          <a:rPr lang="en-US" altLang="zh-TW" b="0" i="1" smtClean="0">
-                            <a:latin typeface="Cambria Math" panose="02040503050406030204" pitchFamily="18" charset="0"/>
-                          </a:rPr>
-                        </m:ctrlPr>
-                      </m:sSubPr>
-                      <m:e>
-                        <m:r>
-                          <a:rPr lang="en-US" altLang="zh-TW" b="0" i="1" smtClean="0">
-                            <a:latin typeface="Cambria Math" panose="02040503050406030204" pitchFamily="18" charset="0"/>
-                          </a:rPr>
-                          <m:t>𝑤</m:t>
-                        </m:r>
-                      </m:e>
-                      <m:sub>
-                        <m:r>
-                          <a:rPr lang="en-US" altLang="zh-TW" b="0" i="1" smtClean="0">
-                            <a:latin typeface="Cambria Math" panose="02040503050406030204" pitchFamily="18" charset="0"/>
-                          </a:rPr>
-                          <m:t>0</m:t>
-                        </m:r>
-                      </m:sub>
-                    </m:sSub>
-                    <m:r>
-                      <a:rPr lang="en-US" altLang="zh-TW" b="0" i="1" smtClean="0">
-                        <a:latin typeface="Cambria Math" panose="02040503050406030204" pitchFamily="18" charset="0"/>
-                      </a:rPr>
-                      <m:t>+</m:t>
-                    </m:r>
-                    <m:sSub>
-                      <m:sSubPr>
-                        <m:ctrlPr>
-                          <a:rPr lang="en-US" altLang="zh-TW" b="0" i="1" smtClean="0">
-                            <a:latin typeface="Cambria Math" panose="02040503050406030204" pitchFamily="18" charset="0"/>
-                          </a:rPr>
-                        </m:ctrlPr>
-                      </m:sSubPr>
-                      <m:e>
-                        <m:r>
-                          <a:rPr lang="en-US" altLang="zh-TW" b="0" i="1" smtClean="0">
-                            <a:latin typeface="Cambria Math" panose="02040503050406030204" pitchFamily="18" charset="0"/>
-                          </a:rPr>
-                          <m:t>𝑤</m:t>
-                        </m:r>
-                      </m:e>
-                      <m:sub>
-                        <m:r>
-                          <a:rPr lang="en-US" altLang="zh-TW" b="0" i="1" smtClean="0">
-                            <a:latin typeface="Cambria Math" panose="02040503050406030204" pitchFamily="18" charset="0"/>
-                          </a:rPr>
-                          <m:t>1</m:t>
-                        </m:r>
-                      </m:sub>
-                    </m:sSub>
-                    <m:sSub>
-                      <m:sSubPr>
-                        <m:ctrlPr>
-                          <a:rPr lang="en-US" altLang="zh-TW" b="0" i="1" smtClean="0">
-                            <a:latin typeface="Cambria Math" panose="02040503050406030204" pitchFamily="18" charset="0"/>
-                          </a:rPr>
-                        </m:ctrlPr>
-                      </m:sSubPr>
-                      <m:e>
-                        <m:r>
-                          <a:rPr lang="en-US" altLang="zh-TW" b="0" i="1" smtClean="0">
-                            <a:latin typeface="Cambria Math" panose="02040503050406030204" pitchFamily="18" charset="0"/>
-                          </a:rPr>
-                          <m:t>𝑥</m:t>
-                        </m:r>
-                      </m:e>
-                      <m:sub>
-                        <m:r>
-                          <a:rPr lang="en-US" altLang="zh-TW" b="0" i="1" smtClean="0">
-                            <a:latin typeface="Cambria Math" panose="02040503050406030204" pitchFamily="18" charset="0"/>
-                          </a:rPr>
-                          <m:t>1</m:t>
-                        </m:r>
-                      </m:sub>
-                    </m:sSub>
-                    <m:r>
-                      <a:rPr lang="en-US" altLang="zh-TW" b="0" i="1" smtClean="0">
-                        <a:latin typeface="Cambria Math" panose="02040503050406030204" pitchFamily="18" charset="0"/>
-                      </a:rPr>
-                      <m:t>+⋯+</m:t>
-                    </m:r>
-                    <m:sSub>
-                      <m:sSubPr>
-                        <m:ctrlPr>
-                          <a:rPr lang="en-US" altLang="zh-TW" b="0" i="1" smtClean="0">
-                            <a:latin typeface="Cambria Math" panose="02040503050406030204" pitchFamily="18" charset="0"/>
-                          </a:rPr>
-                        </m:ctrlPr>
-                      </m:sSubPr>
-                      <m:e>
-                        <m:r>
-                          <a:rPr lang="en-US" altLang="zh-TW" b="0" i="1" smtClean="0">
-                            <a:latin typeface="Cambria Math" panose="02040503050406030204" pitchFamily="18" charset="0"/>
-                          </a:rPr>
-                          <m:t>𝑤</m:t>
-                        </m:r>
-                      </m:e>
-                      <m:sub>
-                        <m:r>
-                          <a:rPr lang="en-US" altLang="zh-TW" b="0" i="1" smtClean="0">
-                            <a:latin typeface="Cambria Math" panose="02040503050406030204" pitchFamily="18" charset="0"/>
-                          </a:rPr>
-                          <m:t>𝑛</m:t>
-                        </m:r>
-                      </m:sub>
-                    </m:sSub>
-                    <m:sSub>
-                      <m:sSubPr>
-                        <m:ctrlPr>
-                          <a:rPr lang="en-US" altLang="zh-TW" b="0" i="1" smtClean="0">
-                            <a:latin typeface="Cambria Math" panose="02040503050406030204" pitchFamily="18" charset="0"/>
-                          </a:rPr>
-                        </m:ctrlPr>
-                      </m:sSubPr>
-                      <m:e>
-                        <m:r>
-                          <a:rPr lang="en-US" altLang="zh-TW" b="0" i="1" smtClean="0">
-                            <a:latin typeface="Cambria Math" panose="02040503050406030204" pitchFamily="18" charset="0"/>
-                          </a:rPr>
-                          <m:t>𝑥</m:t>
-                        </m:r>
-                      </m:e>
-                      <m:sub>
-                        <m:r>
-                          <a:rPr lang="en-US" altLang="zh-TW" b="0" i="1" smtClean="0">
-                            <a:latin typeface="Cambria Math" panose="02040503050406030204" pitchFamily="18" charset="0"/>
-                          </a:rPr>
-                          <m:t>𝑛</m:t>
-                        </m:r>
-                      </m:sub>
-                    </m:sSub>
-                  </m:oMath>
-                </a14:m>
-                <a:endParaRPr lang="en-US" altLang="zh-TW" dirty="0"/>
-              </a:p>
-              <a:p>
-                <a:pPr marL="457200" indent="-457200">
-                  <a:lnSpc>
-                    <a:spcPct val="150000"/>
-                  </a:lnSpc>
-                  <a:buFont typeface="+mj-lt"/>
-                  <a:buAutoNum type="arabicPeriod" startAt="4"/>
-                </a:pPr>
-                <a:r>
-                  <a:rPr lang="en-US" altLang="zh-TW" dirty="0"/>
-                  <a:t>Loss(Error) function: </a:t>
-                </a:r>
-                <a14:m>
-                  <m:oMath xmlns:m="http://schemas.openxmlformats.org/officeDocument/2006/math">
-                    <m:r>
-                      <m:rPr>
-                        <m:sty m:val="p"/>
-                      </m:rPr>
-                      <a:rPr lang="en-US" altLang="zh-TW" b="0" i="0" smtClean="0">
-                        <a:latin typeface="Cambria Math" panose="02040503050406030204" pitchFamily="18" charset="0"/>
-                      </a:rPr>
-                      <m:t>L</m:t>
-                    </m:r>
-                    <m:r>
-                      <a:rPr lang="en-US" altLang="zh-TW" b="0" i="1" smtClean="0">
-                        <a:latin typeface="Cambria Math" panose="02040503050406030204" pitchFamily="18" charset="0"/>
-                      </a:rPr>
-                      <m:t>=</m:t>
-                    </m:r>
-                    <m:sSup>
-                      <m:sSupPr>
-                        <m:ctrlPr>
-                          <a:rPr lang="en-US" altLang="zh-TW" b="0" i="1" smtClean="0">
-                            <a:latin typeface="Cambria Math" panose="02040503050406030204" pitchFamily="18" charset="0"/>
-                          </a:rPr>
-                        </m:ctrlPr>
-                      </m:sSupPr>
-                      <m:e>
-                        <m:d>
-                          <m:dPr>
-                            <m:ctrlPr>
-                              <a:rPr lang="en-US" altLang="zh-TW" b="0" i="1" smtClean="0">
-                                <a:latin typeface="Cambria Math" panose="02040503050406030204" pitchFamily="18" charset="0"/>
-                              </a:rPr>
-                            </m:ctrlPr>
-                          </m:dPr>
-                          <m:e>
-                            <m:r>
-                              <a:rPr lang="en-US" altLang="zh-TW" b="0" i="1" smtClean="0">
-                                <a:latin typeface="Cambria Math" panose="02040503050406030204" pitchFamily="18" charset="0"/>
-                              </a:rPr>
-                              <m:t>𝑌</m:t>
-                            </m:r>
-                            <m:r>
-                              <a:rPr lang="en-US" altLang="zh-TW" b="0" i="1" smtClean="0">
-                                <a:latin typeface="Cambria Math" panose="02040503050406030204" pitchFamily="18" charset="0"/>
-                              </a:rPr>
-                              <m:t>−</m:t>
-                            </m:r>
-                            <m:acc>
-                              <m:accPr>
-                                <m:chr m:val="̂"/>
-                                <m:ctrlPr>
-                                  <a:rPr lang="en-US" altLang="zh-TW" b="0" i="1" smtClean="0">
-                                    <a:latin typeface="Cambria Math" panose="02040503050406030204" pitchFamily="18" charset="0"/>
-                                  </a:rPr>
-                                </m:ctrlPr>
-                              </m:accPr>
-                              <m:e>
-                                <m:r>
-                                  <a:rPr lang="en-US" altLang="zh-TW" b="0" i="1" smtClean="0">
-                                    <a:latin typeface="Cambria Math" panose="02040503050406030204" pitchFamily="18" charset="0"/>
-                                  </a:rPr>
-                                  <m:t>𝑌</m:t>
-                                </m:r>
-                              </m:e>
-                            </m:acc>
-                          </m:e>
-                        </m:d>
-                      </m:e>
-                      <m:sup>
-                        <m:r>
-                          <a:rPr lang="en-US" altLang="zh-TW" b="0" i="1" smtClean="0">
-                            <a:latin typeface="Cambria Math" panose="02040503050406030204" pitchFamily="18" charset="0"/>
-                          </a:rPr>
-                          <m:t>2</m:t>
-                        </m:r>
-                      </m:sup>
-                    </m:sSup>
-                  </m:oMath>
-                </a14:m>
-                <a:endParaRPr lang="en-US" altLang="zh-TW" dirty="0"/>
-              </a:p>
-              <a:p>
-                <a:pPr marL="457200" indent="-457200">
-                  <a:lnSpc>
-                    <a:spcPct val="150000"/>
-                  </a:lnSpc>
-                  <a:buFont typeface="+mj-lt"/>
-                  <a:buAutoNum type="arabicPeriod" startAt="4"/>
-                </a:pPr>
-                <a:r>
-                  <a:rPr lang="en-US" altLang="zh-TW" dirty="0"/>
-                  <a:t>Optimization :</a:t>
-                </a:r>
-                <a:r>
-                  <a:rPr lang="zh-TW" altLang="en-US" dirty="0"/>
-                  <a:t> </a:t>
-                </a:r>
-                <a14:m>
-                  <m:oMath xmlns:m="http://schemas.openxmlformats.org/officeDocument/2006/math">
-                    <m:sSub>
-                      <m:sSubPr>
-                        <m:ctrlPr>
-                          <a:rPr lang="en-US" altLang="zh-TW" b="0" i="1" smtClean="0">
-                            <a:latin typeface="Cambria Math" panose="02040503050406030204" pitchFamily="18" charset="0"/>
-                          </a:rPr>
-                        </m:ctrlPr>
-                      </m:sSubPr>
-                      <m:e>
-                        <m:r>
-                          <m:rPr>
-                            <m:sty m:val="p"/>
-                          </m:rPr>
-                          <a:rPr lang="en-US" altLang="zh-TW" b="0" i="0" smtClean="0">
-                            <a:latin typeface="Cambria Math" panose="02040503050406030204" pitchFamily="18" charset="0"/>
-                          </a:rPr>
-                          <m:t>argmin</m:t>
-                        </m:r>
-                      </m:e>
-                      <m:sub>
-                        <m:r>
-                          <a:rPr lang="en-US" altLang="zh-TW" b="0" i="1" smtClean="0">
-                            <a:latin typeface="Cambria Math" panose="02040503050406030204" pitchFamily="18" charset="0"/>
-                          </a:rPr>
-                          <m:t>𝑤</m:t>
-                        </m:r>
-                      </m:sub>
-                    </m:sSub>
-                    <m:f>
-                      <m:fPr>
-                        <m:ctrlPr>
-                          <a:rPr lang="en-US" altLang="zh-TW" b="0" i="1" smtClean="0">
-                            <a:latin typeface="Cambria Math" panose="02040503050406030204" pitchFamily="18" charset="0"/>
-                          </a:rPr>
-                        </m:ctrlPr>
-                      </m:fPr>
-                      <m:num>
-                        <m:r>
-                          <a:rPr lang="en-US" altLang="zh-TW" b="0" i="1" smtClean="0">
-                            <a:latin typeface="Cambria Math" panose="02040503050406030204" pitchFamily="18" charset="0"/>
-                          </a:rPr>
-                          <m:t>1</m:t>
-                        </m:r>
-                      </m:num>
-                      <m:den>
-                        <m:r>
-                          <a:rPr lang="en-US" altLang="zh-TW" b="0" i="1" smtClean="0">
-                            <a:latin typeface="Cambria Math" panose="02040503050406030204" pitchFamily="18" charset="0"/>
-                          </a:rPr>
-                          <m:t>𝑚</m:t>
-                        </m:r>
-                      </m:den>
-                    </m:f>
-                    <m:r>
-                      <a:rPr lang="en-US" altLang="zh-TW" b="0" i="1" smtClean="0">
-                        <a:latin typeface="Cambria Math" panose="02040503050406030204" pitchFamily="18" charset="0"/>
-                      </a:rPr>
-                      <m:t> ∑</m:t>
-                    </m:r>
-                    <m:sSup>
-                      <m:sSupPr>
-                        <m:ctrlPr>
-                          <a:rPr lang="en-US" altLang="zh-TW" b="0" i="1" smtClean="0">
-                            <a:latin typeface="Cambria Math" panose="02040503050406030204" pitchFamily="18" charset="0"/>
-                          </a:rPr>
-                        </m:ctrlPr>
-                      </m:sSupPr>
-                      <m:e>
-                        <m:d>
-                          <m:dPr>
-                            <m:ctrlPr>
-                              <a:rPr lang="en-US" altLang="zh-TW" b="0" i="1" smtClean="0">
-                                <a:latin typeface="Cambria Math" panose="02040503050406030204" pitchFamily="18" charset="0"/>
-                              </a:rPr>
-                            </m:ctrlPr>
-                          </m:dPr>
-                          <m:e>
-                            <m:r>
-                              <a:rPr lang="en-US" altLang="zh-TW" b="0" i="1" smtClean="0">
-                                <a:latin typeface="Cambria Math" panose="02040503050406030204" pitchFamily="18" charset="0"/>
-                              </a:rPr>
-                              <m:t>𝑌</m:t>
-                            </m:r>
-                            <m:r>
-                              <a:rPr lang="en-US" altLang="zh-TW" b="0" i="1" smtClean="0">
-                                <a:latin typeface="Cambria Math" panose="02040503050406030204" pitchFamily="18" charset="0"/>
-                              </a:rPr>
-                              <m:t>−</m:t>
-                            </m:r>
-                            <m:acc>
-                              <m:accPr>
-                                <m:chr m:val="̂"/>
-                                <m:ctrlPr>
-                                  <a:rPr lang="en-US" altLang="zh-TW" b="0" i="1" smtClean="0">
-                                    <a:latin typeface="Cambria Math" panose="02040503050406030204" pitchFamily="18" charset="0"/>
-                                  </a:rPr>
-                                </m:ctrlPr>
-                              </m:accPr>
-                              <m:e>
-                                <m:r>
-                                  <a:rPr lang="en-US" altLang="zh-TW" b="0" i="1" smtClean="0">
-                                    <a:latin typeface="Cambria Math" panose="02040503050406030204" pitchFamily="18" charset="0"/>
-                                  </a:rPr>
-                                  <m:t>𝑌</m:t>
-                                </m:r>
-                              </m:e>
-                            </m:acc>
-                          </m:e>
-                        </m:d>
-                      </m:e>
-                      <m:sup>
-                        <m:r>
-                          <a:rPr lang="en-US" altLang="zh-TW" b="0" i="1" smtClean="0">
-                            <a:latin typeface="Cambria Math" panose="02040503050406030204" pitchFamily="18" charset="0"/>
-                          </a:rPr>
-                          <m:t>2</m:t>
-                        </m:r>
-                      </m:sup>
-                    </m:sSup>
-                  </m:oMath>
-                </a14:m>
-                <a:endParaRPr lang="en-US" altLang="zh-TW" dirty="0"/>
-              </a:p>
-              <a:p>
-                <a:pPr lvl="1">
-                  <a:lnSpc>
-                    <a:spcPct val="150000"/>
-                  </a:lnSpc>
-                </a:pPr>
-                <a14:m>
-                  <m:oMath xmlns:m="http://schemas.openxmlformats.org/officeDocument/2006/math">
-                    <m:r>
-                      <a:rPr lang="en-US" altLang="zh-TW" b="0" i="1" smtClean="0">
-                        <a:latin typeface="Cambria Math" panose="02040503050406030204" pitchFamily="18" charset="0"/>
-                      </a:rPr>
-                      <m:t>𝑚</m:t>
-                    </m:r>
-                  </m:oMath>
-                </a14:m>
-                <a:r>
-                  <a:rPr lang="en-US" altLang="zh-TW" dirty="0"/>
-                  <a:t> pieces of data </a:t>
-                </a:r>
-              </a:p>
-              <a:p>
-                <a:pPr lvl="1">
-                  <a:lnSpc>
-                    <a:spcPct val="150000"/>
-                  </a:lnSpc>
-                </a:pPr>
-                <a:r>
-                  <a:rPr lang="en-US" altLang="zh-TW" dirty="0"/>
-                  <a:t>Find </a:t>
-                </a:r>
-                <a14:m>
-                  <m:oMath xmlns:m="http://schemas.openxmlformats.org/officeDocument/2006/math">
-                    <m:r>
-                      <a:rPr lang="en-US" altLang="zh-TW" b="0" i="1" smtClean="0">
-                        <a:latin typeface="Cambria Math" panose="02040503050406030204" pitchFamily="18" charset="0"/>
-                      </a:rPr>
-                      <m:t>𝑊</m:t>
-                    </m:r>
-                  </m:oMath>
-                </a14:m>
-                <a:r>
-                  <a:rPr lang="en-US" altLang="zh-TW" dirty="0"/>
-                  <a:t> such that we have minimal average loss.</a:t>
-                </a:r>
-              </a:p>
-            </p:txBody>
-          </p:sp>
-        </mc:Choice>
-        <mc:Fallback xmlns="">
-          <p:sp>
-            <p:nvSpPr>
-              <p:cNvPr id="5" name="內容版面配置區 4">
-                <a:extLst>
-                  <a:ext uri="{FF2B5EF4-FFF2-40B4-BE49-F238E27FC236}">
-                    <a16:creationId xmlns:a16="http://schemas.microsoft.com/office/drawing/2014/main" id="{CD4F6108-B0D4-48B5-AF50-D92C8FF9D70D}"/>
-                  </a:ext>
-                </a:extLst>
-              </p:cNvPr>
-              <p:cNvSpPr>
-                <a:spLocks noGrp="1" noRot="1" noChangeAspect="1" noMove="1" noResize="1" noEditPoints="1" noAdjustHandles="1" noChangeArrowheads="1" noChangeShapeType="1" noTextEdit="1"/>
-              </p:cNvSpPr>
-              <p:nvPr>
-                <p:ph idx="1"/>
-              </p:nvPr>
-            </p:nvSpPr>
-            <p:spPr>
-              <a:blipFill>
-                <a:blip r:embed="rId2"/>
-                <a:stretch>
-                  <a:fillRect l="-1144" t="-3119" b="-3303"/>
-                </a:stretch>
-              </a:blipFill>
-            </p:spPr>
-            <p:txBody>
-              <a:bodyPr/>
-              <a:lstStyle/>
-              <a:p>
-                <a:r>
-                  <a:rPr lang="zh-TW" altLang="en-US">
-                    <a:noFill/>
-                  </a:rPr>
-                  <a:t> </a:t>
-                </a:r>
-              </a:p>
-            </p:txBody>
-          </p:sp>
-        </mc:Fallback>
-      </mc:AlternateContent>
-    </p:spTree>
-    <p:extLst>
-      <p:ext uri="{BB962C8B-B14F-4D97-AF65-F5344CB8AC3E}">
-        <p14:creationId xmlns:p14="http://schemas.microsoft.com/office/powerpoint/2010/main" val="2238109102"/>
-      </p:ext>
-    </p:extLst>
-  </p:cSld>
-  <p:clrMapOvr>
-    <a:masterClrMapping/>
-  </p:clrMapOvr>
-</p:sld>
-</file>
-
-<file path=ppt/slides/slide8.xml><?xml version="1.0" encoding="utf-8"?>
-<p:sld xmlns:a="http://schemas.openxmlformats.org/drawingml/2006/main" xmlns:r="http://schemas.openxmlformats.org/officeDocument/2006/relationships" xmlns:p="http://schemas.openxmlformats.org/presentationml/2006/main">
-  <p:cSld>
-    <p:spTree>
-      <p:nvGrpSpPr>
-        <p:cNvPr id="1" name=""/>
-        <p:cNvGrpSpPr/>
-        <p:nvPr/>
-      </p:nvGrpSpPr>
-      <p:grpSpPr>
-        <a:xfrm>
-          <a:off x="0" y="0"/>
-          <a:ext cx="0" cy="0"/>
-          <a:chOff x="0" y="0"/>
-          <a:chExt cx="0" cy="0"/>
-        </a:xfrm>
-      </p:grpSpPr>
-      <p:sp>
-        <p:nvSpPr>
           <p:cNvPr id="4" name="標題 3">
             <a:extLst>
               <a:ext uri="{FF2B5EF4-FFF2-40B4-BE49-F238E27FC236}">
@@ -9456,7 +7558,7 @@
 </p:sld>
 </file>
 
-<file path=ppt/slides/slide9.xml><?xml version="1.0" encoding="utf-8"?>
+<file path=ppt/slides/slide11.xml><?xml version="1.0" encoding="utf-8"?>
 <p:sld xmlns:a="http://schemas.openxmlformats.org/drawingml/2006/main" xmlns:r="http://schemas.openxmlformats.org/officeDocument/2006/relationships" xmlns:p="http://schemas.openxmlformats.org/presentationml/2006/main">
   <p:cSld>
     <p:spTree>
@@ -10074,6 +8176,2181 @@
     <p:extLst>
       <p:ext uri="{BB962C8B-B14F-4D97-AF65-F5344CB8AC3E}">
         <p14:creationId xmlns:p14="http://schemas.microsoft.com/office/powerpoint/2010/main" val="3175432762"/>
+      </p:ext>
+    </p:extLst>
+  </p:cSld>
+  <p:clrMapOvr>
+    <a:masterClrMapping/>
+  </p:clrMapOvr>
+</p:sld>
+</file>
+
+<file path=ppt/slides/slide12.xml><?xml version="1.0" encoding="utf-8"?>
+<p:sld xmlns:a="http://schemas.openxmlformats.org/drawingml/2006/main" xmlns:r="http://schemas.openxmlformats.org/officeDocument/2006/relationships" xmlns:p="http://schemas.openxmlformats.org/presentationml/2006/main">
+  <p:cSld>
+    <p:spTree>
+      <p:nvGrpSpPr>
+        <p:cNvPr id="1" name=""/>
+        <p:cNvGrpSpPr/>
+        <p:nvPr/>
+      </p:nvGrpSpPr>
+      <p:grpSpPr>
+        <a:xfrm>
+          <a:off x="0" y="0"/>
+          <a:ext cx="0" cy="0"/>
+          <a:chOff x="0" y="0"/>
+          <a:chExt cx="0" cy="0"/>
+        </a:xfrm>
+      </p:grpSpPr>
+      <p:sp>
+        <p:nvSpPr>
+          <p:cNvPr id="2" name="標題 1">
+            <a:extLst>
+              <a:ext uri="{FF2B5EF4-FFF2-40B4-BE49-F238E27FC236}">
+                <a16:creationId xmlns:a16="http://schemas.microsoft.com/office/drawing/2014/main" id="{C8E48965-8037-4518-9B1F-97A622225491}"/>
+              </a:ext>
+            </a:extLst>
+          </p:cNvPr>
+          <p:cNvSpPr>
+            <a:spLocks noGrp="1"/>
+          </p:cNvSpPr>
+          <p:nvPr>
+            <p:ph type="title"/>
+          </p:nvPr>
+        </p:nvSpPr>
+        <p:spPr/>
+        <p:txBody>
+          <a:bodyPr/>
+          <a:lstStyle/>
+          <a:p>
+            <a:r>
+              <a:rPr lang="en-US" altLang="zh-TW" dirty="0"/>
+              <a:t>K-fold cross validation </a:t>
+            </a:r>
+            <a:endParaRPr lang="zh-TW" altLang="en-US" dirty="0"/>
+          </a:p>
+        </p:txBody>
+      </p:sp>
+      <p:sp>
+        <p:nvSpPr>
+          <p:cNvPr id="3" name="內容版面配置區 2">
+            <a:extLst>
+              <a:ext uri="{FF2B5EF4-FFF2-40B4-BE49-F238E27FC236}">
+                <a16:creationId xmlns:a16="http://schemas.microsoft.com/office/drawing/2014/main" id="{201DA8D7-255F-4C52-B442-74F6553F2386}"/>
+              </a:ext>
+            </a:extLst>
+          </p:cNvPr>
+          <p:cNvSpPr>
+            <a:spLocks noGrp="1"/>
+          </p:cNvSpPr>
+          <p:nvPr>
+            <p:ph idx="1"/>
+          </p:nvPr>
+        </p:nvSpPr>
+        <p:spPr/>
+        <p:txBody>
+          <a:bodyPr/>
+          <a:lstStyle/>
+          <a:p>
+            <a:r>
+              <a:rPr lang="en-US" altLang="zh-TW" dirty="0"/>
+              <a:t>3 roles of dataset</a:t>
+            </a:r>
+          </a:p>
+          <a:p>
+            <a:pPr lvl="1"/>
+            <a:r>
+              <a:rPr lang="en-US" altLang="zh-TW" dirty="0"/>
+              <a:t>Training set : for train model</a:t>
+            </a:r>
+          </a:p>
+          <a:p>
+            <a:pPr lvl="1"/>
+            <a:r>
+              <a:rPr lang="en-US" altLang="zh-TW" dirty="0"/>
+              <a:t>Validation set : for hyperparameters tuning</a:t>
+            </a:r>
+          </a:p>
+          <a:p>
+            <a:pPr lvl="1"/>
+            <a:r>
+              <a:rPr lang="en-US" altLang="zh-TW" dirty="0"/>
+              <a:t>Testing set : for model performance evaluation</a:t>
+            </a:r>
+            <a:endParaRPr lang="zh-TW" altLang="en-US" dirty="0"/>
+          </a:p>
+        </p:txBody>
+      </p:sp>
+    </p:spTree>
+    <p:extLst>
+      <p:ext uri="{BB962C8B-B14F-4D97-AF65-F5344CB8AC3E}">
+        <p14:creationId xmlns:p14="http://schemas.microsoft.com/office/powerpoint/2010/main" val="4003296924"/>
+      </p:ext>
+    </p:extLst>
+  </p:cSld>
+  <p:clrMapOvr>
+    <a:masterClrMapping/>
+  </p:clrMapOvr>
+</p:sld>
+</file>
+
+<file path=ppt/slides/slide13.xml><?xml version="1.0" encoding="utf-8"?>
+<p:sld xmlns:a="http://schemas.openxmlformats.org/drawingml/2006/main" xmlns:r="http://schemas.openxmlformats.org/officeDocument/2006/relationships" xmlns:p="http://schemas.openxmlformats.org/presentationml/2006/main">
+  <p:cSld>
+    <p:spTree>
+      <p:nvGrpSpPr>
+        <p:cNvPr id="1" name=""/>
+        <p:cNvGrpSpPr/>
+        <p:nvPr/>
+      </p:nvGrpSpPr>
+      <p:grpSpPr>
+        <a:xfrm>
+          <a:off x="0" y="0"/>
+          <a:ext cx="0" cy="0"/>
+          <a:chOff x="0" y="0"/>
+          <a:chExt cx="0" cy="0"/>
+        </a:xfrm>
+      </p:grpSpPr>
+      <p:sp>
+        <p:nvSpPr>
+          <p:cNvPr id="2" name="標題 1">
+            <a:extLst>
+              <a:ext uri="{FF2B5EF4-FFF2-40B4-BE49-F238E27FC236}">
+                <a16:creationId xmlns:a16="http://schemas.microsoft.com/office/drawing/2014/main" id="{9C3043A8-99FB-406E-94CE-C5955C08CC27}"/>
+              </a:ext>
+            </a:extLst>
+          </p:cNvPr>
+          <p:cNvSpPr>
+            <a:spLocks noGrp="1"/>
+          </p:cNvSpPr>
+          <p:nvPr>
+            <p:ph type="title"/>
+          </p:nvPr>
+        </p:nvSpPr>
+        <p:spPr/>
+        <p:txBody>
+          <a:bodyPr/>
+          <a:lstStyle/>
+          <a:p>
+            <a:r>
+              <a:rPr lang="en-US" altLang="zh-TW" dirty="0"/>
+              <a:t>K-fold cross validation </a:t>
+            </a:r>
+            <a:endParaRPr lang="zh-TW" altLang="en-US" dirty="0"/>
+          </a:p>
+        </p:txBody>
+      </p:sp>
+      <p:sp>
+        <p:nvSpPr>
+          <p:cNvPr id="4" name="內容版面配置區 3">
+            <a:extLst>
+              <a:ext uri="{FF2B5EF4-FFF2-40B4-BE49-F238E27FC236}">
+                <a16:creationId xmlns:a16="http://schemas.microsoft.com/office/drawing/2014/main" id="{7EB0F08D-B77D-47E6-BE9E-1AAB8278F19C}"/>
+              </a:ext>
+            </a:extLst>
+          </p:cNvPr>
+          <p:cNvSpPr>
+            <a:spLocks noGrp="1"/>
+          </p:cNvSpPr>
+          <p:nvPr>
+            <p:ph sz="half" idx="1"/>
+          </p:nvPr>
+        </p:nvSpPr>
+        <p:spPr/>
+        <p:txBody>
+          <a:bodyPr/>
+          <a:lstStyle/>
+          <a:p>
+            <a:r>
+              <a:rPr lang="en-US" altLang="zh-TW" dirty="0"/>
+              <a:t>Hyperparameters is a parameter whose value is used to control the learning process</a:t>
+            </a:r>
+          </a:p>
+          <a:p>
+            <a:r>
+              <a:rPr lang="en-US" altLang="zh-TW" dirty="0"/>
+              <a:t>Find hyperparameter settings that have best average performance of each split.</a:t>
+            </a:r>
+            <a:endParaRPr lang="zh-TW" altLang="en-US" dirty="0"/>
+          </a:p>
+        </p:txBody>
+      </p:sp>
+      <p:pic>
+        <p:nvPicPr>
+          <p:cNvPr id="1026" name="Picture 2" descr="3.1. Cross-validation: evaluating estimator performance — scikit-learn  1.0.1 documentation">
+            <a:extLst>
+              <a:ext uri="{FF2B5EF4-FFF2-40B4-BE49-F238E27FC236}">
+                <a16:creationId xmlns:a16="http://schemas.microsoft.com/office/drawing/2014/main" id="{6607C1BA-2611-4113-906D-18658FA38857}"/>
+              </a:ext>
+            </a:extLst>
+          </p:cNvPr>
+          <p:cNvPicPr>
+            <a:picLocks noChangeAspect="1" noChangeArrowheads="1"/>
+          </p:cNvPicPr>
+          <p:nvPr/>
+        </p:nvPicPr>
+        <p:blipFill>
+          <a:blip r:embed="rId2">
+            <a:extLst>
+              <a:ext uri="{28A0092B-C50C-407E-A947-70E740481C1C}">
+                <a14:useLocalDpi xmlns:a14="http://schemas.microsoft.com/office/drawing/2010/main" val="0"/>
+              </a:ext>
+            </a:extLst>
+          </a:blip>
+          <a:srcRect/>
+          <a:stretch>
+            <a:fillRect/>
+          </a:stretch>
+        </p:blipFill>
+        <p:spPr bwMode="auto">
+          <a:xfrm>
+            <a:off x="6226263" y="2717534"/>
+            <a:ext cx="4588041" cy="3177931"/>
+          </a:xfrm>
+          <a:prstGeom prst="rect">
+            <a:avLst/>
+          </a:prstGeom>
+          <a:noFill/>
+          <a:extLst>
+            <a:ext uri="{909E8E84-426E-40DD-AFC4-6F175D3DCCD1}">
+              <a14:hiddenFill xmlns:a14="http://schemas.microsoft.com/office/drawing/2010/main">
+                <a:solidFill>
+                  <a:srgbClr val="FFFFFF"/>
+                </a:solidFill>
+              </a14:hiddenFill>
+            </a:ext>
+          </a:extLst>
+        </p:spPr>
+      </p:pic>
+    </p:spTree>
+    <p:extLst>
+      <p:ext uri="{BB962C8B-B14F-4D97-AF65-F5344CB8AC3E}">
+        <p14:creationId xmlns:p14="http://schemas.microsoft.com/office/powerpoint/2010/main" val="1215112184"/>
+      </p:ext>
+    </p:extLst>
+  </p:cSld>
+  <p:clrMapOvr>
+    <a:masterClrMapping/>
+  </p:clrMapOvr>
+</p:sld>
+</file>
+
+<file path=ppt/slides/slide2.xml><?xml version="1.0" encoding="utf-8"?>
+<p:sld xmlns:a="http://schemas.openxmlformats.org/drawingml/2006/main" xmlns:r="http://schemas.openxmlformats.org/officeDocument/2006/relationships" xmlns:p="http://schemas.openxmlformats.org/presentationml/2006/main">
+  <p:cSld>
+    <p:spTree>
+      <p:nvGrpSpPr>
+        <p:cNvPr id="1" name=""/>
+        <p:cNvGrpSpPr/>
+        <p:nvPr/>
+      </p:nvGrpSpPr>
+      <p:grpSpPr>
+        <a:xfrm>
+          <a:off x="0" y="0"/>
+          <a:ext cx="0" cy="0"/>
+          <a:chOff x="0" y="0"/>
+          <a:chExt cx="0" cy="0"/>
+        </a:xfrm>
+      </p:grpSpPr>
+      <p:sp>
+        <p:nvSpPr>
+          <p:cNvPr id="6" name="標題 5">
+            <a:extLst>
+              <a:ext uri="{FF2B5EF4-FFF2-40B4-BE49-F238E27FC236}">
+                <a16:creationId xmlns:a16="http://schemas.microsoft.com/office/drawing/2014/main" id="{404B3690-C787-41C5-8A03-C2E0D6BE916C}"/>
+              </a:ext>
+            </a:extLst>
+          </p:cNvPr>
+          <p:cNvSpPr>
+            <a:spLocks noGrp="1"/>
+          </p:cNvSpPr>
+          <p:nvPr>
+            <p:ph type="title"/>
+          </p:nvPr>
+        </p:nvSpPr>
+        <p:spPr/>
+        <p:txBody>
+          <a:bodyPr/>
+          <a:lstStyle/>
+          <a:p>
+            <a:r>
+              <a:rPr lang="en-US" altLang="zh-TW" dirty="0"/>
+              <a:t>Course Summary</a:t>
+            </a:r>
+            <a:endParaRPr lang="zh-TW" altLang="en-US" dirty="0"/>
+          </a:p>
+        </p:txBody>
+      </p:sp>
+      <p:sp>
+        <p:nvSpPr>
+          <p:cNvPr id="7" name="內容版面配置區 6">
+            <a:extLst>
+              <a:ext uri="{FF2B5EF4-FFF2-40B4-BE49-F238E27FC236}">
+                <a16:creationId xmlns:a16="http://schemas.microsoft.com/office/drawing/2014/main" id="{E0C272F6-60D0-4746-9212-567531EB7E0B}"/>
+              </a:ext>
+            </a:extLst>
+          </p:cNvPr>
+          <p:cNvSpPr>
+            <a:spLocks noGrp="1"/>
+          </p:cNvSpPr>
+          <p:nvPr>
+            <p:ph idx="1"/>
+          </p:nvPr>
+        </p:nvSpPr>
+        <p:spPr/>
+        <p:txBody>
+          <a:bodyPr>
+            <a:normAutofit/>
+          </a:bodyPr>
+          <a:lstStyle/>
+          <a:p>
+            <a:pPr marL="457200" indent="-457200">
+              <a:buFont typeface="+mj-lt"/>
+              <a:buAutoNum type="arabicPeriod"/>
+            </a:pPr>
+            <a:r>
+              <a:rPr lang="en-US" altLang="zh-TW" dirty="0"/>
+              <a:t>Validation</a:t>
+            </a:r>
+          </a:p>
+          <a:p>
+            <a:pPr lvl="1"/>
+            <a:r>
+              <a:rPr lang="en-US" altLang="zh-TW" dirty="0">
+                <a:solidFill>
+                  <a:srgbClr val="FF0000"/>
+                </a:solidFill>
+              </a:rPr>
+              <a:t>K-fold cross validation (*optional)</a:t>
+            </a:r>
+          </a:p>
+          <a:p>
+            <a:pPr lvl="1"/>
+            <a:r>
+              <a:rPr lang="en-US" altLang="zh-TW" dirty="0"/>
+              <a:t>Leave-one-out cross validation</a:t>
+            </a:r>
+          </a:p>
+          <a:p>
+            <a:pPr lvl="1"/>
+            <a:r>
+              <a:rPr lang="en-US" altLang="zh-TW"/>
+              <a:t>Holdout validation</a:t>
+            </a:r>
+            <a:endParaRPr lang="en-US" altLang="zh-TW" dirty="0"/>
+          </a:p>
+          <a:p>
+            <a:pPr marL="457200" indent="-457200">
+              <a:lnSpc>
+                <a:spcPct val="150000"/>
+              </a:lnSpc>
+              <a:buFont typeface="+mj-lt"/>
+              <a:buAutoNum type="arabicPeriod"/>
+            </a:pPr>
+            <a:r>
+              <a:rPr lang="en-US" altLang="zh-TW" dirty="0"/>
+              <a:t>Evaluation</a:t>
+            </a:r>
+          </a:p>
+          <a:p>
+            <a:pPr lvl="1"/>
+            <a:r>
+              <a:rPr lang="en-US" altLang="zh-TW" dirty="0">
+                <a:solidFill>
+                  <a:srgbClr val="FF0000"/>
+                </a:solidFill>
+              </a:rPr>
+              <a:t>Confusion matrix</a:t>
+            </a:r>
+          </a:p>
+          <a:p>
+            <a:endParaRPr lang="zh-TW" altLang="en-US" dirty="0"/>
+          </a:p>
+        </p:txBody>
+      </p:sp>
+    </p:spTree>
+    <p:extLst>
+      <p:ext uri="{BB962C8B-B14F-4D97-AF65-F5344CB8AC3E}">
+        <p14:creationId xmlns:p14="http://schemas.microsoft.com/office/powerpoint/2010/main" val="3260500670"/>
+      </p:ext>
+    </p:extLst>
+  </p:cSld>
+  <p:clrMapOvr>
+    <a:masterClrMapping/>
+  </p:clrMapOvr>
+</p:sld>
+</file>
+
+<file path=ppt/slides/slide3.xml><?xml version="1.0" encoding="utf-8"?>
+<p:sld xmlns:a="http://schemas.openxmlformats.org/drawingml/2006/main" xmlns:r="http://schemas.openxmlformats.org/officeDocument/2006/relationships" xmlns:p="http://schemas.openxmlformats.org/presentationml/2006/main">
+  <p:cSld>
+    <p:spTree>
+      <p:nvGrpSpPr>
+        <p:cNvPr id="1" name=""/>
+        <p:cNvGrpSpPr/>
+        <p:nvPr/>
+      </p:nvGrpSpPr>
+      <p:grpSpPr>
+        <a:xfrm>
+          <a:off x="0" y="0"/>
+          <a:ext cx="0" cy="0"/>
+          <a:chOff x="0" y="0"/>
+          <a:chExt cx="0" cy="0"/>
+        </a:xfrm>
+      </p:grpSpPr>
+      <p:sp>
+        <p:nvSpPr>
+          <p:cNvPr id="6" name="標題 5">
+            <a:extLst>
+              <a:ext uri="{FF2B5EF4-FFF2-40B4-BE49-F238E27FC236}">
+                <a16:creationId xmlns:a16="http://schemas.microsoft.com/office/drawing/2014/main" id="{404B3690-C787-41C5-8A03-C2E0D6BE916C}"/>
+              </a:ext>
+            </a:extLst>
+          </p:cNvPr>
+          <p:cNvSpPr>
+            <a:spLocks noGrp="1"/>
+          </p:cNvSpPr>
+          <p:nvPr>
+            <p:ph type="title"/>
+          </p:nvPr>
+        </p:nvSpPr>
+        <p:spPr/>
+        <p:txBody>
+          <a:bodyPr/>
+          <a:lstStyle/>
+          <a:p>
+            <a:r>
+              <a:rPr lang="en-US" altLang="zh-TW" dirty="0"/>
+              <a:t>Course Summary</a:t>
+            </a:r>
+            <a:endParaRPr lang="zh-TW" altLang="en-US" dirty="0"/>
+          </a:p>
+        </p:txBody>
+      </p:sp>
+      <p:sp>
+        <p:nvSpPr>
+          <p:cNvPr id="7" name="內容版面配置區 6">
+            <a:extLst>
+              <a:ext uri="{FF2B5EF4-FFF2-40B4-BE49-F238E27FC236}">
+                <a16:creationId xmlns:a16="http://schemas.microsoft.com/office/drawing/2014/main" id="{E0C272F6-60D0-4746-9212-567531EB7E0B}"/>
+              </a:ext>
+            </a:extLst>
+          </p:cNvPr>
+          <p:cNvSpPr>
+            <a:spLocks noGrp="1"/>
+          </p:cNvSpPr>
+          <p:nvPr>
+            <p:ph idx="1"/>
+          </p:nvPr>
+        </p:nvSpPr>
+        <p:spPr/>
+        <p:txBody>
+          <a:bodyPr>
+            <a:normAutofit fontScale="92500" lnSpcReduction="20000"/>
+          </a:bodyPr>
+          <a:lstStyle/>
+          <a:p>
+            <a:pPr marL="457200" indent="-457200">
+              <a:buFont typeface="+mj-lt"/>
+              <a:buAutoNum type="arabicPeriod" startAt="3"/>
+            </a:pPr>
+            <a:r>
+              <a:rPr lang="en-US" altLang="zh-TW" dirty="0"/>
+              <a:t>Supervised learning algorithm</a:t>
+            </a:r>
+          </a:p>
+          <a:p>
+            <a:pPr lvl="1"/>
+            <a:r>
+              <a:rPr lang="en-US" altLang="zh-TW" dirty="0">
+                <a:solidFill>
+                  <a:srgbClr val="FF0000"/>
+                </a:solidFill>
+              </a:rPr>
+              <a:t>Naive Bayes</a:t>
+            </a:r>
+          </a:p>
+          <a:p>
+            <a:pPr lvl="1"/>
+            <a:r>
+              <a:rPr lang="en-US" altLang="zh-TW" dirty="0"/>
+              <a:t>Decision tree</a:t>
+            </a:r>
+          </a:p>
+          <a:p>
+            <a:pPr lvl="1"/>
+            <a:r>
+              <a:rPr lang="en-US" altLang="zh-TW" dirty="0">
+                <a:solidFill>
+                  <a:srgbClr val="FF0000"/>
+                </a:solidFill>
+              </a:rPr>
+              <a:t>Linear regression</a:t>
+            </a:r>
+          </a:p>
+          <a:p>
+            <a:pPr lvl="1">
+              <a:lnSpc>
+                <a:spcPct val="120000"/>
+              </a:lnSpc>
+            </a:pPr>
+            <a:r>
+              <a:rPr lang="en-US" altLang="zh-TW" dirty="0">
+                <a:solidFill>
+                  <a:schemeClr val="tx1"/>
+                </a:solidFill>
+              </a:rPr>
+              <a:t>Logistic regression</a:t>
+            </a:r>
+          </a:p>
+          <a:p>
+            <a:pPr lvl="1">
+              <a:lnSpc>
+                <a:spcPct val="110000"/>
+              </a:lnSpc>
+            </a:pPr>
+            <a:r>
+              <a:rPr lang="en-US" altLang="zh-TW" dirty="0"/>
+              <a:t>SVM</a:t>
+            </a:r>
+            <a:endParaRPr lang="zh-TW" altLang="en-US" dirty="0"/>
+          </a:p>
+          <a:p>
+            <a:pPr>
+              <a:lnSpc>
+                <a:spcPct val="170000"/>
+              </a:lnSpc>
+            </a:pPr>
+            <a:r>
+              <a:rPr lang="en-US" altLang="zh-TW" dirty="0"/>
+              <a:t>Unsupervised learning algorithm</a:t>
+            </a:r>
+          </a:p>
+          <a:p>
+            <a:pPr lvl="1"/>
+            <a:r>
+              <a:rPr lang="en-US" altLang="zh-TW" dirty="0"/>
+              <a:t>KNN</a:t>
+            </a:r>
+            <a:endParaRPr lang="zh-TW" altLang="en-US" dirty="0"/>
+          </a:p>
+        </p:txBody>
+      </p:sp>
+    </p:spTree>
+    <p:extLst>
+      <p:ext uri="{BB962C8B-B14F-4D97-AF65-F5344CB8AC3E}">
+        <p14:creationId xmlns:p14="http://schemas.microsoft.com/office/powerpoint/2010/main" val="3814035138"/>
+      </p:ext>
+    </p:extLst>
+  </p:cSld>
+  <p:clrMapOvr>
+    <a:masterClrMapping/>
+  </p:clrMapOvr>
+</p:sld>
+</file>
+
+<file path=ppt/slides/slide4.xml><?xml version="1.0" encoding="utf-8"?>
+<p:sld xmlns:a="http://schemas.openxmlformats.org/drawingml/2006/main" xmlns:r="http://schemas.openxmlformats.org/officeDocument/2006/relationships" xmlns:p="http://schemas.openxmlformats.org/presentationml/2006/main">
+  <p:cSld>
+    <p:spTree>
+      <p:nvGrpSpPr>
+        <p:cNvPr id="1" name=""/>
+        <p:cNvGrpSpPr/>
+        <p:nvPr/>
+      </p:nvGrpSpPr>
+      <p:grpSpPr>
+        <a:xfrm>
+          <a:off x="0" y="0"/>
+          <a:ext cx="0" cy="0"/>
+          <a:chOff x="0" y="0"/>
+          <a:chExt cx="0" cy="0"/>
+        </a:xfrm>
+      </p:grpSpPr>
+      <p:sp>
+        <p:nvSpPr>
+          <p:cNvPr id="2" name="標題 1">
+            <a:extLst>
+              <a:ext uri="{FF2B5EF4-FFF2-40B4-BE49-F238E27FC236}">
+                <a16:creationId xmlns:a16="http://schemas.microsoft.com/office/drawing/2014/main" id="{1FA1A006-AF7F-46DC-8A18-E16F26CA8DFB}"/>
+              </a:ext>
+            </a:extLst>
+          </p:cNvPr>
+          <p:cNvSpPr>
+            <a:spLocks noGrp="1"/>
+          </p:cNvSpPr>
+          <p:nvPr>
+            <p:ph type="title"/>
+          </p:nvPr>
+        </p:nvSpPr>
+        <p:spPr/>
+        <p:txBody>
+          <a:bodyPr/>
+          <a:lstStyle/>
+          <a:p>
+            <a:r>
+              <a:rPr lang="en-US" altLang="zh-TW" dirty="0"/>
+              <a:t>Setting</a:t>
+            </a:r>
+            <a:endParaRPr lang="zh-TW" altLang="en-US" dirty="0"/>
+          </a:p>
+        </p:txBody>
+      </p:sp>
+      <p:sp>
+        <p:nvSpPr>
+          <p:cNvPr id="3" name="內容版面配置區 2">
+            <a:extLst>
+              <a:ext uri="{FF2B5EF4-FFF2-40B4-BE49-F238E27FC236}">
+                <a16:creationId xmlns:a16="http://schemas.microsoft.com/office/drawing/2014/main" id="{8FE8FFCC-A3EB-4C83-8517-C65250F8258D}"/>
+              </a:ext>
+            </a:extLst>
+          </p:cNvPr>
+          <p:cNvSpPr>
+            <a:spLocks noGrp="1"/>
+          </p:cNvSpPr>
+          <p:nvPr>
+            <p:ph idx="1"/>
+          </p:nvPr>
+        </p:nvSpPr>
+        <p:spPr/>
+        <p:txBody>
+          <a:bodyPr/>
+          <a:lstStyle/>
+          <a:p>
+            <a:pPr marL="457200" indent="-457200">
+              <a:buFont typeface="+mj-lt"/>
+              <a:buAutoNum type="arabicPeriod"/>
+            </a:pPr>
+            <a:r>
+              <a:rPr lang="zh-TW" altLang="en-US" dirty="0"/>
+              <a:t>下載教材檔案 </a:t>
+            </a:r>
+            <a:r>
+              <a:rPr lang="en-US" altLang="zh-TW" dirty="0"/>
+              <a:t>ML_workshop.zip</a:t>
+            </a:r>
+          </a:p>
+          <a:p>
+            <a:pPr lvl="1"/>
+            <a:r>
+              <a:rPr lang="en-US" altLang="zh-TW" dirty="0">
+                <a:hlinkClick r:id="rId2"/>
+              </a:rPr>
+              <a:t>https://drive.google.com/file/d/1GAkqaSCaGXiR1kGKrQZ4BnYFq5gFE8VL/view?usp=sharing</a:t>
+            </a:r>
+            <a:endParaRPr lang="en-US" altLang="zh-TW" dirty="0"/>
+          </a:p>
+          <a:p>
+            <a:pPr marL="457200" indent="-457200">
+              <a:buFont typeface="+mj-lt"/>
+              <a:buAutoNum type="arabicPeriod"/>
+            </a:pPr>
+            <a:r>
+              <a:rPr lang="zh-TW" altLang="en-US" dirty="0"/>
+              <a:t>將檔案解壓縮後把整個</a:t>
+            </a:r>
+            <a:r>
+              <a:rPr lang="en-US" altLang="zh-TW" dirty="0" err="1"/>
+              <a:t>ML_workshop</a:t>
+            </a:r>
+            <a:r>
+              <a:rPr lang="zh-TW" altLang="en-US" dirty="0"/>
+              <a:t>資料夾上傳到自己的</a:t>
+            </a:r>
+            <a:r>
+              <a:rPr lang="en-US" altLang="zh-TW" dirty="0"/>
+              <a:t>google</a:t>
+            </a:r>
+            <a:r>
+              <a:rPr lang="zh-TW" altLang="en-US" dirty="0"/>
+              <a:t>雲端硬碟</a:t>
+            </a:r>
+            <a:endParaRPr lang="en-US" altLang="zh-TW" dirty="0"/>
+          </a:p>
+        </p:txBody>
+      </p:sp>
+    </p:spTree>
+    <p:extLst>
+      <p:ext uri="{BB962C8B-B14F-4D97-AF65-F5344CB8AC3E}">
+        <p14:creationId xmlns:p14="http://schemas.microsoft.com/office/powerpoint/2010/main" val="600064668"/>
+      </p:ext>
+    </p:extLst>
+  </p:cSld>
+  <p:clrMapOvr>
+    <a:masterClrMapping/>
+  </p:clrMapOvr>
+</p:sld>
+</file>
+
+<file path=ppt/slides/slide5.xml><?xml version="1.0" encoding="utf-8"?>
+<p:sld xmlns:a="http://schemas.openxmlformats.org/drawingml/2006/main" xmlns:r="http://schemas.openxmlformats.org/officeDocument/2006/relationships" xmlns:p="http://schemas.openxmlformats.org/presentationml/2006/main">
+  <p:cSld>
+    <p:spTree>
+      <p:nvGrpSpPr>
+        <p:cNvPr id="1" name=""/>
+        <p:cNvGrpSpPr/>
+        <p:nvPr/>
+      </p:nvGrpSpPr>
+      <p:grpSpPr>
+        <a:xfrm>
+          <a:off x="0" y="0"/>
+          <a:ext cx="0" cy="0"/>
+          <a:chOff x="0" y="0"/>
+          <a:chExt cx="0" cy="0"/>
+        </a:xfrm>
+      </p:grpSpPr>
+      <p:sp>
+        <p:nvSpPr>
+          <p:cNvPr id="2" name="標題 1">
+            <a:extLst>
+              <a:ext uri="{FF2B5EF4-FFF2-40B4-BE49-F238E27FC236}">
+                <a16:creationId xmlns:a16="http://schemas.microsoft.com/office/drawing/2014/main" id="{1FA1A006-AF7F-46DC-8A18-E16F26CA8DFB}"/>
+              </a:ext>
+            </a:extLst>
+          </p:cNvPr>
+          <p:cNvSpPr>
+            <a:spLocks noGrp="1"/>
+          </p:cNvSpPr>
+          <p:nvPr>
+            <p:ph type="title"/>
+          </p:nvPr>
+        </p:nvSpPr>
+        <p:spPr/>
+        <p:txBody>
+          <a:bodyPr>
+            <a:normAutofit/>
+          </a:bodyPr>
+          <a:lstStyle/>
+          <a:p>
+            <a:r>
+              <a:rPr lang="en-US" altLang="zh-TW" dirty="0"/>
+              <a:t>Setting (</a:t>
+            </a:r>
+            <a:r>
+              <a:rPr lang="zh-TW" altLang="en-US" dirty="0"/>
+              <a:t>安裝</a:t>
+            </a:r>
+            <a:r>
+              <a:rPr lang="en-US" altLang="zh-TW" dirty="0"/>
+              <a:t>Google </a:t>
+            </a:r>
+            <a:r>
+              <a:rPr lang="en-US" altLang="zh-TW" dirty="0" err="1"/>
+              <a:t>Colaboratory</a:t>
+            </a:r>
+            <a:r>
+              <a:rPr lang="en-US" altLang="zh-TW" dirty="0"/>
+              <a:t>)</a:t>
+            </a:r>
+            <a:endParaRPr lang="zh-TW" altLang="en-US" dirty="0"/>
+          </a:p>
+        </p:txBody>
+      </p:sp>
+      <p:pic>
+        <p:nvPicPr>
+          <p:cNvPr id="13" name="內容版面配置區 12">
+            <a:extLst>
+              <a:ext uri="{FF2B5EF4-FFF2-40B4-BE49-F238E27FC236}">
+                <a16:creationId xmlns:a16="http://schemas.microsoft.com/office/drawing/2014/main" id="{8DB6E99B-2C17-47BD-8C5E-DFE13B291238}"/>
+              </a:ext>
+            </a:extLst>
+          </p:cNvPr>
+          <p:cNvPicPr>
+            <a:picLocks noGrp="1" noChangeAspect="1"/>
+          </p:cNvPicPr>
+          <p:nvPr>
+            <p:ph idx="1"/>
+          </p:nvPr>
+        </p:nvPicPr>
+        <p:blipFill>
+          <a:blip r:embed="rId2">
+            <a:extLst>
+              <a:ext uri="{28A0092B-C50C-407E-A947-70E740481C1C}">
+                <a14:useLocalDpi xmlns:a14="http://schemas.microsoft.com/office/drawing/2010/main" val="0"/>
+              </a:ext>
+            </a:extLst>
+          </a:blip>
+          <a:stretch>
+            <a:fillRect/>
+          </a:stretch>
+        </p:blipFill>
+        <p:spPr>
+          <a:xfrm>
+            <a:off x="2641850" y="2454679"/>
+            <a:ext cx="6928280" cy="3752819"/>
+          </a:xfrm>
+        </p:spPr>
+      </p:pic>
+    </p:spTree>
+    <p:extLst>
+      <p:ext uri="{BB962C8B-B14F-4D97-AF65-F5344CB8AC3E}">
+        <p14:creationId xmlns:p14="http://schemas.microsoft.com/office/powerpoint/2010/main" val="715892325"/>
+      </p:ext>
+    </p:extLst>
+  </p:cSld>
+  <p:clrMapOvr>
+    <a:masterClrMapping/>
+  </p:clrMapOvr>
+</p:sld>
+</file>
+
+<file path=ppt/slides/slide6.xml><?xml version="1.0" encoding="utf-8"?>
+<p:sld xmlns:a="http://schemas.openxmlformats.org/drawingml/2006/main" xmlns:r="http://schemas.openxmlformats.org/officeDocument/2006/relationships" xmlns:p="http://schemas.openxmlformats.org/presentationml/2006/main">
+  <p:cSld>
+    <p:spTree>
+      <p:nvGrpSpPr>
+        <p:cNvPr id="1" name=""/>
+        <p:cNvGrpSpPr/>
+        <p:nvPr/>
+      </p:nvGrpSpPr>
+      <p:grpSpPr>
+        <a:xfrm>
+          <a:off x="0" y="0"/>
+          <a:ext cx="0" cy="0"/>
+          <a:chOff x="0" y="0"/>
+          <a:chExt cx="0" cy="0"/>
+        </a:xfrm>
+      </p:grpSpPr>
+      <p:sp>
+        <p:nvSpPr>
+          <p:cNvPr id="2" name="標題 1">
+            <a:extLst>
+              <a:ext uri="{FF2B5EF4-FFF2-40B4-BE49-F238E27FC236}">
+                <a16:creationId xmlns:a16="http://schemas.microsoft.com/office/drawing/2014/main" id="{1FA1A006-AF7F-46DC-8A18-E16F26CA8DFB}"/>
+              </a:ext>
+            </a:extLst>
+          </p:cNvPr>
+          <p:cNvSpPr>
+            <a:spLocks noGrp="1"/>
+          </p:cNvSpPr>
+          <p:nvPr>
+            <p:ph type="title"/>
+          </p:nvPr>
+        </p:nvSpPr>
+        <p:spPr/>
+        <p:txBody>
+          <a:bodyPr>
+            <a:normAutofit/>
+          </a:bodyPr>
+          <a:lstStyle/>
+          <a:p>
+            <a:r>
+              <a:rPr lang="en-US" altLang="zh-TW" dirty="0"/>
+              <a:t>Setting (</a:t>
+            </a:r>
+            <a:r>
+              <a:rPr lang="zh-TW" altLang="en-US" dirty="0"/>
+              <a:t>安裝</a:t>
+            </a:r>
+            <a:r>
+              <a:rPr lang="en-US" altLang="zh-TW" dirty="0"/>
+              <a:t>Google </a:t>
+            </a:r>
+            <a:r>
+              <a:rPr lang="en-US" altLang="zh-TW" dirty="0" err="1"/>
+              <a:t>Colaboratory</a:t>
+            </a:r>
+            <a:r>
+              <a:rPr lang="en-US" altLang="zh-TW" dirty="0"/>
+              <a:t>)</a:t>
+            </a:r>
+            <a:endParaRPr lang="zh-TW" altLang="en-US" dirty="0"/>
+          </a:p>
+        </p:txBody>
+      </p:sp>
+      <p:sp>
+        <p:nvSpPr>
+          <p:cNvPr id="9" name="內容版面配置區 8">
+            <a:extLst>
+              <a:ext uri="{FF2B5EF4-FFF2-40B4-BE49-F238E27FC236}">
+                <a16:creationId xmlns:a16="http://schemas.microsoft.com/office/drawing/2014/main" id="{242BA939-7985-45DA-97D9-B1EE4B902521}"/>
+              </a:ext>
+            </a:extLst>
+          </p:cNvPr>
+          <p:cNvSpPr>
+            <a:spLocks noGrp="1"/>
+          </p:cNvSpPr>
+          <p:nvPr>
+            <p:ph idx="1"/>
+          </p:nvPr>
+        </p:nvSpPr>
+        <p:spPr/>
+        <p:txBody>
+          <a:bodyPr/>
+          <a:lstStyle/>
+          <a:p>
+            <a:endParaRPr lang="zh-TW" altLang="en-US"/>
+          </a:p>
+        </p:txBody>
+      </p:sp>
+      <p:pic>
+        <p:nvPicPr>
+          <p:cNvPr id="6" name="內容版面配置區 3">
+            <a:extLst>
+              <a:ext uri="{FF2B5EF4-FFF2-40B4-BE49-F238E27FC236}">
+                <a16:creationId xmlns:a16="http://schemas.microsoft.com/office/drawing/2014/main" id="{B42EE2A2-2D87-42A8-9FCE-A33BC4D503A2}"/>
+              </a:ext>
+            </a:extLst>
+          </p:cNvPr>
+          <p:cNvPicPr>
+            <a:picLocks noChangeAspect="1"/>
+          </p:cNvPicPr>
+          <p:nvPr/>
+        </p:nvPicPr>
+        <p:blipFill>
+          <a:blip r:embed="rId2">
+            <a:extLst>
+              <a:ext uri="{28A0092B-C50C-407E-A947-70E740481C1C}">
+                <a14:useLocalDpi xmlns:a14="http://schemas.microsoft.com/office/drawing/2010/main" val="0"/>
+              </a:ext>
+            </a:extLst>
+          </a:blip>
+          <a:stretch>
+            <a:fillRect/>
+          </a:stretch>
+        </p:blipFill>
+        <p:spPr>
+          <a:xfrm>
+            <a:off x="2642400" y="2455200"/>
+            <a:ext cx="6925292" cy="3751200"/>
+          </a:xfrm>
+          <a:prstGeom prst="rect">
+            <a:avLst/>
+          </a:prstGeom>
+        </p:spPr>
+      </p:pic>
+    </p:spTree>
+    <p:extLst>
+      <p:ext uri="{BB962C8B-B14F-4D97-AF65-F5344CB8AC3E}">
+        <p14:creationId xmlns:p14="http://schemas.microsoft.com/office/powerpoint/2010/main" val="3435206506"/>
+      </p:ext>
+    </p:extLst>
+  </p:cSld>
+  <p:clrMapOvr>
+    <a:masterClrMapping/>
+  </p:clrMapOvr>
+</p:sld>
+</file>
+
+<file path=ppt/slides/slide7.xml><?xml version="1.0" encoding="utf-8"?>
+<p:sld xmlns:a="http://schemas.openxmlformats.org/drawingml/2006/main" xmlns:r="http://schemas.openxmlformats.org/officeDocument/2006/relationships" xmlns:p="http://schemas.openxmlformats.org/presentationml/2006/main">
+  <p:cSld>
+    <p:spTree>
+      <p:nvGrpSpPr>
+        <p:cNvPr id="1" name=""/>
+        <p:cNvGrpSpPr/>
+        <p:nvPr/>
+      </p:nvGrpSpPr>
+      <p:grpSpPr>
+        <a:xfrm>
+          <a:off x="0" y="0"/>
+          <a:ext cx="0" cy="0"/>
+          <a:chOff x="0" y="0"/>
+          <a:chExt cx="0" cy="0"/>
+        </a:xfrm>
+      </p:grpSpPr>
+      <p:sp>
+        <p:nvSpPr>
+          <p:cNvPr id="2" name="標題 1">
+            <a:extLst>
+              <a:ext uri="{FF2B5EF4-FFF2-40B4-BE49-F238E27FC236}">
+                <a16:creationId xmlns:a16="http://schemas.microsoft.com/office/drawing/2014/main" id="{1FA1A006-AF7F-46DC-8A18-E16F26CA8DFB}"/>
+              </a:ext>
+            </a:extLst>
+          </p:cNvPr>
+          <p:cNvSpPr>
+            <a:spLocks noGrp="1"/>
+          </p:cNvSpPr>
+          <p:nvPr>
+            <p:ph type="title"/>
+          </p:nvPr>
+        </p:nvSpPr>
+        <p:spPr/>
+        <p:txBody>
+          <a:bodyPr>
+            <a:normAutofit/>
+          </a:bodyPr>
+          <a:lstStyle/>
+          <a:p>
+            <a:r>
+              <a:rPr lang="en-US" altLang="zh-TW" dirty="0"/>
+              <a:t>Setting (</a:t>
+            </a:r>
+            <a:r>
+              <a:rPr lang="zh-TW" altLang="en-US" dirty="0"/>
+              <a:t>安裝</a:t>
+            </a:r>
+            <a:r>
+              <a:rPr lang="en-US" altLang="zh-TW" dirty="0"/>
+              <a:t>Google </a:t>
+            </a:r>
+            <a:r>
+              <a:rPr lang="en-US" altLang="zh-TW" dirty="0" err="1"/>
+              <a:t>Colaboratory</a:t>
+            </a:r>
+            <a:r>
+              <a:rPr lang="en-US" altLang="zh-TW" dirty="0"/>
+              <a:t>)</a:t>
+            </a:r>
+            <a:endParaRPr lang="zh-TW" altLang="en-US" dirty="0"/>
+          </a:p>
+        </p:txBody>
+      </p:sp>
+      <p:pic>
+        <p:nvPicPr>
+          <p:cNvPr id="7" name="內容版面配置區 6">
+            <a:extLst>
+              <a:ext uri="{FF2B5EF4-FFF2-40B4-BE49-F238E27FC236}">
+                <a16:creationId xmlns:a16="http://schemas.microsoft.com/office/drawing/2014/main" id="{EF9E29F1-C9E1-42EB-BA48-9F87E51AE299}"/>
+              </a:ext>
+            </a:extLst>
+          </p:cNvPr>
+          <p:cNvPicPr>
+            <a:picLocks noGrp="1" noChangeAspect="1"/>
+          </p:cNvPicPr>
+          <p:nvPr>
+            <p:ph idx="1"/>
+          </p:nvPr>
+        </p:nvPicPr>
+        <p:blipFill>
+          <a:blip r:embed="rId2">
+            <a:extLst>
+              <a:ext uri="{28A0092B-C50C-407E-A947-70E740481C1C}">
+                <a14:useLocalDpi xmlns:a14="http://schemas.microsoft.com/office/drawing/2010/main" val="0"/>
+              </a:ext>
+            </a:extLst>
+          </a:blip>
+          <a:stretch>
+            <a:fillRect/>
+          </a:stretch>
+        </p:blipFill>
+        <p:spPr>
+          <a:xfrm>
+            <a:off x="2642400" y="2455200"/>
+            <a:ext cx="6925292" cy="3751200"/>
+          </a:xfrm>
+        </p:spPr>
+      </p:pic>
+    </p:spTree>
+    <p:extLst>
+      <p:ext uri="{BB962C8B-B14F-4D97-AF65-F5344CB8AC3E}">
+        <p14:creationId xmlns:p14="http://schemas.microsoft.com/office/powerpoint/2010/main" val="3734491729"/>
+      </p:ext>
+    </p:extLst>
+  </p:cSld>
+  <p:clrMapOvr>
+    <a:masterClrMapping/>
+  </p:clrMapOvr>
+</p:sld>
+</file>
+
+<file path=ppt/slides/slide8.xml><?xml version="1.0" encoding="utf-8"?>
+<p:sld xmlns:a="http://schemas.openxmlformats.org/drawingml/2006/main" xmlns:r="http://schemas.openxmlformats.org/officeDocument/2006/relationships" xmlns:p="http://schemas.openxmlformats.org/presentationml/2006/main">
+  <p:cSld>
+    <p:spTree>
+      <p:nvGrpSpPr>
+        <p:cNvPr id="1" name=""/>
+        <p:cNvGrpSpPr/>
+        <p:nvPr/>
+      </p:nvGrpSpPr>
+      <p:grpSpPr>
+        <a:xfrm>
+          <a:off x="0" y="0"/>
+          <a:ext cx="0" cy="0"/>
+          <a:chOff x="0" y="0"/>
+          <a:chExt cx="0" cy="0"/>
+        </a:xfrm>
+      </p:grpSpPr>
+      <p:sp>
+        <p:nvSpPr>
+          <p:cNvPr id="4" name="標題 3">
+            <a:extLst>
+              <a:ext uri="{FF2B5EF4-FFF2-40B4-BE49-F238E27FC236}">
+                <a16:creationId xmlns:a16="http://schemas.microsoft.com/office/drawing/2014/main" id="{992F8E74-2C84-4402-A3DE-83D140DA9B3F}"/>
+              </a:ext>
+            </a:extLst>
+          </p:cNvPr>
+          <p:cNvSpPr>
+            <a:spLocks noGrp="1"/>
+          </p:cNvSpPr>
+          <p:nvPr>
+            <p:ph type="title"/>
+          </p:nvPr>
+        </p:nvSpPr>
+        <p:spPr/>
+        <p:txBody>
+          <a:bodyPr/>
+          <a:lstStyle/>
+          <a:p>
+            <a:r>
+              <a:rPr lang="en-US" altLang="zh-TW" dirty="0"/>
+              <a:t>Linear regression</a:t>
+            </a:r>
+            <a:endParaRPr lang="zh-TW" altLang="en-US" dirty="0"/>
+          </a:p>
+        </p:txBody>
+      </p:sp>
+      <mc:AlternateContent xmlns:mc="http://schemas.openxmlformats.org/markup-compatibility/2006" xmlns:a14="http://schemas.microsoft.com/office/drawing/2010/main">
+        <mc:Choice Requires="a14">
+          <p:sp>
+            <p:nvSpPr>
+              <p:cNvPr id="5" name="內容版面配置區 4">
+                <a:extLst>
+                  <a:ext uri="{FF2B5EF4-FFF2-40B4-BE49-F238E27FC236}">
+                    <a16:creationId xmlns:a16="http://schemas.microsoft.com/office/drawing/2014/main" id="{CD4F6108-B0D4-48B5-AF50-D92C8FF9D70D}"/>
+                  </a:ext>
+                </a:extLst>
+              </p:cNvPr>
+              <p:cNvSpPr>
+                <a:spLocks noGrp="1"/>
+              </p:cNvSpPr>
+              <p:nvPr>
+                <p:ph idx="1"/>
+              </p:nvPr>
+            </p:nvSpPr>
+            <p:spPr/>
+            <p:txBody>
+              <a:bodyPr/>
+              <a:lstStyle/>
+              <a:p>
+                <a:pPr marL="457200" indent="-457200">
+                  <a:buFont typeface="+mj-lt"/>
+                  <a:buAutoNum type="arabicPeriod"/>
+                </a:pPr>
+                <a:r>
+                  <a:rPr lang="en-US" altLang="zh-TW" dirty="0"/>
+                  <a:t>Input : </a:t>
+                </a:r>
+                <a14:m>
+                  <m:oMath xmlns:m="http://schemas.openxmlformats.org/officeDocument/2006/math">
+                    <m:r>
+                      <a:rPr lang="en-US" altLang="zh-TW" b="0" i="1" smtClean="0">
+                        <a:latin typeface="Cambria Math" panose="02040503050406030204" pitchFamily="18" charset="0"/>
+                      </a:rPr>
+                      <m:t>𝑋</m:t>
+                    </m:r>
+                    <m:r>
+                      <a:rPr lang="en-US" altLang="zh-TW" b="0" i="1" smtClean="0">
+                        <a:latin typeface="Cambria Math" panose="02040503050406030204" pitchFamily="18" charset="0"/>
+                      </a:rPr>
+                      <m:t>=[</m:t>
+                    </m:r>
+                    <m:sSub>
+                      <m:sSubPr>
+                        <m:ctrlPr>
+                          <a:rPr lang="en-US" altLang="zh-TW" b="0" i="1" smtClean="0">
+                            <a:latin typeface="Cambria Math" panose="02040503050406030204" pitchFamily="18" charset="0"/>
+                          </a:rPr>
+                        </m:ctrlPr>
+                      </m:sSubPr>
+                      <m:e>
+                        <m:r>
+                          <a:rPr lang="en-US" altLang="zh-TW" b="0" i="1" smtClean="0">
+                            <a:latin typeface="Cambria Math" panose="02040503050406030204" pitchFamily="18" charset="0"/>
+                          </a:rPr>
+                          <m:t>𝑥</m:t>
+                        </m:r>
+                      </m:e>
+                      <m:sub>
+                        <m:r>
+                          <a:rPr lang="en-US" altLang="zh-TW" b="0" i="1" smtClean="0">
+                            <a:latin typeface="Cambria Math" panose="02040503050406030204" pitchFamily="18" charset="0"/>
+                          </a:rPr>
+                          <m:t>1</m:t>
+                        </m:r>
+                      </m:sub>
+                    </m:sSub>
+                    <m:r>
+                      <a:rPr lang="en-US" altLang="zh-TW" b="0" i="1" smtClean="0">
+                        <a:latin typeface="Cambria Math" panose="02040503050406030204" pitchFamily="18" charset="0"/>
+                      </a:rPr>
+                      <m:t>, ⋯,</m:t>
+                    </m:r>
+                    <m:sSub>
+                      <m:sSubPr>
+                        <m:ctrlPr>
+                          <a:rPr lang="en-US" altLang="zh-TW" b="0" i="1" smtClean="0">
+                            <a:latin typeface="Cambria Math" panose="02040503050406030204" pitchFamily="18" charset="0"/>
+                          </a:rPr>
+                        </m:ctrlPr>
+                      </m:sSubPr>
+                      <m:e>
+                        <m:r>
+                          <a:rPr lang="en-US" altLang="zh-TW" b="0" i="1" smtClean="0">
+                            <a:latin typeface="Cambria Math" panose="02040503050406030204" pitchFamily="18" charset="0"/>
+                          </a:rPr>
+                          <m:t>𝑥</m:t>
+                        </m:r>
+                      </m:e>
+                      <m:sub>
+                        <m:r>
+                          <a:rPr lang="en-US" altLang="zh-TW" b="0" i="1" smtClean="0">
+                            <a:latin typeface="Cambria Math" panose="02040503050406030204" pitchFamily="18" charset="0"/>
+                          </a:rPr>
+                          <m:t>𝑛</m:t>
+                        </m:r>
+                      </m:sub>
+                    </m:sSub>
+                    <m:r>
+                      <a:rPr lang="en-US" altLang="zh-TW" b="0" i="1" smtClean="0">
+                        <a:latin typeface="Cambria Math" panose="02040503050406030204" pitchFamily="18" charset="0"/>
+                      </a:rPr>
+                      <m:t>]</m:t>
+                    </m:r>
+                  </m:oMath>
+                </a14:m>
+                <a:r>
+                  <a:rPr lang="en-US" altLang="zh-TW" b="0" dirty="0"/>
+                  <a:t>   </a:t>
+                </a:r>
+                <a14:m>
+                  <m:oMath xmlns:m="http://schemas.openxmlformats.org/officeDocument/2006/math">
+                    <m:d>
+                      <m:dPr>
+                        <m:ctrlPr>
+                          <a:rPr lang="en-US" altLang="zh-TW" i="1" dirty="0" smtClean="0">
+                            <a:latin typeface="Cambria Math" panose="02040503050406030204" pitchFamily="18" charset="0"/>
+                          </a:rPr>
+                        </m:ctrlPr>
+                      </m:dPr>
+                      <m:e>
+                        <m:r>
+                          <a:rPr lang="en-US" altLang="zh-TW" i="1" dirty="0" smtClean="0">
+                            <a:latin typeface="Cambria Math" panose="02040503050406030204" pitchFamily="18" charset="0"/>
+                          </a:rPr>
+                          <m:t>∈</m:t>
+                        </m:r>
+                        <m:sSup>
+                          <m:sSupPr>
+                            <m:ctrlPr>
+                              <a:rPr lang="en-US" altLang="zh-TW" b="0" i="1" dirty="0" smtClean="0">
+                                <a:latin typeface="Cambria Math" panose="02040503050406030204" pitchFamily="18" charset="0"/>
+                              </a:rPr>
+                            </m:ctrlPr>
+                          </m:sSupPr>
+                          <m:e>
+                            <m:r>
+                              <a:rPr lang="en-US" altLang="zh-TW" b="0" i="1" dirty="0" smtClean="0">
+                                <a:latin typeface="Cambria Math" panose="02040503050406030204" pitchFamily="18" charset="0"/>
+                              </a:rPr>
+                              <m:t>ℝ</m:t>
+                            </m:r>
+                          </m:e>
+                          <m:sup>
+                            <m:r>
+                              <a:rPr lang="en-US" altLang="zh-TW" b="0" i="1" dirty="0" smtClean="0">
+                                <a:latin typeface="Cambria Math" panose="02040503050406030204" pitchFamily="18" charset="0"/>
+                              </a:rPr>
+                              <m:t>𝑛</m:t>
+                            </m:r>
+                          </m:sup>
+                        </m:sSup>
+                      </m:e>
+                    </m:d>
+                  </m:oMath>
+                </a14:m>
+                <a:endParaRPr lang="en-US" altLang="zh-TW" b="0" dirty="0"/>
+              </a:p>
+              <a:p>
+                <a:pPr lvl="1"/>
+                <a:r>
+                  <a:rPr lang="en-US" altLang="zh-TW" b="0" dirty="0"/>
+                  <a:t>Every </a:t>
+                </a:r>
+                <a14:m>
+                  <m:oMath xmlns:m="http://schemas.openxmlformats.org/officeDocument/2006/math">
+                    <m:sSub>
+                      <m:sSubPr>
+                        <m:ctrlPr>
+                          <a:rPr lang="en-US" altLang="zh-TW" b="0" i="1" smtClean="0">
+                            <a:latin typeface="Cambria Math" panose="02040503050406030204" pitchFamily="18" charset="0"/>
+                          </a:rPr>
+                        </m:ctrlPr>
+                      </m:sSubPr>
+                      <m:e>
+                        <m:r>
+                          <a:rPr lang="en-US" altLang="zh-TW" b="0" i="1" smtClean="0">
+                            <a:latin typeface="Cambria Math" panose="02040503050406030204" pitchFamily="18" charset="0"/>
+                          </a:rPr>
+                          <m:t>𝑥</m:t>
+                        </m:r>
+                      </m:e>
+                      <m:sub>
+                        <m:r>
+                          <a:rPr lang="en-US" altLang="zh-TW" b="0" i="1" smtClean="0">
+                            <a:latin typeface="Cambria Math" panose="02040503050406030204" pitchFamily="18" charset="0"/>
+                          </a:rPr>
+                          <m:t>𝑘</m:t>
+                        </m:r>
+                      </m:sub>
+                    </m:sSub>
+                    <m:r>
+                      <a:rPr lang="en-US" altLang="zh-TW" b="0" i="0" smtClean="0">
+                        <a:latin typeface="Cambria Math" panose="02040503050406030204" pitchFamily="18" charset="0"/>
+                      </a:rPr>
+                      <m:t> </m:t>
+                    </m:r>
+                  </m:oMath>
+                </a14:m>
+                <a:r>
+                  <a:rPr lang="en-US" altLang="zh-TW" dirty="0"/>
+                  <a:t>is a quantitative variable</a:t>
+                </a:r>
+                <a:endParaRPr lang="en-US" altLang="zh-TW" b="0" dirty="0"/>
+              </a:p>
+              <a:p>
+                <a:pPr marL="457200" indent="-457200">
+                  <a:lnSpc>
+                    <a:spcPct val="150000"/>
+                  </a:lnSpc>
+                  <a:buFont typeface="+mj-lt"/>
+                  <a:buAutoNum type="arabicPeriod"/>
+                </a:pPr>
+                <a:r>
+                  <a:rPr lang="en-US" altLang="zh-TW" dirty="0"/>
+                  <a:t>Output : </a:t>
+                </a:r>
+                <a14:m>
+                  <m:oMath xmlns:m="http://schemas.openxmlformats.org/officeDocument/2006/math">
+                    <m:acc>
+                      <m:accPr>
+                        <m:chr m:val="̂"/>
+                        <m:ctrlPr>
+                          <a:rPr lang="en-US" altLang="zh-TW" b="0" i="1" smtClean="0">
+                            <a:latin typeface="Cambria Math" panose="02040503050406030204" pitchFamily="18" charset="0"/>
+                          </a:rPr>
+                        </m:ctrlPr>
+                      </m:accPr>
+                      <m:e>
+                        <m:r>
+                          <m:rPr>
+                            <m:sty m:val="p"/>
+                          </m:rPr>
+                          <a:rPr lang="en-US" altLang="zh-TW">
+                            <a:latin typeface="Cambria Math" panose="02040503050406030204" pitchFamily="18" charset="0"/>
+                          </a:rPr>
+                          <m:t>Y</m:t>
+                        </m:r>
+                      </m:e>
+                    </m:acc>
+                    <m:r>
+                      <a:rPr lang="en-US" altLang="zh-TW" b="0" i="1" smtClean="0">
+                        <a:latin typeface="Cambria Math" panose="02040503050406030204" pitchFamily="18" charset="0"/>
+                      </a:rPr>
+                      <m:t> ∈</m:t>
+                    </m:r>
+                    <m:r>
+                      <a:rPr lang="en-US" altLang="zh-TW" b="0" i="1" smtClean="0">
+                        <a:latin typeface="Cambria Math" panose="02040503050406030204" pitchFamily="18" charset="0"/>
+                      </a:rPr>
+                      <m:t>ℝ</m:t>
+                    </m:r>
+                  </m:oMath>
+                </a14:m>
+                <a:endParaRPr lang="en-US" altLang="zh-TW" dirty="0"/>
+              </a:p>
+              <a:p>
+                <a:pPr marL="457200" indent="-457200">
+                  <a:lnSpc>
+                    <a:spcPct val="150000"/>
+                  </a:lnSpc>
+                  <a:buFont typeface="+mj-lt"/>
+                  <a:buAutoNum type="arabicPeriod"/>
+                </a:pPr>
+                <a:r>
+                  <a:rPr lang="en-US" altLang="zh-TW" dirty="0"/>
+                  <a:t>Parameters : </a:t>
+                </a:r>
+                <a14:m>
+                  <m:oMath xmlns:m="http://schemas.openxmlformats.org/officeDocument/2006/math">
+                    <m:r>
+                      <a:rPr lang="en-US" altLang="zh-TW" b="0" i="1" smtClean="0">
+                        <a:latin typeface="Cambria Math" panose="02040503050406030204" pitchFamily="18" charset="0"/>
+                      </a:rPr>
+                      <m:t>𝑊</m:t>
+                    </m:r>
+                    <m:r>
+                      <a:rPr lang="en-US" altLang="zh-TW" b="0" i="1" smtClean="0">
+                        <a:latin typeface="Cambria Math" panose="02040503050406030204" pitchFamily="18" charset="0"/>
+                      </a:rPr>
+                      <m:t>=[</m:t>
+                    </m:r>
+                    <m:sSub>
+                      <m:sSubPr>
+                        <m:ctrlPr>
+                          <a:rPr lang="en-US" altLang="zh-TW" b="0" i="1" smtClean="0">
+                            <a:latin typeface="Cambria Math" panose="02040503050406030204" pitchFamily="18" charset="0"/>
+                          </a:rPr>
+                        </m:ctrlPr>
+                      </m:sSubPr>
+                      <m:e>
+                        <m:r>
+                          <a:rPr lang="en-US" altLang="zh-TW" b="0" i="1" smtClean="0">
+                            <a:latin typeface="Cambria Math" panose="02040503050406030204" pitchFamily="18" charset="0"/>
+                          </a:rPr>
+                          <m:t>𝑤</m:t>
+                        </m:r>
+                      </m:e>
+                      <m:sub>
+                        <m:r>
+                          <a:rPr lang="en-US" altLang="zh-TW" b="0" i="1" smtClean="0">
+                            <a:latin typeface="Cambria Math" panose="02040503050406030204" pitchFamily="18" charset="0"/>
+                          </a:rPr>
+                          <m:t>0</m:t>
+                        </m:r>
+                      </m:sub>
+                    </m:sSub>
+                    <m:r>
+                      <a:rPr lang="en-US" altLang="zh-TW" b="0" i="1" smtClean="0">
+                        <a:latin typeface="Cambria Math" panose="02040503050406030204" pitchFamily="18" charset="0"/>
+                      </a:rPr>
+                      <m:t>,</m:t>
+                    </m:r>
+                    <m:sSub>
+                      <m:sSubPr>
+                        <m:ctrlPr>
+                          <a:rPr lang="en-US" altLang="zh-TW" b="0" i="1" smtClean="0">
+                            <a:latin typeface="Cambria Math" panose="02040503050406030204" pitchFamily="18" charset="0"/>
+                          </a:rPr>
+                        </m:ctrlPr>
+                      </m:sSubPr>
+                      <m:e>
+                        <m:r>
+                          <a:rPr lang="en-US" altLang="zh-TW" b="0" i="1" smtClean="0">
+                            <a:latin typeface="Cambria Math" panose="02040503050406030204" pitchFamily="18" charset="0"/>
+                          </a:rPr>
+                          <m:t>𝑤</m:t>
+                        </m:r>
+                      </m:e>
+                      <m:sub>
+                        <m:r>
+                          <a:rPr lang="en-US" altLang="zh-TW" b="0" i="1" smtClean="0">
+                            <a:latin typeface="Cambria Math" panose="02040503050406030204" pitchFamily="18" charset="0"/>
+                          </a:rPr>
+                          <m:t>1</m:t>
+                        </m:r>
+                      </m:sub>
+                    </m:sSub>
+                    <m:r>
+                      <a:rPr lang="en-US" altLang="zh-TW" b="0" i="1" smtClean="0">
+                        <a:latin typeface="Cambria Math" panose="02040503050406030204" pitchFamily="18" charset="0"/>
+                      </a:rPr>
+                      <m:t>,⋯,</m:t>
+                    </m:r>
+                    <m:sSub>
+                      <m:sSubPr>
+                        <m:ctrlPr>
+                          <a:rPr lang="en-US" altLang="zh-TW" b="0" i="1" smtClean="0">
+                            <a:latin typeface="Cambria Math" panose="02040503050406030204" pitchFamily="18" charset="0"/>
+                          </a:rPr>
+                        </m:ctrlPr>
+                      </m:sSubPr>
+                      <m:e>
+                        <m:r>
+                          <a:rPr lang="en-US" altLang="zh-TW" b="0" i="1" smtClean="0">
+                            <a:latin typeface="Cambria Math" panose="02040503050406030204" pitchFamily="18" charset="0"/>
+                          </a:rPr>
+                          <m:t>𝑤</m:t>
+                        </m:r>
+                      </m:e>
+                      <m:sub>
+                        <m:r>
+                          <a:rPr lang="en-US" altLang="zh-TW" b="0" i="1" smtClean="0">
+                            <a:latin typeface="Cambria Math" panose="02040503050406030204" pitchFamily="18" charset="0"/>
+                          </a:rPr>
+                          <m:t>𝑛</m:t>
+                        </m:r>
+                      </m:sub>
+                    </m:sSub>
+                    <m:r>
+                      <a:rPr lang="en-US" altLang="zh-TW" b="0" i="1" smtClean="0">
+                        <a:latin typeface="Cambria Math" panose="02040503050406030204" pitchFamily="18" charset="0"/>
+                      </a:rPr>
+                      <m:t>]</m:t>
+                    </m:r>
+                  </m:oMath>
+                </a14:m>
+                <a:r>
+                  <a:rPr lang="zh-TW" altLang="en-US" dirty="0"/>
+                  <a:t> </a:t>
+                </a:r>
+                <a14:m>
+                  <m:oMath xmlns:m="http://schemas.openxmlformats.org/officeDocument/2006/math">
+                    <m:r>
+                      <a:rPr lang="en-US" altLang="zh-TW" i="1" dirty="0">
+                        <a:latin typeface="Cambria Math" panose="02040503050406030204" pitchFamily="18" charset="0"/>
+                      </a:rPr>
+                      <m:t>(∈</m:t>
+                    </m:r>
+                    <m:sSup>
+                      <m:sSupPr>
+                        <m:ctrlPr>
+                          <a:rPr lang="en-US" altLang="zh-TW" i="1" dirty="0">
+                            <a:latin typeface="Cambria Math" panose="02040503050406030204" pitchFamily="18" charset="0"/>
+                          </a:rPr>
+                        </m:ctrlPr>
+                      </m:sSupPr>
+                      <m:e>
+                        <m:r>
+                          <a:rPr lang="en-US" altLang="zh-TW" i="1" dirty="0">
+                            <a:latin typeface="Cambria Math" panose="02040503050406030204" pitchFamily="18" charset="0"/>
+                          </a:rPr>
+                          <m:t>ℝ</m:t>
+                        </m:r>
+                      </m:e>
+                      <m:sup>
+                        <m:r>
+                          <a:rPr lang="en-US" altLang="zh-TW" i="1" dirty="0">
+                            <a:latin typeface="Cambria Math" panose="02040503050406030204" pitchFamily="18" charset="0"/>
+                          </a:rPr>
+                          <m:t>𝑛</m:t>
+                        </m:r>
+                        <m:r>
+                          <a:rPr lang="en-US" altLang="zh-TW" b="0" i="1" dirty="0" smtClean="0">
+                            <a:latin typeface="Cambria Math" panose="02040503050406030204" pitchFamily="18" charset="0"/>
+                          </a:rPr>
+                          <m:t>+1</m:t>
+                        </m:r>
+                      </m:sup>
+                    </m:sSup>
+                    <m:r>
+                      <a:rPr lang="en-US" altLang="zh-TW" i="1" dirty="0">
+                        <a:latin typeface="Cambria Math" panose="02040503050406030204" pitchFamily="18" charset="0"/>
+                      </a:rPr>
+                      <m:t>)</m:t>
+                    </m:r>
+                  </m:oMath>
+                </a14:m>
+                <a:endParaRPr lang="en-US" altLang="zh-TW" dirty="0"/>
+              </a:p>
+            </p:txBody>
+          </p:sp>
+        </mc:Choice>
+        <mc:Fallback xmlns="">
+          <p:sp>
+            <p:nvSpPr>
+              <p:cNvPr id="5" name="內容版面配置區 4">
+                <a:extLst>
+                  <a:ext uri="{FF2B5EF4-FFF2-40B4-BE49-F238E27FC236}">
+                    <a16:creationId xmlns:a16="http://schemas.microsoft.com/office/drawing/2014/main" id="{CD4F6108-B0D4-48B5-AF50-D92C8FF9D70D}"/>
+                  </a:ext>
+                </a:extLst>
+              </p:cNvPr>
+              <p:cNvSpPr>
+                <a:spLocks noGrp="1" noRot="1" noChangeAspect="1" noMove="1" noResize="1" noEditPoints="1" noAdjustHandles="1" noChangeArrowheads="1" noChangeShapeType="1" noTextEdit="1"/>
+              </p:cNvSpPr>
+              <p:nvPr>
+                <p:ph idx="1"/>
+              </p:nvPr>
+            </p:nvSpPr>
+            <p:spPr>
+              <a:blipFill>
+                <a:blip r:embed="rId2"/>
+                <a:stretch>
+                  <a:fillRect l="-1144" t="-2385"/>
+                </a:stretch>
+              </a:blipFill>
+            </p:spPr>
+            <p:txBody>
+              <a:bodyPr/>
+              <a:lstStyle/>
+              <a:p>
+                <a:r>
+                  <a:rPr lang="zh-TW" altLang="en-US">
+                    <a:noFill/>
+                  </a:rPr>
+                  <a:t> </a:t>
+                </a:r>
+              </a:p>
+            </p:txBody>
+          </p:sp>
+        </mc:Fallback>
+      </mc:AlternateContent>
+    </p:spTree>
+    <p:extLst>
+      <p:ext uri="{BB962C8B-B14F-4D97-AF65-F5344CB8AC3E}">
+        <p14:creationId xmlns:p14="http://schemas.microsoft.com/office/powerpoint/2010/main" val="1386952173"/>
+      </p:ext>
+    </p:extLst>
+  </p:cSld>
+  <p:clrMapOvr>
+    <a:masterClrMapping/>
+  </p:clrMapOvr>
+</p:sld>
+</file>
+
+<file path=ppt/slides/slide9.xml><?xml version="1.0" encoding="utf-8"?>
+<p:sld xmlns:a="http://schemas.openxmlformats.org/drawingml/2006/main" xmlns:r="http://schemas.openxmlformats.org/officeDocument/2006/relationships" xmlns:p="http://schemas.openxmlformats.org/presentationml/2006/main">
+  <p:cSld>
+    <p:spTree>
+      <p:nvGrpSpPr>
+        <p:cNvPr id="1" name=""/>
+        <p:cNvGrpSpPr/>
+        <p:nvPr/>
+      </p:nvGrpSpPr>
+      <p:grpSpPr>
+        <a:xfrm>
+          <a:off x="0" y="0"/>
+          <a:ext cx="0" cy="0"/>
+          <a:chOff x="0" y="0"/>
+          <a:chExt cx="0" cy="0"/>
+        </a:xfrm>
+      </p:grpSpPr>
+      <p:sp>
+        <p:nvSpPr>
+          <p:cNvPr id="4" name="標題 3">
+            <a:extLst>
+              <a:ext uri="{FF2B5EF4-FFF2-40B4-BE49-F238E27FC236}">
+                <a16:creationId xmlns:a16="http://schemas.microsoft.com/office/drawing/2014/main" id="{992F8E74-2C84-4402-A3DE-83D140DA9B3F}"/>
+              </a:ext>
+            </a:extLst>
+          </p:cNvPr>
+          <p:cNvSpPr>
+            <a:spLocks noGrp="1"/>
+          </p:cNvSpPr>
+          <p:nvPr>
+            <p:ph type="title"/>
+          </p:nvPr>
+        </p:nvSpPr>
+        <p:spPr/>
+        <p:txBody>
+          <a:bodyPr/>
+          <a:lstStyle/>
+          <a:p>
+            <a:r>
+              <a:rPr lang="en-US" altLang="zh-TW" dirty="0"/>
+              <a:t>Linear regression</a:t>
+            </a:r>
+            <a:endParaRPr lang="zh-TW" altLang="en-US" dirty="0"/>
+          </a:p>
+        </p:txBody>
+      </p:sp>
+      <mc:AlternateContent xmlns:mc="http://schemas.openxmlformats.org/markup-compatibility/2006" xmlns:a14="http://schemas.microsoft.com/office/drawing/2010/main">
+        <mc:Choice Requires="a14">
+          <p:sp>
+            <p:nvSpPr>
+              <p:cNvPr id="5" name="內容版面配置區 4">
+                <a:extLst>
+                  <a:ext uri="{FF2B5EF4-FFF2-40B4-BE49-F238E27FC236}">
+                    <a16:creationId xmlns:a16="http://schemas.microsoft.com/office/drawing/2014/main" id="{CD4F6108-B0D4-48B5-AF50-D92C8FF9D70D}"/>
+                  </a:ext>
+                </a:extLst>
+              </p:cNvPr>
+              <p:cNvSpPr>
+                <a:spLocks noGrp="1"/>
+              </p:cNvSpPr>
+              <p:nvPr>
+                <p:ph idx="1"/>
+              </p:nvPr>
+            </p:nvSpPr>
+            <p:spPr/>
+            <p:txBody>
+              <a:bodyPr>
+                <a:normAutofit lnSpcReduction="10000"/>
+              </a:bodyPr>
+              <a:lstStyle/>
+              <a:p>
+                <a:pPr marL="457200" indent="-457200">
+                  <a:buFont typeface="+mj-lt"/>
+                  <a:buAutoNum type="arabicPeriod" startAt="4"/>
+                </a:pPr>
+                <a:r>
+                  <a:rPr lang="en-US" altLang="zh-TW" dirty="0"/>
+                  <a:t>Formula : </a:t>
+                </a:r>
+                <a14:m>
+                  <m:oMath xmlns:m="http://schemas.openxmlformats.org/officeDocument/2006/math">
+                    <m:acc>
+                      <m:accPr>
+                        <m:chr m:val="̂"/>
+                        <m:ctrlPr>
+                          <a:rPr lang="en-US" altLang="zh-TW" b="0" i="1" dirty="0" smtClean="0">
+                            <a:latin typeface="Cambria Math" panose="02040503050406030204" pitchFamily="18" charset="0"/>
+                          </a:rPr>
+                        </m:ctrlPr>
+                      </m:accPr>
+                      <m:e>
+                        <m:r>
+                          <a:rPr lang="en-US" altLang="zh-TW" b="0" i="1" dirty="0" smtClean="0">
+                            <a:latin typeface="Cambria Math" panose="02040503050406030204" pitchFamily="18" charset="0"/>
+                          </a:rPr>
+                          <m:t>𝑌</m:t>
+                        </m:r>
+                      </m:e>
+                    </m:acc>
+                    <m:r>
+                      <a:rPr lang="en-US" altLang="zh-TW" b="0" i="1" smtClean="0">
+                        <a:latin typeface="Cambria Math" panose="02040503050406030204" pitchFamily="18" charset="0"/>
+                      </a:rPr>
+                      <m:t>=</m:t>
+                    </m:r>
+                    <m:sSub>
+                      <m:sSubPr>
+                        <m:ctrlPr>
+                          <a:rPr lang="en-US" altLang="zh-TW" b="0" i="1" smtClean="0">
+                            <a:latin typeface="Cambria Math" panose="02040503050406030204" pitchFamily="18" charset="0"/>
+                          </a:rPr>
+                        </m:ctrlPr>
+                      </m:sSubPr>
+                      <m:e>
+                        <m:r>
+                          <a:rPr lang="en-US" altLang="zh-TW" b="0" i="1" smtClean="0">
+                            <a:latin typeface="Cambria Math" panose="02040503050406030204" pitchFamily="18" charset="0"/>
+                          </a:rPr>
+                          <m:t>𝑤</m:t>
+                        </m:r>
+                      </m:e>
+                      <m:sub>
+                        <m:r>
+                          <a:rPr lang="en-US" altLang="zh-TW" b="0" i="1" smtClean="0">
+                            <a:latin typeface="Cambria Math" panose="02040503050406030204" pitchFamily="18" charset="0"/>
+                          </a:rPr>
+                          <m:t>0</m:t>
+                        </m:r>
+                      </m:sub>
+                    </m:sSub>
+                    <m:r>
+                      <a:rPr lang="en-US" altLang="zh-TW" b="0" i="1" smtClean="0">
+                        <a:latin typeface="Cambria Math" panose="02040503050406030204" pitchFamily="18" charset="0"/>
+                      </a:rPr>
+                      <m:t>+</m:t>
+                    </m:r>
+                    <m:sSub>
+                      <m:sSubPr>
+                        <m:ctrlPr>
+                          <a:rPr lang="en-US" altLang="zh-TW" b="0" i="1" smtClean="0">
+                            <a:latin typeface="Cambria Math" panose="02040503050406030204" pitchFamily="18" charset="0"/>
+                          </a:rPr>
+                        </m:ctrlPr>
+                      </m:sSubPr>
+                      <m:e>
+                        <m:r>
+                          <a:rPr lang="en-US" altLang="zh-TW" b="0" i="1" smtClean="0">
+                            <a:latin typeface="Cambria Math" panose="02040503050406030204" pitchFamily="18" charset="0"/>
+                          </a:rPr>
+                          <m:t>𝑤</m:t>
+                        </m:r>
+                      </m:e>
+                      <m:sub>
+                        <m:r>
+                          <a:rPr lang="en-US" altLang="zh-TW" b="0" i="1" smtClean="0">
+                            <a:latin typeface="Cambria Math" panose="02040503050406030204" pitchFamily="18" charset="0"/>
+                          </a:rPr>
+                          <m:t>1</m:t>
+                        </m:r>
+                      </m:sub>
+                    </m:sSub>
+                    <m:sSub>
+                      <m:sSubPr>
+                        <m:ctrlPr>
+                          <a:rPr lang="en-US" altLang="zh-TW" b="0" i="1" smtClean="0">
+                            <a:latin typeface="Cambria Math" panose="02040503050406030204" pitchFamily="18" charset="0"/>
+                          </a:rPr>
+                        </m:ctrlPr>
+                      </m:sSubPr>
+                      <m:e>
+                        <m:r>
+                          <a:rPr lang="en-US" altLang="zh-TW" b="0" i="1" smtClean="0">
+                            <a:latin typeface="Cambria Math" panose="02040503050406030204" pitchFamily="18" charset="0"/>
+                          </a:rPr>
+                          <m:t>𝑥</m:t>
+                        </m:r>
+                      </m:e>
+                      <m:sub>
+                        <m:r>
+                          <a:rPr lang="en-US" altLang="zh-TW" b="0" i="1" smtClean="0">
+                            <a:latin typeface="Cambria Math" panose="02040503050406030204" pitchFamily="18" charset="0"/>
+                          </a:rPr>
+                          <m:t>1</m:t>
+                        </m:r>
+                      </m:sub>
+                    </m:sSub>
+                    <m:r>
+                      <a:rPr lang="en-US" altLang="zh-TW" b="0" i="1" smtClean="0">
+                        <a:latin typeface="Cambria Math" panose="02040503050406030204" pitchFamily="18" charset="0"/>
+                      </a:rPr>
+                      <m:t>+⋯+</m:t>
+                    </m:r>
+                    <m:sSub>
+                      <m:sSubPr>
+                        <m:ctrlPr>
+                          <a:rPr lang="en-US" altLang="zh-TW" b="0" i="1" smtClean="0">
+                            <a:latin typeface="Cambria Math" panose="02040503050406030204" pitchFamily="18" charset="0"/>
+                          </a:rPr>
+                        </m:ctrlPr>
+                      </m:sSubPr>
+                      <m:e>
+                        <m:r>
+                          <a:rPr lang="en-US" altLang="zh-TW" b="0" i="1" smtClean="0">
+                            <a:latin typeface="Cambria Math" panose="02040503050406030204" pitchFamily="18" charset="0"/>
+                          </a:rPr>
+                          <m:t>𝑤</m:t>
+                        </m:r>
+                      </m:e>
+                      <m:sub>
+                        <m:r>
+                          <a:rPr lang="en-US" altLang="zh-TW" b="0" i="1" smtClean="0">
+                            <a:latin typeface="Cambria Math" panose="02040503050406030204" pitchFamily="18" charset="0"/>
+                          </a:rPr>
+                          <m:t>𝑛</m:t>
+                        </m:r>
+                      </m:sub>
+                    </m:sSub>
+                    <m:sSub>
+                      <m:sSubPr>
+                        <m:ctrlPr>
+                          <a:rPr lang="en-US" altLang="zh-TW" b="0" i="1" smtClean="0">
+                            <a:latin typeface="Cambria Math" panose="02040503050406030204" pitchFamily="18" charset="0"/>
+                          </a:rPr>
+                        </m:ctrlPr>
+                      </m:sSubPr>
+                      <m:e>
+                        <m:r>
+                          <a:rPr lang="en-US" altLang="zh-TW" b="0" i="1" smtClean="0">
+                            <a:latin typeface="Cambria Math" panose="02040503050406030204" pitchFamily="18" charset="0"/>
+                          </a:rPr>
+                          <m:t>𝑥</m:t>
+                        </m:r>
+                      </m:e>
+                      <m:sub>
+                        <m:r>
+                          <a:rPr lang="en-US" altLang="zh-TW" b="0" i="1" smtClean="0">
+                            <a:latin typeface="Cambria Math" panose="02040503050406030204" pitchFamily="18" charset="0"/>
+                          </a:rPr>
+                          <m:t>𝑛</m:t>
+                        </m:r>
+                      </m:sub>
+                    </m:sSub>
+                  </m:oMath>
+                </a14:m>
+                <a:endParaRPr lang="en-US" altLang="zh-TW" dirty="0"/>
+              </a:p>
+              <a:p>
+                <a:pPr marL="457200" indent="-457200">
+                  <a:lnSpc>
+                    <a:spcPct val="150000"/>
+                  </a:lnSpc>
+                  <a:buFont typeface="+mj-lt"/>
+                  <a:buAutoNum type="arabicPeriod" startAt="4"/>
+                </a:pPr>
+                <a:r>
+                  <a:rPr lang="en-US" altLang="zh-TW" dirty="0"/>
+                  <a:t>Loss(Error) function: </a:t>
+                </a:r>
+                <a14:m>
+                  <m:oMath xmlns:m="http://schemas.openxmlformats.org/officeDocument/2006/math">
+                    <m:r>
+                      <m:rPr>
+                        <m:sty m:val="p"/>
+                      </m:rPr>
+                      <a:rPr lang="en-US" altLang="zh-TW" b="0" i="0" smtClean="0">
+                        <a:latin typeface="Cambria Math" panose="02040503050406030204" pitchFamily="18" charset="0"/>
+                      </a:rPr>
+                      <m:t>L</m:t>
+                    </m:r>
+                    <m:r>
+                      <a:rPr lang="en-US" altLang="zh-TW" b="0" i="1" smtClean="0">
+                        <a:latin typeface="Cambria Math" panose="02040503050406030204" pitchFamily="18" charset="0"/>
+                      </a:rPr>
+                      <m:t>=</m:t>
+                    </m:r>
+                    <m:sSup>
+                      <m:sSupPr>
+                        <m:ctrlPr>
+                          <a:rPr lang="en-US" altLang="zh-TW" b="0" i="1" smtClean="0">
+                            <a:latin typeface="Cambria Math" panose="02040503050406030204" pitchFamily="18" charset="0"/>
+                          </a:rPr>
+                        </m:ctrlPr>
+                      </m:sSupPr>
+                      <m:e>
+                        <m:d>
+                          <m:dPr>
+                            <m:ctrlPr>
+                              <a:rPr lang="en-US" altLang="zh-TW" b="0" i="1" smtClean="0">
+                                <a:latin typeface="Cambria Math" panose="02040503050406030204" pitchFamily="18" charset="0"/>
+                              </a:rPr>
+                            </m:ctrlPr>
+                          </m:dPr>
+                          <m:e>
+                            <m:r>
+                              <a:rPr lang="en-US" altLang="zh-TW" b="0" i="1" smtClean="0">
+                                <a:latin typeface="Cambria Math" panose="02040503050406030204" pitchFamily="18" charset="0"/>
+                              </a:rPr>
+                              <m:t>𝑌</m:t>
+                            </m:r>
+                            <m:r>
+                              <a:rPr lang="en-US" altLang="zh-TW" b="0" i="1" smtClean="0">
+                                <a:latin typeface="Cambria Math" panose="02040503050406030204" pitchFamily="18" charset="0"/>
+                              </a:rPr>
+                              <m:t>−</m:t>
+                            </m:r>
+                            <m:acc>
+                              <m:accPr>
+                                <m:chr m:val="̂"/>
+                                <m:ctrlPr>
+                                  <a:rPr lang="en-US" altLang="zh-TW" b="0" i="1" smtClean="0">
+                                    <a:latin typeface="Cambria Math" panose="02040503050406030204" pitchFamily="18" charset="0"/>
+                                  </a:rPr>
+                                </m:ctrlPr>
+                              </m:accPr>
+                              <m:e>
+                                <m:r>
+                                  <a:rPr lang="en-US" altLang="zh-TW" b="0" i="1" smtClean="0">
+                                    <a:latin typeface="Cambria Math" panose="02040503050406030204" pitchFamily="18" charset="0"/>
+                                  </a:rPr>
+                                  <m:t>𝑌</m:t>
+                                </m:r>
+                              </m:e>
+                            </m:acc>
+                          </m:e>
+                        </m:d>
+                      </m:e>
+                      <m:sup>
+                        <m:r>
+                          <a:rPr lang="en-US" altLang="zh-TW" b="0" i="1" smtClean="0">
+                            <a:latin typeface="Cambria Math" panose="02040503050406030204" pitchFamily="18" charset="0"/>
+                          </a:rPr>
+                          <m:t>2</m:t>
+                        </m:r>
+                      </m:sup>
+                    </m:sSup>
+                  </m:oMath>
+                </a14:m>
+                <a:endParaRPr lang="en-US" altLang="zh-TW" dirty="0"/>
+              </a:p>
+              <a:p>
+                <a:pPr marL="457200" indent="-457200">
+                  <a:lnSpc>
+                    <a:spcPct val="150000"/>
+                  </a:lnSpc>
+                  <a:buFont typeface="+mj-lt"/>
+                  <a:buAutoNum type="arabicPeriod" startAt="4"/>
+                </a:pPr>
+                <a:r>
+                  <a:rPr lang="en-US" altLang="zh-TW" dirty="0"/>
+                  <a:t>Optimization :</a:t>
+                </a:r>
+                <a:r>
+                  <a:rPr lang="zh-TW" altLang="en-US" dirty="0"/>
+                  <a:t> </a:t>
+                </a:r>
+                <a14:m>
+                  <m:oMath xmlns:m="http://schemas.openxmlformats.org/officeDocument/2006/math">
+                    <m:sSub>
+                      <m:sSubPr>
+                        <m:ctrlPr>
+                          <a:rPr lang="en-US" altLang="zh-TW" b="0" i="1" smtClean="0">
+                            <a:latin typeface="Cambria Math" panose="02040503050406030204" pitchFamily="18" charset="0"/>
+                          </a:rPr>
+                        </m:ctrlPr>
+                      </m:sSubPr>
+                      <m:e>
+                        <m:r>
+                          <m:rPr>
+                            <m:sty m:val="p"/>
+                          </m:rPr>
+                          <a:rPr lang="en-US" altLang="zh-TW" b="0" i="0" smtClean="0">
+                            <a:latin typeface="Cambria Math" panose="02040503050406030204" pitchFamily="18" charset="0"/>
+                          </a:rPr>
+                          <m:t>argmin</m:t>
+                        </m:r>
+                      </m:e>
+                      <m:sub>
+                        <m:r>
+                          <a:rPr lang="en-US" altLang="zh-TW" b="0" i="1" smtClean="0">
+                            <a:latin typeface="Cambria Math" panose="02040503050406030204" pitchFamily="18" charset="0"/>
+                          </a:rPr>
+                          <m:t>𝑤</m:t>
+                        </m:r>
+                      </m:sub>
+                    </m:sSub>
+                    <m:f>
+                      <m:fPr>
+                        <m:ctrlPr>
+                          <a:rPr lang="en-US" altLang="zh-TW" b="0" i="1" smtClean="0">
+                            <a:latin typeface="Cambria Math" panose="02040503050406030204" pitchFamily="18" charset="0"/>
+                          </a:rPr>
+                        </m:ctrlPr>
+                      </m:fPr>
+                      <m:num>
+                        <m:r>
+                          <a:rPr lang="en-US" altLang="zh-TW" b="0" i="1" smtClean="0">
+                            <a:latin typeface="Cambria Math" panose="02040503050406030204" pitchFamily="18" charset="0"/>
+                          </a:rPr>
+                          <m:t>1</m:t>
+                        </m:r>
+                      </m:num>
+                      <m:den>
+                        <m:r>
+                          <a:rPr lang="en-US" altLang="zh-TW" b="0" i="1" smtClean="0">
+                            <a:latin typeface="Cambria Math" panose="02040503050406030204" pitchFamily="18" charset="0"/>
+                          </a:rPr>
+                          <m:t>𝑚</m:t>
+                        </m:r>
+                      </m:den>
+                    </m:f>
+                    <m:r>
+                      <a:rPr lang="en-US" altLang="zh-TW" b="0" i="1" smtClean="0">
+                        <a:latin typeface="Cambria Math" panose="02040503050406030204" pitchFamily="18" charset="0"/>
+                      </a:rPr>
+                      <m:t> ∑</m:t>
+                    </m:r>
+                    <m:sSup>
+                      <m:sSupPr>
+                        <m:ctrlPr>
+                          <a:rPr lang="en-US" altLang="zh-TW" b="0" i="1" smtClean="0">
+                            <a:latin typeface="Cambria Math" panose="02040503050406030204" pitchFamily="18" charset="0"/>
+                          </a:rPr>
+                        </m:ctrlPr>
+                      </m:sSupPr>
+                      <m:e>
+                        <m:d>
+                          <m:dPr>
+                            <m:ctrlPr>
+                              <a:rPr lang="en-US" altLang="zh-TW" b="0" i="1" smtClean="0">
+                                <a:latin typeface="Cambria Math" panose="02040503050406030204" pitchFamily="18" charset="0"/>
+                              </a:rPr>
+                            </m:ctrlPr>
+                          </m:dPr>
+                          <m:e>
+                            <m:r>
+                              <a:rPr lang="en-US" altLang="zh-TW" b="0" i="1" smtClean="0">
+                                <a:latin typeface="Cambria Math" panose="02040503050406030204" pitchFamily="18" charset="0"/>
+                              </a:rPr>
+                              <m:t>𝑌</m:t>
+                            </m:r>
+                            <m:r>
+                              <a:rPr lang="en-US" altLang="zh-TW" b="0" i="1" smtClean="0">
+                                <a:latin typeface="Cambria Math" panose="02040503050406030204" pitchFamily="18" charset="0"/>
+                              </a:rPr>
+                              <m:t>−</m:t>
+                            </m:r>
+                            <m:acc>
+                              <m:accPr>
+                                <m:chr m:val="̂"/>
+                                <m:ctrlPr>
+                                  <a:rPr lang="en-US" altLang="zh-TW" b="0" i="1" smtClean="0">
+                                    <a:latin typeface="Cambria Math" panose="02040503050406030204" pitchFamily="18" charset="0"/>
+                                  </a:rPr>
+                                </m:ctrlPr>
+                              </m:accPr>
+                              <m:e>
+                                <m:r>
+                                  <a:rPr lang="en-US" altLang="zh-TW" b="0" i="1" smtClean="0">
+                                    <a:latin typeface="Cambria Math" panose="02040503050406030204" pitchFamily="18" charset="0"/>
+                                  </a:rPr>
+                                  <m:t>𝑌</m:t>
+                                </m:r>
+                              </m:e>
+                            </m:acc>
+                          </m:e>
+                        </m:d>
+                      </m:e>
+                      <m:sup>
+                        <m:r>
+                          <a:rPr lang="en-US" altLang="zh-TW" b="0" i="1" smtClean="0">
+                            <a:latin typeface="Cambria Math" panose="02040503050406030204" pitchFamily="18" charset="0"/>
+                          </a:rPr>
+                          <m:t>2</m:t>
+                        </m:r>
+                      </m:sup>
+                    </m:sSup>
+                  </m:oMath>
+                </a14:m>
+                <a:endParaRPr lang="en-US" altLang="zh-TW" dirty="0"/>
+              </a:p>
+              <a:p>
+                <a:pPr lvl="1">
+                  <a:lnSpc>
+                    <a:spcPct val="150000"/>
+                  </a:lnSpc>
+                </a:pPr>
+                <a14:m>
+                  <m:oMath xmlns:m="http://schemas.openxmlformats.org/officeDocument/2006/math">
+                    <m:r>
+                      <a:rPr lang="en-US" altLang="zh-TW" b="0" i="1" smtClean="0">
+                        <a:latin typeface="Cambria Math" panose="02040503050406030204" pitchFamily="18" charset="0"/>
+                      </a:rPr>
+                      <m:t>𝑚</m:t>
+                    </m:r>
+                  </m:oMath>
+                </a14:m>
+                <a:r>
+                  <a:rPr lang="en-US" altLang="zh-TW" dirty="0"/>
+                  <a:t> pieces of data </a:t>
+                </a:r>
+              </a:p>
+              <a:p>
+                <a:pPr lvl="1">
+                  <a:lnSpc>
+                    <a:spcPct val="150000"/>
+                  </a:lnSpc>
+                </a:pPr>
+                <a:r>
+                  <a:rPr lang="en-US" altLang="zh-TW" dirty="0"/>
+                  <a:t>Find </a:t>
+                </a:r>
+                <a14:m>
+                  <m:oMath xmlns:m="http://schemas.openxmlformats.org/officeDocument/2006/math">
+                    <m:r>
+                      <a:rPr lang="en-US" altLang="zh-TW" b="0" i="1" smtClean="0">
+                        <a:latin typeface="Cambria Math" panose="02040503050406030204" pitchFamily="18" charset="0"/>
+                      </a:rPr>
+                      <m:t>𝑊</m:t>
+                    </m:r>
+                  </m:oMath>
+                </a14:m>
+                <a:r>
+                  <a:rPr lang="en-US" altLang="zh-TW" dirty="0"/>
+                  <a:t> such that we have minimal average loss.</a:t>
+                </a:r>
+              </a:p>
+            </p:txBody>
+          </p:sp>
+        </mc:Choice>
+        <mc:Fallback xmlns="">
+          <p:sp>
+            <p:nvSpPr>
+              <p:cNvPr id="5" name="內容版面配置區 4">
+                <a:extLst>
+                  <a:ext uri="{FF2B5EF4-FFF2-40B4-BE49-F238E27FC236}">
+                    <a16:creationId xmlns:a16="http://schemas.microsoft.com/office/drawing/2014/main" id="{CD4F6108-B0D4-48B5-AF50-D92C8FF9D70D}"/>
+                  </a:ext>
+                </a:extLst>
+              </p:cNvPr>
+              <p:cNvSpPr>
+                <a:spLocks noGrp="1" noRot="1" noChangeAspect="1" noMove="1" noResize="1" noEditPoints="1" noAdjustHandles="1" noChangeArrowheads="1" noChangeShapeType="1" noTextEdit="1"/>
+              </p:cNvSpPr>
+              <p:nvPr>
+                <p:ph idx="1"/>
+              </p:nvPr>
+            </p:nvSpPr>
+            <p:spPr>
+              <a:blipFill>
+                <a:blip r:embed="rId2"/>
+                <a:stretch>
+                  <a:fillRect l="-1144" t="-3119" b="-3303"/>
+                </a:stretch>
+              </a:blipFill>
+            </p:spPr>
+            <p:txBody>
+              <a:bodyPr/>
+              <a:lstStyle/>
+              <a:p>
+                <a:r>
+                  <a:rPr lang="zh-TW" altLang="en-US">
+                    <a:noFill/>
+                  </a:rPr>
+                  <a:t> </a:t>
+                </a:r>
+              </a:p>
+            </p:txBody>
+          </p:sp>
+        </mc:Fallback>
+      </mc:AlternateContent>
+    </p:spTree>
+    <p:extLst>
+      <p:ext uri="{BB962C8B-B14F-4D97-AF65-F5344CB8AC3E}">
+        <p14:creationId xmlns:p14="http://schemas.microsoft.com/office/powerpoint/2010/main" val="2238109102"/>
       </p:ext>
     </p:extLst>
   </p:cSld>

--- a/ML_workshop.pptx
+++ b/ML_workshop.pptx
@@ -5,7 +5,7 @@
     <p:sldMasterId id="2147483927" r:id="rId1"/>
   </p:sldMasterIdLst>
   <p:notesMasterIdLst>
-    <p:notesMasterId r:id="rId15"/>
+    <p:notesMasterId r:id="rId17"/>
   </p:notesMasterIdLst>
   <p:sldIdLst>
     <p:sldId id="256" r:id="rId2"/>
@@ -15,12 +15,14 @@
     <p:sldId id="269" r:id="rId6"/>
     <p:sldId id="272" r:id="rId7"/>
     <p:sldId id="273" r:id="rId8"/>
-    <p:sldId id="264" r:id="rId9"/>
-    <p:sldId id="263" r:id="rId10"/>
-    <p:sldId id="262" r:id="rId11"/>
-    <p:sldId id="266" r:id="rId12"/>
-    <p:sldId id="268" r:id="rId13"/>
-    <p:sldId id="267" r:id="rId14"/>
+    <p:sldId id="275" r:id="rId9"/>
+    <p:sldId id="264" r:id="rId10"/>
+    <p:sldId id="274" r:id="rId11"/>
+    <p:sldId id="263" r:id="rId12"/>
+    <p:sldId id="262" r:id="rId13"/>
+    <p:sldId id="266" r:id="rId14"/>
+    <p:sldId id="268" r:id="rId15"/>
+    <p:sldId id="267" r:id="rId16"/>
   </p:sldIdLst>
   <p:sldSz cx="12192000" cy="6858000"/>
   <p:notesSz cx="6858000" cy="9144000"/>
@@ -131,7 +133,9 @@
             <p14:sldId id="269"/>
             <p14:sldId id="272"/>
             <p14:sldId id="273"/>
+            <p14:sldId id="275"/>
             <p14:sldId id="264"/>
+            <p14:sldId id="274"/>
             <p14:sldId id="263"/>
             <p14:sldId id="262"/>
             <p14:sldId id="266"/>
@@ -256,7 +260,7 @@
           <a:p>
             <a:fld id="{CF147484-EED0-47A5-9822-A8389DF9D591}" type="datetimeFigureOut">
               <a:rPr lang="zh-TW" altLang="en-US" smtClean="0"/>
-              <a:t>2021/12/8</a:t>
+              <a:t>2021/12/11</a:t>
             </a:fld>
             <a:endParaRPr lang="zh-TW" altLang="en-US"/>
           </a:p>
@@ -588,7 +592,7 @@
           <a:p>
             <a:fld id="{AE4E7785-5069-4032-9A67-A3D927B60198}" type="slidenum">
               <a:rPr lang="zh-TW" altLang="en-US" smtClean="0"/>
-              <a:t>10</a:t>
+              <a:t>12</a:t>
             </a:fld>
             <a:endParaRPr lang="zh-TW" altLang="en-US"/>
           </a:p>
@@ -938,7 +942,7 @@
           <a:p>
             <a:fld id="{50E19A1F-3094-4FFA-9841-3C8B913EEDA7}" type="datetimeFigureOut">
               <a:rPr lang="zh-TW" altLang="en-US" smtClean="0"/>
-              <a:t>2021/12/8</a:t>
+              <a:t>2021/12/11</a:t>
             </a:fld>
             <a:endParaRPr lang="zh-TW" altLang="en-US"/>
           </a:p>
@@ -1262,7 +1266,7 @@
           <a:p>
             <a:fld id="{50E19A1F-3094-4FFA-9841-3C8B913EEDA7}" type="datetimeFigureOut">
               <a:rPr lang="zh-TW" altLang="en-US" smtClean="0"/>
-              <a:t>2021/12/8</a:t>
+              <a:t>2021/12/11</a:t>
             </a:fld>
             <a:endParaRPr lang="zh-TW" altLang="en-US"/>
           </a:p>
@@ -1510,7 +1514,7 @@
           <a:p>
             <a:fld id="{50E19A1F-3094-4FFA-9841-3C8B913EEDA7}" type="datetimeFigureOut">
               <a:rPr lang="zh-TW" altLang="en-US" smtClean="0"/>
-              <a:t>2021/12/8</a:t>
+              <a:t>2021/12/11</a:t>
             </a:fld>
             <a:endParaRPr lang="zh-TW" altLang="en-US"/>
           </a:p>
@@ -1849,7 +1853,7 @@
           <a:p>
             <a:fld id="{50E19A1F-3094-4FFA-9841-3C8B913EEDA7}" type="datetimeFigureOut">
               <a:rPr lang="zh-TW" altLang="en-US" smtClean="0"/>
-              <a:t>2021/12/8</a:t>
+              <a:t>2021/12/11</a:t>
             </a:fld>
             <a:endParaRPr lang="zh-TW" altLang="en-US"/>
           </a:p>
@@ -2196,7 +2200,7 @@
           <a:p>
             <a:fld id="{50E19A1F-3094-4FFA-9841-3C8B913EEDA7}" type="datetimeFigureOut">
               <a:rPr lang="zh-TW" altLang="en-US" smtClean="0"/>
-              <a:t>2021/12/8</a:t>
+              <a:t>2021/12/11</a:t>
             </a:fld>
             <a:endParaRPr lang="zh-TW" altLang="en-US"/>
           </a:p>
@@ -2570,7 +2574,7 @@
           <a:p>
             <a:fld id="{50E19A1F-3094-4FFA-9841-3C8B913EEDA7}" type="datetimeFigureOut">
               <a:rPr lang="zh-TW" altLang="en-US" smtClean="0"/>
-              <a:t>2021/12/8</a:t>
+              <a:t>2021/12/11</a:t>
             </a:fld>
             <a:endParaRPr lang="zh-TW" altLang="en-US"/>
           </a:p>
@@ -3040,7 +3044,7 @@
           <a:p>
             <a:fld id="{50E19A1F-3094-4FFA-9841-3C8B913EEDA7}" type="datetimeFigureOut">
               <a:rPr lang="zh-TW" altLang="en-US" smtClean="0"/>
-              <a:t>2021/12/8</a:t>
+              <a:t>2021/12/11</a:t>
             </a:fld>
             <a:endParaRPr lang="zh-TW" altLang="en-US"/>
           </a:p>
@@ -3245,7 +3249,7 @@
           <a:p>
             <a:fld id="{50E19A1F-3094-4FFA-9841-3C8B913EEDA7}" type="datetimeFigureOut">
               <a:rPr lang="zh-TW" altLang="en-US" smtClean="0"/>
-              <a:t>2021/12/8</a:t>
+              <a:t>2021/12/11</a:t>
             </a:fld>
             <a:endParaRPr lang="zh-TW" altLang="en-US"/>
           </a:p>
@@ -3456,7 +3460,7 @@
           <a:p>
             <a:fld id="{50E19A1F-3094-4FFA-9841-3C8B913EEDA7}" type="datetimeFigureOut">
               <a:rPr lang="zh-TW" altLang="en-US" smtClean="0"/>
-              <a:t>2021/12/8</a:t>
+              <a:t>2021/12/11</a:t>
             </a:fld>
             <a:endParaRPr lang="zh-TW" altLang="en-US"/>
           </a:p>
@@ -3688,7 +3692,7 @@
           <a:p>
             <a:fld id="{50E19A1F-3094-4FFA-9841-3C8B913EEDA7}" type="datetimeFigureOut">
               <a:rPr lang="zh-TW" altLang="en-US" smtClean="0"/>
-              <a:t>2021/12/8</a:t>
+              <a:t>2021/12/11</a:t>
             </a:fld>
             <a:endParaRPr lang="zh-TW" altLang="en-US"/>
           </a:p>
@@ -3936,7 +3940,7 @@
           <a:p>
             <a:fld id="{50E19A1F-3094-4FFA-9841-3C8B913EEDA7}" type="datetimeFigureOut">
               <a:rPr lang="zh-TW" altLang="en-US" smtClean="0"/>
-              <a:t>2021/12/8</a:t>
+              <a:t>2021/12/11</a:t>
             </a:fld>
             <a:endParaRPr lang="zh-TW" altLang="en-US"/>
           </a:p>
@@ -4234,7 +4238,7 @@
           <a:p>
             <a:fld id="{50E19A1F-3094-4FFA-9841-3C8B913EEDA7}" type="datetimeFigureOut">
               <a:rPr lang="zh-TW" altLang="en-US" smtClean="0"/>
-              <a:t>2021/12/8</a:t>
+              <a:t>2021/12/11</a:t>
             </a:fld>
             <a:endParaRPr lang="zh-TW" altLang="en-US"/>
           </a:p>
@@ -4628,7 +4632,7 @@
           <a:p>
             <a:fld id="{50E19A1F-3094-4FFA-9841-3C8B913EEDA7}" type="datetimeFigureOut">
               <a:rPr lang="zh-TW" altLang="en-US" smtClean="0"/>
-              <a:t>2021/12/8</a:t>
+              <a:t>2021/12/11</a:t>
             </a:fld>
             <a:endParaRPr lang="zh-TW" altLang="en-US"/>
           </a:p>
@@ -4777,7 +4781,7 @@
           <a:p>
             <a:fld id="{50E19A1F-3094-4FFA-9841-3C8B913EEDA7}" type="datetimeFigureOut">
               <a:rPr lang="zh-TW" altLang="en-US" smtClean="0"/>
-              <a:t>2021/12/8</a:t>
+              <a:t>2021/12/11</a:t>
             </a:fld>
             <a:endParaRPr lang="zh-TW" altLang="en-US"/>
           </a:p>
@@ -4903,7 +4907,7 @@
           <a:p>
             <a:fld id="{50E19A1F-3094-4FFA-9841-3C8B913EEDA7}" type="datetimeFigureOut">
               <a:rPr lang="zh-TW" altLang="en-US" smtClean="0"/>
-              <a:t>2021/12/8</a:t>
+              <a:t>2021/12/11</a:t>
             </a:fld>
             <a:endParaRPr lang="zh-TW" altLang="en-US"/>
           </a:p>
@@ -5158,7 +5162,7 @@
           <a:p>
             <a:fld id="{50E19A1F-3094-4FFA-9841-3C8B913EEDA7}" type="datetimeFigureOut">
               <a:rPr lang="zh-TW" altLang="en-US" smtClean="0"/>
-              <a:t>2021/12/8</a:t>
+              <a:t>2021/12/11</a:t>
             </a:fld>
             <a:endParaRPr lang="zh-TW" altLang="en-US"/>
           </a:p>
@@ -5473,7 +5477,7 @@
           <a:p>
             <a:fld id="{50E19A1F-3094-4FFA-9841-3C8B913EEDA7}" type="datetimeFigureOut">
               <a:rPr lang="zh-TW" altLang="en-US" smtClean="0"/>
-              <a:t>2021/12/8</a:t>
+              <a:t>2021/12/11</a:t>
             </a:fld>
             <a:endParaRPr lang="zh-TW" altLang="en-US"/>
           </a:p>
@@ -5824,7 +5828,7 @@
           <a:p>
             <a:fld id="{50E19A1F-3094-4FFA-9841-3C8B913EEDA7}" type="datetimeFigureOut">
               <a:rPr lang="zh-TW" altLang="en-US" smtClean="0"/>
-              <a:t>2021/12/8</a:t>
+              <a:t>2021/12/11</a:t>
             </a:fld>
             <a:endParaRPr lang="zh-TW" altLang="en-US"/>
           </a:p>
@@ -6498,6 +6502,1123 @@
           <a:p>
             <a:r>
               <a:rPr lang="en-US" altLang="zh-TW" dirty="0"/>
+              <a:t>Linear regression</a:t>
+            </a:r>
+            <a:endParaRPr lang="zh-TW" altLang="en-US" dirty="0"/>
+          </a:p>
+        </p:txBody>
+      </p:sp>
+      <mc:AlternateContent xmlns:mc="http://schemas.openxmlformats.org/markup-compatibility/2006" xmlns:a14="http://schemas.microsoft.com/office/drawing/2010/main">
+        <mc:Choice Requires="a14">
+          <p:sp>
+            <p:nvSpPr>
+              <p:cNvPr id="5" name="內容版面配置區 4">
+                <a:extLst>
+                  <a:ext uri="{FF2B5EF4-FFF2-40B4-BE49-F238E27FC236}">
+                    <a16:creationId xmlns:a16="http://schemas.microsoft.com/office/drawing/2014/main" id="{CD4F6108-B0D4-48B5-AF50-D92C8FF9D70D}"/>
+                  </a:ext>
+                </a:extLst>
+              </p:cNvPr>
+              <p:cNvSpPr>
+                <a:spLocks noGrp="1"/>
+              </p:cNvSpPr>
+              <p:nvPr>
+                <p:ph idx="1"/>
+              </p:nvPr>
+            </p:nvSpPr>
+            <p:spPr/>
+            <p:txBody>
+              <a:bodyPr/>
+              <a:lstStyle/>
+              <a:p>
+                <a:pPr marL="457200" indent="-457200">
+                  <a:buFont typeface="+mj-lt"/>
+                  <a:buAutoNum type="arabicPeriod"/>
+                </a:pPr>
+                <a:r>
+                  <a:rPr lang="en-US" altLang="zh-TW" dirty="0"/>
+                  <a:t>Input : </a:t>
+                </a:r>
+                <a14:m>
+                  <m:oMath xmlns:m="http://schemas.openxmlformats.org/officeDocument/2006/math">
+                    <m:r>
+                      <a:rPr lang="en-US" altLang="zh-TW" b="0" i="1" smtClean="0">
+                        <a:latin typeface="Cambria Math" panose="02040503050406030204" pitchFamily="18" charset="0"/>
+                      </a:rPr>
+                      <m:t>𝑋</m:t>
+                    </m:r>
+                    <m:r>
+                      <a:rPr lang="en-US" altLang="zh-TW" b="0" i="1" smtClean="0">
+                        <a:latin typeface="Cambria Math" panose="02040503050406030204" pitchFamily="18" charset="0"/>
+                      </a:rPr>
+                      <m:t>=[</m:t>
+                    </m:r>
+                    <m:sSub>
+                      <m:sSubPr>
+                        <m:ctrlPr>
+                          <a:rPr lang="en-US" altLang="zh-TW" b="0" i="1" smtClean="0">
+                            <a:latin typeface="Cambria Math" panose="02040503050406030204" pitchFamily="18" charset="0"/>
+                          </a:rPr>
+                        </m:ctrlPr>
+                      </m:sSubPr>
+                      <m:e>
+                        <m:r>
+                          <a:rPr lang="en-US" altLang="zh-TW" b="0" i="1" smtClean="0">
+                            <a:latin typeface="Cambria Math" panose="02040503050406030204" pitchFamily="18" charset="0"/>
+                          </a:rPr>
+                          <m:t>𝑥</m:t>
+                        </m:r>
+                      </m:e>
+                      <m:sub>
+                        <m:r>
+                          <a:rPr lang="en-US" altLang="zh-TW" b="0" i="1" smtClean="0">
+                            <a:latin typeface="Cambria Math" panose="02040503050406030204" pitchFamily="18" charset="0"/>
+                          </a:rPr>
+                          <m:t>1</m:t>
+                        </m:r>
+                      </m:sub>
+                    </m:sSub>
+                    <m:r>
+                      <a:rPr lang="en-US" altLang="zh-TW" b="0" i="1" smtClean="0">
+                        <a:latin typeface="Cambria Math" panose="02040503050406030204" pitchFamily="18" charset="0"/>
+                      </a:rPr>
+                      <m:t>, ⋯,</m:t>
+                    </m:r>
+                    <m:sSub>
+                      <m:sSubPr>
+                        <m:ctrlPr>
+                          <a:rPr lang="en-US" altLang="zh-TW" b="0" i="1" smtClean="0">
+                            <a:latin typeface="Cambria Math" panose="02040503050406030204" pitchFamily="18" charset="0"/>
+                          </a:rPr>
+                        </m:ctrlPr>
+                      </m:sSubPr>
+                      <m:e>
+                        <m:r>
+                          <a:rPr lang="en-US" altLang="zh-TW" b="0" i="1" smtClean="0">
+                            <a:latin typeface="Cambria Math" panose="02040503050406030204" pitchFamily="18" charset="0"/>
+                          </a:rPr>
+                          <m:t>𝑥</m:t>
+                        </m:r>
+                      </m:e>
+                      <m:sub>
+                        <m:r>
+                          <a:rPr lang="en-US" altLang="zh-TW" b="0" i="1" smtClean="0">
+                            <a:latin typeface="Cambria Math" panose="02040503050406030204" pitchFamily="18" charset="0"/>
+                          </a:rPr>
+                          <m:t>𝑛</m:t>
+                        </m:r>
+                      </m:sub>
+                    </m:sSub>
+                    <m:r>
+                      <a:rPr lang="en-US" altLang="zh-TW" b="0" i="1" smtClean="0">
+                        <a:latin typeface="Cambria Math" panose="02040503050406030204" pitchFamily="18" charset="0"/>
+                      </a:rPr>
+                      <m:t>]</m:t>
+                    </m:r>
+                  </m:oMath>
+                </a14:m>
+                <a:r>
+                  <a:rPr lang="en-US" altLang="zh-TW" b="0" dirty="0"/>
+                  <a:t>   </a:t>
+                </a:r>
+                <a14:m>
+                  <m:oMath xmlns:m="http://schemas.openxmlformats.org/officeDocument/2006/math">
+                    <m:d>
+                      <m:dPr>
+                        <m:ctrlPr>
+                          <a:rPr lang="en-US" altLang="zh-TW" i="1" dirty="0" smtClean="0">
+                            <a:latin typeface="Cambria Math" panose="02040503050406030204" pitchFamily="18" charset="0"/>
+                          </a:rPr>
+                        </m:ctrlPr>
+                      </m:dPr>
+                      <m:e>
+                        <m:r>
+                          <a:rPr lang="en-US" altLang="zh-TW" i="1" dirty="0" smtClean="0">
+                            <a:latin typeface="Cambria Math" panose="02040503050406030204" pitchFamily="18" charset="0"/>
+                          </a:rPr>
+                          <m:t>∈</m:t>
+                        </m:r>
+                        <m:sSup>
+                          <m:sSupPr>
+                            <m:ctrlPr>
+                              <a:rPr lang="en-US" altLang="zh-TW" b="0" i="1" dirty="0" smtClean="0">
+                                <a:latin typeface="Cambria Math" panose="02040503050406030204" pitchFamily="18" charset="0"/>
+                              </a:rPr>
+                            </m:ctrlPr>
+                          </m:sSupPr>
+                          <m:e>
+                            <m:r>
+                              <a:rPr lang="en-US" altLang="zh-TW" b="0" i="1" dirty="0" smtClean="0">
+                                <a:latin typeface="Cambria Math" panose="02040503050406030204" pitchFamily="18" charset="0"/>
+                              </a:rPr>
+                              <m:t>ℝ</m:t>
+                            </m:r>
+                          </m:e>
+                          <m:sup>
+                            <m:r>
+                              <a:rPr lang="en-US" altLang="zh-TW" b="0" i="1" dirty="0" smtClean="0">
+                                <a:latin typeface="Cambria Math" panose="02040503050406030204" pitchFamily="18" charset="0"/>
+                              </a:rPr>
+                              <m:t>𝑛</m:t>
+                            </m:r>
+                          </m:sup>
+                        </m:sSup>
+                      </m:e>
+                    </m:d>
+                  </m:oMath>
+                </a14:m>
+                <a:endParaRPr lang="en-US" altLang="zh-TW" b="0" dirty="0"/>
+              </a:p>
+              <a:p>
+                <a:pPr lvl="1"/>
+                <a:r>
+                  <a:rPr lang="en-US" altLang="zh-TW" b="0" dirty="0"/>
+                  <a:t>Every </a:t>
+                </a:r>
+                <a14:m>
+                  <m:oMath xmlns:m="http://schemas.openxmlformats.org/officeDocument/2006/math">
+                    <m:sSub>
+                      <m:sSubPr>
+                        <m:ctrlPr>
+                          <a:rPr lang="en-US" altLang="zh-TW" b="0" i="1" smtClean="0">
+                            <a:latin typeface="Cambria Math" panose="02040503050406030204" pitchFamily="18" charset="0"/>
+                          </a:rPr>
+                        </m:ctrlPr>
+                      </m:sSubPr>
+                      <m:e>
+                        <m:r>
+                          <a:rPr lang="en-US" altLang="zh-TW" b="0" i="1" smtClean="0">
+                            <a:latin typeface="Cambria Math" panose="02040503050406030204" pitchFamily="18" charset="0"/>
+                          </a:rPr>
+                          <m:t>𝑥</m:t>
+                        </m:r>
+                      </m:e>
+                      <m:sub>
+                        <m:r>
+                          <a:rPr lang="en-US" altLang="zh-TW" b="0" i="1" smtClean="0">
+                            <a:latin typeface="Cambria Math" panose="02040503050406030204" pitchFamily="18" charset="0"/>
+                          </a:rPr>
+                          <m:t>𝑘</m:t>
+                        </m:r>
+                      </m:sub>
+                    </m:sSub>
+                    <m:r>
+                      <a:rPr lang="en-US" altLang="zh-TW" b="0" i="0" smtClean="0">
+                        <a:latin typeface="Cambria Math" panose="02040503050406030204" pitchFamily="18" charset="0"/>
+                      </a:rPr>
+                      <m:t> </m:t>
+                    </m:r>
+                  </m:oMath>
+                </a14:m>
+                <a:r>
+                  <a:rPr lang="en-US" altLang="zh-TW" dirty="0"/>
+                  <a:t>is a quantitative variable</a:t>
+                </a:r>
+                <a:endParaRPr lang="en-US" altLang="zh-TW" b="0" dirty="0"/>
+              </a:p>
+              <a:p>
+                <a:pPr marL="457200" indent="-457200">
+                  <a:lnSpc>
+                    <a:spcPct val="150000"/>
+                  </a:lnSpc>
+                  <a:buFont typeface="+mj-lt"/>
+                  <a:buAutoNum type="arabicPeriod"/>
+                </a:pPr>
+                <a:r>
+                  <a:rPr lang="en-US" altLang="zh-TW" dirty="0"/>
+                  <a:t>Output : </a:t>
+                </a:r>
+                <a14:m>
+                  <m:oMath xmlns:m="http://schemas.openxmlformats.org/officeDocument/2006/math">
+                    <m:acc>
+                      <m:accPr>
+                        <m:chr m:val="̂"/>
+                        <m:ctrlPr>
+                          <a:rPr lang="en-US" altLang="zh-TW" b="0" i="1" smtClean="0">
+                            <a:latin typeface="Cambria Math" panose="02040503050406030204" pitchFamily="18" charset="0"/>
+                          </a:rPr>
+                        </m:ctrlPr>
+                      </m:accPr>
+                      <m:e>
+                        <m:r>
+                          <m:rPr>
+                            <m:sty m:val="p"/>
+                          </m:rPr>
+                          <a:rPr lang="en-US" altLang="zh-TW">
+                            <a:latin typeface="Cambria Math" panose="02040503050406030204" pitchFamily="18" charset="0"/>
+                          </a:rPr>
+                          <m:t>Y</m:t>
+                        </m:r>
+                      </m:e>
+                    </m:acc>
+                    <m:r>
+                      <a:rPr lang="en-US" altLang="zh-TW" b="0" i="1" smtClean="0">
+                        <a:latin typeface="Cambria Math" panose="02040503050406030204" pitchFamily="18" charset="0"/>
+                      </a:rPr>
+                      <m:t> ∈</m:t>
+                    </m:r>
+                    <m:r>
+                      <a:rPr lang="en-US" altLang="zh-TW" b="0" i="1" smtClean="0">
+                        <a:latin typeface="Cambria Math" panose="02040503050406030204" pitchFamily="18" charset="0"/>
+                      </a:rPr>
+                      <m:t>ℝ</m:t>
+                    </m:r>
+                  </m:oMath>
+                </a14:m>
+                <a:endParaRPr lang="en-US" altLang="zh-TW" dirty="0"/>
+              </a:p>
+              <a:p>
+                <a:pPr marL="457200" indent="-457200">
+                  <a:lnSpc>
+                    <a:spcPct val="150000"/>
+                  </a:lnSpc>
+                  <a:buFont typeface="+mj-lt"/>
+                  <a:buAutoNum type="arabicPeriod"/>
+                </a:pPr>
+                <a:r>
+                  <a:rPr lang="en-US" altLang="zh-TW" dirty="0"/>
+                  <a:t>Parameters : </a:t>
+                </a:r>
+                <a14:m>
+                  <m:oMath xmlns:m="http://schemas.openxmlformats.org/officeDocument/2006/math">
+                    <m:r>
+                      <a:rPr lang="en-US" altLang="zh-TW" b="0" i="1" smtClean="0">
+                        <a:latin typeface="Cambria Math" panose="02040503050406030204" pitchFamily="18" charset="0"/>
+                      </a:rPr>
+                      <m:t>𝑊</m:t>
+                    </m:r>
+                    <m:r>
+                      <a:rPr lang="en-US" altLang="zh-TW" b="0" i="1" smtClean="0">
+                        <a:latin typeface="Cambria Math" panose="02040503050406030204" pitchFamily="18" charset="0"/>
+                      </a:rPr>
+                      <m:t>=[</m:t>
+                    </m:r>
+                    <m:sSub>
+                      <m:sSubPr>
+                        <m:ctrlPr>
+                          <a:rPr lang="en-US" altLang="zh-TW" b="0" i="1" smtClean="0">
+                            <a:latin typeface="Cambria Math" panose="02040503050406030204" pitchFamily="18" charset="0"/>
+                          </a:rPr>
+                        </m:ctrlPr>
+                      </m:sSubPr>
+                      <m:e>
+                        <m:r>
+                          <a:rPr lang="en-US" altLang="zh-TW" b="0" i="1" smtClean="0">
+                            <a:latin typeface="Cambria Math" panose="02040503050406030204" pitchFamily="18" charset="0"/>
+                          </a:rPr>
+                          <m:t>𝑤</m:t>
+                        </m:r>
+                      </m:e>
+                      <m:sub>
+                        <m:r>
+                          <a:rPr lang="en-US" altLang="zh-TW" b="0" i="1" smtClean="0">
+                            <a:latin typeface="Cambria Math" panose="02040503050406030204" pitchFamily="18" charset="0"/>
+                          </a:rPr>
+                          <m:t>0</m:t>
+                        </m:r>
+                      </m:sub>
+                    </m:sSub>
+                    <m:r>
+                      <a:rPr lang="en-US" altLang="zh-TW" b="0" i="1" smtClean="0">
+                        <a:latin typeface="Cambria Math" panose="02040503050406030204" pitchFamily="18" charset="0"/>
+                      </a:rPr>
+                      <m:t>,</m:t>
+                    </m:r>
+                    <m:sSub>
+                      <m:sSubPr>
+                        <m:ctrlPr>
+                          <a:rPr lang="en-US" altLang="zh-TW" b="0" i="1" smtClean="0">
+                            <a:latin typeface="Cambria Math" panose="02040503050406030204" pitchFamily="18" charset="0"/>
+                          </a:rPr>
+                        </m:ctrlPr>
+                      </m:sSubPr>
+                      <m:e>
+                        <m:r>
+                          <a:rPr lang="en-US" altLang="zh-TW" b="0" i="1" smtClean="0">
+                            <a:latin typeface="Cambria Math" panose="02040503050406030204" pitchFamily="18" charset="0"/>
+                          </a:rPr>
+                          <m:t>𝑤</m:t>
+                        </m:r>
+                      </m:e>
+                      <m:sub>
+                        <m:r>
+                          <a:rPr lang="en-US" altLang="zh-TW" b="0" i="1" smtClean="0">
+                            <a:latin typeface="Cambria Math" panose="02040503050406030204" pitchFamily="18" charset="0"/>
+                          </a:rPr>
+                          <m:t>1</m:t>
+                        </m:r>
+                      </m:sub>
+                    </m:sSub>
+                    <m:r>
+                      <a:rPr lang="en-US" altLang="zh-TW" b="0" i="1" smtClean="0">
+                        <a:latin typeface="Cambria Math" panose="02040503050406030204" pitchFamily="18" charset="0"/>
+                      </a:rPr>
+                      <m:t>,⋯,</m:t>
+                    </m:r>
+                    <m:sSub>
+                      <m:sSubPr>
+                        <m:ctrlPr>
+                          <a:rPr lang="en-US" altLang="zh-TW" b="0" i="1" smtClean="0">
+                            <a:latin typeface="Cambria Math" panose="02040503050406030204" pitchFamily="18" charset="0"/>
+                          </a:rPr>
+                        </m:ctrlPr>
+                      </m:sSubPr>
+                      <m:e>
+                        <m:r>
+                          <a:rPr lang="en-US" altLang="zh-TW" b="0" i="1" smtClean="0">
+                            <a:latin typeface="Cambria Math" panose="02040503050406030204" pitchFamily="18" charset="0"/>
+                          </a:rPr>
+                          <m:t>𝑤</m:t>
+                        </m:r>
+                      </m:e>
+                      <m:sub>
+                        <m:r>
+                          <a:rPr lang="en-US" altLang="zh-TW" b="0" i="1" smtClean="0">
+                            <a:latin typeface="Cambria Math" panose="02040503050406030204" pitchFamily="18" charset="0"/>
+                          </a:rPr>
+                          <m:t>𝑛</m:t>
+                        </m:r>
+                      </m:sub>
+                    </m:sSub>
+                    <m:r>
+                      <a:rPr lang="en-US" altLang="zh-TW" b="0" i="1" smtClean="0">
+                        <a:latin typeface="Cambria Math" panose="02040503050406030204" pitchFamily="18" charset="0"/>
+                      </a:rPr>
+                      <m:t>]</m:t>
+                    </m:r>
+                  </m:oMath>
+                </a14:m>
+                <a:r>
+                  <a:rPr lang="zh-TW" altLang="en-US" dirty="0"/>
+                  <a:t> </a:t>
+                </a:r>
+                <a14:m>
+                  <m:oMath xmlns:m="http://schemas.openxmlformats.org/officeDocument/2006/math">
+                    <m:r>
+                      <a:rPr lang="en-US" altLang="zh-TW" i="1" dirty="0">
+                        <a:latin typeface="Cambria Math" panose="02040503050406030204" pitchFamily="18" charset="0"/>
+                      </a:rPr>
+                      <m:t>(∈</m:t>
+                    </m:r>
+                    <m:sSup>
+                      <m:sSupPr>
+                        <m:ctrlPr>
+                          <a:rPr lang="en-US" altLang="zh-TW" i="1" dirty="0">
+                            <a:latin typeface="Cambria Math" panose="02040503050406030204" pitchFamily="18" charset="0"/>
+                          </a:rPr>
+                        </m:ctrlPr>
+                      </m:sSupPr>
+                      <m:e>
+                        <m:r>
+                          <a:rPr lang="en-US" altLang="zh-TW" i="1" dirty="0">
+                            <a:latin typeface="Cambria Math" panose="02040503050406030204" pitchFamily="18" charset="0"/>
+                          </a:rPr>
+                          <m:t>ℝ</m:t>
+                        </m:r>
+                      </m:e>
+                      <m:sup>
+                        <m:r>
+                          <a:rPr lang="en-US" altLang="zh-TW" i="1" dirty="0">
+                            <a:latin typeface="Cambria Math" panose="02040503050406030204" pitchFamily="18" charset="0"/>
+                          </a:rPr>
+                          <m:t>𝑛</m:t>
+                        </m:r>
+                        <m:r>
+                          <a:rPr lang="en-US" altLang="zh-TW" b="0" i="1" dirty="0" smtClean="0">
+                            <a:latin typeface="Cambria Math" panose="02040503050406030204" pitchFamily="18" charset="0"/>
+                          </a:rPr>
+                          <m:t>+1</m:t>
+                        </m:r>
+                      </m:sup>
+                    </m:sSup>
+                    <m:r>
+                      <a:rPr lang="en-US" altLang="zh-TW" i="1" dirty="0">
+                        <a:latin typeface="Cambria Math" panose="02040503050406030204" pitchFamily="18" charset="0"/>
+                      </a:rPr>
+                      <m:t>)</m:t>
+                    </m:r>
+                  </m:oMath>
+                </a14:m>
+                <a:endParaRPr lang="en-US" altLang="zh-TW" dirty="0"/>
+              </a:p>
+            </p:txBody>
+          </p:sp>
+        </mc:Choice>
+        <mc:Fallback xmlns="">
+          <p:sp>
+            <p:nvSpPr>
+              <p:cNvPr id="5" name="內容版面配置區 4">
+                <a:extLst>
+                  <a:ext uri="{FF2B5EF4-FFF2-40B4-BE49-F238E27FC236}">
+                    <a16:creationId xmlns:a16="http://schemas.microsoft.com/office/drawing/2014/main" id="{CD4F6108-B0D4-48B5-AF50-D92C8FF9D70D}"/>
+                  </a:ext>
+                </a:extLst>
+              </p:cNvPr>
+              <p:cNvSpPr>
+                <a:spLocks noGrp="1" noRot="1" noChangeAspect="1" noMove="1" noResize="1" noEditPoints="1" noAdjustHandles="1" noChangeArrowheads="1" noChangeShapeType="1" noTextEdit="1"/>
+              </p:cNvSpPr>
+              <p:nvPr>
+                <p:ph idx="1"/>
+              </p:nvPr>
+            </p:nvSpPr>
+            <p:spPr>
+              <a:blipFill>
+                <a:blip r:embed="rId2"/>
+                <a:stretch>
+                  <a:fillRect l="-1144" t="-2385"/>
+                </a:stretch>
+              </a:blipFill>
+            </p:spPr>
+            <p:txBody>
+              <a:bodyPr/>
+              <a:lstStyle/>
+              <a:p>
+                <a:r>
+                  <a:rPr lang="zh-TW" altLang="en-US">
+                    <a:noFill/>
+                  </a:rPr>
+                  <a:t> </a:t>
+                </a:r>
+              </a:p>
+            </p:txBody>
+          </p:sp>
+        </mc:Fallback>
+      </mc:AlternateContent>
+    </p:spTree>
+    <p:extLst>
+      <p:ext uri="{BB962C8B-B14F-4D97-AF65-F5344CB8AC3E}">
+        <p14:creationId xmlns:p14="http://schemas.microsoft.com/office/powerpoint/2010/main" val="233900481"/>
+      </p:ext>
+    </p:extLst>
+  </p:cSld>
+  <p:clrMapOvr>
+    <a:masterClrMapping/>
+  </p:clrMapOvr>
+</p:sld>
+</file>
+
+<file path=ppt/slides/slide11.xml><?xml version="1.0" encoding="utf-8"?>
+<p:sld xmlns:a="http://schemas.openxmlformats.org/drawingml/2006/main" xmlns:r="http://schemas.openxmlformats.org/officeDocument/2006/relationships" xmlns:p="http://schemas.openxmlformats.org/presentationml/2006/main">
+  <p:cSld>
+    <p:spTree>
+      <p:nvGrpSpPr>
+        <p:cNvPr id="1" name=""/>
+        <p:cNvGrpSpPr/>
+        <p:nvPr/>
+      </p:nvGrpSpPr>
+      <p:grpSpPr>
+        <a:xfrm>
+          <a:off x="0" y="0"/>
+          <a:ext cx="0" cy="0"/>
+          <a:chOff x="0" y="0"/>
+          <a:chExt cx="0" cy="0"/>
+        </a:xfrm>
+      </p:grpSpPr>
+      <p:sp>
+        <p:nvSpPr>
+          <p:cNvPr id="4" name="標題 3">
+            <a:extLst>
+              <a:ext uri="{FF2B5EF4-FFF2-40B4-BE49-F238E27FC236}">
+                <a16:creationId xmlns:a16="http://schemas.microsoft.com/office/drawing/2014/main" id="{992F8E74-2C84-4402-A3DE-83D140DA9B3F}"/>
+              </a:ext>
+            </a:extLst>
+          </p:cNvPr>
+          <p:cNvSpPr>
+            <a:spLocks noGrp="1"/>
+          </p:cNvSpPr>
+          <p:nvPr>
+            <p:ph type="title"/>
+          </p:nvPr>
+        </p:nvSpPr>
+        <p:spPr/>
+        <p:txBody>
+          <a:bodyPr/>
+          <a:lstStyle/>
+          <a:p>
+            <a:r>
+              <a:rPr lang="en-US" altLang="zh-TW" dirty="0"/>
+              <a:t>Linear regression</a:t>
+            </a:r>
+            <a:endParaRPr lang="zh-TW" altLang="en-US" dirty="0"/>
+          </a:p>
+        </p:txBody>
+      </p:sp>
+      <mc:AlternateContent xmlns:mc="http://schemas.openxmlformats.org/markup-compatibility/2006" xmlns:a14="http://schemas.microsoft.com/office/drawing/2010/main">
+        <mc:Choice Requires="a14">
+          <p:sp>
+            <p:nvSpPr>
+              <p:cNvPr id="5" name="內容版面配置區 4">
+                <a:extLst>
+                  <a:ext uri="{FF2B5EF4-FFF2-40B4-BE49-F238E27FC236}">
+                    <a16:creationId xmlns:a16="http://schemas.microsoft.com/office/drawing/2014/main" id="{CD4F6108-B0D4-48B5-AF50-D92C8FF9D70D}"/>
+                  </a:ext>
+                </a:extLst>
+              </p:cNvPr>
+              <p:cNvSpPr>
+                <a:spLocks noGrp="1"/>
+              </p:cNvSpPr>
+              <p:nvPr>
+                <p:ph idx="1"/>
+              </p:nvPr>
+            </p:nvSpPr>
+            <p:spPr/>
+            <p:txBody>
+              <a:bodyPr>
+                <a:normAutofit lnSpcReduction="10000"/>
+              </a:bodyPr>
+              <a:lstStyle/>
+              <a:p>
+                <a:pPr marL="457200" indent="-457200">
+                  <a:buFont typeface="+mj-lt"/>
+                  <a:buAutoNum type="arabicPeriod" startAt="4"/>
+                </a:pPr>
+                <a:r>
+                  <a:rPr lang="en-US" altLang="zh-TW" dirty="0"/>
+                  <a:t>Formula : </a:t>
+                </a:r>
+                <a14:m>
+                  <m:oMath xmlns:m="http://schemas.openxmlformats.org/officeDocument/2006/math">
+                    <m:acc>
+                      <m:accPr>
+                        <m:chr m:val="̂"/>
+                        <m:ctrlPr>
+                          <a:rPr lang="en-US" altLang="zh-TW" b="0" i="1" dirty="0" smtClean="0">
+                            <a:latin typeface="Cambria Math" panose="02040503050406030204" pitchFamily="18" charset="0"/>
+                          </a:rPr>
+                        </m:ctrlPr>
+                      </m:accPr>
+                      <m:e>
+                        <m:r>
+                          <a:rPr lang="en-US" altLang="zh-TW" b="0" i="1" dirty="0" smtClean="0">
+                            <a:latin typeface="Cambria Math" panose="02040503050406030204" pitchFamily="18" charset="0"/>
+                          </a:rPr>
+                          <m:t>𝑌</m:t>
+                        </m:r>
+                      </m:e>
+                    </m:acc>
+                    <m:r>
+                      <a:rPr lang="en-US" altLang="zh-TW" b="0" i="1" smtClean="0">
+                        <a:latin typeface="Cambria Math" panose="02040503050406030204" pitchFamily="18" charset="0"/>
+                      </a:rPr>
+                      <m:t>=</m:t>
+                    </m:r>
+                    <m:sSub>
+                      <m:sSubPr>
+                        <m:ctrlPr>
+                          <a:rPr lang="en-US" altLang="zh-TW" b="0" i="1" smtClean="0">
+                            <a:latin typeface="Cambria Math" panose="02040503050406030204" pitchFamily="18" charset="0"/>
+                          </a:rPr>
+                        </m:ctrlPr>
+                      </m:sSubPr>
+                      <m:e>
+                        <m:r>
+                          <a:rPr lang="en-US" altLang="zh-TW" b="0" i="1" smtClean="0">
+                            <a:latin typeface="Cambria Math" panose="02040503050406030204" pitchFamily="18" charset="0"/>
+                          </a:rPr>
+                          <m:t>𝑤</m:t>
+                        </m:r>
+                      </m:e>
+                      <m:sub>
+                        <m:r>
+                          <a:rPr lang="en-US" altLang="zh-TW" b="0" i="1" smtClean="0">
+                            <a:latin typeface="Cambria Math" panose="02040503050406030204" pitchFamily="18" charset="0"/>
+                          </a:rPr>
+                          <m:t>0</m:t>
+                        </m:r>
+                      </m:sub>
+                    </m:sSub>
+                    <m:r>
+                      <a:rPr lang="en-US" altLang="zh-TW" b="0" i="1" smtClean="0">
+                        <a:latin typeface="Cambria Math" panose="02040503050406030204" pitchFamily="18" charset="0"/>
+                      </a:rPr>
+                      <m:t>+</m:t>
+                    </m:r>
+                    <m:sSub>
+                      <m:sSubPr>
+                        <m:ctrlPr>
+                          <a:rPr lang="en-US" altLang="zh-TW" b="0" i="1" smtClean="0">
+                            <a:latin typeface="Cambria Math" panose="02040503050406030204" pitchFamily="18" charset="0"/>
+                          </a:rPr>
+                        </m:ctrlPr>
+                      </m:sSubPr>
+                      <m:e>
+                        <m:r>
+                          <a:rPr lang="en-US" altLang="zh-TW" b="0" i="1" smtClean="0">
+                            <a:latin typeface="Cambria Math" panose="02040503050406030204" pitchFamily="18" charset="0"/>
+                          </a:rPr>
+                          <m:t>𝑤</m:t>
+                        </m:r>
+                      </m:e>
+                      <m:sub>
+                        <m:r>
+                          <a:rPr lang="en-US" altLang="zh-TW" b="0" i="1" smtClean="0">
+                            <a:latin typeface="Cambria Math" panose="02040503050406030204" pitchFamily="18" charset="0"/>
+                          </a:rPr>
+                          <m:t>1</m:t>
+                        </m:r>
+                      </m:sub>
+                    </m:sSub>
+                    <m:sSub>
+                      <m:sSubPr>
+                        <m:ctrlPr>
+                          <a:rPr lang="en-US" altLang="zh-TW" b="0" i="1" smtClean="0">
+                            <a:latin typeface="Cambria Math" panose="02040503050406030204" pitchFamily="18" charset="0"/>
+                          </a:rPr>
+                        </m:ctrlPr>
+                      </m:sSubPr>
+                      <m:e>
+                        <m:r>
+                          <a:rPr lang="en-US" altLang="zh-TW" b="0" i="1" smtClean="0">
+                            <a:latin typeface="Cambria Math" panose="02040503050406030204" pitchFamily="18" charset="0"/>
+                          </a:rPr>
+                          <m:t>𝑥</m:t>
+                        </m:r>
+                      </m:e>
+                      <m:sub>
+                        <m:r>
+                          <a:rPr lang="en-US" altLang="zh-TW" b="0" i="1" smtClean="0">
+                            <a:latin typeface="Cambria Math" panose="02040503050406030204" pitchFamily="18" charset="0"/>
+                          </a:rPr>
+                          <m:t>1</m:t>
+                        </m:r>
+                      </m:sub>
+                    </m:sSub>
+                    <m:r>
+                      <a:rPr lang="en-US" altLang="zh-TW" b="0" i="1" smtClean="0">
+                        <a:latin typeface="Cambria Math" panose="02040503050406030204" pitchFamily="18" charset="0"/>
+                      </a:rPr>
+                      <m:t>+⋯+</m:t>
+                    </m:r>
+                    <m:sSub>
+                      <m:sSubPr>
+                        <m:ctrlPr>
+                          <a:rPr lang="en-US" altLang="zh-TW" b="0" i="1" smtClean="0">
+                            <a:latin typeface="Cambria Math" panose="02040503050406030204" pitchFamily="18" charset="0"/>
+                          </a:rPr>
+                        </m:ctrlPr>
+                      </m:sSubPr>
+                      <m:e>
+                        <m:r>
+                          <a:rPr lang="en-US" altLang="zh-TW" b="0" i="1" smtClean="0">
+                            <a:latin typeface="Cambria Math" panose="02040503050406030204" pitchFamily="18" charset="0"/>
+                          </a:rPr>
+                          <m:t>𝑤</m:t>
+                        </m:r>
+                      </m:e>
+                      <m:sub>
+                        <m:r>
+                          <a:rPr lang="en-US" altLang="zh-TW" b="0" i="1" smtClean="0">
+                            <a:latin typeface="Cambria Math" panose="02040503050406030204" pitchFamily="18" charset="0"/>
+                          </a:rPr>
+                          <m:t>𝑛</m:t>
+                        </m:r>
+                      </m:sub>
+                    </m:sSub>
+                    <m:sSub>
+                      <m:sSubPr>
+                        <m:ctrlPr>
+                          <a:rPr lang="en-US" altLang="zh-TW" b="0" i="1" smtClean="0">
+                            <a:latin typeface="Cambria Math" panose="02040503050406030204" pitchFamily="18" charset="0"/>
+                          </a:rPr>
+                        </m:ctrlPr>
+                      </m:sSubPr>
+                      <m:e>
+                        <m:r>
+                          <a:rPr lang="en-US" altLang="zh-TW" b="0" i="1" smtClean="0">
+                            <a:latin typeface="Cambria Math" panose="02040503050406030204" pitchFamily="18" charset="0"/>
+                          </a:rPr>
+                          <m:t>𝑥</m:t>
+                        </m:r>
+                      </m:e>
+                      <m:sub>
+                        <m:r>
+                          <a:rPr lang="en-US" altLang="zh-TW" b="0" i="1" smtClean="0">
+                            <a:latin typeface="Cambria Math" panose="02040503050406030204" pitchFamily="18" charset="0"/>
+                          </a:rPr>
+                          <m:t>𝑛</m:t>
+                        </m:r>
+                      </m:sub>
+                    </m:sSub>
+                  </m:oMath>
+                </a14:m>
+                <a:endParaRPr lang="en-US" altLang="zh-TW" dirty="0"/>
+              </a:p>
+              <a:p>
+                <a:pPr marL="457200" indent="-457200">
+                  <a:lnSpc>
+                    <a:spcPct val="150000"/>
+                  </a:lnSpc>
+                  <a:buFont typeface="+mj-lt"/>
+                  <a:buAutoNum type="arabicPeriod" startAt="4"/>
+                </a:pPr>
+                <a:r>
+                  <a:rPr lang="en-US" altLang="zh-TW" dirty="0"/>
+                  <a:t>Loss(Error) function: </a:t>
+                </a:r>
+                <a14:m>
+                  <m:oMath xmlns:m="http://schemas.openxmlformats.org/officeDocument/2006/math">
+                    <m:r>
+                      <m:rPr>
+                        <m:sty m:val="p"/>
+                      </m:rPr>
+                      <a:rPr lang="en-US" altLang="zh-TW" b="0" i="0" smtClean="0">
+                        <a:latin typeface="Cambria Math" panose="02040503050406030204" pitchFamily="18" charset="0"/>
+                      </a:rPr>
+                      <m:t>L</m:t>
+                    </m:r>
+                    <m:r>
+                      <a:rPr lang="en-US" altLang="zh-TW" b="0" i="1" smtClean="0">
+                        <a:latin typeface="Cambria Math" panose="02040503050406030204" pitchFamily="18" charset="0"/>
+                      </a:rPr>
+                      <m:t>=</m:t>
+                    </m:r>
+                    <m:sSup>
+                      <m:sSupPr>
+                        <m:ctrlPr>
+                          <a:rPr lang="en-US" altLang="zh-TW" b="0" i="1" smtClean="0">
+                            <a:latin typeface="Cambria Math" panose="02040503050406030204" pitchFamily="18" charset="0"/>
+                          </a:rPr>
+                        </m:ctrlPr>
+                      </m:sSupPr>
+                      <m:e>
+                        <m:d>
+                          <m:dPr>
+                            <m:ctrlPr>
+                              <a:rPr lang="en-US" altLang="zh-TW" b="0" i="1" smtClean="0">
+                                <a:latin typeface="Cambria Math" panose="02040503050406030204" pitchFamily="18" charset="0"/>
+                              </a:rPr>
+                            </m:ctrlPr>
+                          </m:dPr>
+                          <m:e>
+                            <m:r>
+                              <a:rPr lang="en-US" altLang="zh-TW" b="0" i="1" smtClean="0">
+                                <a:latin typeface="Cambria Math" panose="02040503050406030204" pitchFamily="18" charset="0"/>
+                              </a:rPr>
+                              <m:t>𝑌</m:t>
+                            </m:r>
+                            <m:r>
+                              <a:rPr lang="en-US" altLang="zh-TW" b="0" i="1" smtClean="0">
+                                <a:latin typeface="Cambria Math" panose="02040503050406030204" pitchFamily="18" charset="0"/>
+                              </a:rPr>
+                              <m:t>−</m:t>
+                            </m:r>
+                            <m:acc>
+                              <m:accPr>
+                                <m:chr m:val="̂"/>
+                                <m:ctrlPr>
+                                  <a:rPr lang="en-US" altLang="zh-TW" b="0" i="1" smtClean="0">
+                                    <a:latin typeface="Cambria Math" panose="02040503050406030204" pitchFamily="18" charset="0"/>
+                                  </a:rPr>
+                                </m:ctrlPr>
+                              </m:accPr>
+                              <m:e>
+                                <m:r>
+                                  <a:rPr lang="en-US" altLang="zh-TW" b="0" i="1" smtClean="0">
+                                    <a:latin typeface="Cambria Math" panose="02040503050406030204" pitchFamily="18" charset="0"/>
+                                  </a:rPr>
+                                  <m:t>𝑌</m:t>
+                                </m:r>
+                              </m:e>
+                            </m:acc>
+                          </m:e>
+                        </m:d>
+                      </m:e>
+                      <m:sup>
+                        <m:r>
+                          <a:rPr lang="en-US" altLang="zh-TW" b="0" i="1" smtClean="0">
+                            <a:latin typeface="Cambria Math" panose="02040503050406030204" pitchFamily="18" charset="0"/>
+                          </a:rPr>
+                          <m:t>2</m:t>
+                        </m:r>
+                      </m:sup>
+                    </m:sSup>
+                  </m:oMath>
+                </a14:m>
+                <a:endParaRPr lang="en-US" altLang="zh-TW" dirty="0"/>
+              </a:p>
+              <a:p>
+                <a:pPr marL="457200" indent="-457200">
+                  <a:lnSpc>
+                    <a:spcPct val="150000"/>
+                  </a:lnSpc>
+                  <a:buFont typeface="+mj-lt"/>
+                  <a:buAutoNum type="arabicPeriod" startAt="4"/>
+                </a:pPr>
+                <a:r>
+                  <a:rPr lang="en-US" altLang="zh-TW" dirty="0"/>
+                  <a:t>Optimization :</a:t>
+                </a:r>
+                <a:r>
+                  <a:rPr lang="zh-TW" altLang="en-US" dirty="0"/>
+                  <a:t> </a:t>
+                </a:r>
+                <a14:m>
+                  <m:oMath xmlns:m="http://schemas.openxmlformats.org/officeDocument/2006/math">
+                    <m:sSub>
+                      <m:sSubPr>
+                        <m:ctrlPr>
+                          <a:rPr lang="en-US" altLang="zh-TW" b="0" i="1" smtClean="0">
+                            <a:latin typeface="Cambria Math" panose="02040503050406030204" pitchFamily="18" charset="0"/>
+                          </a:rPr>
+                        </m:ctrlPr>
+                      </m:sSubPr>
+                      <m:e>
+                        <m:r>
+                          <m:rPr>
+                            <m:sty m:val="p"/>
+                          </m:rPr>
+                          <a:rPr lang="en-US" altLang="zh-TW" b="0" i="0" smtClean="0">
+                            <a:latin typeface="Cambria Math" panose="02040503050406030204" pitchFamily="18" charset="0"/>
+                          </a:rPr>
+                          <m:t>argmin</m:t>
+                        </m:r>
+                      </m:e>
+                      <m:sub>
+                        <m:r>
+                          <a:rPr lang="en-US" altLang="zh-TW" b="0" i="1" smtClean="0">
+                            <a:latin typeface="Cambria Math" panose="02040503050406030204" pitchFamily="18" charset="0"/>
+                          </a:rPr>
+                          <m:t>𝑤</m:t>
+                        </m:r>
+                      </m:sub>
+                    </m:sSub>
+                    <m:f>
+                      <m:fPr>
+                        <m:ctrlPr>
+                          <a:rPr lang="en-US" altLang="zh-TW" b="0" i="1" smtClean="0">
+                            <a:latin typeface="Cambria Math" panose="02040503050406030204" pitchFamily="18" charset="0"/>
+                          </a:rPr>
+                        </m:ctrlPr>
+                      </m:fPr>
+                      <m:num>
+                        <m:r>
+                          <a:rPr lang="en-US" altLang="zh-TW" b="0" i="1" smtClean="0">
+                            <a:latin typeface="Cambria Math" panose="02040503050406030204" pitchFamily="18" charset="0"/>
+                          </a:rPr>
+                          <m:t>1</m:t>
+                        </m:r>
+                      </m:num>
+                      <m:den>
+                        <m:r>
+                          <a:rPr lang="en-US" altLang="zh-TW" b="0" i="1" smtClean="0">
+                            <a:latin typeface="Cambria Math" panose="02040503050406030204" pitchFamily="18" charset="0"/>
+                          </a:rPr>
+                          <m:t>𝑚</m:t>
+                        </m:r>
+                      </m:den>
+                    </m:f>
+                    <m:r>
+                      <a:rPr lang="en-US" altLang="zh-TW" b="0" i="1" smtClean="0">
+                        <a:latin typeface="Cambria Math" panose="02040503050406030204" pitchFamily="18" charset="0"/>
+                      </a:rPr>
+                      <m:t> ∑</m:t>
+                    </m:r>
+                    <m:sSup>
+                      <m:sSupPr>
+                        <m:ctrlPr>
+                          <a:rPr lang="en-US" altLang="zh-TW" b="0" i="1" smtClean="0">
+                            <a:latin typeface="Cambria Math" panose="02040503050406030204" pitchFamily="18" charset="0"/>
+                          </a:rPr>
+                        </m:ctrlPr>
+                      </m:sSupPr>
+                      <m:e>
+                        <m:d>
+                          <m:dPr>
+                            <m:ctrlPr>
+                              <a:rPr lang="en-US" altLang="zh-TW" b="0" i="1" smtClean="0">
+                                <a:latin typeface="Cambria Math" panose="02040503050406030204" pitchFamily="18" charset="0"/>
+                              </a:rPr>
+                            </m:ctrlPr>
+                          </m:dPr>
+                          <m:e>
+                            <m:r>
+                              <a:rPr lang="en-US" altLang="zh-TW" b="0" i="1" smtClean="0">
+                                <a:latin typeface="Cambria Math" panose="02040503050406030204" pitchFamily="18" charset="0"/>
+                              </a:rPr>
+                              <m:t>𝑌</m:t>
+                            </m:r>
+                            <m:r>
+                              <a:rPr lang="en-US" altLang="zh-TW" b="0" i="1" smtClean="0">
+                                <a:latin typeface="Cambria Math" panose="02040503050406030204" pitchFamily="18" charset="0"/>
+                              </a:rPr>
+                              <m:t>−</m:t>
+                            </m:r>
+                            <m:acc>
+                              <m:accPr>
+                                <m:chr m:val="̂"/>
+                                <m:ctrlPr>
+                                  <a:rPr lang="en-US" altLang="zh-TW" b="0" i="1" smtClean="0">
+                                    <a:latin typeface="Cambria Math" panose="02040503050406030204" pitchFamily="18" charset="0"/>
+                                  </a:rPr>
+                                </m:ctrlPr>
+                              </m:accPr>
+                              <m:e>
+                                <m:r>
+                                  <a:rPr lang="en-US" altLang="zh-TW" b="0" i="1" smtClean="0">
+                                    <a:latin typeface="Cambria Math" panose="02040503050406030204" pitchFamily="18" charset="0"/>
+                                  </a:rPr>
+                                  <m:t>𝑌</m:t>
+                                </m:r>
+                              </m:e>
+                            </m:acc>
+                          </m:e>
+                        </m:d>
+                      </m:e>
+                      <m:sup>
+                        <m:r>
+                          <a:rPr lang="en-US" altLang="zh-TW" b="0" i="1" smtClean="0">
+                            <a:latin typeface="Cambria Math" panose="02040503050406030204" pitchFamily="18" charset="0"/>
+                          </a:rPr>
+                          <m:t>2</m:t>
+                        </m:r>
+                      </m:sup>
+                    </m:sSup>
+                  </m:oMath>
+                </a14:m>
+                <a:endParaRPr lang="en-US" altLang="zh-TW" dirty="0"/>
+              </a:p>
+              <a:p>
+                <a:pPr lvl="1">
+                  <a:lnSpc>
+                    <a:spcPct val="150000"/>
+                  </a:lnSpc>
+                </a:pPr>
+                <a14:m>
+                  <m:oMath xmlns:m="http://schemas.openxmlformats.org/officeDocument/2006/math">
+                    <m:r>
+                      <a:rPr lang="en-US" altLang="zh-TW" b="0" i="1" smtClean="0">
+                        <a:latin typeface="Cambria Math" panose="02040503050406030204" pitchFamily="18" charset="0"/>
+                      </a:rPr>
+                      <m:t>𝑚</m:t>
+                    </m:r>
+                  </m:oMath>
+                </a14:m>
+                <a:r>
+                  <a:rPr lang="en-US" altLang="zh-TW" dirty="0"/>
+                  <a:t> pieces of data </a:t>
+                </a:r>
+              </a:p>
+              <a:p>
+                <a:pPr lvl="1">
+                  <a:lnSpc>
+                    <a:spcPct val="150000"/>
+                  </a:lnSpc>
+                </a:pPr>
+                <a:r>
+                  <a:rPr lang="en-US" altLang="zh-TW" dirty="0"/>
+                  <a:t>Find </a:t>
+                </a:r>
+                <a14:m>
+                  <m:oMath xmlns:m="http://schemas.openxmlformats.org/officeDocument/2006/math">
+                    <m:r>
+                      <a:rPr lang="en-US" altLang="zh-TW" b="0" i="1" smtClean="0">
+                        <a:latin typeface="Cambria Math" panose="02040503050406030204" pitchFamily="18" charset="0"/>
+                      </a:rPr>
+                      <m:t>𝑊</m:t>
+                    </m:r>
+                  </m:oMath>
+                </a14:m>
+                <a:r>
+                  <a:rPr lang="en-US" altLang="zh-TW" dirty="0"/>
+                  <a:t> such that we have minimal average loss.</a:t>
+                </a:r>
+              </a:p>
+            </p:txBody>
+          </p:sp>
+        </mc:Choice>
+        <mc:Fallback xmlns="">
+          <p:sp>
+            <p:nvSpPr>
+              <p:cNvPr id="5" name="內容版面配置區 4">
+                <a:extLst>
+                  <a:ext uri="{FF2B5EF4-FFF2-40B4-BE49-F238E27FC236}">
+                    <a16:creationId xmlns:a16="http://schemas.microsoft.com/office/drawing/2014/main" id="{CD4F6108-B0D4-48B5-AF50-D92C8FF9D70D}"/>
+                  </a:ext>
+                </a:extLst>
+              </p:cNvPr>
+              <p:cNvSpPr>
+                <a:spLocks noGrp="1" noRot="1" noChangeAspect="1" noMove="1" noResize="1" noEditPoints="1" noAdjustHandles="1" noChangeArrowheads="1" noChangeShapeType="1" noTextEdit="1"/>
+              </p:cNvSpPr>
+              <p:nvPr>
+                <p:ph idx="1"/>
+              </p:nvPr>
+            </p:nvSpPr>
+            <p:spPr>
+              <a:blipFill>
+                <a:blip r:embed="rId2"/>
+                <a:stretch>
+                  <a:fillRect l="-1144" t="-3119" b="-3303"/>
+                </a:stretch>
+              </a:blipFill>
+            </p:spPr>
+            <p:txBody>
+              <a:bodyPr/>
+              <a:lstStyle/>
+              <a:p>
+                <a:r>
+                  <a:rPr lang="zh-TW" altLang="en-US">
+                    <a:noFill/>
+                  </a:rPr>
+                  <a:t> </a:t>
+                </a:r>
+              </a:p>
+            </p:txBody>
+          </p:sp>
+        </mc:Fallback>
+      </mc:AlternateContent>
+    </p:spTree>
+    <p:extLst>
+      <p:ext uri="{BB962C8B-B14F-4D97-AF65-F5344CB8AC3E}">
+        <p14:creationId xmlns:p14="http://schemas.microsoft.com/office/powerpoint/2010/main" val="2238109102"/>
+      </p:ext>
+    </p:extLst>
+  </p:cSld>
+  <p:clrMapOvr>
+    <a:masterClrMapping/>
+  </p:clrMapOvr>
+</p:sld>
+</file>
+
+<file path=ppt/slides/slide12.xml><?xml version="1.0" encoding="utf-8"?>
+<p:sld xmlns:a="http://schemas.openxmlformats.org/drawingml/2006/main" xmlns:r="http://schemas.openxmlformats.org/officeDocument/2006/relationships" xmlns:p="http://schemas.openxmlformats.org/presentationml/2006/main">
+  <p:cSld>
+    <p:spTree>
+      <p:nvGrpSpPr>
+        <p:cNvPr id="1" name=""/>
+        <p:cNvGrpSpPr/>
+        <p:nvPr/>
+      </p:nvGrpSpPr>
+      <p:grpSpPr>
+        <a:xfrm>
+          <a:off x="0" y="0"/>
+          <a:ext cx="0" cy="0"/>
+          <a:chOff x="0" y="0"/>
+          <a:chExt cx="0" cy="0"/>
+        </a:xfrm>
+      </p:grpSpPr>
+      <p:sp>
+        <p:nvSpPr>
+          <p:cNvPr id="4" name="標題 3">
+            <a:extLst>
+              <a:ext uri="{FF2B5EF4-FFF2-40B4-BE49-F238E27FC236}">
+                <a16:creationId xmlns:a16="http://schemas.microsoft.com/office/drawing/2014/main" id="{992F8E74-2C84-4402-A3DE-83D140DA9B3F}"/>
+              </a:ext>
+            </a:extLst>
+          </p:cNvPr>
+          <p:cNvSpPr>
+            <a:spLocks noGrp="1"/>
+          </p:cNvSpPr>
+          <p:nvPr>
+            <p:ph type="title"/>
+          </p:nvPr>
+        </p:nvSpPr>
+        <p:spPr/>
+        <p:txBody>
+          <a:bodyPr/>
+          <a:lstStyle/>
+          <a:p>
+            <a:r>
+              <a:rPr lang="en-US" altLang="zh-TW" dirty="0"/>
               <a:t>Naive Bayes classifier</a:t>
             </a:r>
             <a:endParaRPr lang="zh-TW" altLang="en-US" dirty="0"/>
@@ -7558,7 +8679,7 @@
 </p:sld>
 </file>
 
-<file path=ppt/slides/slide11.xml><?xml version="1.0" encoding="utf-8"?>
+<file path=ppt/slides/slide13.xml><?xml version="1.0" encoding="utf-8"?>
 <p:sld xmlns:a="http://schemas.openxmlformats.org/drawingml/2006/main" xmlns:r="http://schemas.openxmlformats.org/officeDocument/2006/relationships" xmlns:p="http://schemas.openxmlformats.org/presentationml/2006/main">
   <p:cSld>
     <p:spTree>
@@ -7604,8 +8725,8 @@
           </a:p>
         </p:txBody>
       </p:sp>
-      <mc:AlternateContent xmlns:mc="http://schemas.openxmlformats.org/markup-compatibility/2006" xmlns:a14="http://schemas.microsoft.com/office/drawing/2010/main">
-        <mc:Choice Requires="a14">
+      <mc:AlternateContent xmlns:mc="http://schemas.openxmlformats.org/markup-compatibility/2006">
+        <mc:Choice xmlns:a14="http://schemas.microsoft.com/office/drawing/2010/main" Requires="a14">
           <p:sp>
             <p:nvSpPr>
               <p:cNvPr id="5" name="內容版面配置區 4">
@@ -7766,11 +8887,39 @@
                         </m:e>
                       </m:d>
                       <m:r>
-                        <a:rPr lang="en-US" altLang="zh-TW" b="0" i="1" smtClean="0">
+                        <a:rPr lang="en-US" altLang="zh-TW" i="1">
                           <a:latin typeface="Cambria Math" panose="02040503050406030204" pitchFamily="18" charset="0"/>
                         </a:rPr>
-                        <m:t>∝</m:t>
+                        <m:t>=</m:t>
                       </m:r>
+                      <m:sSub>
+                        <m:sSubPr>
+                          <m:ctrlPr>
+                            <a:rPr lang="en-US" altLang="zh-TW" i="1">
+                              <a:latin typeface="Cambria Math" panose="02040503050406030204" pitchFamily="18" charset="0"/>
+                            </a:rPr>
+                          </m:ctrlPr>
+                        </m:sSubPr>
+                        <m:e>
+                          <m:r>
+                            <m:rPr>
+                              <m:sty m:val="p"/>
+                            </m:rPr>
+                            <a:rPr lang="en-US" altLang="zh-TW">
+                              <a:latin typeface="Cambria Math" panose="02040503050406030204" pitchFamily="18" charset="0"/>
+                            </a:rPr>
+                            <m:t>argmax</m:t>
+                          </m:r>
+                        </m:e>
+                        <m:sub>
+                          <m:r>
+                            <a:rPr lang="en-US" altLang="zh-TW" i="1">
+                              <a:latin typeface="Cambria Math" panose="02040503050406030204" pitchFamily="18" charset="0"/>
+                            </a:rPr>
+                            <m:t>𝑌</m:t>
+                          </m:r>
+                        </m:sub>
+                      </m:sSub>
                       <m:sSubSup>
                         <m:sSubSupPr>
                           <m:ctrlPr>
@@ -8019,7 +9168,19 @@
                 </a14:m>
                 <a:r>
                   <a:rPr lang="en-US" altLang="zh-TW" dirty="0"/>
-                  <a:t> : an input feature (either categorical or quantitative)</a:t>
+                  <a:t> : an input feature (either categorical or </a:t>
+                </a:r>
+                <a:r>
+                  <a:rPr lang="en-US" altLang="zh-TW" dirty="0">
+                    <a:solidFill>
+                      <a:srgbClr val="FF0000"/>
+                    </a:solidFill>
+                  </a:rPr>
+                  <a:t>quantitative</a:t>
+                </a:r>
+                <a:r>
+                  <a:rPr lang="en-US" altLang="zh-TW" dirty="0"/>
+                  <a:t>)</a:t>
                 </a:r>
               </a:p>
               <a:p>
@@ -8126,13 +9287,25 @@
                 </a14:m>
                 <a:r>
                   <a:rPr lang="en-US" altLang="zh-TW" dirty="0"/>
-                  <a:t> : make some assumption of distribution (ex: Gaussian distribution, multinomial distribution, …)</a:t>
+                  <a:t> : make some assumption of distribution (ex: </a:t>
+                </a:r>
+                <a:r>
+                  <a:rPr lang="en-US" altLang="zh-TW" dirty="0">
+                    <a:solidFill>
+                      <a:srgbClr val="FF0000"/>
+                    </a:solidFill>
+                  </a:rPr>
+                  <a:t>Gaussian distribution</a:t>
+                </a:r>
+                <a:r>
+                  <a:rPr lang="en-US" altLang="zh-TW" dirty="0"/>
+                  <a:t>, multinomial distribution, …)</a:t>
                 </a:r>
               </a:p>
             </p:txBody>
           </p:sp>
         </mc:Choice>
-        <mc:Fallback xmlns="">
+        <mc:Fallback>
           <p:sp>
             <p:nvSpPr>
               <p:cNvPr id="5" name="內容版面配置區 4">
@@ -8185,7 +9358,7 @@
 </p:sld>
 </file>
 
-<file path=ppt/slides/slide12.xml><?xml version="1.0" encoding="utf-8"?>
+<file path=ppt/slides/slide14.xml><?xml version="1.0" encoding="utf-8"?>
 <p:sld xmlns:a="http://schemas.openxmlformats.org/drawingml/2006/main" xmlns:r="http://schemas.openxmlformats.org/officeDocument/2006/relationships" xmlns:p="http://schemas.openxmlformats.org/presentationml/2006/main">
   <p:cSld>
     <p:spTree>
@@ -8294,7 +9467,7 @@
 </p:sld>
 </file>
 
-<file path=ppt/slides/slide13.xml><?xml version="1.0" encoding="utf-8"?>
+<file path=ppt/slides/slide15.xml><?xml version="1.0" encoding="utf-8"?>
 <p:sld xmlns:a="http://schemas.openxmlformats.org/drawingml/2006/main" xmlns:r="http://schemas.openxmlformats.org/officeDocument/2006/relationships" xmlns:p="http://schemas.openxmlformats.org/presentationml/2006/main">
   <p:cSld>
     <p:spTree>
@@ -9262,10 +10435,10 @@
       </p:grpSpPr>
       <p:sp>
         <p:nvSpPr>
-          <p:cNvPr id="4" name="標題 3">
+          <p:cNvPr id="2" name="標題 1">
             <a:extLst>
               <a:ext uri="{FF2B5EF4-FFF2-40B4-BE49-F238E27FC236}">
-                <a16:creationId xmlns:a16="http://schemas.microsoft.com/office/drawing/2014/main" id="{992F8E74-2C84-4402-A3DE-83D140DA9B3F}"/>
+                <a16:creationId xmlns:a16="http://schemas.microsoft.com/office/drawing/2014/main" id="{6F3D9E3A-AB44-480C-A26D-20F6C83EE281}"/>
               </a:ext>
             </a:extLst>
           </p:cNvPr>
@@ -9282,493 +10455,196 @@
           <a:lstStyle/>
           <a:p>
             <a:r>
+              <a:rPr lang="zh-TW" altLang="en-US" dirty="0"/>
+              <a:t>如何學習</a:t>
+            </a:r>
+            <a:r>
               <a:rPr lang="en-US" altLang="zh-TW" dirty="0"/>
-              <a:t>Linear regression</a:t>
-            </a:r>
+              <a:t>model</a:t>
+            </a:r>
+            <a:r>
+              <a:rPr lang="zh-TW" altLang="en-US" dirty="0"/>
+              <a:t>使用方法</a:t>
+            </a:r>
+          </a:p>
+        </p:txBody>
+      </p:sp>
+      <p:sp>
+        <p:nvSpPr>
+          <p:cNvPr id="3" name="內容版面配置區 2">
+            <a:extLst>
+              <a:ext uri="{FF2B5EF4-FFF2-40B4-BE49-F238E27FC236}">
+                <a16:creationId xmlns:a16="http://schemas.microsoft.com/office/drawing/2014/main" id="{A0168395-3830-41CF-814B-E33EA6635C9C}"/>
+              </a:ext>
+            </a:extLst>
+          </p:cNvPr>
+          <p:cNvSpPr>
+            <a:spLocks noGrp="1"/>
+          </p:cNvSpPr>
+          <p:nvPr>
+            <p:ph idx="1"/>
+          </p:nvPr>
+        </p:nvSpPr>
+        <p:spPr/>
+        <p:txBody>
+          <a:bodyPr/>
+          <a:lstStyle/>
+          <a:p>
+            <a:r>
+              <a:rPr lang="zh-TW" altLang="en-US" dirty="0"/>
+              <a:t>重點</a:t>
+            </a:r>
+            <a:endParaRPr lang="en-US" altLang="zh-TW" dirty="0"/>
+          </a:p>
+          <a:p>
+            <a:pPr marL="914400" lvl="1" indent="-457200">
+              <a:buFont typeface="+mj-lt"/>
+              <a:buAutoNum type="arabicPeriod"/>
+            </a:pPr>
+            <a:r>
+              <a:rPr lang="en-US" altLang="zh-TW" dirty="0"/>
+              <a:t>Model</a:t>
+            </a:r>
+            <a:r>
+              <a:rPr lang="zh-TW" altLang="en-US" dirty="0"/>
+              <a:t>是針對哪種任務 </a:t>
+            </a:r>
+            <a:r>
+              <a:rPr lang="en-US" altLang="zh-TW" dirty="0"/>
+              <a:t>(</a:t>
+            </a:r>
+            <a:r>
+              <a:rPr lang="zh-TW" altLang="en-US" dirty="0"/>
+              <a:t>回歸</a:t>
+            </a:r>
+            <a:r>
+              <a:rPr lang="en-US" altLang="zh-TW" dirty="0"/>
+              <a:t>? </a:t>
+            </a:r>
+            <a:r>
+              <a:rPr lang="zh-TW" altLang="en-US" dirty="0"/>
+              <a:t>二元分類</a:t>
+            </a:r>
+            <a:r>
+              <a:rPr lang="en-US" altLang="zh-TW" dirty="0"/>
+              <a:t>?</a:t>
+            </a:r>
+            <a:r>
+              <a:rPr lang="zh-TW" altLang="en-US" dirty="0"/>
+              <a:t> 多元分類</a:t>
+            </a:r>
+            <a:r>
+              <a:rPr lang="en-US" altLang="zh-TW" dirty="0"/>
+              <a:t>?</a:t>
+            </a:r>
+            <a:r>
+              <a:rPr lang="zh-TW" altLang="en-US" dirty="0"/>
+              <a:t> </a:t>
+            </a:r>
+            <a:r>
+              <a:rPr lang="en-US" altLang="zh-TW" dirty="0"/>
+              <a:t>…)</a:t>
+            </a:r>
+          </a:p>
+          <a:p>
+            <a:pPr marL="914400" lvl="1" indent="-457200">
+              <a:buFont typeface="+mj-lt"/>
+              <a:buAutoNum type="arabicPeriod"/>
+            </a:pPr>
+            <a:r>
+              <a:rPr lang="en-US" altLang="zh-TW" dirty="0"/>
+              <a:t>Model</a:t>
+            </a:r>
+            <a:r>
+              <a:rPr lang="zh-TW" altLang="en-US" dirty="0"/>
+              <a:t>對</a:t>
+            </a:r>
+            <a:r>
+              <a:rPr lang="en-US" altLang="zh-TW" dirty="0"/>
+              <a:t>feature</a:t>
+            </a:r>
+            <a:r>
+              <a:rPr lang="zh-TW" altLang="en-US" dirty="0"/>
+              <a:t>的要求 </a:t>
+            </a:r>
+            <a:r>
+              <a:rPr lang="en-US" altLang="zh-TW" dirty="0"/>
+              <a:t>(</a:t>
+            </a:r>
+            <a:r>
+              <a:rPr lang="zh-TW" altLang="en-US" dirty="0"/>
+              <a:t>是不是量化特徵</a:t>
+            </a:r>
+            <a:r>
+              <a:rPr lang="en-US" altLang="zh-TW" dirty="0"/>
+              <a:t>?</a:t>
+            </a:r>
+            <a:r>
+              <a:rPr lang="zh-TW" altLang="en-US" dirty="0"/>
+              <a:t> 是不是離散資料</a:t>
+            </a:r>
+            <a:r>
+              <a:rPr lang="en-US" altLang="zh-TW" dirty="0"/>
+              <a:t>?</a:t>
+            </a:r>
+            <a:r>
+              <a:rPr lang="zh-TW" altLang="en-US" dirty="0"/>
+              <a:t> </a:t>
+            </a:r>
+            <a:r>
+              <a:rPr lang="en-US" altLang="zh-TW" dirty="0"/>
+              <a:t>…)</a:t>
+            </a:r>
+          </a:p>
+          <a:p>
+            <a:pPr marL="914400" lvl="1" indent="-457200">
+              <a:buFont typeface="+mj-lt"/>
+              <a:buAutoNum type="arabicPeriod"/>
+            </a:pPr>
+            <a:r>
+              <a:rPr lang="en-US" altLang="zh-TW" dirty="0"/>
+              <a:t>Model</a:t>
+            </a:r>
+            <a:r>
+              <a:rPr lang="zh-TW" altLang="en-US" dirty="0"/>
+              <a:t>建立的數學公式與背後的假設 </a:t>
+            </a:r>
+            <a:endParaRPr lang="en-US" altLang="zh-TW" dirty="0"/>
+          </a:p>
+          <a:p>
+            <a:pPr marL="914400" lvl="1" indent="-457200">
+              <a:buFont typeface="+mj-lt"/>
+              <a:buAutoNum type="arabicPeriod"/>
+            </a:pPr>
+            <a:endParaRPr lang="en-US" altLang="zh-TW" dirty="0"/>
+          </a:p>
+          <a:p>
+            <a:r>
+              <a:rPr lang="zh-TW" altLang="en-US" dirty="0"/>
+              <a:t>可以忽略</a:t>
+            </a:r>
+            <a:endParaRPr lang="en-US" altLang="zh-TW" dirty="0"/>
+          </a:p>
+          <a:p>
+            <a:pPr marL="914400" lvl="1" indent="-457200">
+              <a:buFont typeface="+mj-lt"/>
+              <a:buAutoNum type="arabicPeriod"/>
+            </a:pPr>
+            <a:r>
+              <a:rPr lang="zh-TW" altLang="en-US" dirty="0"/>
+              <a:t>訓練演算法的過程</a:t>
+            </a:r>
+            <a:endParaRPr lang="en-US" altLang="zh-TW" dirty="0"/>
+          </a:p>
+          <a:p>
             <a:endParaRPr lang="zh-TW" altLang="en-US" dirty="0"/>
           </a:p>
         </p:txBody>
       </p:sp>
-      <mc:AlternateContent xmlns:mc="http://schemas.openxmlformats.org/markup-compatibility/2006" xmlns:a14="http://schemas.microsoft.com/office/drawing/2010/main">
-        <mc:Choice Requires="a14">
-          <p:sp>
-            <p:nvSpPr>
-              <p:cNvPr id="5" name="內容版面配置區 4">
-                <a:extLst>
-                  <a:ext uri="{FF2B5EF4-FFF2-40B4-BE49-F238E27FC236}">
-                    <a16:creationId xmlns:a16="http://schemas.microsoft.com/office/drawing/2014/main" id="{CD4F6108-B0D4-48B5-AF50-D92C8FF9D70D}"/>
-                  </a:ext>
-                </a:extLst>
-              </p:cNvPr>
-              <p:cNvSpPr>
-                <a:spLocks noGrp="1"/>
-              </p:cNvSpPr>
-              <p:nvPr>
-                <p:ph idx="1"/>
-              </p:nvPr>
-            </p:nvSpPr>
-            <p:spPr/>
-            <p:txBody>
-              <a:bodyPr/>
-              <a:lstStyle/>
-              <a:p>
-                <a:pPr marL="457200" indent="-457200">
-                  <a:buFont typeface="+mj-lt"/>
-                  <a:buAutoNum type="arabicPeriod"/>
-                </a:pPr>
-                <a:r>
-                  <a:rPr lang="en-US" altLang="zh-TW" dirty="0"/>
-                  <a:t>Input : </a:t>
-                </a:r>
-                <a14:m>
-                  <m:oMath xmlns:m="http://schemas.openxmlformats.org/officeDocument/2006/math">
-                    <m:r>
-                      <a:rPr lang="en-US" altLang="zh-TW" b="0" i="1" smtClean="0">
-                        <a:latin typeface="Cambria Math" panose="02040503050406030204" pitchFamily="18" charset="0"/>
-                      </a:rPr>
-                      <m:t>𝑋</m:t>
-                    </m:r>
-                    <m:r>
-                      <a:rPr lang="en-US" altLang="zh-TW" b="0" i="1" smtClean="0">
-                        <a:latin typeface="Cambria Math" panose="02040503050406030204" pitchFamily="18" charset="0"/>
-                      </a:rPr>
-                      <m:t>=[</m:t>
-                    </m:r>
-                    <m:sSub>
-                      <m:sSubPr>
-                        <m:ctrlPr>
-                          <a:rPr lang="en-US" altLang="zh-TW" b="0" i="1" smtClean="0">
-                            <a:latin typeface="Cambria Math" panose="02040503050406030204" pitchFamily="18" charset="0"/>
-                          </a:rPr>
-                        </m:ctrlPr>
-                      </m:sSubPr>
-                      <m:e>
-                        <m:r>
-                          <a:rPr lang="en-US" altLang="zh-TW" b="0" i="1" smtClean="0">
-                            <a:latin typeface="Cambria Math" panose="02040503050406030204" pitchFamily="18" charset="0"/>
-                          </a:rPr>
-                          <m:t>𝑥</m:t>
-                        </m:r>
-                      </m:e>
-                      <m:sub>
-                        <m:r>
-                          <a:rPr lang="en-US" altLang="zh-TW" b="0" i="1" smtClean="0">
-                            <a:latin typeface="Cambria Math" panose="02040503050406030204" pitchFamily="18" charset="0"/>
-                          </a:rPr>
-                          <m:t>1</m:t>
-                        </m:r>
-                      </m:sub>
-                    </m:sSub>
-                    <m:r>
-                      <a:rPr lang="en-US" altLang="zh-TW" b="0" i="1" smtClean="0">
-                        <a:latin typeface="Cambria Math" panose="02040503050406030204" pitchFamily="18" charset="0"/>
-                      </a:rPr>
-                      <m:t>, ⋯,</m:t>
-                    </m:r>
-                    <m:sSub>
-                      <m:sSubPr>
-                        <m:ctrlPr>
-                          <a:rPr lang="en-US" altLang="zh-TW" b="0" i="1" smtClean="0">
-                            <a:latin typeface="Cambria Math" panose="02040503050406030204" pitchFamily="18" charset="0"/>
-                          </a:rPr>
-                        </m:ctrlPr>
-                      </m:sSubPr>
-                      <m:e>
-                        <m:r>
-                          <a:rPr lang="en-US" altLang="zh-TW" b="0" i="1" smtClean="0">
-                            <a:latin typeface="Cambria Math" panose="02040503050406030204" pitchFamily="18" charset="0"/>
-                          </a:rPr>
-                          <m:t>𝑥</m:t>
-                        </m:r>
-                      </m:e>
-                      <m:sub>
-                        <m:r>
-                          <a:rPr lang="en-US" altLang="zh-TW" b="0" i="1" smtClean="0">
-                            <a:latin typeface="Cambria Math" panose="02040503050406030204" pitchFamily="18" charset="0"/>
-                          </a:rPr>
-                          <m:t>𝑛</m:t>
-                        </m:r>
-                      </m:sub>
-                    </m:sSub>
-                    <m:r>
-                      <a:rPr lang="en-US" altLang="zh-TW" b="0" i="1" smtClean="0">
-                        <a:latin typeface="Cambria Math" panose="02040503050406030204" pitchFamily="18" charset="0"/>
-                      </a:rPr>
-                      <m:t>]</m:t>
-                    </m:r>
-                  </m:oMath>
-                </a14:m>
-                <a:r>
-                  <a:rPr lang="en-US" altLang="zh-TW" b="0" dirty="0"/>
-                  <a:t>   </a:t>
-                </a:r>
-                <a14:m>
-                  <m:oMath xmlns:m="http://schemas.openxmlformats.org/officeDocument/2006/math">
-                    <m:d>
-                      <m:dPr>
-                        <m:ctrlPr>
-                          <a:rPr lang="en-US" altLang="zh-TW" i="1" dirty="0" smtClean="0">
-                            <a:latin typeface="Cambria Math" panose="02040503050406030204" pitchFamily="18" charset="0"/>
-                          </a:rPr>
-                        </m:ctrlPr>
-                      </m:dPr>
-                      <m:e>
-                        <m:r>
-                          <a:rPr lang="en-US" altLang="zh-TW" i="1" dirty="0" smtClean="0">
-                            <a:latin typeface="Cambria Math" panose="02040503050406030204" pitchFamily="18" charset="0"/>
-                          </a:rPr>
-                          <m:t>∈</m:t>
-                        </m:r>
-                        <m:sSup>
-                          <m:sSupPr>
-                            <m:ctrlPr>
-                              <a:rPr lang="en-US" altLang="zh-TW" b="0" i="1" dirty="0" smtClean="0">
-                                <a:latin typeface="Cambria Math" panose="02040503050406030204" pitchFamily="18" charset="0"/>
-                              </a:rPr>
-                            </m:ctrlPr>
-                          </m:sSupPr>
-                          <m:e>
-                            <m:r>
-                              <a:rPr lang="en-US" altLang="zh-TW" b="0" i="1" dirty="0" smtClean="0">
-                                <a:latin typeface="Cambria Math" panose="02040503050406030204" pitchFamily="18" charset="0"/>
-                              </a:rPr>
-                              <m:t>ℝ</m:t>
-                            </m:r>
-                          </m:e>
-                          <m:sup>
-                            <m:r>
-                              <a:rPr lang="en-US" altLang="zh-TW" b="0" i="1" dirty="0" smtClean="0">
-                                <a:latin typeface="Cambria Math" panose="02040503050406030204" pitchFamily="18" charset="0"/>
-                              </a:rPr>
-                              <m:t>𝑛</m:t>
-                            </m:r>
-                          </m:sup>
-                        </m:sSup>
-                      </m:e>
-                    </m:d>
-                  </m:oMath>
-                </a14:m>
-                <a:endParaRPr lang="en-US" altLang="zh-TW" b="0" dirty="0"/>
-              </a:p>
-              <a:p>
-                <a:pPr lvl="1"/>
-                <a:r>
-                  <a:rPr lang="en-US" altLang="zh-TW" b="0" dirty="0"/>
-                  <a:t>Every </a:t>
-                </a:r>
-                <a14:m>
-                  <m:oMath xmlns:m="http://schemas.openxmlformats.org/officeDocument/2006/math">
-                    <m:sSub>
-                      <m:sSubPr>
-                        <m:ctrlPr>
-                          <a:rPr lang="en-US" altLang="zh-TW" b="0" i="1" smtClean="0">
-                            <a:latin typeface="Cambria Math" panose="02040503050406030204" pitchFamily="18" charset="0"/>
-                          </a:rPr>
-                        </m:ctrlPr>
-                      </m:sSubPr>
-                      <m:e>
-                        <m:r>
-                          <a:rPr lang="en-US" altLang="zh-TW" b="0" i="1" smtClean="0">
-                            <a:latin typeface="Cambria Math" panose="02040503050406030204" pitchFamily="18" charset="0"/>
-                          </a:rPr>
-                          <m:t>𝑥</m:t>
-                        </m:r>
-                      </m:e>
-                      <m:sub>
-                        <m:r>
-                          <a:rPr lang="en-US" altLang="zh-TW" b="0" i="1" smtClean="0">
-                            <a:latin typeface="Cambria Math" panose="02040503050406030204" pitchFamily="18" charset="0"/>
-                          </a:rPr>
-                          <m:t>𝑘</m:t>
-                        </m:r>
-                      </m:sub>
-                    </m:sSub>
-                    <m:r>
-                      <a:rPr lang="en-US" altLang="zh-TW" b="0" i="0" smtClean="0">
-                        <a:latin typeface="Cambria Math" panose="02040503050406030204" pitchFamily="18" charset="0"/>
-                      </a:rPr>
-                      <m:t> </m:t>
-                    </m:r>
-                  </m:oMath>
-                </a14:m>
-                <a:r>
-                  <a:rPr lang="en-US" altLang="zh-TW" dirty="0"/>
-                  <a:t>is a quantitative variable</a:t>
-                </a:r>
-                <a:endParaRPr lang="en-US" altLang="zh-TW" b="0" dirty="0"/>
-              </a:p>
-              <a:p>
-                <a:pPr marL="457200" indent="-457200">
-                  <a:lnSpc>
-                    <a:spcPct val="150000"/>
-                  </a:lnSpc>
-                  <a:buFont typeface="+mj-lt"/>
-                  <a:buAutoNum type="arabicPeriod"/>
-                </a:pPr>
-                <a:r>
-                  <a:rPr lang="en-US" altLang="zh-TW" dirty="0"/>
-                  <a:t>Output : </a:t>
-                </a:r>
-                <a14:m>
-                  <m:oMath xmlns:m="http://schemas.openxmlformats.org/officeDocument/2006/math">
-                    <m:acc>
-                      <m:accPr>
-                        <m:chr m:val="̂"/>
-                        <m:ctrlPr>
-                          <a:rPr lang="en-US" altLang="zh-TW" b="0" i="1" smtClean="0">
-                            <a:latin typeface="Cambria Math" panose="02040503050406030204" pitchFamily="18" charset="0"/>
-                          </a:rPr>
-                        </m:ctrlPr>
-                      </m:accPr>
-                      <m:e>
-                        <m:r>
-                          <m:rPr>
-                            <m:sty m:val="p"/>
-                          </m:rPr>
-                          <a:rPr lang="en-US" altLang="zh-TW">
-                            <a:latin typeface="Cambria Math" panose="02040503050406030204" pitchFamily="18" charset="0"/>
-                          </a:rPr>
-                          <m:t>Y</m:t>
-                        </m:r>
-                      </m:e>
-                    </m:acc>
-                    <m:r>
-                      <a:rPr lang="en-US" altLang="zh-TW" b="0" i="1" smtClean="0">
-                        <a:latin typeface="Cambria Math" panose="02040503050406030204" pitchFamily="18" charset="0"/>
-                      </a:rPr>
-                      <m:t> ∈</m:t>
-                    </m:r>
-                    <m:r>
-                      <a:rPr lang="en-US" altLang="zh-TW" b="0" i="1" smtClean="0">
-                        <a:latin typeface="Cambria Math" panose="02040503050406030204" pitchFamily="18" charset="0"/>
-                      </a:rPr>
-                      <m:t>ℝ</m:t>
-                    </m:r>
-                  </m:oMath>
-                </a14:m>
-                <a:endParaRPr lang="en-US" altLang="zh-TW" dirty="0"/>
-              </a:p>
-              <a:p>
-                <a:pPr marL="457200" indent="-457200">
-                  <a:lnSpc>
-                    <a:spcPct val="150000"/>
-                  </a:lnSpc>
-                  <a:buFont typeface="+mj-lt"/>
-                  <a:buAutoNum type="arabicPeriod"/>
-                </a:pPr>
-                <a:r>
-                  <a:rPr lang="en-US" altLang="zh-TW" dirty="0"/>
-                  <a:t>Parameters : </a:t>
-                </a:r>
-                <a14:m>
-                  <m:oMath xmlns:m="http://schemas.openxmlformats.org/officeDocument/2006/math">
-                    <m:r>
-                      <a:rPr lang="en-US" altLang="zh-TW" b="0" i="1" smtClean="0">
-                        <a:latin typeface="Cambria Math" panose="02040503050406030204" pitchFamily="18" charset="0"/>
-                      </a:rPr>
-                      <m:t>𝑊</m:t>
-                    </m:r>
-                    <m:r>
-                      <a:rPr lang="en-US" altLang="zh-TW" b="0" i="1" smtClean="0">
-                        <a:latin typeface="Cambria Math" panose="02040503050406030204" pitchFamily="18" charset="0"/>
-                      </a:rPr>
-                      <m:t>=[</m:t>
-                    </m:r>
-                    <m:sSub>
-                      <m:sSubPr>
-                        <m:ctrlPr>
-                          <a:rPr lang="en-US" altLang="zh-TW" b="0" i="1" smtClean="0">
-                            <a:latin typeface="Cambria Math" panose="02040503050406030204" pitchFamily="18" charset="0"/>
-                          </a:rPr>
-                        </m:ctrlPr>
-                      </m:sSubPr>
-                      <m:e>
-                        <m:r>
-                          <a:rPr lang="en-US" altLang="zh-TW" b="0" i="1" smtClean="0">
-                            <a:latin typeface="Cambria Math" panose="02040503050406030204" pitchFamily="18" charset="0"/>
-                          </a:rPr>
-                          <m:t>𝑤</m:t>
-                        </m:r>
-                      </m:e>
-                      <m:sub>
-                        <m:r>
-                          <a:rPr lang="en-US" altLang="zh-TW" b="0" i="1" smtClean="0">
-                            <a:latin typeface="Cambria Math" panose="02040503050406030204" pitchFamily="18" charset="0"/>
-                          </a:rPr>
-                          <m:t>0</m:t>
-                        </m:r>
-                      </m:sub>
-                    </m:sSub>
-                    <m:r>
-                      <a:rPr lang="en-US" altLang="zh-TW" b="0" i="1" smtClean="0">
-                        <a:latin typeface="Cambria Math" panose="02040503050406030204" pitchFamily="18" charset="0"/>
-                      </a:rPr>
-                      <m:t>,</m:t>
-                    </m:r>
-                    <m:sSub>
-                      <m:sSubPr>
-                        <m:ctrlPr>
-                          <a:rPr lang="en-US" altLang="zh-TW" b="0" i="1" smtClean="0">
-                            <a:latin typeface="Cambria Math" panose="02040503050406030204" pitchFamily="18" charset="0"/>
-                          </a:rPr>
-                        </m:ctrlPr>
-                      </m:sSubPr>
-                      <m:e>
-                        <m:r>
-                          <a:rPr lang="en-US" altLang="zh-TW" b="0" i="1" smtClean="0">
-                            <a:latin typeface="Cambria Math" panose="02040503050406030204" pitchFamily="18" charset="0"/>
-                          </a:rPr>
-                          <m:t>𝑤</m:t>
-                        </m:r>
-                      </m:e>
-                      <m:sub>
-                        <m:r>
-                          <a:rPr lang="en-US" altLang="zh-TW" b="0" i="1" smtClean="0">
-                            <a:latin typeface="Cambria Math" panose="02040503050406030204" pitchFamily="18" charset="0"/>
-                          </a:rPr>
-                          <m:t>1</m:t>
-                        </m:r>
-                      </m:sub>
-                    </m:sSub>
-                    <m:r>
-                      <a:rPr lang="en-US" altLang="zh-TW" b="0" i="1" smtClean="0">
-                        <a:latin typeface="Cambria Math" panose="02040503050406030204" pitchFamily="18" charset="0"/>
-                      </a:rPr>
-                      <m:t>,⋯,</m:t>
-                    </m:r>
-                    <m:sSub>
-                      <m:sSubPr>
-                        <m:ctrlPr>
-                          <a:rPr lang="en-US" altLang="zh-TW" b="0" i="1" smtClean="0">
-                            <a:latin typeface="Cambria Math" panose="02040503050406030204" pitchFamily="18" charset="0"/>
-                          </a:rPr>
-                        </m:ctrlPr>
-                      </m:sSubPr>
-                      <m:e>
-                        <m:r>
-                          <a:rPr lang="en-US" altLang="zh-TW" b="0" i="1" smtClean="0">
-                            <a:latin typeface="Cambria Math" panose="02040503050406030204" pitchFamily="18" charset="0"/>
-                          </a:rPr>
-                          <m:t>𝑤</m:t>
-                        </m:r>
-                      </m:e>
-                      <m:sub>
-                        <m:r>
-                          <a:rPr lang="en-US" altLang="zh-TW" b="0" i="1" smtClean="0">
-                            <a:latin typeface="Cambria Math" panose="02040503050406030204" pitchFamily="18" charset="0"/>
-                          </a:rPr>
-                          <m:t>𝑛</m:t>
-                        </m:r>
-                      </m:sub>
-                    </m:sSub>
-                    <m:r>
-                      <a:rPr lang="en-US" altLang="zh-TW" b="0" i="1" smtClean="0">
-                        <a:latin typeface="Cambria Math" panose="02040503050406030204" pitchFamily="18" charset="0"/>
-                      </a:rPr>
-                      <m:t>]</m:t>
-                    </m:r>
-                  </m:oMath>
-                </a14:m>
-                <a:r>
-                  <a:rPr lang="zh-TW" altLang="en-US" dirty="0"/>
-                  <a:t> </a:t>
-                </a:r>
-                <a14:m>
-                  <m:oMath xmlns:m="http://schemas.openxmlformats.org/officeDocument/2006/math">
-                    <m:r>
-                      <a:rPr lang="en-US" altLang="zh-TW" i="1" dirty="0">
-                        <a:latin typeface="Cambria Math" panose="02040503050406030204" pitchFamily="18" charset="0"/>
-                      </a:rPr>
-                      <m:t>(∈</m:t>
-                    </m:r>
-                    <m:sSup>
-                      <m:sSupPr>
-                        <m:ctrlPr>
-                          <a:rPr lang="en-US" altLang="zh-TW" i="1" dirty="0">
-                            <a:latin typeface="Cambria Math" panose="02040503050406030204" pitchFamily="18" charset="0"/>
-                          </a:rPr>
-                        </m:ctrlPr>
-                      </m:sSupPr>
-                      <m:e>
-                        <m:r>
-                          <a:rPr lang="en-US" altLang="zh-TW" i="1" dirty="0">
-                            <a:latin typeface="Cambria Math" panose="02040503050406030204" pitchFamily="18" charset="0"/>
-                          </a:rPr>
-                          <m:t>ℝ</m:t>
-                        </m:r>
-                      </m:e>
-                      <m:sup>
-                        <m:r>
-                          <a:rPr lang="en-US" altLang="zh-TW" i="1" dirty="0">
-                            <a:latin typeface="Cambria Math" panose="02040503050406030204" pitchFamily="18" charset="0"/>
-                          </a:rPr>
-                          <m:t>𝑛</m:t>
-                        </m:r>
-                        <m:r>
-                          <a:rPr lang="en-US" altLang="zh-TW" b="0" i="1" dirty="0" smtClean="0">
-                            <a:latin typeface="Cambria Math" panose="02040503050406030204" pitchFamily="18" charset="0"/>
-                          </a:rPr>
-                          <m:t>+1</m:t>
-                        </m:r>
-                      </m:sup>
-                    </m:sSup>
-                    <m:r>
-                      <a:rPr lang="en-US" altLang="zh-TW" i="1" dirty="0">
-                        <a:latin typeface="Cambria Math" panose="02040503050406030204" pitchFamily="18" charset="0"/>
-                      </a:rPr>
-                      <m:t>)</m:t>
-                    </m:r>
-                  </m:oMath>
-                </a14:m>
-                <a:endParaRPr lang="en-US" altLang="zh-TW" dirty="0"/>
-              </a:p>
-            </p:txBody>
-          </p:sp>
-        </mc:Choice>
-        <mc:Fallback xmlns="">
-          <p:sp>
-            <p:nvSpPr>
-              <p:cNvPr id="5" name="內容版面配置區 4">
-                <a:extLst>
-                  <a:ext uri="{FF2B5EF4-FFF2-40B4-BE49-F238E27FC236}">
-                    <a16:creationId xmlns:a16="http://schemas.microsoft.com/office/drawing/2014/main" id="{CD4F6108-B0D4-48B5-AF50-D92C8FF9D70D}"/>
-                  </a:ext>
-                </a:extLst>
-              </p:cNvPr>
-              <p:cNvSpPr>
-                <a:spLocks noGrp="1" noRot="1" noChangeAspect="1" noMove="1" noResize="1" noEditPoints="1" noAdjustHandles="1" noChangeArrowheads="1" noChangeShapeType="1" noTextEdit="1"/>
-              </p:cNvSpPr>
-              <p:nvPr>
-                <p:ph idx="1"/>
-              </p:nvPr>
-            </p:nvSpPr>
-            <p:spPr>
-              <a:blipFill>
-                <a:blip r:embed="rId2"/>
-                <a:stretch>
-                  <a:fillRect l="-1144" t="-2385"/>
-                </a:stretch>
-              </a:blipFill>
-            </p:spPr>
-            <p:txBody>
-              <a:bodyPr/>
-              <a:lstStyle/>
-              <a:p>
-                <a:r>
-                  <a:rPr lang="zh-TW" altLang="en-US">
-                    <a:noFill/>
-                  </a:rPr>
-                  <a:t> </a:t>
-                </a:r>
-              </a:p>
-            </p:txBody>
-          </p:sp>
-        </mc:Fallback>
-      </mc:AlternateContent>
     </p:spTree>
     <p:extLst>
       <p:ext uri="{BB962C8B-B14F-4D97-AF65-F5344CB8AC3E}">
-        <p14:creationId xmlns:p14="http://schemas.microsoft.com/office/powerpoint/2010/main" val="1386952173"/>
+        <p14:creationId xmlns:p14="http://schemas.microsoft.com/office/powerpoint/2010/main" val="4173838846"/>
       </p:ext>
     </p:extLst>
   </p:cSld>
@@ -9824,8 +10700,8 @@
           </a:p>
         </p:txBody>
       </p:sp>
-      <mc:AlternateContent xmlns:mc="http://schemas.openxmlformats.org/markup-compatibility/2006" xmlns:a14="http://schemas.microsoft.com/office/drawing/2010/main">
-        <mc:Choice Requires="a14">
+      <mc:AlternateContent xmlns:mc="http://schemas.openxmlformats.org/markup-compatibility/2006">
+        <mc:Choice xmlns:a14="http://schemas.microsoft.com/office/drawing/2010/main" Requires="a14">
           <p:sp>
             <p:nvSpPr>
               <p:cNvPr id="5" name="內容版面配置區 4">
@@ -9844,75 +10720,20 @@
             </p:nvSpPr>
             <p:spPr/>
             <p:txBody>
-              <a:bodyPr>
-                <a:normAutofit lnSpcReduction="10000"/>
-              </a:bodyPr>
+              <a:bodyPr/>
               <a:lstStyle/>
               <a:p>
-                <a:pPr marL="457200" indent="-457200">
-                  <a:buFont typeface="+mj-lt"/>
-                  <a:buAutoNum type="arabicPeriod" startAt="4"/>
-                </a:pPr>
                 <a:r>
-                  <a:rPr lang="en-US" altLang="zh-TW" dirty="0"/>
-                  <a:t>Formula : </a:t>
+                  <a:rPr lang="zh-TW" altLang="en-US" dirty="0"/>
+                  <a:t>學期成績計算公式 </a:t>
                 </a:r>
                 <a14:m>
                   <m:oMath xmlns:m="http://schemas.openxmlformats.org/officeDocument/2006/math">
-                    <m:acc>
-                      <m:accPr>
-                        <m:chr m:val="̂"/>
-                        <m:ctrlPr>
-                          <a:rPr lang="en-US" altLang="zh-TW" b="0" i="1" dirty="0" smtClean="0">
-                            <a:latin typeface="Cambria Math" panose="02040503050406030204" pitchFamily="18" charset="0"/>
-                          </a:rPr>
-                        </m:ctrlPr>
-                      </m:accPr>
-                      <m:e>
-                        <m:r>
-                          <a:rPr lang="en-US" altLang="zh-TW" b="0" i="1" dirty="0" smtClean="0">
-                            <a:latin typeface="Cambria Math" panose="02040503050406030204" pitchFamily="18" charset="0"/>
-                          </a:rPr>
-                          <m:t>𝑌</m:t>
-                        </m:r>
-                      </m:e>
-                    </m:acc>
                     <m:r>
-                      <a:rPr lang="en-US" altLang="zh-TW" b="0" i="1" smtClean="0">
+                      <a:rPr lang="en-US" altLang="zh-TW" b="0" i="0" smtClean="0">
                         <a:latin typeface="Cambria Math" panose="02040503050406030204" pitchFamily="18" charset="0"/>
                       </a:rPr>
-                      <m:t>=</m:t>
-                    </m:r>
-                    <m:sSub>
-                      <m:sSubPr>
-                        <m:ctrlPr>
-                          <a:rPr lang="en-US" altLang="zh-TW" b="0" i="1" smtClean="0">
-                            <a:latin typeface="Cambria Math" panose="02040503050406030204" pitchFamily="18" charset="0"/>
-                          </a:rPr>
-                        </m:ctrlPr>
-                      </m:sSubPr>
-                      <m:e>
-                        <m:r>
-                          <a:rPr lang="en-US" altLang="zh-TW" b="0" i="1" smtClean="0">
-                            <a:latin typeface="Cambria Math" panose="02040503050406030204" pitchFamily="18" charset="0"/>
-                          </a:rPr>
-                          <m:t>𝑤</m:t>
-                        </m:r>
-                      </m:e>
-                      <m:sub>
-                        <m:r>
-                          <a:rPr lang="en-US" altLang="zh-TW" b="0" i="1" smtClean="0">
-                            <a:latin typeface="Cambria Math" panose="02040503050406030204" pitchFamily="18" charset="0"/>
-                          </a:rPr>
-                          <m:t>0</m:t>
-                        </m:r>
-                      </m:sub>
-                    </m:sSub>
-                    <m:r>
-                      <a:rPr lang="en-US" altLang="zh-TW" b="0" i="1" smtClean="0">
-                        <a:latin typeface="Cambria Math" panose="02040503050406030204" pitchFamily="18" charset="0"/>
-                      </a:rPr>
-                      <m:t>+</m:t>
+                      <m:t>= </m:t>
                     </m:r>
                     <m:sSub>
                       <m:sSubPr>
@@ -9991,7 +10812,7 @@
                           <a:rPr lang="en-US" altLang="zh-TW" b="0" i="1" smtClean="0">
                             <a:latin typeface="Cambria Math" panose="02040503050406030204" pitchFamily="18" charset="0"/>
                           </a:rPr>
-                          <m:t>𝑛</m:t>
+                          <m:t>5</m:t>
                         </m:r>
                       </m:sub>
                     </m:sSub>
@@ -10016,7 +10837,7 @@
                           <a:rPr lang="en-US" altLang="zh-TW" b="0" i="1" smtClean="0">
                             <a:latin typeface="Cambria Math" panose="02040503050406030204" pitchFamily="18" charset="0"/>
                           </a:rPr>
-                          <m:t>𝑛</m:t>
+                          <m:t>5</m:t>
                         </m:r>
                       </m:sub>
                     </m:sSub>
@@ -10025,113 +10846,17 @@
                 <a:endParaRPr lang="en-US" altLang="zh-TW" dirty="0"/>
               </a:p>
               <a:p>
-                <a:pPr marL="457200" indent="-457200">
-                  <a:lnSpc>
-                    <a:spcPct val="150000"/>
-                  </a:lnSpc>
+                <a:pPr marL="914400" lvl="1" indent="-457200">
                   <a:buFont typeface="+mj-lt"/>
-                  <a:buAutoNum type="arabicPeriod" startAt="4"/>
+                  <a:buAutoNum type="arabicPeriod"/>
                 </a:pPr>
                 <a:r>
                   <a:rPr lang="en-US" altLang="zh-TW" dirty="0"/>
-                  <a:t>Loss(Error) function: </a:t>
-                </a:r>
-                <a14:m>
-                  <m:oMath xmlns:m="http://schemas.openxmlformats.org/officeDocument/2006/math">
-                    <m:r>
-                      <m:rPr>
-                        <m:sty m:val="p"/>
-                      </m:rPr>
-                      <a:rPr lang="en-US" altLang="zh-TW" b="0" i="0" smtClean="0">
-                        <a:latin typeface="Cambria Math" panose="02040503050406030204" pitchFamily="18" charset="0"/>
-                      </a:rPr>
-                      <m:t>L</m:t>
-                    </m:r>
-                    <m:r>
-                      <a:rPr lang="en-US" altLang="zh-TW" b="0" i="1" smtClean="0">
-                        <a:latin typeface="Cambria Math" panose="02040503050406030204" pitchFamily="18" charset="0"/>
-                      </a:rPr>
-                      <m:t>=</m:t>
-                    </m:r>
-                    <m:sSup>
-                      <m:sSupPr>
-                        <m:ctrlPr>
-                          <a:rPr lang="en-US" altLang="zh-TW" b="0" i="1" smtClean="0">
-                            <a:latin typeface="Cambria Math" panose="02040503050406030204" pitchFamily="18" charset="0"/>
-                          </a:rPr>
-                        </m:ctrlPr>
-                      </m:sSupPr>
-                      <m:e>
-                        <m:d>
-                          <m:dPr>
-                            <m:ctrlPr>
-                              <a:rPr lang="en-US" altLang="zh-TW" b="0" i="1" smtClean="0">
-                                <a:latin typeface="Cambria Math" panose="02040503050406030204" pitchFamily="18" charset="0"/>
-                              </a:rPr>
-                            </m:ctrlPr>
-                          </m:dPr>
-                          <m:e>
-                            <m:r>
-                              <a:rPr lang="en-US" altLang="zh-TW" b="0" i="1" smtClean="0">
-                                <a:latin typeface="Cambria Math" panose="02040503050406030204" pitchFamily="18" charset="0"/>
-                              </a:rPr>
-                              <m:t>𝑌</m:t>
-                            </m:r>
-                            <m:r>
-                              <a:rPr lang="en-US" altLang="zh-TW" b="0" i="1" smtClean="0">
-                                <a:latin typeface="Cambria Math" panose="02040503050406030204" pitchFamily="18" charset="0"/>
-                              </a:rPr>
-                              <m:t>−</m:t>
-                            </m:r>
-                            <m:acc>
-                              <m:accPr>
-                                <m:chr m:val="̂"/>
-                                <m:ctrlPr>
-                                  <a:rPr lang="en-US" altLang="zh-TW" b="0" i="1" smtClean="0">
-                                    <a:latin typeface="Cambria Math" panose="02040503050406030204" pitchFamily="18" charset="0"/>
-                                  </a:rPr>
-                                </m:ctrlPr>
-                              </m:accPr>
-                              <m:e>
-                                <m:r>
-                                  <a:rPr lang="en-US" altLang="zh-TW" b="0" i="1" smtClean="0">
-                                    <a:latin typeface="Cambria Math" panose="02040503050406030204" pitchFamily="18" charset="0"/>
-                                  </a:rPr>
-                                  <m:t>𝑌</m:t>
-                                </m:r>
-                              </m:e>
-                            </m:acc>
-                          </m:e>
-                        </m:d>
-                      </m:e>
-                      <m:sup>
-                        <m:r>
-                          <a:rPr lang="en-US" altLang="zh-TW" b="0" i="1" smtClean="0">
-                            <a:latin typeface="Cambria Math" panose="02040503050406030204" pitchFamily="18" charset="0"/>
-                          </a:rPr>
-                          <m:t>2</m:t>
-                        </m:r>
-                      </m:sup>
-                    </m:sSup>
-                  </m:oMath>
-                </a14:m>
-                <a:endParaRPr lang="en-US" altLang="zh-TW" dirty="0"/>
-              </a:p>
-              <a:p>
-                <a:pPr marL="457200" indent="-457200">
-                  <a:lnSpc>
-                    <a:spcPct val="150000"/>
-                  </a:lnSpc>
-                  <a:buFont typeface="+mj-lt"/>
-                  <a:buAutoNum type="arabicPeriod" startAt="4"/>
-                </a:pPr>
-                <a:r>
-                  <a:rPr lang="en-US" altLang="zh-TW" dirty="0"/>
-                  <a:t>Optimization :</a:t>
+                  <a:t>3</a:t>
                 </a:r>
                 <a:r>
                   <a:rPr lang="zh-TW" altLang="en-US" dirty="0"/>
-                  <a:t> </a:t>
+                  <a:t>次作業成績</a:t>
                 </a:r>
                 <a14:m>
                   <m:oMath xmlns:m="http://schemas.openxmlformats.org/officeDocument/2006/math">
@@ -10145,13 +10870,10 @@
                       </m:sSubPr>
                       <m:e>
                         <m:r>
-                          <m:rPr>
-                            <m:sty m:val="p"/>
-                          </m:rPr>
-                          <a:rPr lang="en-US" altLang="zh-TW" b="0" i="0" smtClean="0">
-                            <a:latin typeface="Cambria Math" panose="02040503050406030204" pitchFamily="18" charset="0"/>
-                          </a:rPr>
-                          <m:t>argmin</m:t>
+                          <a:rPr lang="en-US" altLang="zh-TW" b="0" i="1" smtClean="0">
+                            <a:latin typeface="Cambria Math" panose="02040503050406030204" pitchFamily="18" charset="0"/>
+                          </a:rPr>
+                          <m:t>𝑥</m:t>
                         </m:r>
                       </m:e>
                       <m:sub>
@@ -10159,155 +10881,231 @@
                           <a:rPr lang="en-US" altLang="zh-TW" b="0" i="1" smtClean="0">
                             <a:latin typeface="Cambria Math" panose="02040503050406030204" pitchFamily="18" charset="0"/>
                           </a:rPr>
-                          <m:t>𝑤</m:t>
+                          <m:t>1</m:t>
                         </m:r>
                       </m:sub>
                     </m:sSub>
-                    <m:f>
-                      <m:fPr>
-                        <m:ctrlPr>
-                          <a:rPr lang="en-US" altLang="zh-TW" b="0" i="1" smtClean="0">
-                            <a:latin typeface="Cambria Math" panose="02040503050406030204" pitchFamily="18" charset="0"/>
-                          </a:rPr>
-                        </m:ctrlPr>
-                      </m:fPr>
-                      <m:num>
-                        <m:r>
-                          <a:rPr lang="en-US" altLang="zh-TW" b="0" i="1" smtClean="0">
-                            <a:latin typeface="Cambria Math" panose="02040503050406030204" pitchFamily="18" charset="0"/>
-                          </a:rPr>
-                          <m:t>1</m:t>
-                        </m:r>
-                      </m:num>
-                      <m:den>
-                        <m:r>
-                          <a:rPr lang="en-US" altLang="zh-TW" b="0" i="1" smtClean="0">
-                            <a:latin typeface="Cambria Math" panose="02040503050406030204" pitchFamily="18" charset="0"/>
-                          </a:rPr>
-                          <m:t>𝑚</m:t>
-                        </m:r>
-                      </m:den>
-                    </m:f>
                     <m:r>
                       <a:rPr lang="en-US" altLang="zh-TW" b="0" i="1" smtClean="0">
                         <a:latin typeface="Cambria Math" panose="02040503050406030204" pitchFamily="18" charset="0"/>
                       </a:rPr>
-                      <m:t> ∑</m:t>
+                      <m:t>,</m:t>
                     </m:r>
-                    <m:sSup>
-                      <m:sSupPr>
+                    <m:sSub>
+                      <m:sSubPr>
                         <m:ctrlPr>
                           <a:rPr lang="en-US" altLang="zh-TW" b="0" i="1" smtClean="0">
                             <a:latin typeface="Cambria Math" panose="02040503050406030204" pitchFamily="18" charset="0"/>
                           </a:rPr>
                         </m:ctrlPr>
-                      </m:sSupPr>
+                      </m:sSubPr>
                       <m:e>
-                        <m:d>
-                          <m:dPr>
-                            <m:ctrlPr>
-                              <a:rPr lang="en-US" altLang="zh-TW" b="0" i="1" smtClean="0">
-                                <a:latin typeface="Cambria Math" panose="02040503050406030204" pitchFamily="18" charset="0"/>
-                              </a:rPr>
-                            </m:ctrlPr>
-                          </m:dPr>
-                          <m:e>
-                            <m:r>
-                              <a:rPr lang="en-US" altLang="zh-TW" b="0" i="1" smtClean="0">
-                                <a:latin typeface="Cambria Math" panose="02040503050406030204" pitchFamily="18" charset="0"/>
-                              </a:rPr>
-                              <m:t>𝑌</m:t>
-                            </m:r>
-                            <m:r>
-                              <a:rPr lang="en-US" altLang="zh-TW" b="0" i="1" smtClean="0">
-                                <a:latin typeface="Cambria Math" panose="02040503050406030204" pitchFamily="18" charset="0"/>
-                              </a:rPr>
-                              <m:t>−</m:t>
-                            </m:r>
-                            <m:acc>
-                              <m:accPr>
-                                <m:chr m:val="̂"/>
-                                <m:ctrlPr>
-                                  <a:rPr lang="en-US" altLang="zh-TW" b="0" i="1" smtClean="0">
-                                    <a:latin typeface="Cambria Math" panose="02040503050406030204" pitchFamily="18" charset="0"/>
-                                  </a:rPr>
-                                </m:ctrlPr>
-                              </m:accPr>
-                              <m:e>
-                                <m:r>
-                                  <a:rPr lang="en-US" altLang="zh-TW" b="0" i="1" smtClean="0">
-                                    <a:latin typeface="Cambria Math" panose="02040503050406030204" pitchFamily="18" charset="0"/>
-                                  </a:rPr>
-                                  <m:t>𝑌</m:t>
-                                </m:r>
-                              </m:e>
-                            </m:acc>
-                          </m:e>
-                        </m:d>
-                      </m:e>
-                      <m:sup>
                         <m:r>
                           <a:rPr lang="en-US" altLang="zh-TW" b="0" i="1" smtClean="0">
                             <a:latin typeface="Cambria Math" panose="02040503050406030204" pitchFamily="18" charset="0"/>
                           </a:rPr>
+                          <m:t>𝑥</m:t>
+                        </m:r>
+                      </m:e>
+                      <m:sub>
+                        <m:r>
+                          <a:rPr lang="en-US" altLang="zh-TW" b="0" i="1" smtClean="0">
+                            <a:latin typeface="Cambria Math" panose="02040503050406030204" pitchFamily="18" charset="0"/>
+                          </a:rPr>
                           <m:t>2</m:t>
                         </m:r>
-                      </m:sup>
-                    </m:sSup>
+                      </m:sub>
+                    </m:sSub>
+                    <m:r>
+                      <a:rPr lang="en-US" altLang="zh-TW" b="0" i="1" smtClean="0">
+                        <a:latin typeface="Cambria Math" panose="02040503050406030204" pitchFamily="18" charset="0"/>
+                      </a:rPr>
+                      <m:t>,</m:t>
+                    </m:r>
+                    <m:sSub>
+                      <m:sSubPr>
+                        <m:ctrlPr>
+                          <a:rPr lang="en-US" altLang="zh-TW" b="0" i="1" smtClean="0">
+                            <a:latin typeface="Cambria Math" panose="02040503050406030204" pitchFamily="18" charset="0"/>
+                          </a:rPr>
+                        </m:ctrlPr>
+                      </m:sSubPr>
+                      <m:e>
+                        <m:r>
+                          <a:rPr lang="en-US" altLang="zh-TW" b="0" i="1" smtClean="0">
+                            <a:latin typeface="Cambria Math" panose="02040503050406030204" pitchFamily="18" charset="0"/>
+                          </a:rPr>
+                          <m:t>𝑥</m:t>
+                        </m:r>
+                      </m:e>
+                      <m:sub>
+                        <m:r>
+                          <a:rPr lang="en-US" altLang="zh-TW" b="0" i="1" smtClean="0">
+                            <a:latin typeface="Cambria Math" panose="02040503050406030204" pitchFamily="18" charset="0"/>
+                          </a:rPr>
+                          <m:t>3</m:t>
+                        </m:r>
+                      </m:sub>
+                    </m:sSub>
                   </m:oMath>
                 </a14:m>
                 <a:endParaRPr lang="en-US" altLang="zh-TW" dirty="0"/>
               </a:p>
               <a:p>
-                <a:pPr lvl="1">
-                  <a:lnSpc>
-                    <a:spcPct val="150000"/>
-                  </a:lnSpc>
+                <a:pPr marL="914400" lvl="1" indent="-457200">
+                  <a:buFont typeface="+mj-lt"/>
+                  <a:buAutoNum type="arabicPeriod"/>
                 </a:pPr>
+                <a:r>
+                  <a:rPr lang="zh-TW" altLang="en-US" dirty="0"/>
+                  <a:t>期中成績</a:t>
+                </a:r>
                 <a14:m>
                   <m:oMath xmlns:m="http://schemas.openxmlformats.org/officeDocument/2006/math">
+                    <m:sSub>
+                      <m:sSubPr>
+                        <m:ctrlPr>
+                          <a:rPr lang="en-US" altLang="zh-TW" b="0" i="1" smtClean="0">
+                            <a:latin typeface="Cambria Math" panose="02040503050406030204" pitchFamily="18" charset="0"/>
+                          </a:rPr>
+                        </m:ctrlPr>
+                      </m:sSubPr>
+                      <m:e>
+                        <m:r>
+                          <a:rPr lang="en-US" altLang="zh-TW" b="0" i="1" smtClean="0">
+                            <a:latin typeface="Cambria Math" panose="02040503050406030204" pitchFamily="18" charset="0"/>
+                          </a:rPr>
+                          <m:t>𝑥</m:t>
+                        </m:r>
+                      </m:e>
+                      <m:sub>
+                        <m:r>
+                          <a:rPr lang="en-US" altLang="zh-TW" b="0" i="1" smtClean="0">
+                            <a:latin typeface="Cambria Math" panose="02040503050406030204" pitchFamily="18" charset="0"/>
+                          </a:rPr>
+                          <m:t>4</m:t>
+                        </m:r>
+                      </m:sub>
+                    </m:sSub>
+                  </m:oMath>
+                </a14:m>
+                <a:endParaRPr lang="en-US" altLang="zh-TW" b="0" dirty="0"/>
+              </a:p>
+              <a:p>
+                <a:pPr marL="914400" lvl="1" indent="-457200">
+                  <a:buFont typeface="+mj-lt"/>
+                  <a:buAutoNum type="arabicPeriod"/>
+                </a:pPr>
+                <a:r>
+                  <a:rPr lang="zh-TW" altLang="en-US" dirty="0"/>
+                  <a:t>期末成績</a:t>
+                </a:r>
+                <a14:m>
+                  <m:oMath xmlns:m="http://schemas.openxmlformats.org/officeDocument/2006/math">
+                    <m:sSub>
+                      <m:sSubPr>
+                        <m:ctrlPr>
+                          <a:rPr lang="en-US" altLang="zh-TW" b="0" i="1" smtClean="0">
+                            <a:latin typeface="Cambria Math" panose="02040503050406030204" pitchFamily="18" charset="0"/>
+                          </a:rPr>
+                        </m:ctrlPr>
+                      </m:sSubPr>
+                      <m:e>
+                        <m:r>
+                          <a:rPr lang="en-US" altLang="zh-TW" b="0" i="1" smtClean="0">
+                            <a:latin typeface="Cambria Math" panose="02040503050406030204" pitchFamily="18" charset="0"/>
+                          </a:rPr>
+                          <m:t>𝑥</m:t>
+                        </m:r>
+                      </m:e>
+                      <m:sub>
+                        <m:r>
+                          <a:rPr lang="en-US" altLang="zh-TW" b="0" i="1" smtClean="0">
+                            <a:latin typeface="Cambria Math" panose="02040503050406030204" pitchFamily="18" charset="0"/>
+                          </a:rPr>
+                          <m:t>5</m:t>
+                        </m:r>
+                      </m:sub>
+                    </m:sSub>
+                  </m:oMath>
+                </a14:m>
+                <a:endParaRPr lang="en-US" altLang="zh-TW" dirty="0"/>
+              </a:p>
+              <a:p>
+                <a:pPr marL="914400" lvl="1" indent="-457200">
+                  <a:buFont typeface="+mj-lt"/>
+                  <a:buAutoNum type="arabicPeriod"/>
+                </a:pPr>
+                <a:r>
+                  <a:rPr lang="zh-TW" altLang="en-US" dirty="0"/>
+                  <a:t>各項占比</a:t>
+                </a:r>
+                <a14:m>
+                  <m:oMath xmlns:m="http://schemas.openxmlformats.org/officeDocument/2006/math">
+                    <m:sSub>
+                      <m:sSubPr>
+                        <m:ctrlPr>
+                          <a:rPr lang="en-US" altLang="zh-TW" b="0" i="1" smtClean="0">
+                            <a:latin typeface="Cambria Math" panose="02040503050406030204" pitchFamily="18" charset="0"/>
+                          </a:rPr>
+                        </m:ctrlPr>
+                      </m:sSubPr>
+                      <m:e>
+                        <m:r>
+                          <a:rPr lang="en-US" altLang="zh-TW" b="0" i="1" smtClean="0">
+                            <a:latin typeface="Cambria Math" panose="02040503050406030204" pitchFamily="18" charset="0"/>
+                          </a:rPr>
+                          <m:t>𝑤</m:t>
+                        </m:r>
+                      </m:e>
+                      <m:sub>
+                        <m:r>
+                          <a:rPr lang="en-US" altLang="zh-TW" b="0" i="1" smtClean="0">
+                            <a:latin typeface="Cambria Math" panose="02040503050406030204" pitchFamily="18" charset="0"/>
+                          </a:rPr>
+                          <m:t>1</m:t>
+                        </m:r>
+                      </m:sub>
+                    </m:sSub>
                     <m:r>
                       <a:rPr lang="en-US" altLang="zh-TW" b="0" i="1" smtClean="0">
                         <a:latin typeface="Cambria Math" panose="02040503050406030204" pitchFamily="18" charset="0"/>
                       </a:rPr>
-                      <m:t>𝑚</m:t>
+                      <m:t>,⋯,</m:t>
                     </m:r>
+                    <m:sSub>
+                      <m:sSubPr>
+                        <m:ctrlPr>
+                          <a:rPr lang="en-US" altLang="zh-TW" b="0" i="1" smtClean="0">
+                            <a:latin typeface="Cambria Math" panose="02040503050406030204" pitchFamily="18" charset="0"/>
+                          </a:rPr>
+                        </m:ctrlPr>
+                      </m:sSubPr>
+                      <m:e>
+                        <m:r>
+                          <a:rPr lang="en-US" altLang="zh-TW" b="0" i="1" smtClean="0">
+                            <a:latin typeface="Cambria Math" panose="02040503050406030204" pitchFamily="18" charset="0"/>
+                          </a:rPr>
+                          <m:t>𝑤</m:t>
+                        </m:r>
+                      </m:e>
+                      <m:sub>
+                        <m:r>
+                          <a:rPr lang="en-US" altLang="zh-TW" b="0" i="1" smtClean="0">
+                            <a:latin typeface="Cambria Math" panose="02040503050406030204" pitchFamily="18" charset="0"/>
+                          </a:rPr>
+                          <m:t>5</m:t>
+                        </m:r>
+                      </m:sub>
+                    </m:sSub>
                   </m:oMath>
                 </a14:m>
-                <a:r>
-                  <a:rPr lang="en-US" altLang="zh-TW" dirty="0"/>
-                  <a:t> pieces of data </a:t>
-                </a:r>
-              </a:p>
-              <a:p>
-                <a:pPr lvl="1">
-                  <a:lnSpc>
-                    <a:spcPct val="150000"/>
-                  </a:lnSpc>
-                </a:pPr>
-                <a:r>
-                  <a:rPr lang="en-US" altLang="zh-TW" dirty="0"/>
-                  <a:t>Find </a:t>
-                </a:r>
-                <a14:m>
-                  <m:oMath xmlns:m="http://schemas.openxmlformats.org/officeDocument/2006/math">
-                    <m:r>
-                      <a:rPr lang="en-US" altLang="zh-TW" b="0" i="1" smtClean="0">
-                        <a:latin typeface="Cambria Math" panose="02040503050406030204" pitchFamily="18" charset="0"/>
-                      </a:rPr>
-                      <m:t>𝑊</m:t>
-                    </m:r>
-                  </m:oMath>
-                </a14:m>
-                <a:r>
-                  <a:rPr lang="en-US" altLang="zh-TW" dirty="0"/>
-                  <a:t> such that we have minimal average loss.</a:t>
-                </a:r>
+                <a:endParaRPr lang="en-US" altLang="zh-TW" dirty="0"/>
               </a:p>
             </p:txBody>
           </p:sp>
         </mc:Choice>
-        <mc:Fallback xmlns="">
+        <mc:Fallback>
           <p:sp>
             <p:nvSpPr>
               <p:cNvPr id="5" name="內容版面配置區 4">
@@ -10328,7 +11126,7 @@
               <a:blipFill>
                 <a:blip r:embed="rId2"/>
                 <a:stretch>
-                  <a:fillRect l="-1144" t="-3119" b="-3303"/>
+                  <a:fillRect l="-1144" t="-2936"/>
                 </a:stretch>
               </a:blipFill>
             </p:spPr>
@@ -10350,7 +11148,7 @@
     </p:spTree>
     <p:extLst>
       <p:ext uri="{BB962C8B-B14F-4D97-AF65-F5344CB8AC3E}">
-        <p14:creationId xmlns:p14="http://schemas.microsoft.com/office/powerpoint/2010/main" val="2238109102"/>
+        <p14:creationId xmlns:p14="http://schemas.microsoft.com/office/powerpoint/2010/main" val="1386952173"/>
       </p:ext>
     </p:extLst>
   </p:cSld>

--- a/ML_workshop.pptx
+++ b/ML_workshop.pptx
@@ -9,9 +9,9 @@
   </p:notesMasterIdLst>
   <p:sldIdLst>
     <p:sldId id="256" r:id="rId2"/>
-    <p:sldId id="257" r:id="rId3"/>
-    <p:sldId id="258" r:id="rId4"/>
-    <p:sldId id="271" r:id="rId5"/>
+    <p:sldId id="271" r:id="rId3"/>
+    <p:sldId id="257" r:id="rId4"/>
+    <p:sldId id="258" r:id="rId5"/>
     <p:sldId id="269" r:id="rId6"/>
     <p:sldId id="272" r:id="rId7"/>
     <p:sldId id="273" r:id="rId8"/>
@@ -127,9 +127,9 @@
         <p14:section name="預設章節" id="{DD76B857-9D03-4593-9B0F-4D086132E2E3}">
           <p14:sldIdLst>
             <p14:sldId id="256"/>
+            <p14:sldId id="271"/>
             <p14:sldId id="257"/>
             <p14:sldId id="258"/>
-            <p14:sldId id="271"/>
             <p14:sldId id="269"/>
             <p14:sldId id="272"/>
             <p14:sldId id="273"/>
@@ -6430,22 +6430,40 @@
           <a:bodyPr/>
           <a:lstStyle/>
           <a:p>
+            <a:pPr algn="l"/>
             <a:r>
               <a:rPr lang="zh-TW" altLang="en-US" dirty="0"/>
-              <a:t>國立陽明交通大學</a:t>
-            </a:r>
-            <a:r>
-              <a:rPr lang="en-US" altLang="zh-TW" dirty="0" err="1"/>
-              <a:t>MIPLab</a:t>
+              <a:t>助教</a:t>
             </a:r>
             <a:r>
               <a:rPr lang="en-US" altLang="zh-TW" dirty="0"/>
-              <a:t> – </a:t>
+              <a:t>: </a:t>
             </a:r>
             <a:r>
               <a:rPr lang="zh-TW" altLang="en-US" dirty="0"/>
               <a:t>吳仁傑</a:t>
             </a:r>
+            <a:endParaRPr lang="en-US" altLang="zh-TW" dirty="0"/>
+          </a:p>
+          <a:p>
+            <a:pPr algn="l"/>
+            <a:r>
+              <a:rPr lang="zh-TW" altLang="en-US" dirty="0"/>
+              <a:t>聯絡資訊</a:t>
+            </a:r>
+            <a:r>
+              <a:rPr lang="en-US" altLang="zh-TW" dirty="0"/>
+              <a:t>:</a:t>
+            </a:r>
+            <a:r>
+              <a:rPr lang="zh-TW" altLang="en-US" dirty="0"/>
+              <a:t> </a:t>
+            </a:r>
+            <a:r>
+              <a:rPr lang="en-US" altLang="zh-TW" dirty="0"/>
+              <a:t>reinwu.cs09g@nctu.edu.tw</a:t>
+            </a:r>
+            <a:endParaRPr lang="zh-TW" altLang="en-US" dirty="0"/>
           </a:p>
         </p:txBody>
       </p:sp>
@@ -8725,8 +8743,8 @@
           </a:p>
         </p:txBody>
       </p:sp>
-      <mc:AlternateContent xmlns:mc="http://schemas.openxmlformats.org/markup-compatibility/2006">
-        <mc:Choice xmlns:a14="http://schemas.microsoft.com/office/drawing/2010/main" Requires="a14">
+      <mc:AlternateContent xmlns:mc="http://schemas.openxmlformats.org/markup-compatibility/2006" xmlns:a14="http://schemas.microsoft.com/office/drawing/2010/main">
+        <mc:Choice Requires="a14">
           <p:sp>
             <p:nvSpPr>
               <p:cNvPr id="5" name="內容版面配置區 4">
@@ -9305,7 +9323,7 @@
             </p:txBody>
           </p:sp>
         </mc:Choice>
-        <mc:Fallback>
+        <mc:Fallback xmlns="">
           <p:sp>
             <p:nvSpPr>
               <p:cNvPr id="5" name="內容版面配置區 4">
@@ -9627,10 +9645,10 @@
       </p:grpSpPr>
       <p:sp>
         <p:nvSpPr>
-          <p:cNvPr id="6" name="標題 5">
+          <p:cNvPr id="2" name="標題 1">
             <a:extLst>
               <a:ext uri="{FF2B5EF4-FFF2-40B4-BE49-F238E27FC236}">
-                <a16:creationId xmlns:a16="http://schemas.microsoft.com/office/drawing/2014/main" id="{404B3690-C787-41C5-8A03-C2E0D6BE916C}"/>
+                <a16:creationId xmlns:a16="http://schemas.microsoft.com/office/drawing/2014/main" id="{1FA1A006-AF7F-46DC-8A18-E16F26CA8DFB}"/>
               </a:ext>
             </a:extLst>
           </p:cNvPr>
@@ -9648,7 +9666,7 @@
           <a:p>
             <a:r>
               <a:rPr lang="en-US" altLang="zh-TW" dirty="0"/>
-              <a:t>Course Summary</a:t>
+              <a:t>Setting</a:t>
             </a:r>
             <a:endParaRPr lang="zh-TW" altLang="en-US" dirty="0"/>
           </a:p>
@@ -9656,10 +9674,10 @@
       </p:sp>
       <p:sp>
         <p:nvSpPr>
-          <p:cNvPr id="7" name="內容版面配置區 6">
+          <p:cNvPr id="3" name="內容版面配置區 2">
             <a:extLst>
               <a:ext uri="{FF2B5EF4-FFF2-40B4-BE49-F238E27FC236}">
-                <a16:creationId xmlns:a16="http://schemas.microsoft.com/office/drawing/2014/main" id="{E0C272F6-60D0-4746-9212-567531EB7E0B}"/>
+                <a16:creationId xmlns:a16="http://schemas.microsoft.com/office/drawing/2014/main" id="{8FE8FFCC-A3EB-4C83-8517-C65250F8258D}"/>
               </a:ext>
             </a:extLst>
           </p:cNvPr>
@@ -9672,9 +9690,7 @@
         </p:nvSpPr>
         <p:spPr/>
         <p:txBody>
-          <a:bodyPr>
-            <a:normAutofit/>
-          </a:bodyPr>
+          <a:bodyPr/>
           <a:lstStyle/>
           <a:p>
             <a:pPr marL="457200" indent="-457200">
@@ -9682,69 +9698,93 @@
               <a:buAutoNum type="arabicPeriod"/>
             </a:pPr>
             <a:r>
+              <a:rPr lang="zh-TW" altLang="en-US" dirty="0"/>
+              <a:t>下載教材檔案 </a:t>
+            </a:r>
+            <a:r>
               <a:rPr lang="en-US" altLang="zh-TW" dirty="0"/>
-              <a:t>Validation</a:t>
+              <a:t>ML_workshop.zip</a:t>
             </a:r>
           </a:p>
           <a:p>
             <a:pPr lvl="1"/>
             <a:r>
               <a:rPr lang="en-US" altLang="zh-TW" dirty="0">
-                <a:solidFill>
-                  <a:srgbClr val="FF0000"/>
-                </a:solidFill>
+                <a:hlinkClick r:id="rId2"/>
               </a:rPr>
-              <a:t>K-fold cross validation (*optional)</a:t>
-            </a:r>
-          </a:p>
-          <a:p>
-            <a:pPr lvl="1"/>
-            <a:r>
-              <a:rPr lang="en-US" altLang="zh-TW" dirty="0"/>
-              <a:t>Leave-one-out cross validation</a:t>
-            </a:r>
-          </a:p>
-          <a:p>
-            <a:pPr lvl="1"/>
-            <a:r>
-              <a:rPr lang="en-US" altLang="zh-TW"/>
-              <a:t>Holdout validation</a:t>
+              <a:t>https://reurl.cc/35zg2j</a:t>
             </a:r>
             <a:endParaRPr lang="en-US" altLang="zh-TW" dirty="0"/>
           </a:p>
           <a:p>
             <a:pPr marL="457200" indent="-457200">
-              <a:lnSpc>
-                <a:spcPct val="150000"/>
-              </a:lnSpc>
               <a:buFont typeface="+mj-lt"/>
               <a:buAutoNum type="arabicPeriod"/>
             </a:pPr>
             <a:r>
+              <a:rPr lang="zh-TW" altLang="en-US" dirty="0"/>
+              <a:t>將檔案解壓縮後把整個</a:t>
+            </a:r>
+            <a:r>
+              <a:rPr lang="en-US" altLang="zh-TW" dirty="0" err="1"/>
+              <a:t>ML_workshop</a:t>
+            </a:r>
+            <a:r>
+              <a:rPr lang="zh-TW" altLang="en-US" dirty="0"/>
+              <a:t>資料夾上傳到自己的</a:t>
+            </a:r>
+            <a:r>
               <a:rPr lang="en-US" altLang="zh-TW" dirty="0"/>
-              <a:t>Evaluation</a:t>
-            </a:r>
-          </a:p>
-          <a:p>
-            <a:pPr lvl="1"/>
-            <a:r>
-              <a:rPr lang="en-US" altLang="zh-TW" dirty="0">
-                <a:solidFill>
-                  <a:srgbClr val="FF0000"/>
-                </a:solidFill>
-              </a:rPr>
-              <a:t>Confusion matrix</a:t>
-            </a:r>
-          </a:p>
-          <a:p>
-            <a:endParaRPr lang="zh-TW" altLang="en-US" dirty="0"/>
-          </a:p>
-        </p:txBody>
-      </p:sp>
+              <a:t>google</a:t>
+            </a:r>
+            <a:r>
+              <a:rPr lang="zh-TW" altLang="en-US" dirty="0"/>
+              <a:t>雲端硬碟</a:t>
+            </a:r>
+            <a:endParaRPr lang="en-US" altLang="zh-TW" dirty="0"/>
+          </a:p>
+        </p:txBody>
+      </p:sp>
+      <p:pic>
+        <p:nvPicPr>
+          <p:cNvPr id="5" name="圖片 4">
+            <a:extLst>
+              <a:ext uri="{FF2B5EF4-FFF2-40B4-BE49-F238E27FC236}">
+                <a16:creationId xmlns:a16="http://schemas.microsoft.com/office/drawing/2014/main" id="{4D6F5F8D-E89B-4ADB-BDAB-E003A7F1EEB3}"/>
+              </a:ext>
+            </a:extLst>
+          </p:cNvPr>
+          <p:cNvPicPr>
+            <a:picLocks noChangeAspect="1"/>
+          </p:cNvPicPr>
+          <p:nvPr/>
+        </p:nvPicPr>
+        <p:blipFill>
+          <a:blip r:embed="rId3">
+            <a:extLst>
+              <a:ext uri="{28A0092B-C50C-407E-A947-70E740481C1C}">
+                <a14:useLocalDpi xmlns:a14="http://schemas.microsoft.com/office/drawing/2010/main" val="0"/>
+              </a:ext>
+            </a:extLst>
+          </a:blip>
+          <a:stretch>
+            <a:fillRect/>
+          </a:stretch>
+        </p:blipFill>
+        <p:spPr>
+          <a:xfrm>
+            <a:off x="9467847" y="4391025"/>
+            <a:ext cx="1428750" cy="1428750"/>
+          </a:xfrm>
+          <a:prstGeom prst="rect">
+            <a:avLst/>
+          </a:prstGeom>
+        </p:spPr>
+      </p:pic>
     </p:spTree>
     <p:extLst>
       <p:ext uri="{BB962C8B-B14F-4D97-AF65-F5344CB8AC3E}">
-        <p14:creationId xmlns:p14="http://schemas.microsoft.com/office/powerpoint/2010/main" val="3260500670"/>
+        <p14:creationId xmlns:p14="http://schemas.microsoft.com/office/powerpoint/2010/main" val="600064668"/>
       </p:ext>
     </p:extLst>
   </p:cSld>
@@ -9819,17 +9859,17 @@
         <p:spPr/>
         <p:txBody>
           <a:bodyPr>
-            <a:normAutofit fontScale="92500" lnSpcReduction="20000"/>
+            <a:normAutofit/>
           </a:bodyPr>
           <a:lstStyle/>
           <a:p>
             <a:pPr marL="457200" indent="-457200">
               <a:buFont typeface="+mj-lt"/>
-              <a:buAutoNum type="arabicPeriod" startAt="3"/>
+              <a:buAutoNum type="arabicPeriod"/>
             </a:pPr>
             <a:r>
               <a:rPr lang="en-US" altLang="zh-TW" dirty="0"/>
-              <a:t>Supervised learning algorithm</a:t>
+              <a:t>Validation</a:t>
             </a:r>
           </a:p>
           <a:p>
@@ -9840,14 +9880,35 @@
                   <a:srgbClr val="FF0000"/>
                 </a:solidFill>
               </a:rPr>
-              <a:t>Naive Bayes</a:t>
+              <a:t>K-fold cross validation (*optional)</a:t>
             </a:r>
           </a:p>
           <a:p>
             <a:pPr lvl="1"/>
             <a:r>
               <a:rPr lang="en-US" altLang="zh-TW" dirty="0"/>
-              <a:t>Decision tree</a:t>
+              <a:t>Leave-one-out cross validation</a:t>
+            </a:r>
+          </a:p>
+          <a:p>
+            <a:pPr lvl="1"/>
+            <a:r>
+              <a:rPr lang="en-US" altLang="zh-TW"/>
+              <a:t>Holdout validation</a:t>
+            </a:r>
+            <a:endParaRPr lang="en-US" altLang="zh-TW" dirty="0"/>
+          </a:p>
+          <a:p>
+            <a:pPr marL="457200" indent="-457200">
+              <a:lnSpc>
+                <a:spcPct val="150000"/>
+              </a:lnSpc>
+              <a:buFont typeface="+mj-lt"/>
+              <a:buAutoNum type="arabicPeriod"/>
+            </a:pPr>
+            <a:r>
+              <a:rPr lang="en-US" altLang="zh-TW" dirty="0"/>
+              <a:t>Evaluation</a:t>
             </a:r>
           </a:p>
           <a:p>
@@ -9858,53 +9919,10 @@
                   <a:srgbClr val="FF0000"/>
                 </a:solidFill>
               </a:rPr>
-              <a:t>Linear regression</a:t>
-            </a:r>
-          </a:p>
-          <a:p>
-            <a:pPr lvl="1">
-              <a:lnSpc>
-                <a:spcPct val="120000"/>
-              </a:lnSpc>
-            </a:pPr>
-            <a:r>
-              <a:rPr lang="en-US" altLang="zh-TW" dirty="0">
-                <a:solidFill>
-                  <a:schemeClr val="tx1"/>
-                </a:solidFill>
-              </a:rPr>
-              <a:t>Logistic regression</a:t>
-            </a:r>
-          </a:p>
-          <a:p>
-            <a:pPr lvl="1">
-              <a:lnSpc>
-                <a:spcPct val="110000"/>
-              </a:lnSpc>
-            </a:pPr>
-            <a:r>
-              <a:rPr lang="en-US" altLang="zh-TW" dirty="0"/>
-              <a:t>SVM</a:t>
-            </a:r>
-            <a:endParaRPr lang="zh-TW" altLang="en-US" dirty="0"/>
-          </a:p>
-          <a:p>
-            <a:pPr>
-              <a:lnSpc>
-                <a:spcPct val="170000"/>
-              </a:lnSpc>
-            </a:pPr>
-            <a:r>
-              <a:rPr lang="en-US" altLang="zh-TW" dirty="0"/>
-              <a:t>Unsupervised learning algorithm</a:t>
-            </a:r>
-          </a:p>
-          <a:p>
-            <a:pPr lvl="1"/>
-            <a:r>
-              <a:rPr lang="en-US" altLang="zh-TW" dirty="0"/>
-              <a:t>KNN</a:t>
-            </a:r>
+              <a:t>Confusion matrix</a:t>
+            </a:r>
+          </a:p>
+          <a:p>
             <a:endParaRPr lang="zh-TW" altLang="en-US" dirty="0"/>
           </a:p>
         </p:txBody>
@@ -9912,7 +9930,7 @@
     </p:spTree>
     <p:extLst>
       <p:ext uri="{BB962C8B-B14F-4D97-AF65-F5344CB8AC3E}">
-        <p14:creationId xmlns:p14="http://schemas.microsoft.com/office/powerpoint/2010/main" val="3814035138"/>
+        <p14:creationId xmlns:p14="http://schemas.microsoft.com/office/powerpoint/2010/main" val="3260500670"/>
       </p:ext>
     </p:extLst>
   </p:cSld>
@@ -9941,10 +9959,10 @@
       </p:grpSpPr>
       <p:sp>
         <p:nvSpPr>
-          <p:cNvPr id="2" name="標題 1">
+          <p:cNvPr id="6" name="標題 5">
             <a:extLst>
               <a:ext uri="{FF2B5EF4-FFF2-40B4-BE49-F238E27FC236}">
-                <a16:creationId xmlns:a16="http://schemas.microsoft.com/office/drawing/2014/main" id="{1FA1A006-AF7F-46DC-8A18-E16F26CA8DFB}"/>
+                <a16:creationId xmlns:a16="http://schemas.microsoft.com/office/drawing/2014/main" id="{404B3690-C787-41C5-8A03-C2E0D6BE916C}"/>
               </a:ext>
             </a:extLst>
           </p:cNvPr>
@@ -9962,7 +9980,7 @@
           <a:p>
             <a:r>
               <a:rPr lang="en-US" altLang="zh-TW" dirty="0"/>
-              <a:t>Setting</a:t>
+              <a:t>Course Summary</a:t>
             </a:r>
             <a:endParaRPr lang="zh-TW" altLang="en-US" dirty="0"/>
           </a:p>
@@ -9970,10 +9988,10 @@
       </p:sp>
       <p:sp>
         <p:nvSpPr>
-          <p:cNvPr id="3" name="內容版面配置區 2">
+          <p:cNvPr id="7" name="內容版面配置區 6">
             <a:extLst>
               <a:ext uri="{FF2B5EF4-FFF2-40B4-BE49-F238E27FC236}">
-                <a16:creationId xmlns:a16="http://schemas.microsoft.com/office/drawing/2014/main" id="{8FE8FFCC-A3EB-4C83-8517-C65250F8258D}"/>
+                <a16:creationId xmlns:a16="http://schemas.microsoft.com/office/drawing/2014/main" id="{E0C272F6-60D0-4746-9212-567531EB7E0B}"/>
               </a:ext>
             </a:extLst>
           </p:cNvPr>
@@ -9986,65 +10004,101 @@
         </p:nvSpPr>
         <p:spPr/>
         <p:txBody>
-          <a:bodyPr/>
+          <a:bodyPr>
+            <a:normAutofit fontScale="92500" lnSpcReduction="20000"/>
+          </a:bodyPr>
           <a:lstStyle/>
           <a:p>
             <a:pPr marL="457200" indent="-457200">
               <a:buFont typeface="+mj-lt"/>
-              <a:buAutoNum type="arabicPeriod"/>
+              <a:buAutoNum type="arabicPeriod" startAt="3"/>
             </a:pPr>
             <a:r>
-              <a:rPr lang="zh-TW" altLang="en-US" dirty="0"/>
-              <a:t>下載教材檔案 </a:t>
-            </a:r>
-            <a:r>
               <a:rPr lang="en-US" altLang="zh-TW" dirty="0"/>
-              <a:t>ML_workshop.zip</a:t>
+              <a:t>Supervised learning algorithm</a:t>
             </a:r>
           </a:p>
           <a:p>
             <a:pPr lvl="1"/>
             <a:r>
               <a:rPr lang="en-US" altLang="zh-TW" dirty="0">
-                <a:hlinkClick r:id="rId2"/>
+                <a:solidFill>
+                  <a:srgbClr val="FF0000"/>
+                </a:solidFill>
               </a:rPr>
-              <a:t>https://drive.google.com/file/d/1GAkqaSCaGXiR1kGKrQZ4BnYFq5gFE8VL/view?usp=sharing</a:t>
-            </a:r>
-            <a:endParaRPr lang="en-US" altLang="zh-TW" dirty="0"/>
-          </a:p>
-          <a:p>
-            <a:pPr marL="457200" indent="-457200">
-              <a:buFont typeface="+mj-lt"/>
-              <a:buAutoNum type="arabicPeriod"/>
+              <a:t>Naive Bayes</a:t>
+            </a:r>
+          </a:p>
+          <a:p>
+            <a:pPr lvl="1"/>
+            <a:r>
+              <a:rPr lang="en-US" altLang="zh-TW" dirty="0"/>
+              <a:t>Decision tree</a:t>
+            </a:r>
+          </a:p>
+          <a:p>
+            <a:pPr lvl="1"/>
+            <a:r>
+              <a:rPr lang="en-US" altLang="zh-TW" dirty="0">
+                <a:solidFill>
+                  <a:srgbClr val="FF0000"/>
+                </a:solidFill>
+              </a:rPr>
+              <a:t>Linear regression</a:t>
+            </a:r>
+          </a:p>
+          <a:p>
+            <a:pPr lvl="1">
+              <a:lnSpc>
+                <a:spcPct val="120000"/>
+              </a:lnSpc>
             </a:pPr>
             <a:r>
-              <a:rPr lang="zh-TW" altLang="en-US" dirty="0"/>
-              <a:t>將檔案解壓縮後把整個</a:t>
-            </a:r>
-            <a:r>
-              <a:rPr lang="en-US" altLang="zh-TW" dirty="0" err="1"/>
-              <a:t>ML_workshop</a:t>
-            </a:r>
-            <a:r>
-              <a:rPr lang="zh-TW" altLang="en-US" dirty="0"/>
-              <a:t>資料夾上傳到自己的</a:t>
-            </a:r>
+              <a:rPr lang="en-US" altLang="zh-TW" dirty="0">
+                <a:solidFill>
+                  <a:schemeClr val="tx1"/>
+                </a:solidFill>
+              </a:rPr>
+              <a:t>Logistic regression</a:t>
+            </a:r>
+          </a:p>
+          <a:p>
+            <a:pPr lvl="1">
+              <a:lnSpc>
+                <a:spcPct val="110000"/>
+              </a:lnSpc>
+            </a:pPr>
             <a:r>
               <a:rPr lang="en-US" altLang="zh-TW" dirty="0"/>
-              <a:t>google</a:t>
-            </a:r>
-            <a:r>
-              <a:rPr lang="zh-TW" altLang="en-US" dirty="0"/>
-              <a:t>雲端硬碟</a:t>
-            </a:r>
-            <a:endParaRPr lang="en-US" altLang="zh-TW" dirty="0"/>
+              <a:t>SVM</a:t>
+            </a:r>
+            <a:endParaRPr lang="zh-TW" altLang="en-US" dirty="0"/>
+          </a:p>
+          <a:p>
+            <a:pPr>
+              <a:lnSpc>
+                <a:spcPct val="170000"/>
+              </a:lnSpc>
+            </a:pPr>
+            <a:r>
+              <a:rPr lang="en-US" altLang="zh-TW" dirty="0"/>
+              <a:t>Unsupervised learning algorithm</a:t>
+            </a:r>
+          </a:p>
+          <a:p>
+            <a:pPr lvl="1"/>
+            <a:r>
+              <a:rPr lang="en-US" altLang="zh-TW" dirty="0"/>
+              <a:t>KNN</a:t>
+            </a:r>
+            <a:endParaRPr lang="zh-TW" altLang="en-US" dirty="0"/>
           </a:p>
         </p:txBody>
       </p:sp>
     </p:spTree>
     <p:extLst>
       <p:ext uri="{BB962C8B-B14F-4D97-AF65-F5344CB8AC3E}">
-        <p14:creationId xmlns:p14="http://schemas.microsoft.com/office/powerpoint/2010/main" val="600064668"/>
+        <p14:creationId xmlns:p14="http://schemas.microsoft.com/office/powerpoint/2010/main" val="3814035138"/>
       </p:ext>
     </p:extLst>
   </p:cSld>
@@ -10700,8 +10754,8 @@
           </a:p>
         </p:txBody>
       </p:sp>
-      <mc:AlternateContent xmlns:mc="http://schemas.openxmlformats.org/markup-compatibility/2006">
-        <mc:Choice xmlns:a14="http://schemas.microsoft.com/office/drawing/2010/main" Requires="a14">
+      <mc:AlternateContent xmlns:mc="http://schemas.openxmlformats.org/markup-compatibility/2006" xmlns:a14="http://schemas.microsoft.com/office/drawing/2010/main">
+        <mc:Choice Requires="a14">
           <p:sp>
             <p:nvSpPr>
               <p:cNvPr id="5" name="內容版面配置區 4">
@@ -11105,7 +11159,7 @@
             </p:txBody>
           </p:sp>
         </mc:Choice>
-        <mc:Fallback>
+        <mc:Fallback xmlns="">
           <p:sp>
             <p:nvSpPr>
               <p:cNvPr id="5" name="內容版面配置區 4">

--- a/ML_workshop.pptx
+++ b/ML_workshop.pptx
@@ -5,24 +5,25 @@
     <p:sldMasterId id="2147483927" r:id="rId1"/>
   </p:sldMasterIdLst>
   <p:notesMasterIdLst>
-    <p:notesMasterId r:id="rId17"/>
+    <p:notesMasterId r:id="rId18"/>
   </p:notesMasterIdLst>
   <p:sldIdLst>
     <p:sldId id="256" r:id="rId2"/>
-    <p:sldId id="271" r:id="rId3"/>
-    <p:sldId id="257" r:id="rId4"/>
-    <p:sldId id="258" r:id="rId5"/>
+    <p:sldId id="257" r:id="rId3"/>
+    <p:sldId id="258" r:id="rId4"/>
+    <p:sldId id="271" r:id="rId5"/>
     <p:sldId id="269" r:id="rId6"/>
     <p:sldId id="272" r:id="rId7"/>
     <p:sldId id="273" r:id="rId8"/>
-    <p:sldId id="275" r:id="rId9"/>
-    <p:sldId id="264" r:id="rId10"/>
+    <p:sldId id="276" r:id="rId9"/>
+    <p:sldId id="275" r:id="rId10"/>
     <p:sldId id="274" r:id="rId11"/>
     <p:sldId id="263" r:id="rId12"/>
-    <p:sldId id="262" r:id="rId13"/>
-    <p:sldId id="266" r:id="rId14"/>
-    <p:sldId id="268" r:id="rId15"/>
-    <p:sldId id="267" r:id="rId16"/>
+    <p:sldId id="268" r:id="rId13"/>
+    <p:sldId id="267" r:id="rId14"/>
+    <p:sldId id="277" r:id="rId15"/>
+    <p:sldId id="262" r:id="rId16"/>
+    <p:sldId id="266" r:id="rId17"/>
   </p:sldIdLst>
   <p:sldSz cx="12192000" cy="6858000"/>
   <p:notesSz cx="6858000" cy="9144000"/>
@@ -127,20 +128,21 @@
         <p14:section name="預設章節" id="{DD76B857-9D03-4593-9B0F-4D086132E2E3}">
           <p14:sldIdLst>
             <p14:sldId id="256"/>
-            <p14:sldId id="271"/>
             <p14:sldId id="257"/>
             <p14:sldId id="258"/>
+            <p14:sldId id="271"/>
             <p14:sldId id="269"/>
             <p14:sldId id="272"/>
             <p14:sldId id="273"/>
+            <p14:sldId id="276"/>
             <p14:sldId id="275"/>
-            <p14:sldId id="264"/>
             <p14:sldId id="274"/>
             <p14:sldId id="263"/>
+            <p14:sldId id="268"/>
+            <p14:sldId id="267"/>
+            <p14:sldId id="277"/>
             <p14:sldId id="262"/>
             <p14:sldId id="266"/>
-            <p14:sldId id="268"/>
-            <p14:sldId id="267"/>
           </p14:sldIdLst>
         </p14:section>
       </p14:sectionLst>
@@ -178,6 +180,20 @@
 </p:cmLst>
 </file>
 
+<file path=ppt/comments/comment2.xml><?xml version="1.0" encoding="utf-8"?>
+<p:cmLst xmlns:a="http://schemas.openxmlformats.org/drawingml/2006/main" xmlns:r="http://schemas.openxmlformats.org/officeDocument/2006/relationships" xmlns:p="http://schemas.openxmlformats.org/presentationml/2006/main">
+  <p:cm authorId="1" dt="2021-11-21T20:07:59.184" idx="1">
+    <p:pos x="6812" y="1712"/>
+    <p:text/>
+    <p:extLst>
+      <p:ext uri="{C676402C-5697-4E1C-873F-D02D1690AC5C}">
+        <p15:threadingInfo xmlns:p15="http://schemas.microsoft.com/office/powerpoint/2012/main" timeZoneBias="-480"/>
+      </p:ext>
+    </p:extLst>
+  </p:cm>
+</p:cmLst>
+</file>
+
 <file path=ppt/notesMasters/notesMaster1.xml><?xml version="1.0" encoding="utf-8"?>
 <p:notesMaster xmlns:a="http://schemas.openxmlformats.org/drawingml/2006/main" xmlns:r="http://schemas.openxmlformats.org/officeDocument/2006/relationships" xmlns:p="http://schemas.openxmlformats.org/presentationml/2006/main">
   <p:cSld>
@@ -260,7 +276,7 @@
           <a:p>
             <a:fld id="{CF147484-EED0-47A5-9822-A8389DF9D591}" type="datetimeFigureOut">
               <a:rPr lang="zh-TW" altLang="en-US" smtClean="0"/>
-              <a:t>2021/12/11</a:t>
+              <a:t>2022/1/6</a:t>
             </a:fld>
             <a:endParaRPr lang="zh-TW" altLang="en-US"/>
           </a:p>
@@ -592,7 +608,7 @@
           <a:p>
             <a:fld id="{AE4E7785-5069-4032-9A67-A3D927B60198}" type="slidenum">
               <a:rPr lang="zh-TW" altLang="en-US" smtClean="0"/>
-              <a:t>12</a:t>
+              <a:t>15</a:t>
             </a:fld>
             <a:endParaRPr lang="zh-TW" altLang="en-US"/>
           </a:p>
@@ -942,7 +958,7 @@
           <a:p>
             <a:fld id="{50E19A1F-3094-4FFA-9841-3C8B913EEDA7}" type="datetimeFigureOut">
               <a:rPr lang="zh-TW" altLang="en-US" smtClean="0"/>
-              <a:t>2021/12/11</a:t>
+              <a:t>2022/1/6</a:t>
             </a:fld>
             <a:endParaRPr lang="zh-TW" altLang="en-US"/>
           </a:p>
@@ -1266,7 +1282,7 @@
           <a:p>
             <a:fld id="{50E19A1F-3094-4FFA-9841-3C8B913EEDA7}" type="datetimeFigureOut">
               <a:rPr lang="zh-TW" altLang="en-US" smtClean="0"/>
-              <a:t>2021/12/11</a:t>
+              <a:t>2022/1/6</a:t>
             </a:fld>
             <a:endParaRPr lang="zh-TW" altLang="en-US"/>
           </a:p>
@@ -1514,7 +1530,7 @@
           <a:p>
             <a:fld id="{50E19A1F-3094-4FFA-9841-3C8B913EEDA7}" type="datetimeFigureOut">
               <a:rPr lang="zh-TW" altLang="en-US" smtClean="0"/>
-              <a:t>2021/12/11</a:t>
+              <a:t>2022/1/6</a:t>
             </a:fld>
             <a:endParaRPr lang="zh-TW" altLang="en-US"/>
           </a:p>
@@ -1853,7 +1869,7 @@
           <a:p>
             <a:fld id="{50E19A1F-3094-4FFA-9841-3C8B913EEDA7}" type="datetimeFigureOut">
               <a:rPr lang="zh-TW" altLang="en-US" smtClean="0"/>
-              <a:t>2021/12/11</a:t>
+              <a:t>2022/1/6</a:t>
             </a:fld>
             <a:endParaRPr lang="zh-TW" altLang="en-US"/>
           </a:p>
@@ -2200,7 +2216,7 @@
           <a:p>
             <a:fld id="{50E19A1F-3094-4FFA-9841-3C8B913EEDA7}" type="datetimeFigureOut">
               <a:rPr lang="zh-TW" altLang="en-US" smtClean="0"/>
-              <a:t>2021/12/11</a:t>
+              <a:t>2022/1/6</a:t>
             </a:fld>
             <a:endParaRPr lang="zh-TW" altLang="en-US"/>
           </a:p>
@@ -2574,7 +2590,7 @@
           <a:p>
             <a:fld id="{50E19A1F-3094-4FFA-9841-3C8B913EEDA7}" type="datetimeFigureOut">
               <a:rPr lang="zh-TW" altLang="en-US" smtClean="0"/>
-              <a:t>2021/12/11</a:t>
+              <a:t>2022/1/6</a:t>
             </a:fld>
             <a:endParaRPr lang="zh-TW" altLang="en-US"/>
           </a:p>
@@ -3044,7 +3060,7 @@
           <a:p>
             <a:fld id="{50E19A1F-3094-4FFA-9841-3C8B913EEDA7}" type="datetimeFigureOut">
               <a:rPr lang="zh-TW" altLang="en-US" smtClean="0"/>
-              <a:t>2021/12/11</a:t>
+              <a:t>2022/1/6</a:t>
             </a:fld>
             <a:endParaRPr lang="zh-TW" altLang="en-US"/>
           </a:p>
@@ -3249,7 +3265,7 @@
           <a:p>
             <a:fld id="{50E19A1F-3094-4FFA-9841-3C8B913EEDA7}" type="datetimeFigureOut">
               <a:rPr lang="zh-TW" altLang="en-US" smtClean="0"/>
-              <a:t>2021/12/11</a:t>
+              <a:t>2022/1/6</a:t>
             </a:fld>
             <a:endParaRPr lang="zh-TW" altLang="en-US"/>
           </a:p>
@@ -3460,7 +3476,7 @@
           <a:p>
             <a:fld id="{50E19A1F-3094-4FFA-9841-3C8B913EEDA7}" type="datetimeFigureOut">
               <a:rPr lang="zh-TW" altLang="en-US" smtClean="0"/>
-              <a:t>2021/12/11</a:t>
+              <a:t>2022/1/6</a:t>
             </a:fld>
             <a:endParaRPr lang="zh-TW" altLang="en-US"/>
           </a:p>
@@ -3692,7 +3708,7 @@
           <a:p>
             <a:fld id="{50E19A1F-3094-4FFA-9841-3C8B913EEDA7}" type="datetimeFigureOut">
               <a:rPr lang="zh-TW" altLang="en-US" smtClean="0"/>
-              <a:t>2021/12/11</a:t>
+              <a:t>2022/1/6</a:t>
             </a:fld>
             <a:endParaRPr lang="zh-TW" altLang="en-US"/>
           </a:p>
@@ -3940,7 +3956,7 @@
           <a:p>
             <a:fld id="{50E19A1F-3094-4FFA-9841-3C8B913EEDA7}" type="datetimeFigureOut">
               <a:rPr lang="zh-TW" altLang="en-US" smtClean="0"/>
-              <a:t>2021/12/11</a:t>
+              <a:t>2022/1/6</a:t>
             </a:fld>
             <a:endParaRPr lang="zh-TW" altLang="en-US"/>
           </a:p>
@@ -4238,7 +4254,7 @@
           <a:p>
             <a:fld id="{50E19A1F-3094-4FFA-9841-3C8B913EEDA7}" type="datetimeFigureOut">
               <a:rPr lang="zh-TW" altLang="en-US" smtClean="0"/>
-              <a:t>2021/12/11</a:t>
+              <a:t>2022/1/6</a:t>
             </a:fld>
             <a:endParaRPr lang="zh-TW" altLang="en-US"/>
           </a:p>
@@ -4632,7 +4648,7 @@
           <a:p>
             <a:fld id="{50E19A1F-3094-4FFA-9841-3C8B913EEDA7}" type="datetimeFigureOut">
               <a:rPr lang="zh-TW" altLang="en-US" smtClean="0"/>
-              <a:t>2021/12/11</a:t>
+              <a:t>2022/1/6</a:t>
             </a:fld>
             <a:endParaRPr lang="zh-TW" altLang="en-US"/>
           </a:p>
@@ -4781,7 +4797,7 @@
           <a:p>
             <a:fld id="{50E19A1F-3094-4FFA-9841-3C8B913EEDA7}" type="datetimeFigureOut">
               <a:rPr lang="zh-TW" altLang="en-US" smtClean="0"/>
-              <a:t>2021/12/11</a:t>
+              <a:t>2022/1/6</a:t>
             </a:fld>
             <a:endParaRPr lang="zh-TW" altLang="en-US"/>
           </a:p>
@@ -4907,7 +4923,7 @@
           <a:p>
             <a:fld id="{50E19A1F-3094-4FFA-9841-3C8B913EEDA7}" type="datetimeFigureOut">
               <a:rPr lang="zh-TW" altLang="en-US" smtClean="0"/>
-              <a:t>2021/12/11</a:t>
+              <a:t>2022/1/6</a:t>
             </a:fld>
             <a:endParaRPr lang="zh-TW" altLang="en-US"/>
           </a:p>
@@ -5162,7 +5178,7 @@
           <a:p>
             <a:fld id="{50E19A1F-3094-4FFA-9841-3C8B913EEDA7}" type="datetimeFigureOut">
               <a:rPr lang="zh-TW" altLang="en-US" smtClean="0"/>
-              <a:t>2021/12/11</a:t>
+              <a:t>2022/1/6</a:t>
             </a:fld>
             <a:endParaRPr lang="zh-TW" altLang="en-US"/>
           </a:p>
@@ -5477,7 +5493,7 @@
           <a:p>
             <a:fld id="{50E19A1F-3094-4FFA-9841-3C8B913EEDA7}" type="datetimeFigureOut">
               <a:rPr lang="zh-TW" altLang="en-US" smtClean="0"/>
-              <a:t>2021/12/11</a:t>
+              <a:t>2022/1/6</a:t>
             </a:fld>
             <a:endParaRPr lang="zh-TW" altLang="en-US"/>
           </a:p>
@@ -5828,7 +5844,7 @@
           <a:p>
             <a:fld id="{50E19A1F-3094-4FFA-9841-3C8B913EEDA7}" type="datetimeFigureOut">
               <a:rPr lang="zh-TW" altLang="en-US" smtClean="0"/>
-              <a:t>2021/12/11</a:t>
+              <a:t>2022/1/6</a:t>
             </a:fld>
             <a:endParaRPr lang="zh-TW" altLang="en-US"/>
           </a:p>
@@ -6430,40 +6446,22 @@
           <a:bodyPr/>
           <a:lstStyle/>
           <a:p>
-            <a:pPr algn="l"/>
             <a:r>
               <a:rPr lang="zh-TW" altLang="en-US" dirty="0"/>
-              <a:t>助教</a:t>
+              <a:t>國立陽明交通大學</a:t>
+            </a:r>
+            <a:r>
+              <a:rPr lang="en-US" altLang="zh-TW" dirty="0" err="1"/>
+              <a:t>MIPLab</a:t>
             </a:r>
             <a:r>
               <a:rPr lang="en-US" altLang="zh-TW" dirty="0"/>
-              <a:t>: </a:t>
+              <a:t> – </a:t>
             </a:r>
             <a:r>
               <a:rPr lang="zh-TW" altLang="en-US" dirty="0"/>
               <a:t>吳仁傑</a:t>
             </a:r>
-            <a:endParaRPr lang="en-US" altLang="zh-TW" dirty="0"/>
-          </a:p>
-          <a:p>
-            <a:pPr algn="l"/>
-            <a:r>
-              <a:rPr lang="zh-TW" altLang="en-US" dirty="0"/>
-              <a:t>聯絡資訊</a:t>
-            </a:r>
-            <a:r>
-              <a:rPr lang="en-US" altLang="zh-TW" dirty="0"/>
-              <a:t>:</a:t>
-            </a:r>
-            <a:r>
-              <a:rPr lang="zh-TW" altLang="en-US" dirty="0"/>
-              <a:t> </a:t>
-            </a:r>
-            <a:r>
-              <a:rPr lang="en-US" altLang="zh-TW" dirty="0"/>
-              <a:t>reinwu.cs09g@nctu.edu.tw</a:t>
-            </a:r>
-            <a:endParaRPr lang="zh-TW" altLang="en-US" dirty="0"/>
           </a:p>
         </p:txBody>
       </p:sp>
@@ -6526,8 +6524,8 @@
           </a:p>
         </p:txBody>
       </p:sp>
-      <mc:AlternateContent xmlns:mc="http://schemas.openxmlformats.org/markup-compatibility/2006" xmlns:a14="http://schemas.microsoft.com/office/drawing/2010/main">
-        <mc:Choice Requires="a14">
+      <mc:AlternateContent xmlns:mc="http://schemas.openxmlformats.org/markup-compatibility/2006">
+        <mc:Choice xmlns:a14="http://schemas.microsoft.com/office/drawing/2010/main" Requires="a14">
           <p:sp>
             <p:nvSpPr>
               <p:cNvPr id="5" name="內容版面配置區 4">
@@ -6690,8 +6688,12 @@
               <a:p>
                 <a:pPr lvl="1"/>
                 <a:r>
+                  <a:rPr lang="zh-TW" altLang="en-US" dirty="0"/>
+                  <a:t>所有</a:t>
+                </a:r>
+                <a:r>
                   <a:rPr lang="en-US" altLang="zh-TW" b="0" dirty="0"/>
-                  <a:t>Every </a:t>
+                  <a:t> </a:t>
                 </a:r>
                 <a14:m>
                   <m:oMath xmlns:m="http://schemas.openxmlformats.org/officeDocument/2006/math">
@@ -6729,8 +6731,8 @@
                   </m:oMath>
                 </a14:m>
                 <a:r>
-                  <a:rPr lang="en-US" altLang="zh-TW" dirty="0"/>
-                  <a:t>is a quantitative variable</a:t>
+                  <a:rPr lang="zh-TW" altLang="en-US" dirty="0"/>
+                  <a:t>必須是量化的特徵</a:t>
                 </a:r>
                 <a:endParaRPr lang="en-US" altLang="zh-TW" b="0" dirty="0"/>
               </a:p>
@@ -6781,9 +6783,26 @@
                       </a:rPr>
                       <m:t>ℝ</m:t>
                     </m:r>
+                    <m:r>
+                      <a:rPr lang="zh-TW" altLang="en-US" i="1">
+                        <a:latin typeface="Cambria Math" panose="02040503050406030204" pitchFamily="18" charset="0"/>
+                      </a:rPr>
+                      <m:t> </m:t>
+                    </m:r>
                   </m:oMath>
                 </a14:m>
-                <a:endParaRPr lang="en-US" altLang="zh-TW" dirty="0"/>
+                <a:r>
+                  <a:rPr lang="en-US" altLang="zh-TW" dirty="0"/>
+                  <a:t>(</a:t>
+                </a:r>
+                <a:r>
+                  <a:rPr lang="zh-TW" altLang="en-US" dirty="0"/>
+                  <a:t>沒有範圍限制</a:t>
+                </a:r>
+                <a:r>
+                  <a:rPr lang="en-US" altLang="zh-TW" dirty="0"/>
+                  <a:t>)</a:t>
+                </a:r>
               </a:p>
               <a:p>
                 <a:pPr marL="457200" indent="-457200">
@@ -6959,10 +6978,189 @@
                 </a14:m>
                 <a:endParaRPr lang="en-US" altLang="zh-TW" dirty="0"/>
               </a:p>
+              <a:p>
+                <a:pPr marL="457200" indent="-457200">
+                  <a:lnSpc>
+                    <a:spcPct val="150000"/>
+                  </a:lnSpc>
+                  <a:buFont typeface="+mj-lt"/>
+                  <a:buAutoNum type="arabicPeriod"/>
+                </a:pPr>
+                <a:r>
+                  <a:rPr lang="en-US" altLang="zh-TW" dirty="0"/>
+                  <a:t>Formula : </a:t>
+                </a:r>
+                <a14:m>
+                  <m:oMath xmlns:m="http://schemas.openxmlformats.org/officeDocument/2006/math">
+                    <m:acc>
+                      <m:accPr>
+                        <m:chr m:val="̂"/>
+                        <m:ctrlPr>
+                          <a:rPr lang="en-US" altLang="zh-TW" i="1" dirty="0">
+                            <a:latin typeface="Cambria Math" panose="02040503050406030204" pitchFamily="18" charset="0"/>
+                          </a:rPr>
+                        </m:ctrlPr>
+                      </m:accPr>
+                      <m:e>
+                        <m:r>
+                          <a:rPr lang="en-US" altLang="zh-TW" i="1" dirty="0">
+                            <a:latin typeface="Cambria Math" panose="02040503050406030204" pitchFamily="18" charset="0"/>
+                          </a:rPr>
+                          <m:t>𝑌</m:t>
+                        </m:r>
+                      </m:e>
+                    </m:acc>
+                    <m:r>
+                      <a:rPr lang="en-US" altLang="zh-TW" i="1">
+                        <a:latin typeface="Cambria Math" panose="02040503050406030204" pitchFamily="18" charset="0"/>
+                      </a:rPr>
+                      <m:t>=</m:t>
+                    </m:r>
+                    <m:sSub>
+                      <m:sSubPr>
+                        <m:ctrlPr>
+                          <a:rPr lang="en-US" altLang="zh-TW" i="1">
+                            <a:latin typeface="Cambria Math" panose="02040503050406030204" pitchFamily="18" charset="0"/>
+                          </a:rPr>
+                        </m:ctrlPr>
+                      </m:sSubPr>
+                      <m:e>
+                        <m:r>
+                          <a:rPr lang="en-US" altLang="zh-TW" i="1">
+                            <a:latin typeface="Cambria Math" panose="02040503050406030204" pitchFamily="18" charset="0"/>
+                          </a:rPr>
+                          <m:t>𝑤</m:t>
+                        </m:r>
+                      </m:e>
+                      <m:sub>
+                        <m:r>
+                          <a:rPr lang="en-US" altLang="zh-TW" i="1">
+                            <a:latin typeface="Cambria Math" panose="02040503050406030204" pitchFamily="18" charset="0"/>
+                          </a:rPr>
+                          <m:t>0</m:t>
+                        </m:r>
+                      </m:sub>
+                    </m:sSub>
+                    <m:r>
+                      <a:rPr lang="en-US" altLang="zh-TW" i="1">
+                        <a:latin typeface="Cambria Math" panose="02040503050406030204" pitchFamily="18" charset="0"/>
+                      </a:rPr>
+                      <m:t>+</m:t>
+                    </m:r>
+                    <m:sSub>
+                      <m:sSubPr>
+                        <m:ctrlPr>
+                          <a:rPr lang="en-US" altLang="zh-TW" i="1">
+                            <a:latin typeface="Cambria Math" panose="02040503050406030204" pitchFamily="18" charset="0"/>
+                          </a:rPr>
+                        </m:ctrlPr>
+                      </m:sSubPr>
+                      <m:e>
+                        <m:r>
+                          <a:rPr lang="en-US" altLang="zh-TW" i="1">
+                            <a:latin typeface="Cambria Math" panose="02040503050406030204" pitchFamily="18" charset="0"/>
+                          </a:rPr>
+                          <m:t>𝑤</m:t>
+                        </m:r>
+                      </m:e>
+                      <m:sub>
+                        <m:r>
+                          <a:rPr lang="en-US" altLang="zh-TW" i="1">
+                            <a:latin typeface="Cambria Math" panose="02040503050406030204" pitchFamily="18" charset="0"/>
+                          </a:rPr>
+                          <m:t>1</m:t>
+                        </m:r>
+                      </m:sub>
+                    </m:sSub>
+                    <m:sSub>
+                      <m:sSubPr>
+                        <m:ctrlPr>
+                          <a:rPr lang="en-US" altLang="zh-TW" i="1">
+                            <a:latin typeface="Cambria Math" panose="02040503050406030204" pitchFamily="18" charset="0"/>
+                          </a:rPr>
+                        </m:ctrlPr>
+                      </m:sSubPr>
+                      <m:e>
+                        <m:r>
+                          <a:rPr lang="en-US" altLang="zh-TW" i="1">
+                            <a:latin typeface="Cambria Math" panose="02040503050406030204" pitchFamily="18" charset="0"/>
+                          </a:rPr>
+                          <m:t>𝑥</m:t>
+                        </m:r>
+                      </m:e>
+                      <m:sub>
+                        <m:r>
+                          <a:rPr lang="en-US" altLang="zh-TW" i="1">
+                            <a:latin typeface="Cambria Math" panose="02040503050406030204" pitchFamily="18" charset="0"/>
+                          </a:rPr>
+                          <m:t>1</m:t>
+                        </m:r>
+                      </m:sub>
+                    </m:sSub>
+                    <m:r>
+                      <a:rPr lang="en-US" altLang="zh-TW" i="1">
+                        <a:latin typeface="Cambria Math" panose="02040503050406030204" pitchFamily="18" charset="0"/>
+                      </a:rPr>
+                      <m:t>+⋯+</m:t>
+                    </m:r>
+                    <m:sSub>
+                      <m:sSubPr>
+                        <m:ctrlPr>
+                          <a:rPr lang="en-US" altLang="zh-TW" i="1">
+                            <a:latin typeface="Cambria Math" panose="02040503050406030204" pitchFamily="18" charset="0"/>
+                          </a:rPr>
+                        </m:ctrlPr>
+                      </m:sSubPr>
+                      <m:e>
+                        <m:r>
+                          <a:rPr lang="en-US" altLang="zh-TW" i="1">
+                            <a:latin typeface="Cambria Math" panose="02040503050406030204" pitchFamily="18" charset="0"/>
+                          </a:rPr>
+                          <m:t>𝑤</m:t>
+                        </m:r>
+                      </m:e>
+                      <m:sub>
+                        <m:r>
+                          <a:rPr lang="en-US" altLang="zh-TW" i="1">
+                            <a:latin typeface="Cambria Math" panose="02040503050406030204" pitchFamily="18" charset="0"/>
+                          </a:rPr>
+                          <m:t>𝑛</m:t>
+                        </m:r>
+                      </m:sub>
+                    </m:sSub>
+                    <m:sSub>
+                      <m:sSubPr>
+                        <m:ctrlPr>
+                          <a:rPr lang="en-US" altLang="zh-TW" i="1">
+                            <a:latin typeface="Cambria Math" panose="02040503050406030204" pitchFamily="18" charset="0"/>
+                          </a:rPr>
+                        </m:ctrlPr>
+                      </m:sSubPr>
+                      <m:e>
+                        <m:r>
+                          <a:rPr lang="en-US" altLang="zh-TW" i="1">
+                            <a:latin typeface="Cambria Math" panose="02040503050406030204" pitchFamily="18" charset="0"/>
+                          </a:rPr>
+                          <m:t>𝑥</m:t>
+                        </m:r>
+                      </m:e>
+                      <m:sub>
+                        <m:r>
+                          <a:rPr lang="en-US" altLang="zh-TW" i="1">
+                            <a:latin typeface="Cambria Math" panose="02040503050406030204" pitchFamily="18" charset="0"/>
+                          </a:rPr>
+                          <m:t>𝑛</m:t>
+                        </m:r>
+                      </m:sub>
+                    </m:sSub>
+                  </m:oMath>
+                </a14:m>
+                <a:endParaRPr lang="en-US" altLang="zh-TW" dirty="0"/>
+              </a:p>
             </p:txBody>
           </p:sp>
         </mc:Choice>
-        <mc:Fallback xmlns="">
+        <mc:Fallback>
           <p:sp>
             <p:nvSpPr>
               <p:cNvPr id="5" name="內容版面配置區 4">
@@ -7061,8 +7259,8 @@
           </a:p>
         </p:txBody>
       </p:sp>
-      <mc:AlternateContent xmlns:mc="http://schemas.openxmlformats.org/markup-compatibility/2006" xmlns:a14="http://schemas.microsoft.com/office/drawing/2010/main">
-        <mc:Choice Requires="a14">
+      <mc:AlternateContent xmlns:mc="http://schemas.openxmlformats.org/markup-compatibility/2006">
+        <mc:Choice xmlns:a14="http://schemas.microsoft.com/office/drawing/2010/main" Requires="a14">
           <p:sp>
             <p:nvSpPr>
               <p:cNvPr id="5" name="內容版面配置區 4">
@@ -7082,185 +7280,9 @@
             <p:spPr/>
             <p:txBody>
               <a:bodyPr>
-                <a:normAutofit lnSpcReduction="10000"/>
+                <a:normAutofit fontScale="70000" lnSpcReduction="20000"/>
               </a:bodyPr>
               <a:lstStyle/>
-              <a:p>
-                <a:pPr marL="457200" indent="-457200">
-                  <a:buFont typeface="+mj-lt"/>
-                  <a:buAutoNum type="arabicPeriod" startAt="4"/>
-                </a:pPr>
-                <a:r>
-                  <a:rPr lang="en-US" altLang="zh-TW" dirty="0"/>
-                  <a:t>Formula : </a:t>
-                </a:r>
-                <a14:m>
-                  <m:oMath xmlns:m="http://schemas.openxmlformats.org/officeDocument/2006/math">
-                    <m:acc>
-                      <m:accPr>
-                        <m:chr m:val="̂"/>
-                        <m:ctrlPr>
-                          <a:rPr lang="en-US" altLang="zh-TW" b="0" i="1" dirty="0" smtClean="0">
-                            <a:latin typeface="Cambria Math" panose="02040503050406030204" pitchFamily="18" charset="0"/>
-                          </a:rPr>
-                        </m:ctrlPr>
-                      </m:accPr>
-                      <m:e>
-                        <m:r>
-                          <a:rPr lang="en-US" altLang="zh-TW" b="0" i="1" dirty="0" smtClean="0">
-                            <a:latin typeface="Cambria Math" panose="02040503050406030204" pitchFamily="18" charset="0"/>
-                          </a:rPr>
-                          <m:t>𝑌</m:t>
-                        </m:r>
-                      </m:e>
-                    </m:acc>
-                    <m:r>
-                      <a:rPr lang="en-US" altLang="zh-TW" b="0" i="1" smtClean="0">
-                        <a:latin typeface="Cambria Math" panose="02040503050406030204" pitchFamily="18" charset="0"/>
-                      </a:rPr>
-                      <m:t>=</m:t>
-                    </m:r>
-                    <m:sSub>
-                      <m:sSubPr>
-                        <m:ctrlPr>
-                          <a:rPr lang="en-US" altLang="zh-TW" b="0" i="1" smtClean="0">
-                            <a:latin typeface="Cambria Math" panose="02040503050406030204" pitchFamily="18" charset="0"/>
-                          </a:rPr>
-                        </m:ctrlPr>
-                      </m:sSubPr>
-                      <m:e>
-                        <m:r>
-                          <a:rPr lang="en-US" altLang="zh-TW" b="0" i="1" smtClean="0">
-                            <a:latin typeface="Cambria Math" panose="02040503050406030204" pitchFamily="18" charset="0"/>
-                          </a:rPr>
-                          <m:t>𝑤</m:t>
-                        </m:r>
-                      </m:e>
-                      <m:sub>
-                        <m:r>
-                          <a:rPr lang="en-US" altLang="zh-TW" b="0" i="1" smtClean="0">
-                            <a:latin typeface="Cambria Math" panose="02040503050406030204" pitchFamily="18" charset="0"/>
-                          </a:rPr>
-                          <m:t>0</m:t>
-                        </m:r>
-                      </m:sub>
-                    </m:sSub>
-                    <m:r>
-                      <a:rPr lang="en-US" altLang="zh-TW" b="0" i="1" smtClean="0">
-                        <a:latin typeface="Cambria Math" panose="02040503050406030204" pitchFamily="18" charset="0"/>
-                      </a:rPr>
-                      <m:t>+</m:t>
-                    </m:r>
-                    <m:sSub>
-                      <m:sSubPr>
-                        <m:ctrlPr>
-                          <a:rPr lang="en-US" altLang="zh-TW" b="0" i="1" smtClean="0">
-                            <a:latin typeface="Cambria Math" panose="02040503050406030204" pitchFamily="18" charset="0"/>
-                          </a:rPr>
-                        </m:ctrlPr>
-                      </m:sSubPr>
-                      <m:e>
-                        <m:r>
-                          <a:rPr lang="en-US" altLang="zh-TW" b="0" i="1" smtClean="0">
-                            <a:latin typeface="Cambria Math" panose="02040503050406030204" pitchFamily="18" charset="0"/>
-                          </a:rPr>
-                          <m:t>𝑤</m:t>
-                        </m:r>
-                      </m:e>
-                      <m:sub>
-                        <m:r>
-                          <a:rPr lang="en-US" altLang="zh-TW" b="0" i="1" smtClean="0">
-                            <a:latin typeface="Cambria Math" panose="02040503050406030204" pitchFamily="18" charset="0"/>
-                          </a:rPr>
-                          <m:t>1</m:t>
-                        </m:r>
-                      </m:sub>
-                    </m:sSub>
-                    <m:sSub>
-                      <m:sSubPr>
-                        <m:ctrlPr>
-                          <a:rPr lang="en-US" altLang="zh-TW" b="0" i="1" smtClean="0">
-                            <a:latin typeface="Cambria Math" panose="02040503050406030204" pitchFamily="18" charset="0"/>
-                          </a:rPr>
-                        </m:ctrlPr>
-                      </m:sSubPr>
-                      <m:e>
-                        <m:r>
-                          <a:rPr lang="en-US" altLang="zh-TW" b="0" i="1" smtClean="0">
-                            <a:latin typeface="Cambria Math" panose="02040503050406030204" pitchFamily="18" charset="0"/>
-                          </a:rPr>
-                          <m:t>𝑥</m:t>
-                        </m:r>
-                      </m:e>
-                      <m:sub>
-                        <m:r>
-                          <a:rPr lang="en-US" altLang="zh-TW" b="0" i="1" smtClean="0">
-                            <a:latin typeface="Cambria Math" panose="02040503050406030204" pitchFamily="18" charset="0"/>
-                          </a:rPr>
-                          <m:t>1</m:t>
-                        </m:r>
-                      </m:sub>
-                    </m:sSub>
-                    <m:r>
-                      <a:rPr lang="en-US" altLang="zh-TW" b="0" i="1" smtClean="0">
-                        <a:latin typeface="Cambria Math" panose="02040503050406030204" pitchFamily="18" charset="0"/>
-                      </a:rPr>
-                      <m:t>+⋯+</m:t>
-                    </m:r>
-                    <m:sSub>
-                      <m:sSubPr>
-                        <m:ctrlPr>
-                          <a:rPr lang="en-US" altLang="zh-TW" b="0" i="1" smtClean="0">
-                            <a:latin typeface="Cambria Math" panose="02040503050406030204" pitchFamily="18" charset="0"/>
-                          </a:rPr>
-                        </m:ctrlPr>
-                      </m:sSubPr>
-                      <m:e>
-                        <m:r>
-                          <a:rPr lang="en-US" altLang="zh-TW" b="0" i="1" smtClean="0">
-                            <a:latin typeface="Cambria Math" panose="02040503050406030204" pitchFamily="18" charset="0"/>
-                          </a:rPr>
-                          <m:t>𝑤</m:t>
-                        </m:r>
-                      </m:e>
-                      <m:sub>
-                        <m:r>
-                          <a:rPr lang="en-US" altLang="zh-TW" b="0" i="1" smtClean="0">
-                            <a:latin typeface="Cambria Math" panose="02040503050406030204" pitchFamily="18" charset="0"/>
-                          </a:rPr>
-                          <m:t>𝑛</m:t>
-                        </m:r>
-                      </m:sub>
-                    </m:sSub>
-                    <m:sSub>
-                      <m:sSubPr>
-                        <m:ctrlPr>
-                          <a:rPr lang="en-US" altLang="zh-TW" b="0" i="1" smtClean="0">
-                            <a:latin typeface="Cambria Math" panose="02040503050406030204" pitchFamily="18" charset="0"/>
-                          </a:rPr>
-                        </m:ctrlPr>
-                      </m:sSubPr>
-                      <m:e>
-                        <m:r>
-                          <a:rPr lang="en-US" altLang="zh-TW" b="0" i="1" smtClean="0">
-                            <a:latin typeface="Cambria Math" panose="02040503050406030204" pitchFamily="18" charset="0"/>
-                          </a:rPr>
-                          <m:t>𝑥</m:t>
-                        </m:r>
-                      </m:e>
-                      <m:sub>
-                        <m:r>
-                          <a:rPr lang="en-US" altLang="zh-TW" b="0" i="1" smtClean="0">
-                            <a:latin typeface="Cambria Math" panose="02040503050406030204" pitchFamily="18" charset="0"/>
-                          </a:rPr>
-                          <m:t>𝑛</m:t>
-                        </m:r>
-                      </m:sub>
-                    </m:sSub>
-                  </m:oMath>
-                </a14:m>
-                <a:endParaRPr lang="en-US" altLang="zh-TW" dirty="0"/>
-              </a:p>
               <a:p>
                 <a:pPr marL="457200" indent="-457200">
                   <a:lnSpc>
@@ -7513,8 +7535,13 @@
                 </a14:m>
                 <a:r>
                   <a:rPr lang="en-US" altLang="zh-TW" dirty="0"/>
-                  <a:t> pieces of data </a:t>
+                  <a:t> </a:t>
                 </a:r>
+                <a:r>
+                  <a:rPr lang="zh-TW" altLang="en-US" dirty="0"/>
+                  <a:t>筆資料</a:t>
+                </a:r>
+                <a:endParaRPr lang="en-US" altLang="zh-TW" dirty="0"/>
               </a:p>
               <a:p>
                 <a:pPr lvl="1">
@@ -7523,8 +7550,12 @@
                   </a:lnSpc>
                 </a:pPr>
                 <a:r>
+                  <a:rPr lang="zh-TW" altLang="en-US" dirty="0"/>
+                  <a:t>找到</a:t>
+                </a:r>
+                <a:r>
                   <a:rPr lang="en-US" altLang="zh-TW" dirty="0"/>
-                  <a:t>Find </a:t>
+                  <a:t> </a:t>
                 </a:r>
                 <a14:m>
                   <m:oMath xmlns:m="http://schemas.openxmlformats.org/officeDocument/2006/math">
@@ -7538,13 +7569,67 @@
                 </a14:m>
                 <a:r>
                   <a:rPr lang="en-US" altLang="zh-TW" dirty="0"/>
-                  <a:t> such that we have minimal average loss.</a:t>
+                  <a:t> </a:t>
                 </a:r>
+                <a:r>
+                  <a:rPr lang="zh-TW" altLang="en-US" dirty="0"/>
+                  <a:t>使得平均</a:t>
+                </a:r>
+                <a:r>
+                  <a:rPr lang="en-US" altLang="zh-TW" dirty="0"/>
+                  <a:t>loss</a:t>
+                </a:r>
+                <a:r>
+                  <a:rPr lang="zh-TW" altLang="en-US" dirty="0"/>
+                  <a:t>最小</a:t>
+                </a:r>
+                <a:endParaRPr lang="en-US" altLang="zh-TW" dirty="0"/>
+              </a:p>
+              <a:p>
+                <a:pPr marL="457200" indent="-457200">
+                  <a:lnSpc>
+                    <a:spcPct val="170000"/>
+                  </a:lnSpc>
+                  <a:buFont typeface="+mj-lt"/>
+                  <a:buAutoNum type="arabicPeriod" startAt="6"/>
+                </a:pPr>
+                <a:r>
+                  <a:rPr lang="zh-TW" altLang="en-US" dirty="0"/>
+                  <a:t>最佳化方法</a:t>
+                </a:r>
+                <a:endParaRPr lang="en-US" altLang="zh-TW" dirty="0"/>
+              </a:p>
+              <a:p>
+                <a:pPr lvl="1">
+                  <a:lnSpc>
+                    <a:spcPct val="150000"/>
+                  </a:lnSpc>
+                </a:pPr>
+                <a:r>
+                  <a:rPr lang="zh-TW" altLang="en-US" dirty="0"/>
+                  <a:t>梯度下降法 </a:t>
+                </a:r>
+                <a:r>
+                  <a:rPr lang="en-US" altLang="zh-TW" dirty="0"/>
+                  <a:t>(Gradient decent)</a:t>
+                </a:r>
+              </a:p>
+              <a:p>
+                <a:pPr lvl="1">
+                  <a:lnSpc>
+                    <a:spcPct val="150000"/>
+                  </a:lnSpc>
+                </a:pPr>
+                <a:r>
+                  <a:rPr lang="zh-TW" altLang="en-US" dirty="0"/>
+                  <a:t>代數解</a:t>
+                </a:r>
+                <a:endParaRPr lang="en-US" altLang="zh-TW" dirty="0"/>
               </a:p>
             </p:txBody>
           </p:sp>
         </mc:Choice>
-        <mc:Fallback xmlns="">
+        <mc:Fallback>
           <p:sp>
             <p:nvSpPr>
               <p:cNvPr id="5" name="內容版面配置區 4">
@@ -7565,7 +7650,7 @@
               <a:blipFill>
                 <a:blip r:embed="rId2"/>
                 <a:stretch>
-                  <a:fillRect l="-1144" t="-3119" b="-3303"/>
+                  <a:fillRect l="-572" b="-550"/>
                 </a:stretch>
               </a:blipFill>
             </p:spPr>
@@ -7598,6 +7683,671 @@
 </file>
 
 <file path=ppt/slides/slide12.xml><?xml version="1.0" encoding="utf-8"?>
+<p:sld xmlns:a="http://schemas.openxmlformats.org/drawingml/2006/main" xmlns:r="http://schemas.openxmlformats.org/officeDocument/2006/relationships" xmlns:p="http://schemas.openxmlformats.org/presentationml/2006/main">
+  <p:cSld>
+    <p:spTree>
+      <p:nvGrpSpPr>
+        <p:cNvPr id="1" name=""/>
+        <p:cNvGrpSpPr/>
+        <p:nvPr/>
+      </p:nvGrpSpPr>
+      <p:grpSpPr>
+        <a:xfrm>
+          <a:off x="0" y="0"/>
+          <a:ext cx="0" cy="0"/>
+          <a:chOff x="0" y="0"/>
+          <a:chExt cx="0" cy="0"/>
+        </a:xfrm>
+      </p:grpSpPr>
+      <p:sp>
+        <p:nvSpPr>
+          <p:cNvPr id="2" name="標題 1">
+            <a:extLst>
+              <a:ext uri="{FF2B5EF4-FFF2-40B4-BE49-F238E27FC236}">
+                <a16:creationId xmlns:a16="http://schemas.microsoft.com/office/drawing/2014/main" id="{C8E48965-8037-4518-9B1F-97A622225491}"/>
+              </a:ext>
+            </a:extLst>
+          </p:cNvPr>
+          <p:cNvSpPr>
+            <a:spLocks noGrp="1"/>
+          </p:cNvSpPr>
+          <p:nvPr>
+            <p:ph type="title"/>
+          </p:nvPr>
+        </p:nvSpPr>
+        <p:spPr/>
+        <p:txBody>
+          <a:bodyPr/>
+          <a:lstStyle/>
+          <a:p>
+            <a:r>
+              <a:rPr lang="en-US" altLang="zh-TW" dirty="0"/>
+              <a:t>K-fold cross validation </a:t>
+            </a:r>
+            <a:endParaRPr lang="zh-TW" altLang="en-US" dirty="0"/>
+          </a:p>
+        </p:txBody>
+      </p:sp>
+      <p:sp>
+        <p:nvSpPr>
+          <p:cNvPr id="3" name="內容版面配置區 2">
+            <a:extLst>
+              <a:ext uri="{FF2B5EF4-FFF2-40B4-BE49-F238E27FC236}">
+                <a16:creationId xmlns:a16="http://schemas.microsoft.com/office/drawing/2014/main" id="{201DA8D7-255F-4C52-B442-74F6553F2386}"/>
+              </a:ext>
+            </a:extLst>
+          </p:cNvPr>
+          <p:cNvSpPr>
+            <a:spLocks noGrp="1"/>
+          </p:cNvSpPr>
+          <p:nvPr>
+            <p:ph idx="1"/>
+          </p:nvPr>
+        </p:nvSpPr>
+        <p:spPr/>
+        <p:txBody>
+          <a:bodyPr>
+            <a:normAutofit fontScale="92500" lnSpcReduction="10000"/>
+          </a:bodyPr>
+          <a:lstStyle/>
+          <a:p>
+            <a:r>
+              <a:rPr lang="zh-TW" altLang="en-US" dirty="0"/>
+              <a:t>參數</a:t>
+            </a:r>
+            <a:r>
+              <a:rPr lang="en-US" altLang="zh-TW" dirty="0"/>
+              <a:t>(Parameter) </a:t>
+            </a:r>
+            <a:r>
+              <a:rPr lang="zh-TW" altLang="en-US" dirty="0"/>
+              <a:t>與 超參數</a:t>
+            </a:r>
+            <a:r>
+              <a:rPr lang="en-US" altLang="zh-TW" dirty="0"/>
+              <a:t>(Hyperparameter)</a:t>
+            </a:r>
+          </a:p>
+          <a:p>
+            <a:pPr lvl="1"/>
+            <a:r>
+              <a:rPr lang="en-US" altLang="zh-TW" dirty="0"/>
+              <a:t>Parameter </a:t>
+            </a:r>
+            <a:r>
+              <a:rPr lang="zh-TW" altLang="en-US" dirty="0"/>
+              <a:t>利用資料找出來</a:t>
+            </a:r>
+            <a:endParaRPr lang="en-US" altLang="zh-TW" dirty="0"/>
+          </a:p>
+          <a:p>
+            <a:pPr lvl="1"/>
+            <a:r>
+              <a:rPr lang="en-US" altLang="zh-TW" dirty="0"/>
+              <a:t>Hyperparameter</a:t>
+            </a:r>
+            <a:r>
+              <a:rPr lang="zh-TW" altLang="en-US" dirty="0"/>
+              <a:t> 必須靠人工決定</a:t>
+            </a:r>
+            <a:endParaRPr lang="en-US" altLang="zh-TW" dirty="0"/>
+          </a:p>
+          <a:p>
+            <a:endParaRPr lang="en-US" altLang="zh-TW" dirty="0"/>
+          </a:p>
+          <a:p>
+            <a:r>
+              <a:rPr lang="en-US" altLang="zh-TW" dirty="0"/>
+              <a:t>3 roles of dataset</a:t>
+            </a:r>
+          </a:p>
+          <a:p>
+            <a:pPr lvl="1"/>
+            <a:r>
+              <a:rPr lang="en-US" altLang="zh-TW" dirty="0"/>
+              <a:t>Training set : </a:t>
+            </a:r>
+            <a:r>
+              <a:rPr lang="zh-TW" altLang="en-US" dirty="0"/>
+              <a:t>訓練</a:t>
+            </a:r>
+            <a:r>
+              <a:rPr lang="en-US" altLang="zh-TW" dirty="0"/>
+              <a:t>model</a:t>
+            </a:r>
+            <a:r>
+              <a:rPr lang="zh-TW" altLang="en-US" dirty="0"/>
+              <a:t>用，在調</a:t>
+            </a:r>
+            <a:r>
+              <a:rPr lang="en-US" altLang="zh-TW" dirty="0"/>
+              <a:t>(</a:t>
+            </a:r>
+            <a:r>
+              <a:rPr lang="zh-TW" altLang="en-US" dirty="0"/>
+              <a:t>超</a:t>
+            </a:r>
+            <a:r>
+              <a:rPr lang="en-US" altLang="zh-TW" dirty="0"/>
+              <a:t>)</a:t>
+            </a:r>
+            <a:r>
+              <a:rPr lang="zh-TW" altLang="en-US" dirty="0"/>
+              <a:t>參數與訓練最後的</a:t>
+            </a:r>
+            <a:r>
+              <a:rPr lang="en-US" altLang="zh-TW" dirty="0"/>
+              <a:t>model</a:t>
+            </a:r>
+            <a:r>
+              <a:rPr lang="zh-TW" altLang="en-US" dirty="0"/>
+              <a:t>時都會用到</a:t>
+            </a:r>
+            <a:endParaRPr lang="en-US" altLang="zh-TW" dirty="0"/>
+          </a:p>
+          <a:p>
+            <a:pPr lvl="1"/>
+            <a:r>
+              <a:rPr lang="en-US" altLang="zh-TW" dirty="0"/>
+              <a:t>Validation set :</a:t>
+            </a:r>
+            <a:r>
+              <a:rPr lang="zh-TW" altLang="en-US" dirty="0"/>
+              <a:t>調</a:t>
+            </a:r>
+            <a:r>
+              <a:rPr lang="en-US" altLang="zh-TW" dirty="0"/>
+              <a:t>(</a:t>
+            </a:r>
+            <a:r>
+              <a:rPr lang="zh-TW" altLang="en-US" dirty="0"/>
+              <a:t>超</a:t>
+            </a:r>
+            <a:r>
+              <a:rPr lang="en-US" altLang="zh-TW" dirty="0"/>
+              <a:t>)</a:t>
+            </a:r>
+            <a:r>
+              <a:rPr lang="zh-TW" altLang="en-US" dirty="0"/>
+              <a:t>參數才會用</a:t>
+            </a:r>
+            <a:endParaRPr lang="en-US" altLang="zh-TW" dirty="0"/>
+          </a:p>
+          <a:p>
+            <a:pPr lvl="1"/>
+            <a:r>
+              <a:rPr lang="en-US" altLang="zh-TW" dirty="0"/>
+              <a:t>Testing set : </a:t>
+            </a:r>
+            <a:r>
+              <a:rPr lang="zh-TW" altLang="en-US" dirty="0"/>
+              <a:t>用來評估最終</a:t>
+            </a:r>
+            <a:r>
+              <a:rPr lang="en-US" altLang="zh-TW" dirty="0"/>
+              <a:t>model</a:t>
+            </a:r>
+            <a:r>
+              <a:rPr lang="zh-TW" altLang="en-US" dirty="0"/>
+              <a:t>泛化能力</a:t>
+            </a:r>
+          </a:p>
+        </p:txBody>
+      </p:sp>
+    </p:spTree>
+    <p:extLst>
+      <p:ext uri="{BB962C8B-B14F-4D97-AF65-F5344CB8AC3E}">
+        <p14:creationId xmlns:p14="http://schemas.microsoft.com/office/powerpoint/2010/main" val="4003296924"/>
+      </p:ext>
+    </p:extLst>
+  </p:cSld>
+  <p:clrMapOvr>
+    <a:masterClrMapping/>
+  </p:clrMapOvr>
+</p:sld>
+</file>
+
+<file path=ppt/slides/slide13.xml><?xml version="1.0" encoding="utf-8"?>
+<p:sld xmlns:a="http://schemas.openxmlformats.org/drawingml/2006/main" xmlns:r="http://schemas.openxmlformats.org/officeDocument/2006/relationships" xmlns:p="http://schemas.openxmlformats.org/presentationml/2006/main">
+  <p:cSld>
+    <p:spTree>
+      <p:nvGrpSpPr>
+        <p:cNvPr id="1" name=""/>
+        <p:cNvGrpSpPr/>
+        <p:nvPr/>
+      </p:nvGrpSpPr>
+      <p:grpSpPr>
+        <a:xfrm>
+          <a:off x="0" y="0"/>
+          <a:ext cx="0" cy="0"/>
+          <a:chOff x="0" y="0"/>
+          <a:chExt cx="0" cy="0"/>
+        </a:xfrm>
+      </p:grpSpPr>
+      <p:sp>
+        <p:nvSpPr>
+          <p:cNvPr id="2" name="標題 1">
+            <a:extLst>
+              <a:ext uri="{FF2B5EF4-FFF2-40B4-BE49-F238E27FC236}">
+                <a16:creationId xmlns:a16="http://schemas.microsoft.com/office/drawing/2014/main" id="{9C3043A8-99FB-406E-94CE-C5955C08CC27}"/>
+              </a:ext>
+            </a:extLst>
+          </p:cNvPr>
+          <p:cNvSpPr>
+            <a:spLocks noGrp="1"/>
+          </p:cNvSpPr>
+          <p:nvPr>
+            <p:ph type="title"/>
+          </p:nvPr>
+        </p:nvSpPr>
+        <p:spPr/>
+        <p:txBody>
+          <a:bodyPr/>
+          <a:lstStyle/>
+          <a:p>
+            <a:r>
+              <a:rPr lang="en-US" altLang="zh-TW" dirty="0"/>
+              <a:t>K-fold cross validation </a:t>
+            </a:r>
+            <a:endParaRPr lang="zh-TW" altLang="en-US" dirty="0"/>
+          </a:p>
+        </p:txBody>
+      </p:sp>
+      <p:sp>
+        <p:nvSpPr>
+          <p:cNvPr id="4" name="內容版面配置區 3">
+            <a:extLst>
+              <a:ext uri="{FF2B5EF4-FFF2-40B4-BE49-F238E27FC236}">
+                <a16:creationId xmlns:a16="http://schemas.microsoft.com/office/drawing/2014/main" id="{7EB0F08D-B77D-47E6-BE9E-1AAB8278F19C}"/>
+              </a:ext>
+            </a:extLst>
+          </p:cNvPr>
+          <p:cNvSpPr>
+            <a:spLocks noGrp="1"/>
+          </p:cNvSpPr>
+          <p:nvPr>
+            <p:ph sz="half" idx="1"/>
+          </p:nvPr>
+        </p:nvSpPr>
+        <p:spPr/>
+        <p:txBody>
+          <a:bodyPr>
+            <a:normAutofit fontScale="92500"/>
+          </a:bodyPr>
+          <a:lstStyle/>
+          <a:p>
+            <a:pPr marL="457200" indent="-457200">
+              <a:buFont typeface="+mj-lt"/>
+              <a:buAutoNum type="arabicPeriod"/>
+            </a:pPr>
+            <a:r>
+              <a:rPr lang="zh-TW" altLang="en-US" dirty="0"/>
+              <a:t>先將資料分成</a:t>
+            </a:r>
+            <a:r>
+              <a:rPr lang="en-US" altLang="zh-TW" dirty="0"/>
+              <a:t>test set</a:t>
+            </a:r>
+            <a:r>
+              <a:rPr lang="zh-TW" altLang="en-US" dirty="0"/>
+              <a:t>與</a:t>
+            </a:r>
+            <a:r>
+              <a:rPr lang="en-US" altLang="zh-TW" dirty="0"/>
+              <a:t>non-test set</a:t>
+            </a:r>
+          </a:p>
+          <a:p>
+            <a:pPr marL="457200" indent="-457200">
+              <a:buFont typeface="+mj-lt"/>
+              <a:buAutoNum type="arabicPeriod"/>
+            </a:pPr>
+            <a:r>
+              <a:rPr lang="zh-TW" altLang="en-US" dirty="0"/>
+              <a:t>將</a:t>
+            </a:r>
+            <a:r>
+              <a:rPr lang="en-US" altLang="zh-TW" dirty="0"/>
+              <a:t>non-test set</a:t>
+            </a:r>
+            <a:r>
+              <a:rPr lang="zh-TW" altLang="en-US" dirty="0"/>
+              <a:t>隨機分成</a:t>
+            </a:r>
+            <a:r>
+              <a:rPr lang="en-US" altLang="zh-TW" dirty="0"/>
+              <a:t>k</a:t>
+            </a:r>
+            <a:r>
+              <a:rPr lang="zh-TW" altLang="en-US" dirty="0"/>
+              <a:t>個相同大小集合</a:t>
+            </a:r>
+            <a:endParaRPr lang="en-US" altLang="zh-TW" dirty="0"/>
+          </a:p>
+          <a:p>
+            <a:pPr marL="457200" indent="-457200">
+              <a:buFont typeface="+mj-lt"/>
+              <a:buAutoNum type="arabicPeriod"/>
+            </a:pPr>
+            <a:r>
+              <a:rPr lang="zh-TW" altLang="en-US" dirty="0"/>
+              <a:t>輪流將其中一個當</a:t>
+            </a:r>
+            <a:r>
+              <a:rPr lang="en-US" altLang="zh-TW" dirty="0"/>
+              <a:t>validation set</a:t>
+            </a:r>
+            <a:r>
+              <a:rPr lang="zh-TW" altLang="en-US" dirty="0"/>
+              <a:t>，其他剩下的當作</a:t>
+            </a:r>
+            <a:r>
+              <a:rPr lang="en-US" altLang="zh-TW" dirty="0"/>
+              <a:t>training set</a:t>
+            </a:r>
+            <a:r>
+              <a:rPr lang="zh-TW" altLang="en-US" dirty="0"/>
+              <a:t>用來訓練多個</a:t>
+            </a:r>
+            <a:r>
+              <a:rPr lang="en-US" altLang="zh-TW" dirty="0"/>
+              <a:t>model(</a:t>
+            </a:r>
+            <a:r>
+              <a:rPr lang="zh-TW" altLang="en-US" dirty="0"/>
+              <a:t>不同超參數設定</a:t>
+            </a:r>
+            <a:r>
+              <a:rPr lang="en-US" altLang="zh-TW" dirty="0"/>
+              <a:t>)</a:t>
+            </a:r>
+            <a:r>
+              <a:rPr lang="zh-TW" altLang="en-US" dirty="0"/>
+              <a:t>並記錄成效</a:t>
+            </a:r>
+            <a:r>
+              <a:rPr lang="en-US" altLang="zh-TW" dirty="0"/>
+              <a:t>(</a:t>
+            </a:r>
+            <a:r>
+              <a:rPr lang="zh-TW" altLang="en-US" dirty="0"/>
+              <a:t>準確率</a:t>
+            </a:r>
+            <a:r>
+              <a:rPr lang="en-US" altLang="zh-TW" dirty="0"/>
+              <a:t>or</a:t>
+            </a:r>
+            <a:r>
+              <a:rPr lang="zh-TW" altLang="en-US" dirty="0"/>
+              <a:t>誤差等等評判標準</a:t>
+            </a:r>
+            <a:r>
+              <a:rPr lang="en-US" altLang="zh-TW" dirty="0"/>
+              <a:t>)</a:t>
+            </a:r>
+            <a:endParaRPr lang="zh-TW" altLang="en-US" dirty="0"/>
+          </a:p>
+        </p:txBody>
+      </p:sp>
+      <p:pic>
+        <p:nvPicPr>
+          <p:cNvPr id="1026" name="Picture 2" descr="3.1. Cross-validation: evaluating estimator performance — scikit-learn  1.0.1 documentation">
+            <a:extLst>
+              <a:ext uri="{FF2B5EF4-FFF2-40B4-BE49-F238E27FC236}">
+                <a16:creationId xmlns:a16="http://schemas.microsoft.com/office/drawing/2014/main" id="{6607C1BA-2611-4113-906D-18658FA38857}"/>
+              </a:ext>
+            </a:extLst>
+          </p:cNvPr>
+          <p:cNvPicPr>
+            <a:picLocks noChangeAspect="1" noChangeArrowheads="1"/>
+          </p:cNvPicPr>
+          <p:nvPr/>
+        </p:nvPicPr>
+        <p:blipFill>
+          <a:blip r:embed="rId2">
+            <a:extLst>
+              <a:ext uri="{28A0092B-C50C-407E-A947-70E740481C1C}">
+                <a14:useLocalDpi xmlns:a14="http://schemas.microsoft.com/office/drawing/2010/main" val="0"/>
+              </a:ext>
+            </a:extLst>
+          </a:blip>
+          <a:srcRect/>
+          <a:stretch>
+            <a:fillRect/>
+          </a:stretch>
+        </p:blipFill>
+        <p:spPr bwMode="auto">
+          <a:xfrm>
+            <a:off x="6226263" y="2717534"/>
+            <a:ext cx="4588041" cy="3177931"/>
+          </a:xfrm>
+          <a:prstGeom prst="rect">
+            <a:avLst/>
+          </a:prstGeom>
+          <a:noFill/>
+          <a:extLst>
+            <a:ext uri="{909E8E84-426E-40DD-AFC4-6F175D3DCCD1}">
+              <a14:hiddenFill xmlns:a14="http://schemas.microsoft.com/office/drawing/2010/main">
+                <a:solidFill>
+                  <a:srgbClr val="FFFFFF"/>
+                </a:solidFill>
+              </a14:hiddenFill>
+            </a:ext>
+          </a:extLst>
+        </p:spPr>
+      </p:pic>
+    </p:spTree>
+    <p:extLst>
+      <p:ext uri="{BB962C8B-B14F-4D97-AF65-F5344CB8AC3E}">
+        <p14:creationId xmlns:p14="http://schemas.microsoft.com/office/powerpoint/2010/main" val="1215112184"/>
+      </p:ext>
+    </p:extLst>
+  </p:cSld>
+  <p:clrMapOvr>
+    <a:masterClrMapping/>
+  </p:clrMapOvr>
+</p:sld>
+</file>
+
+<file path=ppt/slides/slide14.xml><?xml version="1.0" encoding="utf-8"?>
+<p:sld xmlns:a="http://schemas.openxmlformats.org/drawingml/2006/main" xmlns:r="http://schemas.openxmlformats.org/officeDocument/2006/relationships" xmlns:p="http://schemas.openxmlformats.org/presentationml/2006/main">
+  <p:cSld>
+    <p:spTree>
+      <p:nvGrpSpPr>
+        <p:cNvPr id="1" name=""/>
+        <p:cNvGrpSpPr/>
+        <p:nvPr/>
+      </p:nvGrpSpPr>
+      <p:grpSpPr>
+        <a:xfrm>
+          <a:off x="0" y="0"/>
+          <a:ext cx="0" cy="0"/>
+          <a:chOff x="0" y="0"/>
+          <a:chExt cx="0" cy="0"/>
+        </a:xfrm>
+      </p:grpSpPr>
+      <p:sp>
+        <p:nvSpPr>
+          <p:cNvPr id="2" name="標題 1">
+            <a:extLst>
+              <a:ext uri="{FF2B5EF4-FFF2-40B4-BE49-F238E27FC236}">
+                <a16:creationId xmlns:a16="http://schemas.microsoft.com/office/drawing/2014/main" id="{9C3043A8-99FB-406E-94CE-C5955C08CC27}"/>
+              </a:ext>
+            </a:extLst>
+          </p:cNvPr>
+          <p:cNvSpPr>
+            <a:spLocks noGrp="1"/>
+          </p:cNvSpPr>
+          <p:nvPr>
+            <p:ph type="title"/>
+          </p:nvPr>
+        </p:nvSpPr>
+        <p:spPr/>
+        <p:txBody>
+          <a:bodyPr/>
+          <a:lstStyle/>
+          <a:p>
+            <a:r>
+              <a:rPr lang="en-US" altLang="zh-TW" dirty="0"/>
+              <a:t>K-fold cross validation </a:t>
+            </a:r>
+            <a:endParaRPr lang="zh-TW" altLang="en-US" dirty="0"/>
+          </a:p>
+        </p:txBody>
+      </p:sp>
+      <p:sp>
+        <p:nvSpPr>
+          <p:cNvPr id="4" name="內容版面配置區 3">
+            <a:extLst>
+              <a:ext uri="{FF2B5EF4-FFF2-40B4-BE49-F238E27FC236}">
+                <a16:creationId xmlns:a16="http://schemas.microsoft.com/office/drawing/2014/main" id="{7EB0F08D-B77D-47E6-BE9E-1AAB8278F19C}"/>
+              </a:ext>
+            </a:extLst>
+          </p:cNvPr>
+          <p:cNvSpPr>
+            <a:spLocks noGrp="1"/>
+          </p:cNvSpPr>
+          <p:nvPr>
+            <p:ph sz="half" idx="1"/>
+          </p:nvPr>
+        </p:nvSpPr>
+        <p:spPr/>
+        <p:txBody>
+          <a:bodyPr>
+            <a:normAutofit/>
+          </a:bodyPr>
+          <a:lstStyle/>
+          <a:p>
+            <a:pPr marL="457200" indent="-457200">
+              <a:buFont typeface="+mj-lt"/>
+              <a:buAutoNum type="arabicPeriod" startAt="4"/>
+            </a:pPr>
+            <a:r>
+              <a:rPr lang="zh-TW" altLang="en-US" dirty="0"/>
+              <a:t>計算出不同超參數設定的平均成效後選出最佳設定</a:t>
+            </a:r>
+            <a:endParaRPr lang="en-US" altLang="zh-TW" dirty="0"/>
+          </a:p>
+          <a:p>
+            <a:pPr marL="457200" indent="-457200">
+              <a:buFont typeface="+mj-lt"/>
+              <a:buAutoNum type="arabicPeriod" startAt="4"/>
+            </a:pPr>
+            <a:r>
+              <a:rPr lang="zh-TW" altLang="en-US" dirty="0"/>
+              <a:t>把</a:t>
+            </a:r>
+            <a:r>
+              <a:rPr lang="en-US" altLang="zh-TW" dirty="0"/>
+              <a:t>non-test set</a:t>
+            </a:r>
+            <a:r>
+              <a:rPr lang="zh-TW" altLang="en-US" dirty="0"/>
+              <a:t>拿來訓練</a:t>
+            </a:r>
+            <a:r>
+              <a:rPr lang="en-US" altLang="zh-TW" dirty="0"/>
+              <a:t>model(</a:t>
+            </a:r>
+            <a:r>
+              <a:rPr lang="zh-TW" altLang="en-US" dirty="0"/>
+              <a:t>超參數用前面找出的最佳設定</a:t>
+            </a:r>
+            <a:r>
+              <a:rPr lang="en-US" altLang="zh-TW" dirty="0"/>
+              <a:t>)</a:t>
+            </a:r>
+          </a:p>
+          <a:p>
+            <a:pPr marL="457200" indent="-457200">
+              <a:buFont typeface="+mj-lt"/>
+              <a:buAutoNum type="arabicPeriod" startAt="4"/>
+            </a:pPr>
+            <a:r>
+              <a:rPr lang="zh-TW" altLang="en-US" dirty="0"/>
+              <a:t>用</a:t>
+            </a:r>
+            <a:r>
+              <a:rPr lang="en-US" altLang="zh-TW" dirty="0"/>
+              <a:t>test set</a:t>
+            </a:r>
+            <a:r>
+              <a:rPr lang="zh-TW" altLang="en-US" dirty="0"/>
+              <a:t>評估</a:t>
+            </a:r>
+            <a:r>
+              <a:rPr lang="en-US" altLang="zh-TW" dirty="0"/>
+              <a:t>model</a:t>
+            </a:r>
+            <a:r>
+              <a:rPr lang="zh-TW" altLang="en-US"/>
+              <a:t>的最終成效</a:t>
+            </a:r>
+            <a:endParaRPr lang="zh-TW" altLang="en-US" dirty="0"/>
+          </a:p>
+        </p:txBody>
+      </p:sp>
+      <p:pic>
+        <p:nvPicPr>
+          <p:cNvPr id="1026" name="Picture 2" descr="3.1. Cross-validation: evaluating estimator performance — scikit-learn  1.0.1 documentation">
+            <a:extLst>
+              <a:ext uri="{FF2B5EF4-FFF2-40B4-BE49-F238E27FC236}">
+                <a16:creationId xmlns:a16="http://schemas.microsoft.com/office/drawing/2014/main" id="{6607C1BA-2611-4113-906D-18658FA38857}"/>
+              </a:ext>
+            </a:extLst>
+          </p:cNvPr>
+          <p:cNvPicPr>
+            <a:picLocks noChangeAspect="1" noChangeArrowheads="1"/>
+          </p:cNvPicPr>
+          <p:nvPr/>
+        </p:nvPicPr>
+        <p:blipFill>
+          <a:blip r:embed="rId2">
+            <a:extLst>
+              <a:ext uri="{28A0092B-C50C-407E-A947-70E740481C1C}">
+                <a14:useLocalDpi xmlns:a14="http://schemas.microsoft.com/office/drawing/2010/main" val="0"/>
+              </a:ext>
+            </a:extLst>
+          </a:blip>
+          <a:srcRect/>
+          <a:stretch>
+            <a:fillRect/>
+          </a:stretch>
+        </p:blipFill>
+        <p:spPr bwMode="auto">
+          <a:xfrm>
+            <a:off x="6226263" y="2717534"/>
+            <a:ext cx="4588041" cy="3177931"/>
+          </a:xfrm>
+          <a:prstGeom prst="rect">
+            <a:avLst/>
+          </a:prstGeom>
+          <a:noFill/>
+          <a:extLst>
+            <a:ext uri="{909E8E84-426E-40DD-AFC4-6F175D3DCCD1}">
+              <a14:hiddenFill xmlns:a14="http://schemas.microsoft.com/office/drawing/2010/main">
+                <a:solidFill>
+                  <a:srgbClr val="FFFFFF"/>
+                </a:solidFill>
+              </a14:hiddenFill>
+            </a:ext>
+          </a:extLst>
+        </p:spPr>
+      </p:pic>
+    </p:spTree>
+    <p:extLst>
+      <p:ext uri="{BB962C8B-B14F-4D97-AF65-F5344CB8AC3E}">
+        <p14:creationId xmlns:p14="http://schemas.microsoft.com/office/powerpoint/2010/main" val="1967859053"/>
+      </p:ext>
+    </p:extLst>
+  </p:cSld>
+  <p:clrMapOvr>
+    <a:masterClrMapping/>
+  </p:clrMapOvr>
+</p:sld>
+</file>
+
+<file path=ppt/slides/slide15.xml><?xml version="1.0" encoding="utf-8"?>
 <p:sld xmlns:a="http://schemas.openxmlformats.org/drawingml/2006/main" xmlns:r="http://schemas.openxmlformats.org/officeDocument/2006/relationships" xmlns:p="http://schemas.openxmlformats.org/presentationml/2006/main">
   <p:cSld>
     <p:spTree>
@@ -8697,7 +9447,7 @@
 </p:sld>
 </file>
 
-<file path=ppt/slides/slide13.xml><?xml version="1.0" encoding="utf-8"?>
+<file path=ppt/slides/slide16.xml><?xml version="1.0" encoding="utf-8"?>
 <p:sld xmlns:a="http://schemas.openxmlformats.org/drawingml/2006/main" xmlns:r="http://schemas.openxmlformats.org/officeDocument/2006/relationships" xmlns:p="http://schemas.openxmlformats.org/presentationml/2006/main">
   <p:cSld>
     <p:spTree>
@@ -9376,256 +10126,6 @@
 </p:sld>
 </file>
 
-<file path=ppt/slides/slide14.xml><?xml version="1.0" encoding="utf-8"?>
-<p:sld xmlns:a="http://schemas.openxmlformats.org/drawingml/2006/main" xmlns:r="http://schemas.openxmlformats.org/officeDocument/2006/relationships" xmlns:p="http://schemas.openxmlformats.org/presentationml/2006/main">
-  <p:cSld>
-    <p:spTree>
-      <p:nvGrpSpPr>
-        <p:cNvPr id="1" name=""/>
-        <p:cNvGrpSpPr/>
-        <p:nvPr/>
-      </p:nvGrpSpPr>
-      <p:grpSpPr>
-        <a:xfrm>
-          <a:off x="0" y="0"/>
-          <a:ext cx="0" cy="0"/>
-          <a:chOff x="0" y="0"/>
-          <a:chExt cx="0" cy="0"/>
-        </a:xfrm>
-      </p:grpSpPr>
-      <p:sp>
-        <p:nvSpPr>
-          <p:cNvPr id="2" name="標題 1">
-            <a:extLst>
-              <a:ext uri="{FF2B5EF4-FFF2-40B4-BE49-F238E27FC236}">
-                <a16:creationId xmlns:a16="http://schemas.microsoft.com/office/drawing/2014/main" id="{C8E48965-8037-4518-9B1F-97A622225491}"/>
-              </a:ext>
-            </a:extLst>
-          </p:cNvPr>
-          <p:cNvSpPr>
-            <a:spLocks noGrp="1"/>
-          </p:cNvSpPr>
-          <p:nvPr>
-            <p:ph type="title"/>
-          </p:nvPr>
-        </p:nvSpPr>
-        <p:spPr/>
-        <p:txBody>
-          <a:bodyPr/>
-          <a:lstStyle/>
-          <a:p>
-            <a:r>
-              <a:rPr lang="en-US" altLang="zh-TW" dirty="0"/>
-              <a:t>K-fold cross validation </a:t>
-            </a:r>
-            <a:endParaRPr lang="zh-TW" altLang="en-US" dirty="0"/>
-          </a:p>
-        </p:txBody>
-      </p:sp>
-      <p:sp>
-        <p:nvSpPr>
-          <p:cNvPr id="3" name="內容版面配置區 2">
-            <a:extLst>
-              <a:ext uri="{FF2B5EF4-FFF2-40B4-BE49-F238E27FC236}">
-                <a16:creationId xmlns:a16="http://schemas.microsoft.com/office/drawing/2014/main" id="{201DA8D7-255F-4C52-B442-74F6553F2386}"/>
-              </a:ext>
-            </a:extLst>
-          </p:cNvPr>
-          <p:cNvSpPr>
-            <a:spLocks noGrp="1"/>
-          </p:cNvSpPr>
-          <p:nvPr>
-            <p:ph idx="1"/>
-          </p:nvPr>
-        </p:nvSpPr>
-        <p:spPr/>
-        <p:txBody>
-          <a:bodyPr/>
-          <a:lstStyle/>
-          <a:p>
-            <a:r>
-              <a:rPr lang="en-US" altLang="zh-TW" dirty="0"/>
-              <a:t>3 roles of dataset</a:t>
-            </a:r>
-          </a:p>
-          <a:p>
-            <a:pPr lvl="1"/>
-            <a:r>
-              <a:rPr lang="en-US" altLang="zh-TW" dirty="0"/>
-              <a:t>Training set : for train model</a:t>
-            </a:r>
-          </a:p>
-          <a:p>
-            <a:pPr lvl="1"/>
-            <a:r>
-              <a:rPr lang="en-US" altLang="zh-TW" dirty="0"/>
-              <a:t>Validation set : for hyperparameters tuning</a:t>
-            </a:r>
-          </a:p>
-          <a:p>
-            <a:pPr lvl="1"/>
-            <a:r>
-              <a:rPr lang="en-US" altLang="zh-TW" dirty="0"/>
-              <a:t>Testing set : for model performance evaluation</a:t>
-            </a:r>
-            <a:endParaRPr lang="zh-TW" altLang="en-US" dirty="0"/>
-          </a:p>
-        </p:txBody>
-      </p:sp>
-    </p:spTree>
-    <p:extLst>
-      <p:ext uri="{BB962C8B-B14F-4D97-AF65-F5344CB8AC3E}">
-        <p14:creationId xmlns:p14="http://schemas.microsoft.com/office/powerpoint/2010/main" val="4003296924"/>
-      </p:ext>
-    </p:extLst>
-  </p:cSld>
-  <p:clrMapOvr>
-    <a:masterClrMapping/>
-  </p:clrMapOvr>
-</p:sld>
-</file>
-
-<file path=ppt/slides/slide15.xml><?xml version="1.0" encoding="utf-8"?>
-<p:sld xmlns:a="http://schemas.openxmlformats.org/drawingml/2006/main" xmlns:r="http://schemas.openxmlformats.org/officeDocument/2006/relationships" xmlns:p="http://schemas.openxmlformats.org/presentationml/2006/main">
-  <p:cSld>
-    <p:spTree>
-      <p:nvGrpSpPr>
-        <p:cNvPr id="1" name=""/>
-        <p:cNvGrpSpPr/>
-        <p:nvPr/>
-      </p:nvGrpSpPr>
-      <p:grpSpPr>
-        <a:xfrm>
-          <a:off x="0" y="0"/>
-          <a:ext cx="0" cy="0"/>
-          <a:chOff x="0" y="0"/>
-          <a:chExt cx="0" cy="0"/>
-        </a:xfrm>
-      </p:grpSpPr>
-      <p:sp>
-        <p:nvSpPr>
-          <p:cNvPr id="2" name="標題 1">
-            <a:extLst>
-              <a:ext uri="{FF2B5EF4-FFF2-40B4-BE49-F238E27FC236}">
-                <a16:creationId xmlns:a16="http://schemas.microsoft.com/office/drawing/2014/main" id="{9C3043A8-99FB-406E-94CE-C5955C08CC27}"/>
-              </a:ext>
-            </a:extLst>
-          </p:cNvPr>
-          <p:cNvSpPr>
-            <a:spLocks noGrp="1"/>
-          </p:cNvSpPr>
-          <p:nvPr>
-            <p:ph type="title"/>
-          </p:nvPr>
-        </p:nvSpPr>
-        <p:spPr/>
-        <p:txBody>
-          <a:bodyPr/>
-          <a:lstStyle/>
-          <a:p>
-            <a:r>
-              <a:rPr lang="en-US" altLang="zh-TW" dirty="0"/>
-              <a:t>K-fold cross validation </a:t>
-            </a:r>
-            <a:endParaRPr lang="zh-TW" altLang="en-US" dirty="0"/>
-          </a:p>
-        </p:txBody>
-      </p:sp>
-      <p:sp>
-        <p:nvSpPr>
-          <p:cNvPr id="4" name="內容版面配置區 3">
-            <a:extLst>
-              <a:ext uri="{FF2B5EF4-FFF2-40B4-BE49-F238E27FC236}">
-                <a16:creationId xmlns:a16="http://schemas.microsoft.com/office/drawing/2014/main" id="{7EB0F08D-B77D-47E6-BE9E-1AAB8278F19C}"/>
-              </a:ext>
-            </a:extLst>
-          </p:cNvPr>
-          <p:cNvSpPr>
-            <a:spLocks noGrp="1"/>
-          </p:cNvSpPr>
-          <p:nvPr>
-            <p:ph sz="half" idx="1"/>
-          </p:nvPr>
-        </p:nvSpPr>
-        <p:spPr/>
-        <p:txBody>
-          <a:bodyPr/>
-          <a:lstStyle/>
-          <a:p>
-            <a:r>
-              <a:rPr lang="en-US" altLang="zh-TW" dirty="0"/>
-              <a:t>Hyperparameters is a parameter whose value is used to control the learning process</a:t>
-            </a:r>
-          </a:p>
-          <a:p>
-            <a:r>
-              <a:rPr lang="en-US" altLang="zh-TW" dirty="0"/>
-              <a:t>Find hyperparameter settings that have best average performance of each split.</a:t>
-            </a:r>
-            <a:endParaRPr lang="zh-TW" altLang="en-US" dirty="0"/>
-          </a:p>
-        </p:txBody>
-      </p:sp>
-      <p:pic>
-        <p:nvPicPr>
-          <p:cNvPr id="1026" name="Picture 2" descr="3.1. Cross-validation: evaluating estimator performance — scikit-learn  1.0.1 documentation">
-            <a:extLst>
-              <a:ext uri="{FF2B5EF4-FFF2-40B4-BE49-F238E27FC236}">
-                <a16:creationId xmlns:a16="http://schemas.microsoft.com/office/drawing/2014/main" id="{6607C1BA-2611-4113-906D-18658FA38857}"/>
-              </a:ext>
-            </a:extLst>
-          </p:cNvPr>
-          <p:cNvPicPr>
-            <a:picLocks noChangeAspect="1" noChangeArrowheads="1"/>
-          </p:cNvPicPr>
-          <p:nvPr/>
-        </p:nvPicPr>
-        <p:blipFill>
-          <a:blip r:embed="rId2">
-            <a:extLst>
-              <a:ext uri="{28A0092B-C50C-407E-A947-70E740481C1C}">
-                <a14:useLocalDpi xmlns:a14="http://schemas.microsoft.com/office/drawing/2010/main" val="0"/>
-              </a:ext>
-            </a:extLst>
-          </a:blip>
-          <a:srcRect/>
-          <a:stretch>
-            <a:fillRect/>
-          </a:stretch>
-        </p:blipFill>
-        <p:spPr bwMode="auto">
-          <a:xfrm>
-            <a:off x="6226263" y="2717534"/>
-            <a:ext cx="4588041" cy="3177931"/>
-          </a:xfrm>
-          <a:prstGeom prst="rect">
-            <a:avLst/>
-          </a:prstGeom>
-          <a:noFill/>
-          <a:extLst>
-            <a:ext uri="{909E8E84-426E-40DD-AFC4-6F175D3DCCD1}">
-              <a14:hiddenFill xmlns:a14="http://schemas.microsoft.com/office/drawing/2010/main">
-                <a:solidFill>
-                  <a:srgbClr val="FFFFFF"/>
-                </a:solidFill>
-              </a14:hiddenFill>
-            </a:ext>
-          </a:extLst>
-        </p:spPr>
-      </p:pic>
-    </p:spTree>
-    <p:extLst>
-      <p:ext uri="{BB962C8B-B14F-4D97-AF65-F5344CB8AC3E}">
-        <p14:creationId xmlns:p14="http://schemas.microsoft.com/office/powerpoint/2010/main" val="1215112184"/>
-      </p:ext>
-    </p:extLst>
-  </p:cSld>
-  <p:clrMapOvr>
-    <a:masterClrMapping/>
-  </p:clrMapOvr>
-</p:sld>
-</file>
-
 <file path=ppt/slides/slide2.xml><?xml version="1.0" encoding="utf-8"?>
 <p:sld xmlns:a="http://schemas.openxmlformats.org/drawingml/2006/main" xmlns:r="http://schemas.openxmlformats.org/officeDocument/2006/relationships" xmlns:p="http://schemas.openxmlformats.org/presentationml/2006/main">
   <p:cSld>
@@ -9645,10 +10145,10 @@
       </p:grpSpPr>
       <p:sp>
         <p:nvSpPr>
-          <p:cNvPr id="2" name="標題 1">
+          <p:cNvPr id="6" name="標題 5">
             <a:extLst>
               <a:ext uri="{FF2B5EF4-FFF2-40B4-BE49-F238E27FC236}">
-                <a16:creationId xmlns:a16="http://schemas.microsoft.com/office/drawing/2014/main" id="{1FA1A006-AF7F-46DC-8A18-E16F26CA8DFB}"/>
+                <a16:creationId xmlns:a16="http://schemas.microsoft.com/office/drawing/2014/main" id="{404B3690-C787-41C5-8A03-C2E0D6BE916C}"/>
               </a:ext>
             </a:extLst>
           </p:cNvPr>
@@ -9666,7 +10166,7 @@
           <a:p>
             <a:r>
               <a:rPr lang="en-US" altLang="zh-TW" dirty="0"/>
-              <a:t>Setting</a:t>
+              <a:t>Course Summary</a:t>
             </a:r>
             <a:endParaRPr lang="zh-TW" altLang="en-US" dirty="0"/>
           </a:p>
@@ -9674,10 +10174,10 @@
       </p:sp>
       <p:sp>
         <p:nvSpPr>
-          <p:cNvPr id="3" name="內容版面配置區 2">
+          <p:cNvPr id="7" name="內容版面配置區 6">
             <a:extLst>
               <a:ext uri="{FF2B5EF4-FFF2-40B4-BE49-F238E27FC236}">
-                <a16:creationId xmlns:a16="http://schemas.microsoft.com/office/drawing/2014/main" id="{8FE8FFCC-A3EB-4C83-8517-C65250F8258D}"/>
+                <a16:creationId xmlns:a16="http://schemas.microsoft.com/office/drawing/2014/main" id="{E0C272F6-60D0-4746-9212-567531EB7E0B}"/>
               </a:ext>
             </a:extLst>
           </p:cNvPr>
@@ -9690,7 +10190,9 @@
         </p:nvSpPr>
         <p:spPr/>
         <p:txBody>
-          <a:bodyPr/>
+          <a:bodyPr>
+            <a:normAutofit/>
+          </a:bodyPr>
           <a:lstStyle/>
           <a:p>
             <a:pPr marL="457200" indent="-457200">
@@ -9698,93 +10200,68 @@
               <a:buAutoNum type="arabicPeriod"/>
             </a:pPr>
             <a:r>
-              <a:rPr lang="zh-TW" altLang="en-US" dirty="0"/>
-              <a:t>下載教材檔案 </a:t>
-            </a:r>
-            <a:r>
               <a:rPr lang="en-US" altLang="zh-TW" dirty="0"/>
-              <a:t>ML_workshop.zip</a:t>
+              <a:t>Validation</a:t>
             </a:r>
           </a:p>
           <a:p>
             <a:pPr lvl="1"/>
             <a:r>
               <a:rPr lang="en-US" altLang="zh-TW" dirty="0">
-                <a:hlinkClick r:id="rId2"/>
+                <a:solidFill>
+                  <a:srgbClr val="FF0000"/>
+                </a:solidFill>
               </a:rPr>
-              <a:t>https://reurl.cc/35zg2j</a:t>
-            </a:r>
-            <a:endParaRPr lang="en-US" altLang="zh-TW" dirty="0"/>
+              <a:t>K-fold cross validation</a:t>
+            </a:r>
+          </a:p>
+          <a:p>
+            <a:pPr lvl="1"/>
+            <a:r>
+              <a:rPr lang="en-US" altLang="zh-TW" dirty="0"/>
+              <a:t>Leave-one-out cross validation</a:t>
+            </a:r>
+          </a:p>
+          <a:p>
+            <a:pPr lvl="1"/>
+            <a:r>
+              <a:rPr lang="en-US" altLang="zh-TW" dirty="0"/>
+              <a:t>Holdout validation</a:t>
+            </a:r>
           </a:p>
           <a:p>
             <a:pPr marL="457200" indent="-457200">
+              <a:lnSpc>
+                <a:spcPct val="150000"/>
+              </a:lnSpc>
               <a:buFont typeface="+mj-lt"/>
               <a:buAutoNum type="arabicPeriod"/>
             </a:pPr>
             <a:r>
-              <a:rPr lang="zh-TW" altLang="en-US" dirty="0"/>
-              <a:t>將檔案解壓縮後把整個</a:t>
-            </a:r>
-            <a:r>
-              <a:rPr lang="en-US" altLang="zh-TW" dirty="0" err="1"/>
-              <a:t>ML_workshop</a:t>
-            </a:r>
-            <a:r>
-              <a:rPr lang="zh-TW" altLang="en-US" dirty="0"/>
-              <a:t>資料夾上傳到自己的</a:t>
-            </a:r>
-            <a:r>
               <a:rPr lang="en-US" altLang="zh-TW" dirty="0"/>
-              <a:t>google</a:t>
-            </a:r>
-            <a:r>
-              <a:rPr lang="zh-TW" altLang="en-US" dirty="0"/>
-              <a:t>雲端硬碟</a:t>
-            </a:r>
-            <a:endParaRPr lang="en-US" altLang="zh-TW" dirty="0"/>
-          </a:p>
-        </p:txBody>
-      </p:sp>
-      <p:pic>
-        <p:nvPicPr>
-          <p:cNvPr id="5" name="圖片 4">
-            <a:extLst>
-              <a:ext uri="{FF2B5EF4-FFF2-40B4-BE49-F238E27FC236}">
-                <a16:creationId xmlns:a16="http://schemas.microsoft.com/office/drawing/2014/main" id="{4D6F5F8D-E89B-4ADB-BDAB-E003A7F1EEB3}"/>
-              </a:ext>
-            </a:extLst>
-          </p:cNvPr>
-          <p:cNvPicPr>
-            <a:picLocks noChangeAspect="1"/>
-          </p:cNvPicPr>
-          <p:nvPr/>
-        </p:nvPicPr>
-        <p:blipFill>
-          <a:blip r:embed="rId3">
-            <a:extLst>
-              <a:ext uri="{28A0092B-C50C-407E-A947-70E740481C1C}">
-                <a14:useLocalDpi xmlns:a14="http://schemas.microsoft.com/office/drawing/2010/main" val="0"/>
-              </a:ext>
-            </a:extLst>
-          </a:blip>
-          <a:stretch>
-            <a:fillRect/>
-          </a:stretch>
-        </p:blipFill>
-        <p:spPr>
-          <a:xfrm>
-            <a:off x="9467847" y="4391025"/>
-            <a:ext cx="1428750" cy="1428750"/>
-          </a:xfrm>
-          <a:prstGeom prst="rect">
-            <a:avLst/>
-          </a:prstGeom>
-        </p:spPr>
-      </p:pic>
+              <a:t>Evaluation</a:t>
+            </a:r>
+          </a:p>
+          <a:p>
+            <a:pPr lvl="1"/>
+            <a:r>
+              <a:rPr lang="en-US" altLang="zh-TW" dirty="0">
+                <a:solidFill>
+                  <a:srgbClr val="FF0000"/>
+                </a:solidFill>
+              </a:rPr>
+              <a:t>Confusion matrix</a:t>
+            </a:r>
+          </a:p>
+          <a:p>
+            <a:endParaRPr lang="zh-TW" altLang="en-US" dirty="0"/>
+          </a:p>
+        </p:txBody>
+      </p:sp>
     </p:spTree>
     <p:extLst>
       <p:ext uri="{BB962C8B-B14F-4D97-AF65-F5344CB8AC3E}">
-        <p14:creationId xmlns:p14="http://schemas.microsoft.com/office/powerpoint/2010/main" val="600064668"/>
+        <p14:creationId xmlns:p14="http://schemas.microsoft.com/office/powerpoint/2010/main" val="3260500670"/>
       </p:ext>
     </p:extLst>
   </p:cSld>
@@ -9859,17 +10336,17 @@
         <p:spPr/>
         <p:txBody>
           <a:bodyPr>
-            <a:normAutofit/>
+            <a:normAutofit fontScale="92500" lnSpcReduction="20000"/>
           </a:bodyPr>
           <a:lstStyle/>
           <a:p>
             <a:pPr marL="457200" indent="-457200">
               <a:buFont typeface="+mj-lt"/>
-              <a:buAutoNum type="arabicPeriod"/>
+              <a:buAutoNum type="arabicPeriod" startAt="3"/>
             </a:pPr>
             <a:r>
               <a:rPr lang="en-US" altLang="zh-TW" dirty="0"/>
-              <a:t>Validation</a:t>
+              <a:t>Supervised learning algorithm</a:t>
             </a:r>
           </a:p>
           <a:p>
@@ -9880,35 +10357,14 @@
                   <a:srgbClr val="FF0000"/>
                 </a:solidFill>
               </a:rPr>
-              <a:t>K-fold cross validation (*optional)</a:t>
+              <a:t>Naive Bayes</a:t>
             </a:r>
           </a:p>
           <a:p>
             <a:pPr lvl="1"/>
             <a:r>
               <a:rPr lang="en-US" altLang="zh-TW" dirty="0"/>
-              <a:t>Leave-one-out cross validation</a:t>
-            </a:r>
-          </a:p>
-          <a:p>
-            <a:pPr lvl="1"/>
-            <a:r>
-              <a:rPr lang="en-US" altLang="zh-TW"/>
-              <a:t>Holdout validation</a:t>
-            </a:r>
-            <a:endParaRPr lang="en-US" altLang="zh-TW" dirty="0"/>
-          </a:p>
-          <a:p>
-            <a:pPr marL="457200" indent="-457200">
-              <a:lnSpc>
-                <a:spcPct val="150000"/>
-              </a:lnSpc>
-              <a:buFont typeface="+mj-lt"/>
-              <a:buAutoNum type="arabicPeriod"/>
-            </a:pPr>
-            <a:r>
-              <a:rPr lang="en-US" altLang="zh-TW" dirty="0"/>
-              <a:t>Evaluation</a:t>
+              <a:t>Decision tree</a:t>
             </a:r>
           </a:p>
           <a:p>
@@ -9919,10 +10375,53 @@
                   <a:srgbClr val="FF0000"/>
                 </a:solidFill>
               </a:rPr>
-              <a:t>Confusion matrix</a:t>
-            </a:r>
-          </a:p>
-          <a:p>
+              <a:t>Linear regression</a:t>
+            </a:r>
+          </a:p>
+          <a:p>
+            <a:pPr lvl="1">
+              <a:lnSpc>
+                <a:spcPct val="120000"/>
+              </a:lnSpc>
+            </a:pPr>
+            <a:r>
+              <a:rPr lang="en-US" altLang="zh-TW" dirty="0">
+                <a:solidFill>
+                  <a:schemeClr val="tx1"/>
+                </a:solidFill>
+              </a:rPr>
+              <a:t>Logistic regression</a:t>
+            </a:r>
+          </a:p>
+          <a:p>
+            <a:pPr lvl="1">
+              <a:lnSpc>
+                <a:spcPct val="110000"/>
+              </a:lnSpc>
+            </a:pPr>
+            <a:r>
+              <a:rPr lang="en-US" altLang="zh-TW" dirty="0"/>
+              <a:t>SVM</a:t>
+            </a:r>
+            <a:endParaRPr lang="zh-TW" altLang="en-US" dirty="0"/>
+          </a:p>
+          <a:p>
+            <a:pPr>
+              <a:lnSpc>
+                <a:spcPct val="170000"/>
+              </a:lnSpc>
+            </a:pPr>
+            <a:r>
+              <a:rPr lang="en-US" altLang="zh-TW" dirty="0"/>
+              <a:t>Unsupervised learning algorithm</a:t>
+            </a:r>
+          </a:p>
+          <a:p>
+            <a:pPr lvl="1"/>
+            <a:r>
+              <a:rPr lang="en-US" altLang="zh-TW" dirty="0"/>
+              <a:t>KNN</a:t>
+            </a:r>
             <a:endParaRPr lang="zh-TW" altLang="en-US" dirty="0"/>
           </a:p>
         </p:txBody>
@@ -9930,7 +10429,7 @@
     </p:spTree>
     <p:extLst>
       <p:ext uri="{BB962C8B-B14F-4D97-AF65-F5344CB8AC3E}">
-        <p14:creationId xmlns:p14="http://schemas.microsoft.com/office/powerpoint/2010/main" val="3260500670"/>
+        <p14:creationId xmlns:p14="http://schemas.microsoft.com/office/powerpoint/2010/main" val="3814035138"/>
       </p:ext>
     </p:extLst>
   </p:cSld>
@@ -9959,10 +10458,10 @@
       </p:grpSpPr>
       <p:sp>
         <p:nvSpPr>
-          <p:cNvPr id="6" name="標題 5">
+          <p:cNvPr id="2" name="標題 1">
             <a:extLst>
               <a:ext uri="{FF2B5EF4-FFF2-40B4-BE49-F238E27FC236}">
-                <a16:creationId xmlns:a16="http://schemas.microsoft.com/office/drawing/2014/main" id="{404B3690-C787-41C5-8A03-C2E0D6BE916C}"/>
+                <a16:creationId xmlns:a16="http://schemas.microsoft.com/office/drawing/2014/main" id="{1FA1A006-AF7F-46DC-8A18-E16F26CA8DFB}"/>
               </a:ext>
             </a:extLst>
           </p:cNvPr>
@@ -9980,7 +10479,7 @@
           <a:p>
             <a:r>
               <a:rPr lang="en-US" altLang="zh-TW" dirty="0"/>
-              <a:t>Course Summary</a:t>
+              <a:t>Setting</a:t>
             </a:r>
             <a:endParaRPr lang="zh-TW" altLang="en-US" dirty="0"/>
           </a:p>
@@ -9988,10 +10487,10 @@
       </p:sp>
       <p:sp>
         <p:nvSpPr>
-          <p:cNvPr id="7" name="內容版面配置區 6">
+          <p:cNvPr id="3" name="內容版面配置區 2">
             <a:extLst>
               <a:ext uri="{FF2B5EF4-FFF2-40B4-BE49-F238E27FC236}">
-                <a16:creationId xmlns:a16="http://schemas.microsoft.com/office/drawing/2014/main" id="{E0C272F6-60D0-4746-9212-567531EB7E0B}"/>
+                <a16:creationId xmlns:a16="http://schemas.microsoft.com/office/drawing/2014/main" id="{8FE8FFCC-A3EB-4C83-8517-C65250F8258D}"/>
               </a:ext>
             </a:extLst>
           </p:cNvPr>
@@ -10004,101 +10503,103 @@
         </p:nvSpPr>
         <p:spPr/>
         <p:txBody>
-          <a:bodyPr>
-            <a:normAutofit fontScale="92500" lnSpcReduction="20000"/>
-          </a:bodyPr>
+          <a:bodyPr/>
           <a:lstStyle/>
           <a:p>
             <a:pPr marL="457200" indent="-457200">
               <a:buFont typeface="+mj-lt"/>
-              <a:buAutoNum type="arabicPeriod" startAt="3"/>
+              <a:buAutoNum type="arabicPeriod"/>
             </a:pPr>
             <a:r>
+              <a:rPr lang="zh-TW" altLang="en-US" dirty="0"/>
+              <a:t>下載教材檔案 </a:t>
+            </a:r>
+            <a:r>
               <a:rPr lang="en-US" altLang="zh-TW" dirty="0"/>
-              <a:t>Supervised learning algorithm</a:t>
+              <a:t>ML_workshop.zip</a:t>
             </a:r>
           </a:p>
           <a:p>
             <a:pPr lvl="1"/>
             <a:r>
               <a:rPr lang="en-US" altLang="zh-TW" dirty="0">
-                <a:solidFill>
-                  <a:srgbClr val="FF0000"/>
-                </a:solidFill>
+                <a:hlinkClick r:id="rId2"/>
               </a:rPr>
-              <a:t>Naive Bayes</a:t>
-            </a:r>
-          </a:p>
-          <a:p>
-            <a:pPr lvl="1"/>
+              <a:t>https://reurl.cc/k7VZG3</a:t>
+            </a:r>
+            <a:endParaRPr lang="en-US" altLang="zh-TW" dirty="0"/>
+          </a:p>
+          <a:p>
+            <a:pPr marL="457200" lvl="1" indent="0">
+              <a:buNone/>
+            </a:pPr>
+            <a:endParaRPr lang="en-US" altLang="zh-TW" dirty="0"/>
+          </a:p>
+          <a:p>
+            <a:r>
+              <a:rPr lang="zh-TW" altLang="en-US" dirty="0"/>
+              <a:t>將檔案解壓縮後把整個</a:t>
+            </a:r>
+            <a:r>
+              <a:rPr lang="en-US" altLang="zh-TW" dirty="0" err="1"/>
+              <a:t>ML_workshop</a:t>
+            </a:r>
+            <a:r>
+              <a:rPr lang="zh-TW" altLang="en-US" dirty="0"/>
+              <a:t>資料夾上傳到自己的</a:t>
+            </a:r>
             <a:r>
               <a:rPr lang="en-US" altLang="zh-TW" dirty="0"/>
-              <a:t>Decision tree</a:t>
-            </a:r>
-          </a:p>
-          <a:p>
-            <a:pPr lvl="1"/>
-            <a:r>
-              <a:rPr lang="en-US" altLang="zh-TW" dirty="0">
-                <a:solidFill>
-                  <a:srgbClr val="FF0000"/>
-                </a:solidFill>
-              </a:rPr>
-              <a:t>Linear regression</a:t>
-            </a:r>
-          </a:p>
-          <a:p>
-            <a:pPr lvl="1">
-              <a:lnSpc>
-                <a:spcPct val="120000"/>
-              </a:lnSpc>
-            </a:pPr>
-            <a:r>
-              <a:rPr lang="en-US" altLang="zh-TW" dirty="0">
-                <a:solidFill>
-                  <a:schemeClr val="tx1"/>
-                </a:solidFill>
-              </a:rPr>
-              <a:t>Logistic regression</a:t>
-            </a:r>
-          </a:p>
-          <a:p>
-            <a:pPr lvl="1">
-              <a:lnSpc>
-                <a:spcPct val="110000"/>
-              </a:lnSpc>
-            </a:pPr>
-            <a:r>
-              <a:rPr lang="en-US" altLang="zh-TW" dirty="0"/>
-              <a:t>SVM</a:t>
-            </a:r>
-            <a:endParaRPr lang="zh-TW" altLang="en-US" dirty="0"/>
-          </a:p>
-          <a:p>
-            <a:pPr>
-              <a:lnSpc>
-                <a:spcPct val="170000"/>
-              </a:lnSpc>
-            </a:pPr>
-            <a:r>
-              <a:rPr lang="en-US" altLang="zh-TW" dirty="0"/>
-              <a:t>Unsupervised learning algorithm</a:t>
-            </a:r>
-          </a:p>
-          <a:p>
-            <a:pPr lvl="1"/>
-            <a:r>
-              <a:rPr lang="en-US" altLang="zh-TW" dirty="0"/>
-              <a:t>KNN</a:t>
-            </a:r>
-            <a:endParaRPr lang="zh-TW" altLang="en-US" dirty="0"/>
-          </a:p>
-        </p:txBody>
-      </p:sp>
+              <a:t>google</a:t>
+            </a:r>
+            <a:r>
+              <a:rPr lang="zh-TW" altLang="en-US" dirty="0"/>
+              <a:t>雲端硬碟</a:t>
+            </a:r>
+            <a:endParaRPr lang="en-US" altLang="zh-TW" dirty="0"/>
+          </a:p>
+        </p:txBody>
+      </p:sp>
+      <p:pic>
+        <p:nvPicPr>
+          <p:cNvPr id="5" name="圖片 4">
+            <a:extLst>
+              <a:ext uri="{FF2B5EF4-FFF2-40B4-BE49-F238E27FC236}">
+                <a16:creationId xmlns:a16="http://schemas.microsoft.com/office/drawing/2014/main" id="{6FB9B5AF-3BCD-4005-A4FD-FC8BC6AF9D6D}"/>
+              </a:ext>
+            </a:extLst>
+          </p:cNvPr>
+          <p:cNvPicPr>
+            <a:picLocks noChangeAspect="1"/>
+          </p:cNvPicPr>
+          <p:nvPr/>
+        </p:nvPicPr>
+        <p:blipFill>
+          <a:blip r:embed="rId3">
+            <a:extLst>
+              <a:ext uri="{28A0092B-C50C-407E-A947-70E740481C1C}">
+                <a14:useLocalDpi xmlns:a14="http://schemas.microsoft.com/office/drawing/2010/main" val="0"/>
+              </a:ext>
+            </a:extLst>
+          </a:blip>
+          <a:stretch>
+            <a:fillRect/>
+          </a:stretch>
+        </p:blipFill>
+        <p:spPr>
+          <a:xfrm>
+            <a:off x="9467847" y="4552303"/>
+            <a:ext cx="1428750" cy="1428750"/>
+          </a:xfrm>
+          <a:prstGeom prst="rect">
+            <a:avLst/>
+          </a:prstGeom>
+        </p:spPr>
+      </p:pic>
     </p:spTree>
     <p:extLst>
       <p:ext uri="{BB962C8B-B14F-4D97-AF65-F5344CB8AC3E}">
-        <p14:creationId xmlns:p14="http://schemas.microsoft.com/office/powerpoint/2010/main" val="3814035138"/>
+        <p14:creationId xmlns:p14="http://schemas.microsoft.com/office/powerpoint/2010/main" val="600064668"/>
       </p:ext>
     </p:extLst>
   </p:cSld>
@@ -10489,216 +10990,67 @@
       </p:grpSpPr>
       <p:sp>
         <p:nvSpPr>
-          <p:cNvPr id="2" name="標題 1">
+          <p:cNvPr id="4" name="文字方塊 3">
             <a:extLst>
               <a:ext uri="{FF2B5EF4-FFF2-40B4-BE49-F238E27FC236}">
-                <a16:creationId xmlns:a16="http://schemas.microsoft.com/office/drawing/2014/main" id="{6F3D9E3A-AB44-480C-A26D-20F6C83EE281}"/>
+                <a16:creationId xmlns:a16="http://schemas.microsoft.com/office/drawing/2014/main" id="{EA804D90-D3E4-457B-B592-56744AEB866D}"/>
               </a:ext>
             </a:extLst>
           </p:cNvPr>
-          <p:cNvSpPr>
-            <a:spLocks noGrp="1"/>
-          </p:cNvSpPr>
-          <p:nvPr>
-            <p:ph type="title"/>
-          </p:nvPr>
-        </p:nvSpPr>
-        <p:spPr/>
-        <p:txBody>
-          <a:bodyPr/>
+          <p:cNvSpPr txBox="1"/>
+          <p:nvPr/>
+        </p:nvSpPr>
+        <p:spPr>
+          <a:xfrm>
+            <a:off x="879668" y="3090446"/>
+            <a:ext cx="10432664" cy="677108"/>
+          </a:xfrm>
+          <a:prstGeom prst="rect">
+            <a:avLst/>
+          </a:prstGeom>
+          <a:noFill/>
+        </p:spPr>
+        <p:txBody>
+          <a:bodyPr wrap="square" rtlCol="0">
+            <a:spAutoFit/>
+          </a:bodyPr>
           <a:lstStyle/>
           <a:p>
-            <a:r>
-              <a:rPr lang="zh-TW" altLang="en-US" dirty="0"/>
-              <a:t>如何學習</a:t>
-            </a:r>
-            <a:r>
-              <a:rPr lang="en-US" altLang="zh-TW" dirty="0"/>
-              <a:t>model</a:t>
-            </a:r>
-            <a:r>
-              <a:rPr lang="zh-TW" altLang="en-US" dirty="0"/>
-              <a:t>使用方法</a:t>
-            </a:r>
-          </a:p>
-        </p:txBody>
-      </p:sp>
-      <p:sp>
-        <p:nvSpPr>
-          <p:cNvPr id="3" name="內容版面配置區 2">
-            <a:extLst>
-              <a:ext uri="{FF2B5EF4-FFF2-40B4-BE49-F238E27FC236}">
-                <a16:creationId xmlns:a16="http://schemas.microsoft.com/office/drawing/2014/main" id="{A0168395-3830-41CF-814B-E33EA6635C9C}"/>
-              </a:ext>
-            </a:extLst>
-          </p:cNvPr>
-          <p:cNvSpPr>
-            <a:spLocks noGrp="1"/>
-          </p:cNvSpPr>
-          <p:nvPr>
-            <p:ph idx="1"/>
-          </p:nvPr>
-        </p:nvSpPr>
-        <p:spPr/>
-        <p:txBody>
-          <a:bodyPr/>
-          <a:lstStyle/>
-          <a:p>
-            <a:r>
-              <a:rPr lang="zh-TW" altLang="en-US" dirty="0"/>
-              <a:t>重點</a:t>
-            </a:r>
-            <a:endParaRPr lang="en-US" altLang="zh-TW" dirty="0"/>
-          </a:p>
-          <a:p>
-            <a:pPr marL="914400" lvl="1" indent="-457200">
-              <a:buFont typeface="+mj-lt"/>
-              <a:buAutoNum type="arabicPeriod"/>
-            </a:pPr>
-            <a:r>
-              <a:rPr lang="en-US" altLang="zh-TW" dirty="0"/>
-              <a:t>Model</a:t>
-            </a:r>
-            <a:r>
-              <a:rPr lang="zh-TW" altLang="en-US" dirty="0"/>
-              <a:t>是針對哪種任務 </a:t>
-            </a:r>
-            <a:r>
-              <a:rPr lang="en-US" altLang="zh-TW" dirty="0"/>
-              <a:t>(</a:t>
-            </a:r>
-            <a:r>
-              <a:rPr lang="zh-TW" altLang="en-US" dirty="0"/>
-              <a:t>回歸</a:t>
-            </a:r>
-            <a:r>
-              <a:rPr lang="en-US" altLang="zh-TW" dirty="0"/>
-              <a:t>? </a:t>
-            </a:r>
-            <a:r>
-              <a:rPr lang="zh-TW" altLang="en-US" dirty="0"/>
-              <a:t>二元分類</a:t>
-            </a:r>
-            <a:r>
-              <a:rPr lang="en-US" altLang="zh-TW" dirty="0"/>
-              <a:t>?</a:t>
-            </a:r>
-            <a:r>
-              <a:rPr lang="zh-TW" altLang="en-US" dirty="0"/>
-              <a:t> 多元分類</a:t>
-            </a:r>
-            <a:r>
-              <a:rPr lang="en-US" altLang="zh-TW" dirty="0"/>
-              <a:t>?</a:t>
-            </a:r>
-            <a:r>
-              <a:rPr lang="zh-TW" altLang="en-US" dirty="0"/>
-              <a:t> </a:t>
-            </a:r>
-            <a:r>
-              <a:rPr lang="en-US" altLang="zh-TW" dirty="0"/>
-              <a:t>…)</a:t>
-            </a:r>
-          </a:p>
-          <a:p>
-            <a:pPr marL="914400" lvl="1" indent="-457200">
-              <a:buFont typeface="+mj-lt"/>
-              <a:buAutoNum type="arabicPeriod"/>
-            </a:pPr>
-            <a:r>
-              <a:rPr lang="en-US" altLang="zh-TW" dirty="0"/>
-              <a:t>Model</a:t>
-            </a:r>
-            <a:r>
-              <a:rPr lang="zh-TW" altLang="en-US" dirty="0"/>
-              <a:t>對</a:t>
-            </a:r>
-            <a:r>
-              <a:rPr lang="en-US" altLang="zh-TW" dirty="0"/>
-              <a:t>feature</a:t>
-            </a:r>
-            <a:r>
-              <a:rPr lang="zh-TW" altLang="en-US" dirty="0"/>
-              <a:t>的要求 </a:t>
-            </a:r>
-            <a:r>
-              <a:rPr lang="en-US" altLang="zh-TW" dirty="0"/>
-              <a:t>(</a:t>
-            </a:r>
-            <a:r>
-              <a:rPr lang="zh-TW" altLang="en-US" dirty="0"/>
-              <a:t>是不是量化特徵</a:t>
-            </a:r>
-            <a:r>
-              <a:rPr lang="en-US" altLang="zh-TW" dirty="0"/>
-              <a:t>?</a:t>
-            </a:r>
-            <a:r>
-              <a:rPr lang="zh-TW" altLang="en-US" dirty="0"/>
-              <a:t> 是不是離散資料</a:t>
-            </a:r>
-            <a:r>
-              <a:rPr lang="en-US" altLang="zh-TW" dirty="0"/>
-              <a:t>?</a:t>
-            </a:r>
-            <a:r>
-              <a:rPr lang="zh-TW" altLang="en-US" dirty="0"/>
-              <a:t> </a:t>
-            </a:r>
-            <a:r>
-              <a:rPr lang="en-US" altLang="zh-TW" dirty="0"/>
-              <a:t>…)</a:t>
-            </a:r>
-          </a:p>
-          <a:p>
-            <a:pPr marL="914400" lvl="1" indent="-457200">
-              <a:buFont typeface="+mj-lt"/>
-              <a:buAutoNum type="arabicPeriod"/>
-            </a:pPr>
-            <a:r>
-              <a:rPr lang="en-US" altLang="zh-TW" dirty="0"/>
-              <a:t>Model</a:t>
-            </a:r>
-            <a:r>
-              <a:rPr lang="zh-TW" altLang="en-US" dirty="0"/>
-              <a:t>建立的數學公式與背後的假設 </a:t>
-            </a:r>
-            <a:endParaRPr lang="en-US" altLang="zh-TW" dirty="0"/>
-          </a:p>
-          <a:p>
-            <a:pPr marL="914400" lvl="1" indent="-457200">
-              <a:buFont typeface="+mj-lt"/>
-              <a:buAutoNum type="arabicPeriod"/>
-            </a:pPr>
-            <a:endParaRPr lang="en-US" altLang="zh-TW" dirty="0"/>
-          </a:p>
-          <a:p>
-            <a:r>
-              <a:rPr lang="zh-TW" altLang="en-US" dirty="0"/>
-              <a:t>可以忽略</a:t>
-            </a:r>
-            <a:endParaRPr lang="en-US" altLang="zh-TW" dirty="0"/>
-          </a:p>
-          <a:p>
-            <a:pPr marL="914400" lvl="1" indent="-457200">
-              <a:buFont typeface="+mj-lt"/>
-              <a:buAutoNum type="arabicPeriod"/>
-            </a:pPr>
-            <a:r>
-              <a:rPr lang="zh-TW" altLang="en-US" dirty="0"/>
-              <a:t>訓練演算法的過程</a:t>
-            </a:r>
-            <a:endParaRPr lang="en-US" altLang="zh-TW" dirty="0"/>
-          </a:p>
-          <a:p>
-            <a:endParaRPr lang="zh-TW" altLang="en-US" dirty="0"/>
+            <a:pPr algn="ctr"/>
+            <a:r>
+              <a:rPr lang="zh-TW" altLang="en-US" sz="3800" b="1" dirty="0">
+                <a:solidFill>
+                  <a:srgbClr val="FF0000"/>
+                </a:solidFill>
+                <a:latin typeface="+mj-ea"/>
+                <a:ea typeface="+mj-ea"/>
+              </a:rPr>
+              <a:t>沒有萬用的方法，只有適合問題的方法 </a:t>
+            </a:r>
+            <a:r>
+              <a:rPr lang="en-US" altLang="zh-TW" sz="3800" b="1" dirty="0">
+                <a:solidFill>
+                  <a:srgbClr val="FF0000"/>
+                </a:solidFill>
+                <a:latin typeface="+mj-ea"/>
+                <a:ea typeface="+mj-ea"/>
+              </a:rPr>
+              <a:t>!!!</a:t>
+            </a:r>
+            <a:endParaRPr lang="zh-TW" altLang="en-US" sz="3800" b="1" dirty="0">
+              <a:solidFill>
+                <a:srgbClr val="FF0000"/>
+              </a:solidFill>
+              <a:latin typeface="+mj-ea"/>
+              <a:ea typeface="+mj-ea"/>
+            </a:endParaRPr>
           </a:p>
         </p:txBody>
       </p:sp>
     </p:spTree>
     <p:extLst>
       <p:ext uri="{BB962C8B-B14F-4D97-AF65-F5344CB8AC3E}">
-        <p14:creationId xmlns:p14="http://schemas.microsoft.com/office/powerpoint/2010/main" val="4173838846"/>
+        <p14:creationId xmlns:p14="http://schemas.microsoft.com/office/powerpoint/2010/main" val="2405893913"/>
       </p:ext>
     </p:extLst>
   </p:cSld>
@@ -10727,10 +11079,10 @@
       </p:grpSpPr>
       <p:sp>
         <p:nvSpPr>
-          <p:cNvPr id="4" name="標題 3">
+          <p:cNvPr id="2" name="標題 1">
             <a:extLst>
               <a:ext uri="{FF2B5EF4-FFF2-40B4-BE49-F238E27FC236}">
-                <a16:creationId xmlns:a16="http://schemas.microsoft.com/office/drawing/2014/main" id="{992F8E74-2C84-4402-A3DE-83D140DA9B3F}"/>
+                <a16:creationId xmlns:a16="http://schemas.microsoft.com/office/drawing/2014/main" id="{6F3D9E3A-AB44-480C-A26D-20F6C83EE281}"/>
               </a:ext>
             </a:extLst>
           </p:cNvPr>
@@ -10747,462 +11099,232 @@
           <a:lstStyle/>
           <a:p>
             <a:r>
+              <a:rPr lang="zh-TW" altLang="en-US" dirty="0"/>
+              <a:t>如何學習</a:t>
+            </a:r>
+            <a:r>
               <a:rPr lang="en-US" altLang="zh-TW" dirty="0"/>
-              <a:t>Linear regression</a:t>
-            </a:r>
-            <a:endParaRPr lang="zh-TW" altLang="en-US" dirty="0"/>
-          </a:p>
-        </p:txBody>
-      </p:sp>
-      <mc:AlternateContent xmlns:mc="http://schemas.openxmlformats.org/markup-compatibility/2006" xmlns:a14="http://schemas.microsoft.com/office/drawing/2010/main">
-        <mc:Choice Requires="a14">
-          <p:sp>
-            <p:nvSpPr>
-              <p:cNvPr id="5" name="內容版面配置區 4">
-                <a:extLst>
-                  <a:ext uri="{FF2B5EF4-FFF2-40B4-BE49-F238E27FC236}">
-                    <a16:creationId xmlns:a16="http://schemas.microsoft.com/office/drawing/2014/main" id="{CD4F6108-B0D4-48B5-AF50-D92C8FF9D70D}"/>
-                  </a:ext>
-                </a:extLst>
-              </p:cNvPr>
-              <p:cNvSpPr>
-                <a:spLocks noGrp="1"/>
-              </p:cNvSpPr>
-              <p:nvPr>
-                <p:ph idx="1"/>
-              </p:nvPr>
-            </p:nvSpPr>
-            <p:spPr/>
-            <p:txBody>
-              <a:bodyPr/>
-              <a:lstStyle/>
-              <a:p>
-                <a:r>
-                  <a:rPr lang="zh-TW" altLang="en-US" dirty="0"/>
-                  <a:t>學期成績計算公式 </a:t>
-                </a:r>
-                <a14:m>
-                  <m:oMath xmlns:m="http://schemas.openxmlformats.org/officeDocument/2006/math">
-                    <m:r>
-                      <a:rPr lang="en-US" altLang="zh-TW" b="0" i="0" smtClean="0">
-                        <a:latin typeface="Cambria Math" panose="02040503050406030204" pitchFamily="18" charset="0"/>
-                      </a:rPr>
-                      <m:t>= </m:t>
-                    </m:r>
-                    <m:sSub>
-                      <m:sSubPr>
-                        <m:ctrlPr>
-                          <a:rPr lang="en-US" altLang="zh-TW" b="0" i="1" smtClean="0">
-                            <a:latin typeface="Cambria Math" panose="02040503050406030204" pitchFamily="18" charset="0"/>
-                          </a:rPr>
-                        </m:ctrlPr>
-                      </m:sSubPr>
-                      <m:e>
-                        <m:r>
-                          <a:rPr lang="en-US" altLang="zh-TW" b="0" i="1" smtClean="0">
-                            <a:latin typeface="Cambria Math" panose="02040503050406030204" pitchFamily="18" charset="0"/>
-                          </a:rPr>
-                          <m:t>𝑤</m:t>
-                        </m:r>
-                      </m:e>
-                      <m:sub>
-                        <m:r>
-                          <a:rPr lang="en-US" altLang="zh-TW" b="0" i="1" smtClean="0">
-                            <a:latin typeface="Cambria Math" panose="02040503050406030204" pitchFamily="18" charset="0"/>
-                          </a:rPr>
-                          <m:t>1</m:t>
-                        </m:r>
-                      </m:sub>
-                    </m:sSub>
-                    <m:sSub>
-                      <m:sSubPr>
-                        <m:ctrlPr>
-                          <a:rPr lang="en-US" altLang="zh-TW" b="0" i="1" smtClean="0">
-                            <a:latin typeface="Cambria Math" panose="02040503050406030204" pitchFamily="18" charset="0"/>
-                          </a:rPr>
-                        </m:ctrlPr>
-                      </m:sSubPr>
-                      <m:e>
-                        <m:r>
-                          <a:rPr lang="en-US" altLang="zh-TW" b="0" i="1" smtClean="0">
-                            <a:latin typeface="Cambria Math" panose="02040503050406030204" pitchFamily="18" charset="0"/>
-                          </a:rPr>
-                          <m:t>𝑥</m:t>
-                        </m:r>
-                      </m:e>
-                      <m:sub>
-                        <m:r>
-                          <a:rPr lang="en-US" altLang="zh-TW" b="0" i="1" smtClean="0">
-                            <a:latin typeface="Cambria Math" panose="02040503050406030204" pitchFamily="18" charset="0"/>
-                          </a:rPr>
-                          <m:t>1</m:t>
-                        </m:r>
-                      </m:sub>
-                    </m:sSub>
-                    <m:r>
-                      <a:rPr lang="en-US" altLang="zh-TW" b="0" i="1" smtClean="0">
-                        <a:latin typeface="Cambria Math" panose="02040503050406030204" pitchFamily="18" charset="0"/>
-                      </a:rPr>
-                      <m:t>+⋯+</m:t>
-                    </m:r>
-                    <m:sSub>
-                      <m:sSubPr>
-                        <m:ctrlPr>
-                          <a:rPr lang="en-US" altLang="zh-TW" b="0" i="1" smtClean="0">
-                            <a:latin typeface="Cambria Math" panose="02040503050406030204" pitchFamily="18" charset="0"/>
-                          </a:rPr>
-                        </m:ctrlPr>
-                      </m:sSubPr>
-                      <m:e>
-                        <m:r>
-                          <a:rPr lang="en-US" altLang="zh-TW" b="0" i="1" smtClean="0">
-                            <a:latin typeface="Cambria Math" panose="02040503050406030204" pitchFamily="18" charset="0"/>
-                          </a:rPr>
-                          <m:t>𝑤</m:t>
-                        </m:r>
-                      </m:e>
-                      <m:sub>
-                        <m:r>
-                          <a:rPr lang="en-US" altLang="zh-TW" b="0" i="1" smtClean="0">
-                            <a:latin typeface="Cambria Math" panose="02040503050406030204" pitchFamily="18" charset="0"/>
-                          </a:rPr>
-                          <m:t>5</m:t>
-                        </m:r>
-                      </m:sub>
-                    </m:sSub>
-                    <m:sSub>
-                      <m:sSubPr>
-                        <m:ctrlPr>
-                          <a:rPr lang="en-US" altLang="zh-TW" b="0" i="1" smtClean="0">
-                            <a:latin typeface="Cambria Math" panose="02040503050406030204" pitchFamily="18" charset="0"/>
-                          </a:rPr>
-                        </m:ctrlPr>
-                      </m:sSubPr>
-                      <m:e>
-                        <m:r>
-                          <a:rPr lang="en-US" altLang="zh-TW" b="0" i="1" smtClean="0">
-                            <a:latin typeface="Cambria Math" panose="02040503050406030204" pitchFamily="18" charset="0"/>
-                          </a:rPr>
-                          <m:t>𝑥</m:t>
-                        </m:r>
-                      </m:e>
-                      <m:sub>
-                        <m:r>
-                          <a:rPr lang="en-US" altLang="zh-TW" b="0" i="1" smtClean="0">
-                            <a:latin typeface="Cambria Math" panose="02040503050406030204" pitchFamily="18" charset="0"/>
-                          </a:rPr>
-                          <m:t>5</m:t>
-                        </m:r>
-                      </m:sub>
-                    </m:sSub>
-                  </m:oMath>
-                </a14:m>
-                <a:endParaRPr lang="en-US" altLang="zh-TW" dirty="0"/>
-              </a:p>
-              <a:p>
-                <a:pPr marL="914400" lvl="1" indent="-457200">
-                  <a:buFont typeface="+mj-lt"/>
-                  <a:buAutoNum type="arabicPeriod"/>
-                </a:pPr>
-                <a:r>
-                  <a:rPr lang="en-US" altLang="zh-TW" dirty="0"/>
-                  <a:t>3</a:t>
-                </a:r>
-                <a:r>
-                  <a:rPr lang="zh-TW" altLang="en-US" dirty="0"/>
-                  <a:t>次作業成績</a:t>
-                </a:r>
-                <a14:m>
-                  <m:oMath xmlns:m="http://schemas.openxmlformats.org/officeDocument/2006/math">
-                    <m:sSub>
-                      <m:sSubPr>
-                        <m:ctrlPr>
-                          <a:rPr lang="en-US" altLang="zh-TW" b="0" i="1" smtClean="0">
-                            <a:latin typeface="Cambria Math" panose="02040503050406030204" pitchFamily="18" charset="0"/>
-                          </a:rPr>
-                        </m:ctrlPr>
-                      </m:sSubPr>
-                      <m:e>
-                        <m:r>
-                          <a:rPr lang="en-US" altLang="zh-TW" b="0" i="1" smtClean="0">
-                            <a:latin typeface="Cambria Math" panose="02040503050406030204" pitchFamily="18" charset="0"/>
-                          </a:rPr>
-                          <m:t>𝑥</m:t>
-                        </m:r>
-                      </m:e>
-                      <m:sub>
-                        <m:r>
-                          <a:rPr lang="en-US" altLang="zh-TW" b="0" i="1" smtClean="0">
-                            <a:latin typeface="Cambria Math" panose="02040503050406030204" pitchFamily="18" charset="0"/>
-                          </a:rPr>
-                          <m:t>1</m:t>
-                        </m:r>
-                      </m:sub>
-                    </m:sSub>
-                    <m:r>
-                      <a:rPr lang="en-US" altLang="zh-TW" b="0" i="1" smtClean="0">
-                        <a:latin typeface="Cambria Math" panose="02040503050406030204" pitchFamily="18" charset="0"/>
-                      </a:rPr>
-                      <m:t>,</m:t>
-                    </m:r>
-                    <m:sSub>
-                      <m:sSubPr>
-                        <m:ctrlPr>
-                          <a:rPr lang="en-US" altLang="zh-TW" b="0" i="1" smtClean="0">
-                            <a:latin typeface="Cambria Math" panose="02040503050406030204" pitchFamily="18" charset="0"/>
-                          </a:rPr>
-                        </m:ctrlPr>
-                      </m:sSubPr>
-                      <m:e>
-                        <m:r>
-                          <a:rPr lang="en-US" altLang="zh-TW" b="0" i="1" smtClean="0">
-                            <a:latin typeface="Cambria Math" panose="02040503050406030204" pitchFamily="18" charset="0"/>
-                          </a:rPr>
-                          <m:t>𝑥</m:t>
-                        </m:r>
-                      </m:e>
-                      <m:sub>
-                        <m:r>
-                          <a:rPr lang="en-US" altLang="zh-TW" b="0" i="1" smtClean="0">
-                            <a:latin typeface="Cambria Math" panose="02040503050406030204" pitchFamily="18" charset="0"/>
-                          </a:rPr>
-                          <m:t>2</m:t>
-                        </m:r>
-                      </m:sub>
-                    </m:sSub>
-                    <m:r>
-                      <a:rPr lang="en-US" altLang="zh-TW" b="0" i="1" smtClean="0">
-                        <a:latin typeface="Cambria Math" panose="02040503050406030204" pitchFamily="18" charset="0"/>
-                      </a:rPr>
-                      <m:t>,</m:t>
-                    </m:r>
-                    <m:sSub>
-                      <m:sSubPr>
-                        <m:ctrlPr>
-                          <a:rPr lang="en-US" altLang="zh-TW" b="0" i="1" smtClean="0">
-                            <a:latin typeface="Cambria Math" panose="02040503050406030204" pitchFamily="18" charset="0"/>
-                          </a:rPr>
-                        </m:ctrlPr>
-                      </m:sSubPr>
-                      <m:e>
-                        <m:r>
-                          <a:rPr lang="en-US" altLang="zh-TW" b="0" i="1" smtClean="0">
-                            <a:latin typeface="Cambria Math" panose="02040503050406030204" pitchFamily="18" charset="0"/>
-                          </a:rPr>
-                          <m:t>𝑥</m:t>
-                        </m:r>
-                      </m:e>
-                      <m:sub>
-                        <m:r>
-                          <a:rPr lang="en-US" altLang="zh-TW" b="0" i="1" smtClean="0">
-                            <a:latin typeface="Cambria Math" panose="02040503050406030204" pitchFamily="18" charset="0"/>
-                          </a:rPr>
-                          <m:t>3</m:t>
-                        </m:r>
-                      </m:sub>
-                    </m:sSub>
-                  </m:oMath>
-                </a14:m>
-                <a:endParaRPr lang="en-US" altLang="zh-TW" dirty="0"/>
-              </a:p>
-              <a:p>
-                <a:pPr marL="914400" lvl="1" indent="-457200">
-                  <a:buFont typeface="+mj-lt"/>
-                  <a:buAutoNum type="arabicPeriod"/>
-                </a:pPr>
-                <a:r>
-                  <a:rPr lang="zh-TW" altLang="en-US" dirty="0"/>
-                  <a:t>期中成績</a:t>
-                </a:r>
-                <a14:m>
-                  <m:oMath xmlns:m="http://schemas.openxmlformats.org/officeDocument/2006/math">
-                    <m:sSub>
-                      <m:sSubPr>
-                        <m:ctrlPr>
-                          <a:rPr lang="en-US" altLang="zh-TW" b="0" i="1" smtClean="0">
-                            <a:latin typeface="Cambria Math" panose="02040503050406030204" pitchFamily="18" charset="0"/>
-                          </a:rPr>
-                        </m:ctrlPr>
-                      </m:sSubPr>
-                      <m:e>
-                        <m:r>
-                          <a:rPr lang="en-US" altLang="zh-TW" b="0" i="1" smtClean="0">
-                            <a:latin typeface="Cambria Math" panose="02040503050406030204" pitchFamily="18" charset="0"/>
-                          </a:rPr>
-                          <m:t>𝑥</m:t>
-                        </m:r>
-                      </m:e>
-                      <m:sub>
-                        <m:r>
-                          <a:rPr lang="en-US" altLang="zh-TW" b="0" i="1" smtClean="0">
-                            <a:latin typeface="Cambria Math" panose="02040503050406030204" pitchFamily="18" charset="0"/>
-                          </a:rPr>
-                          <m:t>4</m:t>
-                        </m:r>
-                      </m:sub>
-                    </m:sSub>
-                  </m:oMath>
-                </a14:m>
-                <a:endParaRPr lang="en-US" altLang="zh-TW" b="0" dirty="0"/>
-              </a:p>
-              <a:p>
-                <a:pPr marL="914400" lvl="1" indent="-457200">
-                  <a:buFont typeface="+mj-lt"/>
-                  <a:buAutoNum type="arabicPeriod"/>
-                </a:pPr>
-                <a:r>
-                  <a:rPr lang="zh-TW" altLang="en-US" dirty="0"/>
-                  <a:t>期末成績</a:t>
-                </a:r>
-                <a14:m>
-                  <m:oMath xmlns:m="http://schemas.openxmlformats.org/officeDocument/2006/math">
-                    <m:sSub>
-                      <m:sSubPr>
-                        <m:ctrlPr>
-                          <a:rPr lang="en-US" altLang="zh-TW" b="0" i="1" smtClean="0">
-                            <a:latin typeface="Cambria Math" panose="02040503050406030204" pitchFamily="18" charset="0"/>
-                          </a:rPr>
-                        </m:ctrlPr>
-                      </m:sSubPr>
-                      <m:e>
-                        <m:r>
-                          <a:rPr lang="en-US" altLang="zh-TW" b="0" i="1" smtClean="0">
-                            <a:latin typeface="Cambria Math" panose="02040503050406030204" pitchFamily="18" charset="0"/>
-                          </a:rPr>
-                          <m:t>𝑥</m:t>
-                        </m:r>
-                      </m:e>
-                      <m:sub>
-                        <m:r>
-                          <a:rPr lang="en-US" altLang="zh-TW" b="0" i="1" smtClean="0">
-                            <a:latin typeface="Cambria Math" panose="02040503050406030204" pitchFamily="18" charset="0"/>
-                          </a:rPr>
-                          <m:t>5</m:t>
-                        </m:r>
-                      </m:sub>
-                    </m:sSub>
-                  </m:oMath>
-                </a14:m>
-                <a:endParaRPr lang="en-US" altLang="zh-TW" dirty="0"/>
-              </a:p>
-              <a:p>
-                <a:pPr marL="914400" lvl="1" indent="-457200">
-                  <a:buFont typeface="+mj-lt"/>
-                  <a:buAutoNum type="arabicPeriod"/>
-                </a:pPr>
-                <a:r>
-                  <a:rPr lang="zh-TW" altLang="en-US" dirty="0"/>
-                  <a:t>各項占比</a:t>
-                </a:r>
-                <a14:m>
-                  <m:oMath xmlns:m="http://schemas.openxmlformats.org/officeDocument/2006/math">
-                    <m:sSub>
-                      <m:sSubPr>
-                        <m:ctrlPr>
-                          <a:rPr lang="en-US" altLang="zh-TW" b="0" i="1" smtClean="0">
-                            <a:latin typeface="Cambria Math" panose="02040503050406030204" pitchFamily="18" charset="0"/>
-                          </a:rPr>
-                        </m:ctrlPr>
-                      </m:sSubPr>
-                      <m:e>
-                        <m:r>
-                          <a:rPr lang="en-US" altLang="zh-TW" b="0" i="1" smtClean="0">
-                            <a:latin typeface="Cambria Math" panose="02040503050406030204" pitchFamily="18" charset="0"/>
-                          </a:rPr>
-                          <m:t>𝑤</m:t>
-                        </m:r>
-                      </m:e>
-                      <m:sub>
-                        <m:r>
-                          <a:rPr lang="en-US" altLang="zh-TW" b="0" i="1" smtClean="0">
-                            <a:latin typeface="Cambria Math" panose="02040503050406030204" pitchFamily="18" charset="0"/>
-                          </a:rPr>
-                          <m:t>1</m:t>
-                        </m:r>
-                      </m:sub>
-                    </m:sSub>
-                    <m:r>
-                      <a:rPr lang="en-US" altLang="zh-TW" b="0" i="1" smtClean="0">
-                        <a:latin typeface="Cambria Math" panose="02040503050406030204" pitchFamily="18" charset="0"/>
-                      </a:rPr>
-                      <m:t>,⋯,</m:t>
-                    </m:r>
-                    <m:sSub>
-                      <m:sSubPr>
-                        <m:ctrlPr>
-                          <a:rPr lang="en-US" altLang="zh-TW" b="0" i="1" smtClean="0">
-                            <a:latin typeface="Cambria Math" panose="02040503050406030204" pitchFamily="18" charset="0"/>
-                          </a:rPr>
-                        </m:ctrlPr>
-                      </m:sSubPr>
-                      <m:e>
-                        <m:r>
-                          <a:rPr lang="en-US" altLang="zh-TW" b="0" i="1" smtClean="0">
-                            <a:latin typeface="Cambria Math" panose="02040503050406030204" pitchFamily="18" charset="0"/>
-                          </a:rPr>
-                          <m:t>𝑤</m:t>
-                        </m:r>
-                      </m:e>
-                      <m:sub>
-                        <m:r>
-                          <a:rPr lang="en-US" altLang="zh-TW" b="0" i="1" smtClean="0">
-                            <a:latin typeface="Cambria Math" panose="02040503050406030204" pitchFamily="18" charset="0"/>
-                          </a:rPr>
-                          <m:t>5</m:t>
-                        </m:r>
-                      </m:sub>
-                    </m:sSub>
-                  </m:oMath>
-                </a14:m>
-                <a:endParaRPr lang="en-US" altLang="zh-TW" dirty="0"/>
-              </a:p>
-            </p:txBody>
-          </p:sp>
-        </mc:Choice>
-        <mc:Fallback xmlns="">
-          <p:sp>
-            <p:nvSpPr>
-              <p:cNvPr id="5" name="內容版面配置區 4">
-                <a:extLst>
-                  <a:ext uri="{FF2B5EF4-FFF2-40B4-BE49-F238E27FC236}">
-                    <a16:creationId xmlns:a16="http://schemas.microsoft.com/office/drawing/2014/main" id="{CD4F6108-B0D4-48B5-AF50-D92C8FF9D70D}"/>
-                  </a:ext>
-                </a:extLst>
-              </p:cNvPr>
-              <p:cNvSpPr>
-                <a:spLocks noGrp="1" noRot="1" noChangeAspect="1" noMove="1" noResize="1" noEditPoints="1" noAdjustHandles="1" noChangeArrowheads="1" noChangeShapeType="1" noTextEdit="1"/>
-              </p:cNvSpPr>
-              <p:nvPr>
-                <p:ph idx="1"/>
-              </p:nvPr>
-            </p:nvSpPr>
-            <p:spPr>
-              <a:blipFill>
-                <a:blip r:embed="rId2"/>
-                <a:stretch>
-                  <a:fillRect l="-1144" t="-2936"/>
-                </a:stretch>
-              </a:blipFill>
-            </p:spPr>
-            <p:txBody>
-              <a:bodyPr/>
-              <a:lstStyle/>
-              <a:p>
-                <a:r>
-                  <a:rPr lang="zh-TW" altLang="en-US">
-                    <a:noFill/>
-                  </a:rPr>
-                  <a:t> </a:t>
-                </a:r>
-              </a:p>
-            </p:txBody>
-          </p:sp>
-        </mc:Fallback>
-      </mc:AlternateContent>
+              <a:t>model</a:t>
+            </a:r>
+            <a:r>
+              <a:rPr lang="zh-TW" altLang="en-US" dirty="0"/>
+              <a:t>使用方法</a:t>
+            </a:r>
+          </a:p>
+        </p:txBody>
+      </p:sp>
+      <p:sp>
+        <p:nvSpPr>
+          <p:cNvPr id="3" name="內容版面配置區 2">
+            <a:extLst>
+              <a:ext uri="{FF2B5EF4-FFF2-40B4-BE49-F238E27FC236}">
+                <a16:creationId xmlns:a16="http://schemas.microsoft.com/office/drawing/2014/main" id="{A0168395-3830-41CF-814B-E33EA6635C9C}"/>
+              </a:ext>
+            </a:extLst>
+          </p:cNvPr>
+          <p:cNvSpPr>
+            <a:spLocks noGrp="1"/>
+          </p:cNvSpPr>
+          <p:nvPr>
+            <p:ph idx="1"/>
+          </p:nvPr>
+        </p:nvSpPr>
+        <p:spPr/>
+        <p:txBody>
+          <a:bodyPr>
+            <a:normAutofit fontScale="77500" lnSpcReduction="20000"/>
+          </a:bodyPr>
+          <a:lstStyle/>
+          <a:p>
+            <a:r>
+              <a:rPr lang="zh-TW" altLang="en-US" dirty="0"/>
+              <a:t>必須了解</a:t>
+            </a:r>
+            <a:endParaRPr lang="en-US" altLang="zh-TW" dirty="0"/>
+          </a:p>
+          <a:p>
+            <a:pPr marL="914400" lvl="1" indent="-457200">
+              <a:buFont typeface="+mj-lt"/>
+              <a:buAutoNum type="arabicPeriod"/>
+            </a:pPr>
+            <a:r>
+              <a:rPr lang="en-US" altLang="zh-TW" dirty="0"/>
+              <a:t>Model</a:t>
+            </a:r>
+            <a:r>
+              <a:rPr lang="zh-TW" altLang="en-US" dirty="0"/>
+              <a:t>是針對哪種任務 </a:t>
+            </a:r>
+            <a:r>
+              <a:rPr lang="en-US" altLang="zh-TW" dirty="0"/>
+              <a:t>(</a:t>
+            </a:r>
+            <a:r>
+              <a:rPr lang="zh-TW" altLang="en-US" dirty="0"/>
+              <a:t>回歸</a:t>
+            </a:r>
+            <a:r>
+              <a:rPr lang="en-US" altLang="zh-TW" dirty="0"/>
+              <a:t>? </a:t>
+            </a:r>
+            <a:r>
+              <a:rPr lang="zh-TW" altLang="en-US" dirty="0"/>
+              <a:t>二元分類</a:t>
+            </a:r>
+            <a:r>
+              <a:rPr lang="en-US" altLang="zh-TW" dirty="0"/>
+              <a:t>?</a:t>
+            </a:r>
+            <a:r>
+              <a:rPr lang="zh-TW" altLang="en-US" dirty="0"/>
+              <a:t> 多元分類</a:t>
+            </a:r>
+            <a:r>
+              <a:rPr lang="en-US" altLang="zh-TW" dirty="0"/>
+              <a:t>?</a:t>
+            </a:r>
+            <a:r>
+              <a:rPr lang="zh-TW" altLang="en-US" dirty="0"/>
+              <a:t> </a:t>
+            </a:r>
+            <a:r>
+              <a:rPr lang="en-US" altLang="zh-TW" dirty="0"/>
+              <a:t>…)</a:t>
+            </a:r>
+          </a:p>
+          <a:p>
+            <a:pPr marL="914400" lvl="1" indent="-457200">
+              <a:buFont typeface="+mj-lt"/>
+              <a:buAutoNum type="arabicPeriod"/>
+            </a:pPr>
+            <a:r>
+              <a:rPr lang="en-US" altLang="zh-TW" dirty="0"/>
+              <a:t>Model</a:t>
+            </a:r>
+            <a:r>
+              <a:rPr lang="zh-TW" altLang="en-US" dirty="0"/>
+              <a:t>對</a:t>
+            </a:r>
+            <a:r>
+              <a:rPr lang="en-US" altLang="zh-TW" dirty="0"/>
+              <a:t>feature</a:t>
+            </a:r>
+            <a:r>
+              <a:rPr lang="zh-TW" altLang="en-US" dirty="0"/>
+              <a:t>的要求 </a:t>
+            </a:r>
+            <a:r>
+              <a:rPr lang="en-US" altLang="zh-TW" dirty="0"/>
+              <a:t>(</a:t>
+            </a:r>
+            <a:r>
+              <a:rPr lang="zh-TW" altLang="en-US" dirty="0"/>
+              <a:t>是不是量化特徵</a:t>
+            </a:r>
+            <a:r>
+              <a:rPr lang="en-US" altLang="zh-TW" dirty="0"/>
+              <a:t>?</a:t>
+            </a:r>
+            <a:r>
+              <a:rPr lang="zh-TW" altLang="en-US" dirty="0"/>
+              <a:t> 是不是離散資料</a:t>
+            </a:r>
+            <a:r>
+              <a:rPr lang="en-US" altLang="zh-TW" dirty="0"/>
+              <a:t>?</a:t>
+            </a:r>
+            <a:r>
+              <a:rPr lang="zh-TW" altLang="en-US" dirty="0"/>
+              <a:t> </a:t>
+            </a:r>
+            <a:r>
+              <a:rPr lang="en-US" altLang="zh-TW" dirty="0"/>
+              <a:t>…)</a:t>
+            </a:r>
+          </a:p>
+          <a:p>
+            <a:pPr marL="914400" lvl="1" indent="-457200">
+              <a:buFont typeface="+mj-lt"/>
+              <a:buAutoNum type="arabicPeriod"/>
+            </a:pPr>
+            <a:r>
+              <a:rPr lang="en-US" altLang="zh-TW" dirty="0"/>
+              <a:t>Model</a:t>
+            </a:r>
+            <a:r>
+              <a:rPr lang="zh-TW" altLang="en-US" dirty="0"/>
+              <a:t>的假設前提 </a:t>
+            </a:r>
+            <a:r>
+              <a:rPr lang="en-US" altLang="zh-TW" dirty="0"/>
+              <a:t>(</a:t>
+            </a:r>
+            <a:r>
+              <a:rPr lang="zh-TW" altLang="en-US" dirty="0"/>
+              <a:t>不滿足假設的話就不適合使用該</a:t>
+            </a:r>
+            <a:r>
+              <a:rPr lang="en-US" altLang="zh-TW" dirty="0"/>
+              <a:t>model)</a:t>
+            </a:r>
+          </a:p>
+          <a:p>
+            <a:pPr marL="457200" lvl="1" indent="0">
+              <a:buNone/>
+            </a:pPr>
+            <a:endParaRPr lang="en-US" altLang="zh-TW" dirty="0"/>
+          </a:p>
+          <a:p>
+            <a:r>
+              <a:rPr lang="zh-TW" altLang="en-US" dirty="0"/>
+              <a:t>最好能了解</a:t>
+            </a:r>
+            <a:endParaRPr lang="en-US" altLang="zh-TW" dirty="0"/>
+          </a:p>
+          <a:p>
+            <a:pPr marL="914400" lvl="1" indent="-457200">
+              <a:buFont typeface="+mj-lt"/>
+              <a:buAutoNum type="arabicPeriod"/>
+            </a:pPr>
+            <a:r>
+              <a:rPr lang="en-US" altLang="zh-TW" dirty="0"/>
+              <a:t>Model</a:t>
+            </a:r>
+            <a:r>
+              <a:rPr lang="zh-TW" altLang="en-US" dirty="0"/>
+              <a:t>建立的數學公式</a:t>
+            </a:r>
+            <a:endParaRPr lang="en-US" altLang="zh-TW" dirty="0"/>
+          </a:p>
+          <a:p>
+            <a:pPr marL="457200" lvl="1" indent="0">
+              <a:buNone/>
+            </a:pPr>
+            <a:endParaRPr lang="en-US" altLang="zh-TW" dirty="0"/>
+          </a:p>
+          <a:p>
+            <a:r>
+              <a:rPr lang="zh-TW" altLang="en-US" dirty="0"/>
+              <a:t>可以忽略</a:t>
+            </a:r>
+            <a:endParaRPr lang="en-US" altLang="zh-TW" dirty="0"/>
+          </a:p>
+          <a:p>
+            <a:pPr marL="914400" lvl="1" indent="-457200">
+              <a:buFont typeface="+mj-lt"/>
+              <a:buAutoNum type="arabicPeriod"/>
+            </a:pPr>
+            <a:r>
+              <a:rPr lang="zh-TW" altLang="en-US" dirty="0"/>
+              <a:t>訓練演算法的過程</a:t>
+            </a:r>
+          </a:p>
+        </p:txBody>
+      </p:sp>
     </p:spTree>
     <p:extLst>
       <p:ext uri="{BB962C8B-B14F-4D97-AF65-F5344CB8AC3E}">
-        <p14:creationId xmlns:p14="http://schemas.microsoft.com/office/powerpoint/2010/main" val="1386952173"/>
+        <p14:creationId xmlns:p14="http://schemas.microsoft.com/office/powerpoint/2010/main" val="4173838846"/>
       </p:ext>
     </p:extLst>
   </p:cSld>

--- a/ML_workshop.pptx
+++ b/ML_workshop.pptx
@@ -276,7 +276,7 @@
           <a:p>
             <a:fld id="{CF147484-EED0-47A5-9822-A8389DF9D591}" type="datetimeFigureOut">
               <a:rPr lang="zh-TW" altLang="en-US" smtClean="0"/>
-              <a:t>2022/1/6</a:t>
+              <a:t>2022/1/7</a:t>
             </a:fld>
             <a:endParaRPr lang="zh-TW" altLang="en-US"/>
           </a:p>
@@ -958,7 +958,7 @@
           <a:p>
             <a:fld id="{50E19A1F-3094-4FFA-9841-3C8B913EEDA7}" type="datetimeFigureOut">
               <a:rPr lang="zh-TW" altLang="en-US" smtClean="0"/>
-              <a:t>2022/1/6</a:t>
+              <a:t>2022/1/7</a:t>
             </a:fld>
             <a:endParaRPr lang="zh-TW" altLang="en-US"/>
           </a:p>
@@ -1282,7 +1282,7 @@
           <a:p>
             <a:fld id="{50E19A1F-3094-4FFA-9841-3C8B913EEDA7}" type="datetimeFigureOut">
               <a:rPr lang="zh-TW" altLang="en-US" smtClean="0"/>
-              <a:t>2022/1/6</a:t>
+              <a:t>2022/1/7</a:t>
             </a:fld>
             <a:endParaRPr lang="zh-TW" altLang="en-US"/>
           </a:p>
@@ -1530,7 +1530,7 @@
           <a:p>
             <a:fld id="{50E19A1F-3094-4FFA-9841-3C8B913EEDA7}" type="datetimeFigureOut">
               <a:rPr lang="zh-TW" altLang="en-US" smtClean="0"/>
-              <a:t>2022/1/6</a:t>
+              <a:t>2022/1/7</a:t>
             </a:fld>
             <a:endParaRPr lang="zh-TW" altLang="en-US"/>
           </a:p>
@@ -1869,7 +1869,7 @@
           <a:p>
             <a:fld id="{50E19A1F-3094-4FFA-9841-3C8B913EEDA7}" type="datetimeFigureOut">
               <a:rPr lang="zh-TW" altLang="en-US" smtClean="0"/>
-              <a:t>2022/1/6</a:t>
+              <a:t>2022/1/7</a:t>
             </a:fld>
             <a:endParaRPr lang="zh-TW" altLang="en-US"/>
           </a:p>
@@ -2216,7 +2216,7 @@
           <a:p>
             <a:fld id="{50E19A1F-3094-4FFA-9841-3C8B913EEDA7}" type="datetimeFigureOut">
               <a:rPr lang="zh-TW" altLang="en-US" smtClean="0"/>
-              <a:t>2022/1/6</a:t>
+              <a:t>2022/1/7</a:t>
             </a:fld>
             <a:endParaRPr lang="zh-TW" altLang="en-US"/>
           </a:p>
@@ -2590,7 +2590,7 @@
           <a:p>
             <a:fld id="{50E19A1F-3094-4FFA-9841-3C8B913EEDA7}" type="datetimeFigureOut">
               <a:rPr lang="zh-TW" altLang="en-US" smtClean="0"/>
-              <a:t>2022/1/6</a:t>
+              <a:t>2022/1/7</a:t>
             </a:fld>
             <a:endParaRPr lang="zh-TW" altLang="en-US"/>
           </a:p>
@@ -3060,7 +3060,7 @@
           <a:p>
             <a:fld id="{50E19A1F-3094-4FFA-9841-3C8B913EEDA7}" type="datetimeFigureOut">
               <a:rPr lang="zh-TW" altLang="en-US" smtClean="0"/>
-              <a:t>2022/1/6</a:t>
+              <a:t>2022/1/7</a:t>
             </a:fld>
             <a:endParaRPr lang="zh-TW" altLang="en-US"/>
           </a:p>
@@ -3265,7 +3265,7 @@
           <a:p>
             <a:fld id="{50E19A1F-3094-4FFA-9841-3C8B913EEDA7}" type="datetimeFigureOut">
               <a:rPr lang="zh-TW" altLang="en-US" smtClean="0"/>
-              <a:t>2022/1/6</a:t>
+              <a:t>2022/1/7</a:t>
             </a:fld>
             <a:endParaRPr lang="zh-TW" altLang="en-US"/>
           </a:p>
@@ -3476,7 +3476,7 @@
           <a:p>
             <a:fld id="{50E19A1F-3094-4FFA-9841-3C8B913EEDA7}" type="datetimeFigureOut">
               <a:rPr lang="zh-TW" altLang="en-US" smtClean="0"/>
-              <a:t>2022/1/6</a:t>
+              <a:t>2022/1/7</a:t>
             </a:fld>
             <a:endParaRPr lang="zh-TW" altLang="en-US"/>
           </a:p>
@@ -3708,7 +3708,7 @@
           <a:p>
             <a:fld id="{50E19A1F-3094-4FFA-9841-3C8B913EEDA7}" type="datetimeFigureOut">
               <a:rPr lang="zh-TW" altLang="en-US" smtClean="0"/>
-              <a:t>2022/1/6</a:t>
+              <a:t>2022/1/7</a:t>
             </a:fld>
             <a:endParaRPr lang="zh-TW" altLang="en-US"/>
           </a:p>
@@ -3956,7 +3956,7 @@
           <a:p>
             <a:fld id="{50E19A1F-3094-4FFA-9841-3C8B913EEDA7}" type="datetimeFigureOut">
               <a:rPr lang="zh-TW" altLang="en-US" smtClean="0"/>
-              <a:t>2022/1/6</a:t>
+              <a:t>2022/1/7</a:t>
             </a:fld>
             <a:endParaRPr lang="zh-TW" altLang="en-US"/>
           </a:p>
@@ -4254,7 +4254,7 @@
           <a:p>
             <a:fld id="{50E19A1F-3094-4FFA-9841-3C8B913EEDA7}" type="datetimeFigureOut">
               <a:rPr lang="zh-TW" altLang="en-US" smtClean="0"/>
-              <a:t>2022/1/6</a:t>
+              <a:t>2022/1/7</a:t>
             </a:fld>
             <a:endParaRPr lang="zh-TW" altLang="en-US"/>
           </a:p>
@@ -4648,7 +4648,7 @@
           <a:p>
             <a:fld id="{50E19A1F-3094-4FFA-9841-3C8B913EEDA7}" type="datetimeFigureOut">
               <a:rPr lang="zh-TW" altLang="en-US" smtClean="0"/>
-              <a:t>2022/1/6</a:t>
+              <a:t>2022/1/7</a:t>
             </a:fld>
             <a:endParaRPr lang="zh-TW" altLang="en-US"/>
           </a:p>
@@ -4797,7 +4797,7 @@
           <a:p>
             <a:fld id="{50E19A1F-3094-4FFA-9841-3C8B913EEDA7}" type="datetimeFigureOut">
               <a:rPr lang="zh-TW" altLang="en-US" smtClean="0"/>
-              <a:t>2022/1/6</a:t>
+              <a:t>2022/1/7</a:t>
             </a:fld>
             <a:endParaRPr lang="zh-TW" altLang="en-US"/>
           </a:p>
@@ -4923,7 +4923,7 @@
           <a:p>
             <a:fld id="{50E19A1F-3094-4FFA-9841-3C8B913EEDA7}" type="datetimeFigureOut">
               <a:rPr lang="zh-TW" altLang="en-US" smtClean="0"/>
-              <a:t>2022/1/6</a:t>
+              <a:t>2022/1/7</a:t>
             </a:fld>
             <a:endParaRPr lang="zh-TW" altLang="en-US"/>
           </a:p>
@@ -5178,7 +5178,7 @@
           <a:p>
             <a:fld id="{50E19A1F-3094-4FFA-9841-3C8B913EEDA7}" type="datetimeFigureOut">
               <a:rPr lang="zh-TW" altLang="en-US" smtClean="0"/>
-              <a:t>2022/1/6</a:t>
+              <a:t>2022/1/7</a:t>
             </a:fld>
             <a:endParaRPr lang="zh-TW" altLang="en-US"/>
           </a:p>
@@ -5493,7 +5493,7 @@
           <a:p>
             <a:fld id="{50E19A1F-3094-4FFA-9841-3C8B913EEDA7}" type="datetimeFigureOut">
               <a:rPr lang="zh-TW" altLang="en-US" smtClean="0"/>
-              <a:t>2022/1/6</a:t>
+              <a:t>2022/1/7</a:t>
             </a:fld>
             <a:endParaRPr lang="zh-TW" altLang="en-US"/>
           </a:p>
@@ -5844,7 +5844,7 @@
           <a:p>
             <a:fld id="{50E19A1F-3094-4FFA-9841-3C8B913EEDA7}" type="datetimeFigureOut">
               <a:rPr lang="zh-TW" altLang="en-US" smtClean="0"/>
-              <a:t>2022/1/6</a:t>
+              <a:t>2022/1/7</a:t>
             </a:fld>
             <a:endParaRPr lang="zh-TW" altLang="en-US"/>
           </a:p>
@@ -6524,8 +6524,8 @@
           </a:p>
         </p:txBody>
       </p:sp>
-      <mc:AlternateContent xmlns:mc="http://schemas.openxmlformats.org/markup-compatibility/2006">
-        <mc:Choice xmlns:a14="http://schemas.microsoft.com/office/drawing/2010/main" Requires="a14">
+      <mc:AlternateContent xmlns:mc="http://schemas.openxmlformats.org/markup-compatibility/2006" xmlns:a14="http://schemas.microsoft.com/office/drawing/2010/main">
+        <mc:Choice Requires="a14">
           <p:sp>
             <p:nvSpPr>
               <p:cNvPr id="5" name="內容版面配置區 4">
@@ -7160,7 +7160,7 @@
             </p:txBody>
           </p:sp>
         </mc:Choice>
-        <mc:Fallback>
+        <mc:Fallback xmlns="">
           <p:sp>
             <p:nvSpPr>
               <p:cNvPr id="5" name="內容版面配置區 4">
@@ -7610,9 +7610,10 @@
                   <a:t>梯度下降法 </a:t>
                 </a:r>
                 <a:r>
-                  <a:rPr lang="en-US" altLang="zh-TW" dirty="0"/>
-                  <a:t>(Gradient decent)</a:t>
+                  <a:rPr lang="en-US" altLang="zh-TW"/>
+                  <a:t>(Gradient descent)</a:t>
                 </a:r>
+                <a:endParaRPr lang="en-US" altLang="zh-TW" dirty="0"/>
               </a:p>
               <a:p>
                 <a:pPr lvl="1">

--- a/ML_workshop.pptx
+++ b/ML_workshop.pptx
@@ -5,7 +5,7 @@
     <p:sldMasterId id="2147483927" r:id="rId1"/>
   </p:sldMasterIdLst>
   <p:notesMasterIdLst>
-    <p:notesMasterId r:id="rId18"/>
+    <p:notesMasterId r:id="rId20"/>
   </p:notesMasterIdLst>
   <p:sldIdLst>
     <p:sldId id="256" r:id="rId2"/>
@@ -23,7 +23,9 @@
     <p:sldId id="267" r:id="rId14"/>
     <p:sldId id="277" r:id="rId15"/>
     <p:sldId id="262" r:id="rId16"/>
-    <p:sldId id="266" r:id="rId17"/>
+    <p:sldId id="278" r:id="rId17"/>
+    <p:sldId id="279" r:id="rId18"/>
+    <p:sldId id="266" r:id="rId19"/>
   </p:sldIdLst>
   <p:sldSz cx="12192000" cy="6858000"/>
   <p:notesSz cx="6858000" cy="9144000"/>
@@ -142,6 +144,8 @@
             <p14:sldId id="267"/>
             <p14:sldId id="277"/>
             <p14:sldId id="262"/>
+            <p14:sldId id="278"/>
+            <p14:sldId id="279"/>
             <p14:sldId id="266"/>
           </p14:sldIdLst>
         </p14:section>
@@ -166,34 +170,6 @@
 </p:cmAuthorLst>
 </file>
 
-<file path=ppt/comments/comment1.xml><?xml version="1.0" encoding="utf-8"?>
-<p:cmLst xmlns:a="http://schemas.openxmlformats.org/drawingml/2006/main" xmlns:r="http://schemas.openxmlformats.org/officeDocument/2006/relationships" xmlns:p="http://schemas.openxmlformats.org/presentationml/2006/main">
-  <p:cm authorId="1" dt="2021-11-21T20:07:59.184" idx="1">
-    <p:pos x="6812" y="1712"/>
-    <p:text/>
-    <p:extLst>
-      <p:ext uri="{C676402C-5697-4E1C-873F-D02D1690AC5C}">
-        <p15:threadingInfo xmlns:p15="http://schemas.microsoft.com/office/powerpoint/2012/main" timeZoneBias="-480"/>
-      </p:ext>
-    </p:extLst>
-  </p:cm>
-</p:cmLst>
-</file>
-
-<file path=ppt/comments/comment2.xml><?xml version="1.0" encoding="utf-8"?>
-<p:cmLst xmlns:a="http://schemas.openxmlformats.org/drawingml/2006/main" xmlns:r="http://schemas.openxmlformats.org/officeDocument/2006/relationships" xmlns:p="http://schemas.openxmlformats.org/presentationml/2006/main">
-  <p:cm authorId="1" dt="2021-11-21T20:07:59.184" idx="1">
-    <p:pos x="6812" y="1712"/>
-    <p:text/>
-    <p:extLst>
-      <p:ext uri="{C676402C-5697-4E1C-873F-D02D1690AC5C}">
-        <p15:threadingInfo xmlns:p15="http://schemas.microsoft.com/office/powerpoint/2012/main" timeZoneBias="-480"/>
-      </p:ext>
-    </p:extLst>
-  </p:cm>
-</p:cmLst>
-</file>
-
 <file path=ppt/notesMasters/notesMaster1.xml><?xml version="1.0" encoding="utf-8"?>
 <p:notesMaster xmlns:a="http://schemas.openxmlformats.org/drawingml/2006/main" xmlns:r="http://schemas.openxmlformats.org/officeDocument/2006/relationships" xmlns:p="http://schemas.openxmlformats.org/presentationml/2006/main">
   <p:cSld>
@@ -276,7 +252,7 @@
           <a:p>
             <a:fld id="{CF147484-EED0-47A5-9822-A8389DF9D591}" type="datetimeFigureOut">
               <a:rPr lang="zh-TW" altLang="en-US" smtClean="0"/>
-              <a:t>2022/1/7</a:t>
+              <a:t>2022/1/8</a:t>
             </a:fld>
             <a:endParaRPr lang="zh-TW" altLang="en-US"/>
           </a:p>
@@ -618,6 +594,174 @@
     <p:extLst>
       <p:ext uri="{BB962C8B-B14F-4D97-AF65-F5344CB8AC3E}">
         <p14:creationId xmlns:p14="http://schemas.microsoft.com/office/powerpoint/2010/main" val="245674465"/>
+      </p:ext>
+    </p:extLst>
+  </p:cSld>
+  <p:clrMapOvr>
+    <a:masterClrMapping/>
+  </p:clrMapOvr>
+</p:notes>
+</file>
+
+<file path=ppt/notesSlides/notesSlide2.xml><?xml version="1.0" encoding="utf-8"?>
+<p:notes xmlns:a="http://schemas.openxmlformats.org/drawingml/2006/main" xmlns:r="http://schemas.openxmlformats.org/officeDocument/2006/relationships" xmlns:p="http://schemas.openxmlformats.org/presentationml/2006/main">
+  <p:cSld>
+    <p:spTree>
+      <p:nvGrpSpPr>
+        <p:cNvPr id="1" name=""/>
+        <p:cNvGrpSpPr/>
+        <p:nvPr/>
+      </p:nvGrpSpPr>
+      <p:grpSpPr>
+        <a:xfrm>
+          <a:off x="0" y="0"/>
+          <a:ext cx="0" cy="0"/>
+          <a:chOff x="0" y="0"/>
+          <a:chExt cx="0" cy="0"/>
+        </a:xfrm>
+      </p:grpSpPr>
+      <p:sp>
+        <p:nvSpPr>
+          <p:cNvPr id="2" name="投影片影像版面配置區 1"/>
+          <p:cNvSpPr>
+            <a:spLocks noGrp="1" noRot="1" noChangeAspect="1"/>
+          </p:cNvSpPr>
+          <p:nvPr>
+            <p:ph type="sldImg"/>
+          </p:nvPr>
+        </p:nvSpPr>
+        <p:spPr/>
+      </p:sp>
+      <p:sp>
+        <p:nvSpPr>
+          <p:cNvPr id="3" name="備忘稿版面配置區 2"/>
+          <p:cNvSpPr>
+            <a:spLocks noGrp="1"/>
+          </p:cNvSpPr>
+          <p:nvPr>
+            <p:ph type="body" idx="1"/>
+          </p:nvPr>
+        </p:nvSpPr>
+        <p:spPr/>
+        <p:txBody>
+          <a:bodyPr/>
+          <a:lstStyle/>
+          <a:p>
+            <a:endParaRPr lang="zh-TW" altLang="en-US" dirty="0"/>
+          </a:p>
+        </p:txBody>
+      </p:sp>
+      <p:sp>
+        <p:nvSpPr>
+          <p:cNvPr id="4" name="投影片編號版面配置區 3"/>
+          <p:cNvSpPr>
+            <a:spLocks noGrp="1"/>
+          </p:cNvSpPr>
+          <p:nvPr>
+            <p:ph type="sldNum" sz="quarter" idx="5"/>
+          </p:nvPr>
+        </p:nvSpPr>
+        <p:spPr/>
+        <p:txBody>
+          <a:bodyPr/>
+          <a:lstStyle/>
+          <a:p>
+            <a:fld id="{AE4E7785-5069-4032-9A67-A3D927B60198}" type="slidenum">
+              <a:rPr lang="zh-TW" altLang="en-US" smtClean="0"/>
+              <a:t>16</a:t>
+            </a:fld>
+            <a:endParaRPr lang="zh-TW" altLang="en-US"/>
+          </a:p>
+        </p:txBody>
+      </p:sp>
+    </p:spTree>
+    <p:extLst>
+      <p:ext uri="{BB962C8B-B14F-4D97-AF65-F5344CB8AC3E}">
+        <p14:creationId xmlns:p14="http://schemas.microsoft.com/office/powerpoint/2010/main" val="126632445"/>
+      </p:ext>
+    </p:extLst>
+  </p:cSld>
+  <p:clrMapOvr>
+    <a:masterClrMapping/>
+  </p:clrMapOvr>
+</p:notes>
+</file>
+
+<file path=ppt/notesSlides/notesSlide3.xml><?xml version="1.0" encoding="utf-8"?>
+<p:notes xmlns:a="http://schemas.openxmlformats.org/drawingml/2006/main" xmlns:r="http://schemas.openxmlformats.org/officeDocument/2006/relationships" xmlns:p="http://schemas.openxmlformats.org/presentationml/2006/main">
+  <p:cSld>
+    <p:spTree>
+      <p:nvGrpSpPr>
+        <p:cNvPr id="1" name=""/>
+        <p:cNvGrpSpPr/>
+        <p:nvPr/>
+      </p:nvGrpSpPr>
+      <p:grpSpPr>
+        <a:xfrm>
+          <a:off x="0" y="0"/>
+          <a:ext cx="0" cy="0"/>
+          <a:chOff x="0" y="0"/>
+          <a:chExt cx="0" cy="0"/>
+        </a:xfrm>
+      </p:grpSpPr>
+      <p:sp>
+        <p:nvSpPr>
+          <p:cNvPr id="2" name="投影片影像版面配置區 1"/>
+          <p:cNvSpPr>
+            <a:spLocks noGrp="1" noRot="1" noChangeAspect="1"/>
+          </p:cNvSpPr>
+          <p:nvPr>
+            <p:ph type="sldImg"/>
+          </p:nvPr>
+        </p:nvSpPr>
+        <p:spPr/>
+      </p:sp>
+      <p:sp>
+        <p:nvSpPr>
+          <p:cNvPr id="3" name="備忘稿版面配置區 2"/>
+          <p:cNvSpPr>
+            <a:spLocks noGrp="1"/>
+          </p:cNvSpPr>
+          <p:nvPr>
+            <p:ph type="body" idx="1"/>
+          </p:nvPr>
+        </p:nvSpPr>
+        <p:spPr/>
+        <p:txBody>
+          <a:bodyPr/>
+          <a:lstStyle/>
+          <a:p>
+            <a:endParaRPr lang="zh-TW" altLang="en-US" dirty="0"/>
+          </a:p>
+        </p:txBody>
+      </p:sp>
+      <p:sp>
+        <p:nvSpPr>
+          <p:cNvPr id="4" name="投影片編號版面配置區 3"/>
+          <p:cNvSpPr>
+            <a:spLocks noGrp="1"/>
+          </p:cNvSpPr>
+          <p:nvPr>
+            <p:ph type="sldNum" sz="quarter" idx="5"/>
+          </p:nvPr>
+        </p:nvSpPr>
+        <p:spPr/>
+        <p:txBody>
+          <a:bodyPr/>
+          <a:lstStyle/>
+          <a:p>
+            <a:fld id="{AE4E7785-5069-4032-9A67-A3D927B60198}" type="slidenum">
+              <a:rPr lang="zh-TW" altLang="en-US" smtClean="0"/>
+              <a:t>17</a:t>
+            </a:fld>
+            <a:endParaRPr lang="zh-TW" altLang="en-US"/>
+          </a:p>
+        </p:txBody>
+      </p:sp>
+    </p:spTree>
+    <p:extLst>
+      <p:ext uri="{BB962C8B-B14F-4D97-AF65-F5344CB8AC3E}">
+        <p14:creationId xmlns:p14="http://schemas.microsoft.com/office/powerpoint/2010/main" val="1374419561"/>
       </p:ext>
     </p:extLst>
   </p:cSld>
@@ -958,7 +1102,7 @@
           <a:p>
             <a:fld id="{50E19A1F-3094-4FFA-9841-3C8B913EEDA7}" type="datetimeFigureOut">
               <a:rPr lang="zh-TW" altLang="en-US" smtClean="0"/>
-              <a:t>2022/1/7</a:t>
+              <a:t>2022/1/8</a:t>
             </a:fld>
             <a:endParaRPr lang="zh-TW" altLang="en-US"/>
           </a:p>
@@ -1282,7 +1426,7 @@
           <a:p>
             <a:fld id="{50E19A1F-3094-4FFA-9841-3C8B913EEDA7}" type="datetimeFigureOut">
               <a:rPr lang="zh-TW" altLang="en-US" smtClean="0"/>
-              <a:t>2022/1/7</a:t>
+              <a:t>2022/1/8</a:t>
             </a:fld>
             <a:endParaRPr lang="zh-TW" altLang="en-US"/>
           </a:p>
@@ -1530,7 +1674,7 @@
           <a:p>
             <a:fld id="{50E19A1F-3094-4FFA-9841-3C8B913EEDA7}" type="datetimeFigureOut">
               <a:rPr lang="zh-TW" altLang="en-US" smtClean="0"/>
-              <a:t>2022/1/7</a:t>
+              <a:t>2022/1/8</a:t>
             </a:fld>
             <a:endParaRPr lang="zh-TW" altLang="en-US"/>
           </a:p>
@@ -1869,7 +2013,7 @@
           <a:p>
             <a:fld id="{50E19A1F-3094-4FFA-9841-3C8B913EEDA7}" type="datetimeFigureOut">
               <a:rPr lang="zh-TW" altLang="en-US" smtClean="0"/>
-              <a:t>2022/1/7</a:t>
+              <a:t>2022/1/8</a:t>
             </a:fld>
             <a:endParaRPr lang="zh-TW" altLang="en-US"/>
           </a:p>
@@ -2216,7 +2360,7 @@
           <a:p>
             <a:fld id="{50E19A1F-3094-4FFA-9841-3C8B913EEDA7}" type="datetimeFigureOut">
               <a:rPr lang="zh-TW" altLang="en-US" smtClean="0"/>
-              <a:t>2022/1/7</a:t>
+              <a:t>2022/1/8</a:t>
             </a:fld>
             <a:endParaRPr lang="zh-TW" altLang="en-US"/>
           </a:p>
@@ -2590,7 +2734,7 @@
           <a:p>
             <a:fld id="{50E19A1F-3094-4FFA-9841-3C8B913EEDA7}" type="datetimeFigureOut">
               <a:rPr lang="zh-TW" altLang="en-US" smtClean="0"/>
-              <a:t>2022/1/7</a:t>
+              <a:t>2022/1/8</a:t>
             </a:fld>
             <a:endParaRPr lang="zh-TW" altLang="en-US"/>
           </a:p>
@@ -3060,7 +3204,7 @@
           <a:p>
             <a:fld id="{50E19A1F-3094-4FFA-9841-3C8B913EEDA7}" type="datetimeFigureOut">
               <a:rPr lang="zh-TW" altLang="en-US" smtClean="0"/>
-              <a:t>2022/1/7</a:t>
+              <a:t>2022/1/8</a:t>
             </a:fld>
             <a:endParaRPr lang="zh-TW" altLang="en-US"/>
           </a:p>
@@ -3265,7 +3409,7 @@
           <a:p>
             <a:fld id="{50E19A1F-3094-4FFA-9841-3C8B913EEDA7}" type="datetimeFigureOut">
               <a:rPr lang="zh-TW" altLang="en-US" smtClean="0"/>
-              <a:t>2022/1/7</a:t>
+              <a:t>2022/1/8</a:t>
             </a:fld>
             <a:endParaRPr lang="zh-TW" altLang="en-US"/>
           </a:p>
@@ -3476,7 +3620,7 @@
           <a:p>
             <a:fld id="{50E19A1F-3094-4FFA-9841-3C8B913EEDA7}" type="datetimeFigureOut">
               <a:rPr lang="zh-TW" altLang="en-US" smtClean="0"/>
-              <a:t>2022/1/7</a:t>
+              <a:t>2022/1/8</a:t>
             </a:fld>
             <a:endParaRPr lang="zh-TW" altLang="en-US"/>
           </a:p>
@@ -3708,7 +3852,7 @@
           <a:p>
             <a:fld id="{50E19A1F-3094-4FFA-9841-3C8B913EEDA7}" type="datetimeFigureOut">
               <a:rPr lang="zh-TW" altLang="en-US" smtClean="0"/>
-              <a:t>2022/1/7</a:t>
+              <a:t>2022/1/8</a:t>
             </a:fld>
             <a:endParaRPr lang="zh-TW" altLang="en-US"/>
           </a:p>
@@ -3956,7 +4100,7 @@
           <a:p>
             <a:fld id="{50E19A1F-3094-4FFA-9841-3C8B913EEDA7}" type="datetimeFigureOut">
               <a:rPr lang="zh-TW" altLang="en-US" smtClean="0"/>
-              <a:t>2022/1/7</a:t>
+              <a:t>2022/1/8</a:t>
             </a:fld>
             <a:endParaRPr lang="zh-TW" altLang="en-US"/>
           </a:p>
@@ -4254,7 +4398,7 @@
           <a:p>
             <a:fld id="{50E19A1F-3094-4FFA-9841-3C8B913EEDA7}" type="datetimeFigureOut">
               <a:rPr lang="zh-TW" altLang="en-US" smtClean="0"/>
-              <a:t>2022/1/7</a:t>
+              <a:t>2022/1/8</a:t>
             </a:fld>
             <a:endParaRPr lang="zh-TW" altLang="en-US"/>
           </a:p>
@@ -4648,7 +4792,7 @@
           <a:p>
             <a:fld id="{50E19A1F-3094-4FFA-9841-3C8B913EEDA7}" type="datetimeFigureOut">
               <a:rPr lang="zh-TW" altLang="en-US" smtClean="0"/>
-              <a:t>2022/1/7</a:t>
+              <a:t>2022/1/8</a:t>
             </a:fld>
             <a:endParaRPr lang="zh-TW" altLang="en-US"/>
           </a:p>
@@ -4797,7 +4941,7 @@
           <a:p>
             <a:fld id="{50E19A1F-3094-4FFA-9841-3C8B913EEDA7}" type="datetimeFigureOut">
               <a:rPr lang="zh-TW" altLang="en-US" smtClean="0"/>
-              <a:t>2022/1/7</a:t>
+              <a:t>2022/1/8</a:t>
             </a:fld>
             <a:endParaRPr lang="zh-TW" altLang="en-US"/>
           </a:p>
@@ -4923,7 +5067,7 @@
           <a:p>
             <a:fld id="{50E19A1F-3094-4FFA-9841-3C8B913EEDA7}" type="datetimeFigureOut">
               <a:rPr lang="zh-TW" altLang="en-US" smtClean="0"/>
-              <a:t>2022/1/7</a:t>
+              <a:t>2022/1/8</a:t>
             </a:fld>
             <a:endParaRPr lang="zh-TW" altLang="en-US"/>
           </a:p>
@@ -5178,7 +5322,7 @@
           <a:p>
             <a:fld id="{50E19A1F-3094-4FFA-9841-3C8B913EEDA7}" type="datetimeFigureOut">
               <a:rPr lang="zh-TW" altLang="en-US" smtClean="0"/>
-              <a:t>2022/1/7</a:t>
+              <a:t>2022/1/8</a:t>
             </a:fld>
             <a:endParaRPr lang="zh-TW" altLang="en-US"/>
           </a:p>
@@ -5493,7 +5637,7 @@
           <a:p>
             <a:fld id="{50E19A1F-3094-4FFA-9841-3C8B913EEDA7}" type="datetimeFigureOut">
               <a:rPr lang="zh-TW" altLang="en-US" smtClean="0"/>
-              <a:t>2022/1/7</a:t>
+              <a:t>2022/1/8</a:t>
             </a:fld>
             <a:endParaRPr lang="zh-TW" altLang="en-US"/>
           </a:p>
@@ -5844,7 +5988,7 @@
           <a:p>
             <a:fld id="{50E19A1F-3094-4FFA-9841-3C8B913EEDA7}" type="datetimeFigureOut">
               <a:rPr lang="zh-TW" altLang="en-US" smtClean="0"/>
-              <a:t>2022/1/7</a:t>
+              <a:t>2022/1/8</a:t>
             </a:fld>
             <a:endParaRPr lang="zh-TW" altLang="en-US"/>
           </a:p>
@@ -7280,7 +7424,7 @@
             <p:spPr/>
             <p:txBody>
               <a:bodyPr>
-                <a:normAutofit fontScale="70000" lnSpcReduction="20000"/>
+                <a:normAutofit fontScale="77500" lnSpcReduction="20000"/>
               </a:bodyPr>
               <a:lstStyle/>
               <a:p>
@@ -7292,7 +7436,7 @@
                   <a:buAutoNum type="arabicPeriod" startAt="4"/>
                 </a:pPr>
                 <a:r>
-                  <a:rPr lang="en-US" altLang="zh-TW" dirty="0"/>
+                  <a:rPr lang="en-US" altLang="zh-TW" sz="2500" dirty="0"/>
                   <a:t>Loss(Error) function: </a:t>
                 </a:r>
                 <a14:m>
@@ -7301,13 +7445,13 @@
                       <m:rPr>
                         <m:sty m:val="p"/>
                       </m:rPr>
-                      <a:rPr lang="en-US" altLang="zh-TW" b="0" i="0" smtClean="0">
+                      <a:rPr lang="en-US" altLang="zh-TW" sz="2500" b="0" i="0" smtClean="0">
                         <a:latin typeface="Cambria Math" panose="02040503050406030204" pitchFamily="18" charset="0"/>
                       </a:rPr>
                       <m:t>L</m:t>
                     </m:r>
                     <m:r>
-                      <a:rPr lang="en-US" altLang="zh-TW" b="0" i="1" smtClean="0">
+                      <a:rPr lang="en-US" altLang="zh-TW" sz="2500" b="0" i="1" smtClean="0">
                         <a:latin typeface="Cambria Math" panose="02040503050406030204" pitchFamily="18" charset="0"/>
                       </a:rPr>
                       <m:t>=</m:t>
@@ -7315,7 +7459,7 @@
                     <m:sSup>
                       <m:sSupPr>
                         <m:ctrlPr>
-                          <a:rPr lang="en-US" altLang="zh-TW" b="0" i="1" smtClean="0">
+                          <a:rPr lang="en-US" altLang="zh-TW" sz="2500" b="0" i="1" smtClean="0">
                             <a:latin typeface="Cambria Math" panose="02040503050406030204" pitchFamily="18" charset="0"/>
                           </a:rPr>
                         </m:ctrlPr>
@@ -7324,20 +7468,20 @@
                         <m:d>
                           <m:dPr>
                             <m:ctrlPr>
-                              <a:rPr lang="en-US" altLang="zh-TW" b="0" i="1" smtClean="0">
+                              <a:rPr lang="en-US" altLang="zh-TW" sz="2500" b="0" i="1" smtClean="0">
                                 <a:latin typeface="Cambria Math" panose="02040503050406030204" pitchFamily="18" charset="0"/>
                               </a:rPr>
                             </m:ctrlPr>
                           </m:dPr>
                           <m:e>
                             <m:r>
-                              <a:rPr lang="en-US" altLang="zh-TW" b="0" i="1" smtClean="0">
+                              <a:rPr lang="en-US" altLang="zh-TW" sz="2500" b="0" i="1" smtClean="0">
                                 <a:latin typeface="Cambria Math" panose="02040503050406030204" pitchFamily="18" charset="0"/>
                               </a:rPr>
                               <m:t>𝑌</m:t>
                             </m:r>
                             <m:r>
-                              <a:rPr lang="en-US" altLang="zh-TW" b="0" i="1" smtClean="0">
+                              <a:rPr lang="en-US" altLang="zh-TW" sz="2500" b="0" i="1" smtClean="0">
                                 <a:latin typeface="Cambria Math" panose="02040503050406030204" pitchFamily="18" charset="0"/>
                               </a:rPr>
                               <m:t>−</m:t>
@@ -7346,14 +7490,14 @@
                               <m:accPr>
                                 <m:chr m:val="̂"/>
                                 <m:ctrlPr>
-                                  <a:rPr lang="en-US" altLang="zh-TW" b="0" i="1" smtClean="0">
+                                  <a:rPr lang="en-US" altLang="zh-TW" sz="2500" b="0" i="1" smtClean="0">
                                     <a:latin typeface="Cambria Math" panose="02040503050406030204" pitchFamily="18" charset="0"/>
                                   </a:rPr>
                                 </m:ctrlPr>
                               </m:accPr>
                               <m:e>
                                 <m:r>
-                                  <a:rPr lang="en-US" altLang="zh-TW" b="0" i="1" smtClean="0">
+                                  <a:rPr lang="en-US" altLang="zh-TW" sz="2500" b="0" i="1" smtClean="0">
                                     <a:latin typeface="Cambria Math" panose="02040503050406030204" pitchFamily="18" charset="0"/>
                                   </a:rPr>
                                   <m:t>𝑌</m:t>
@@ -7365,7 +7509,7 @@
                       </m:e>
                       <m:sup>
                         <m:r>
-                          <a:rPr lang="en-US" altLang="zh-TW" b="0" i="1" smtClean="0">
+                          <a:rPr lang="en-US" altLang="zh-TW" sz="2500" b="0" i="1" smtClean="0">
                             <a:latin typeface="Cambria Math" panose="02040503050406030204" pitchFamily="18" charset="0"/>
                           </a:rPr>
                           <m:t>2</m:t>
@@ -7374,7 +7518,7 @@
                     </m:sSup>
                   </m:oMath>
                 </a14:m>
-                <a:endParaRPr lang="en-US" altLang="zh-TW" dirty="0"/>
+                <a:endParaRPr lang="en-US" altLang="zh-TW" sz="2500" dirty="0"/>
               </a:p>
               <a:p>
                 <a:pPr marL="457200" indent="-457200">
@@ -7385,11 +7529,11 @@
                   <a:buAutoNum type="arabicPeriod" startAt="4"/>
                 </a:pPr>
                 <a:r>
-                  <a:rPr lang="en-US" altLang="zh-TW" dirty="0"/>
+                  <a:rPr lang="en-US" altLang="zh-TW" sz="2500" dirty="0"/>
                   <a:t>Optimization :</a:t>
                 </a:r>
                 <a:r>
-                  <a:rPr lang="zh-TW" altLang="en-US" dirty="0"/>
+                  <a:rPr lang="zh-TW" altLang="en-US" sz="2500" dirty="0"/>
                   <a:t> </a:t>
                 </a:r>
                 <a14:m>
@@ -7397,7 +7541,7 @@
                     <m:sSub>
                       <m:sSubPr>
                         <m:ctrlPr>
-                          <a:rPr lang="en-US" altLang="zh-TW" b="0" i="1" smtClean="0">
+                          <a:rPr lang="en-US" altLang="zh-TW" sz="2500" b="0" i="1" smtClean="0">
                             <a:latin typeface="Cambria Math" panose="02040503050406030204" pitchFamily="18" charset="0"/>
                           </a:rPr>
                         </m:ctrlPr>
@@ -7407,7 +7551,7 @@
                           <m:rPr>
                             <m:sty m:val="p"/>
                           </m:rPr>
-                          <a:rPr lang="en-US" altLang="zh-TW" b="0" i="0" smtClean="0">
+                          <a:rPr lang="en-US" altLang="zh-TW" sz="2500" b="0" i="0" smtClean="0">
                             <a:latin typeface="Cambria Math" panose="02040503050406030204" pitchFamily="18" charset="0"/>
                           </a:rPr>
                           <m:t>argmin</m:t>
@@ -7415,7 +7559,7 @@
                       </m:e>
                       <m:sub>
                         <m:r>
-                          <a:rPr lang="en-US" altLang="zh-TW" b="0" i="1" smtClean="0">
+                          <a:rPr lang="en-US" altLang="zh-TW" sz="2500" b="0" i="1" smtClean="0">
                             <a:latin typeface="Cambria Math" panose="02040503050406030204" pitchFamily="18" charset="0"/>
                           </a:rPr>
                           <m:t>𝑤</m:t>
@@ -7425,14 +7569,14 @@
                     <m:f>
                       <m:fPr>
                         <m:ctrlPr>
-                          <a:rPr lang="en-US" altLang="zh-TW" b="0" i="1" smtClean="0">
+                          <a:rPr lang="en-US" altLang="zh-TW" sz="2500" b="0" i="1" smtClean="0">
                             <a:latin typeface="Cambria Math" panose="02040503050406030204" pitchFamily="18" charset="0"/>
                           </a:rPr>
                         </m:ctrlPr>
                       </m:fPr>
                       <m:num>
                         <m:r>
-                          <a:rPr lang="en-US" altLang="zh-TW" b="0" i="1" smtClean="0">
+                          <a:rPr lang="en-US" altLang="zh-TW" sz="2500" b="0" i="1" smtClean="0">
                             <a:latin typeface="Cambria Math" panose="02040503050406030204" pitchFamily="18" charset="0"/>
                           </a:rPr>
                           <m:t>1</m:t>
@@ -7440,7 +7584,7 @@
                       </m:num>
                       <m:den>
                         <m:r>
-                          <a:rPr lang="en-US" altLang="zh-TW" b="0" i="1" smtClean="0">
+                          <a:rPr lang="en-US" altLang="zh-TW" sz="2500" b="0" i="1" smtClean="0">
                             <a:latin typeface="Cambria Math" panose="02040503050406030204" pitchFamily="18" charset="0"/>
                           </a:rPr>
                           <m:t>𝑚</m:t>
@@ -7448,7 +7592,7 @@
                       </m:den>
                     </m:f>
                     <m:r>
-                      <a:rPr lang="en-US" altLang="zh-TW" b="0" i="1" smtClean="0">
+                      <a:rPr lang="en-US" altLang="zh-TW" sz="2500" b="0" i="1" smtClean="0">
                         <a:latin typeface="Cambria Math" panose="02040503050406030204" pitchFamily="18" charset="0"/>
                       </a:rPr>
                       <m:t> ∑</m:t>
@@ -7456,7 +7600,7 @@
                     <m:sSup>
                       <m:sSupPr>
                         <m:ctrlPr>
-                          <a:rPr lang="en-US" altLang="zh-TW" b="0" i="1" smtClean="0">
+                          <a:rPr lang="en-US" altLang="zh-TW" sz="2500" b="0" i="1" smtClean="0">
                             <a:latin typeface="Cambria Math" panose="02040503050406030204" pitchFamily="18" charset="0"/>
                           </a:rPr>
                         </m:ctrlPr>
@@ -7465,20 +7609,20 @@
                         <m:d>
                           <m:dPr>
                             <m:ctrlPr>
-                              <a:rPr lang="en-US" altLang="zh-TW" b="0" i="1" smtClean="0">
+                              <a:rPr lang="en-US" altLang="zh-TW" sz="2500" b="0" i="1" smtClean="0">
                                 <a:latin typeface="Cambria Math" panose="02040503050406030204" pitchFamily="18" charset="0"/>
                               </a:rPr>
                             </m:ctrlPr>
                           </m:dPr>
                           <m:e>
                             <m:r>
-                              <a:rPr lang="en-US" altLang="zh-TW" b="0" i="1" smtClean="0">
+                              <a:rPr lang="en-US" altLang="zh-TW" sz="2500" b="0" i="1" smtClean="0">
                                 <a:latin typeface="Cambria Math" panose="02040503050406030204" pitchFamily="18" charset="0"/>
                               </a:rPr>
                               <m:t>𝑌</m:t>
                             </m:r>
                             <m:r>
-                              <a:rPr lang="en-US" altLang="zh-TW" b="0" i="1" smtClean="0">
+                              <a:rPr lang="en-US" altLang="zh-TW" sz="2500" b="0" i="1" smtClean="0">
                                 <a:latin typeface="Cambria Math" panose="02040503050406030204" pitchFamily="18" charset="0"/>
                               </a:rPr>
                               <m:t>−</m:t>
@@ -7487,14 +7631,14 @@
                               <m:accPr>
                                 <m:chr m:val="̂"/>
                                 <m:ctrlPr>
-                                  <a:rPr lang="en-US" altLang="zh-TW" b="0" i="1" smtClean="0">
+                                  <a:rPr lang="en-US" altLang="zh-TW" sz="2500" b="0" i="1" smtClean="0">
                                     <a:latin typeface="Cambria Math" panose="02040503050406030204" pitchFamily="18" charset="0"/>
                                   </a:rPr>
                                 </m:ctrlPr>
                               </m:accPr>
                               <m:e>
                                 <m:r>
-                                  <a:rPr lang="en-US" altLang="zh-TW" b="0" i="1" smtClean="0">
+                                  <a:rPr lang="en-US" altLang="zh-TW" sz="2500" b="0" i="1" smtClean="0">
                                     <a:latin typeface="Cambria Math" panose="02040503050406030204" pitchFamily="18" charset="0"/>
                                   </a:rPr>
                                   <m:t>𝑌</m:t>
@@ -7506,7 +7650,7 @@
                       </m:e>
                       <m:sup>
                         <m:r>
-                          <a:rPr lang="en-US" altLang="zh-TW" b="0" i="1" smtClean="0">
+                          <a:rPr lang="en-US" altLang="zh-TW" sz="2500" b="0" i="1" smtClean="0">
                             <a:latin typeface="Cambria Math" panose="02040503050406030204" pitchFamily="18" charset="0"/>
                           </a:rPr>
                           <m:t>2</m:t>
@@ -7515,33 +7659,7 @@
                     </m:sSup>
                   </m:oMath>
                 </a14:m>
-                <a:endParaRPr lang="en-US" altLang="zh-TW" dirty="0"/>
-              </a:p>
-              <a:p>
-                <a:pPr lvl="1">
-                  <a:lnSpc>
-                    <a:spcPct val="150000"/>
-                  </a:lnSpc>
-                </a:pPr>
-                <a14:m>
-                  <m:oMath xmlns:m="http://schemas.openxmlformats.org/officeDocument/2006/math">
-                    <m:r>
-                      <a:rPr lang="en-US" altLang="zh-TW" b="0" i="1" smtClean="0">
-                        <a:latin typeface="Cambria Math" panose="02040503050406030204" pitchFamily="18" charset="0"/>
-                      </a:rPr>
-                      <m:t>𝑚</m:t>
-                    </m:r>
-                  </m:oMath>
-                </a14:m>
-                <a:r>
-                  <a:rPr lang="en-US" altLang="zh-TW" dirty="0"/>
-                  <a:t> </a:t>
-                </a:r>
-                <a:r>
-                  <a:rPr lang="zh-TW" altLang="en-US" dirty="0"/>
-                  <a:t>筆資料</a:t>
-                </a:r>
-                <a:endParaRPr lang="en-US" altLang="zh-TW" dirty="0"/>
+                <a:endParaRPr lang="en-US" altLang="zh-TW" sz="2500" dirty="0"/>
               </a:p>
               <a:p>
                 <a:pPr lvl="1">
@@ -7560,7 +7678,7 @@
                 <a14:m>
                   <m:oMath xmlns:m="http://schemas.openxmlformats.org/officeDocument/2006/math">
                     <m:r>
-                      <a:rPr lang="en-US" altLang="zh-TW" b="0" i="1" smtClean="0">
+                      <a:rPr lang="en-US" altLang="zh-TW" i="1">
                         <a:latin typeface="Cambria Math" panose="02040503050406030204" pitchFamily="18" charset="0"/>
                       </a:rPr>
                       <m:t>𝑊</m:t>
@@ -7573,7 +7691,25 @@
                 </a:r>
                 <a:r>
                   <a:rPr lang="zh-TW" altLang="en-US" dirty="0"/>
-                  <a:t>使得平均</a:t>
+                  <a:t>使得 </a:t>
+                </a:r>
+                <a14:m>
+                  <m:oMath xmlns:m="http://schemas.openxmlformats.org/officeDocument/2006/math">
+                    <m:r>
+                      <a:rPr lang="en-US" altLang="zh-TW" b="0" i="1" smtClean="0">
+                        <a:latin typeface="Cambria Math" panose="02040503050406030204" pitchFamily="18" charset="0"/>
+                      </a:rPr>
+                      <m:t>𝑚</m:t>
+                    </m:r>
+                  </m:oMath>
+                </a14:m>
+                <a:r>
+                  <a:rPr lang="en-US" altLang="zh-TW" dirty="0"/>
+                  <a:t> </a:t>
+                </a:r>
+                <a:r>
+                  <a:rPr lang="zh-TW" altLang="en-US" dirty="0"/>
+                  <a:t>筆資料的平均</a:t>
                 </a:r>
                 <a:r>
                   <a:rPr lang="en-US" altLang="zh-TW" dirty="0"/>
@@ -7610,10 +7746,9 @@
                   <a:t>梯度下降法 </a:t>
                 </a:r>
                 <a:r>
-                  <a:rPr lang="en-US" altLang="zh-TW"/>
+                  <a:rPr lang="en-US" altLang="zh-TW" dirty="0"/>
                   <a:t>(Gradient descent)</a:t>
                 </a:r>
-                <a:endParaRPr lang="en-US" altLang="zh-TW" dirty="0"/>
               </a:p>
               <a:p>
                 <a:pPr lvl="1">
@@ -7651,7 +7786,7 @@
               <a:blipFill>
                 <a:blip r:embed="rId2"/>
                 <a:stretch>
-                  <a:fillRect l="-572" b="-550"/>
+                  <a:fillRect l="-762"/>
                 </a:stretch>
               </a:blipFill>
             </p:spPr>
@@ -7973,7 +8108,7 @@
         <p:spPr/>
         <p:txBody>
           <a:bodyPr>
-            <a:normAutofit fontScale="92500"/>
+            <a:normAutofit fontScale="92500" lnSpcReduction="20000"/>
           </a:bodyPr>
           <a:lstStyle/>
           <a:p>
@@ -7983,19 +8118,19 @@
             </a:pPr>
             <a:r>
               <a:rPr lang="zh-TW" altLang="en-US" dirty="0"/>
-              <a:t>先將資料分成</a:t>
+              <a:t>先將資料隨機分成</a:t>
             </a:r>
             <a:r>
               <a:rPr lang="en-US" altLang="zh-TW" dirty="0"/>
-              <a:t>test set</a:t>
+              <a:t>test data</a:t>
             </a:r>
             <a:r>
               <a:rPr lang="zh-TW" altLang="en-US" dirty="0"/>
-              <a:t>與</a:t>
+              <a:t>與      </a:t>
             </a:r>
             <a:r>
               <a:rPr lang="en-US" altLang="zh-TW" dirty="0"/>
-              <a:t>non-test set</a:t>
+              <a:t>non-test data</a:t>
             </a:r>
           </a:p>
           <a:p>
@@ -8009,7 +8144,7 @@
             </a:r>
             <a:r>
               <a:rPr lang="en-US" altLang="zh-TW" dirty="0"/>
-              <a:t>non-test set</a:t>
+              <a:t>non-test data</a:t>
             </a:r>
             <a:r>
               <a:rPr lang="zh-TW" altLang="en-US" dirty="0"/>
@@ -8021,9 +8156,28 @@
             </a:r>
             <a:r>
               <a:rPr lang="zh-TW" altLang="en-US" dirty="0"/>
-              <a:t>個相同大小集合</a:t>
-            </a:r>
-            <a:endParaRPr lang="en-US" altLang="zh-TW" dirty="0"/>
+              <a:t>個相同大小集合 </a:t>
+            </a:r>
+            <a:r>
+              <a:rPr lang="en-US" altLang="zh-TW" dirty="0"/>
+              <a:t>(leave-one-out</a:t>
+            </a:r>
+            <a:r>
+              <a:rPr lang="zh-TW" altLang="en-US" dirty="0"/>
+              <a:t>就把</a:t>
+            </a:r>
+            <a:r>
+              <a:rPr lang="en-US" altLang="zh-TW" dirty="0"/>
+              <a:t>k</a:t>
+            </a:r>
+            <a:r>
+              <a:rPr lang="zh-TW" altLang="en-US" dirty="0"/>
+              <a:t>設定為總資料數</a:t>
+            </a:r>
+            <a:r>
+              <a:rPr lang="en-US" altLang="zh-TW" dirty="0"/>
+              <a:t>)</a:t>
+            </a:r>
           </a:p>
           <a:p>
             <a:pPr marL="457200" indent="-457200">
@@ -8036,7 +8190,7 @@
             </a:r>
             <a:r>
               <a:rPr lang="en-US" altLang="zh-TW" dirty="0"/>
-              <a:t>validation set</a:t>
+              <a:t>validation data</a:t>
             </a:r>
             <a:r>
               <a:rPr lang="zh-TW" altLang="en-US" dirty="0"/>
@@ -8044,11 +8198,11 @@
             </a:r>
             <a:r>
               <a:rPr lang="en-US" altLang="zh-TW" dirty="0"/>
-              <a:t>training set</a:t>
+              <a:t>training data</a:t>
             </a:r>
             <a:r>
               <a:rPr lang="zh-TW" altLang="en-US" dirty="0"/>
-              <a:t>用來訓練多個</a:t>
+              <a:t>去訓練多個</a:t>
             </a:r>
             <a:r>
               <a:rPr lang="en-US" altLang="zh-TW" dirty="0"/>
@@ -8224,10 +8378,10 @@
               <a:buAutoNum type="arabicPeriod" startAt="4"/>
             </a:pPr>
             <a:r>
-              <a:rPr lang="zh-TW" altLang="en-US" dirty="0"/>
+              <a:rPr lang="zh-TW" altLang="en-US" sz="2200" dirty="0"/>
               <a:t>計算出不同超參數設定的平均成效後選出最佳設定</a:t>
             </a:r>
-            <a:endParaRPr lang="en-US" altLang="zh-TW" dirty="0"/>
+            <a:endParaRPr lang="en-US" altLang="zh-TW" sz="2200" dirty="0"/>
           </a:p>
           <a:p>
             <a:pPr marL="457200" indent="-457200">
@@ -8235,27 +8389,27 @@
               <a:buAutoNum type="arabicPeriod" startAt="4"/>
             </a:pPr>
             <a:r>
-              <a:rPr lang="zh-TW" altLang="en-US" dirty="0"/>
+              <a:rPr lang="zh-TW" altLang="en-US" sz="2200" dirty="0"/>
               <a:t>把</a:t>
             </a:r>
             <a:r>
-              <a:rPr lang="en-US" altLang="zh-TW" dirty="0"/>
-              <a:t>non-test set</a:t>
-            </a:r>
-            <a:r>
-              <a:rPr lang="zh-TW" altLang="en-US" dirty="0"/>
+              <a:rPr lang="en-US" altLang="zh-TW" sz="2200" dirty="0"/>
+              <a:t>non-test data </a:t>
+            </a:r>
+            <a:r>
+              <a:rPr lang="zh-TW" altLang="en-US" sz="2200" dirty="0"/>
               <a:t>拿來訓練</a:t>
             </a:r>
             <a:r>
-              <a:rPr lang="en-US" altLang="zh-TW" dirty="0"/>
+              <a:rPr lang="en-US" altLang="zh-TW" sz="2200" dirty="0"/>
               <a:t>model(</a:t>
             </a:r>
             <a:r>
-              <a:rPr lang="zh-TW" altLang="en-US" dirty="0"/>
+              <a:rPr lang="zh-TW" altLang="en-US" sz="2200" dirty="0"/>
               <a:t>超參數用前面找出的最佳設定</a:t>
             </a:r>
             <a:r>
-              <a:rPr lang="en-US" altLang="zh-TW" dirty="0"/>
+              <a:rPr lang="en-US" altLang="zh-TW" sz="2200" dirty="0"/>
               <a:t>)</a:t>
             </a:r>
           </a:p>
@@ -8265,26 +8419,25 @@
               <a:buAutoNum type="arabicPeriod" startAt="4"/>
             </a:pPr>
             <a:r>
-              <a:rPr lang="zh-TW" altLang="en-US" dirty="0"/>
+              <a:rPr lang="zh-TW" altLang="en-US" sz="2200" dirty="0"/>
               <a:t>用</a:t>
             </a:r>
             <a:r>
-              <a:rPr lang="en-US" altLang="zh-TW" dirty="0"/>
-              <a:t>test set</a:t>
-            </a:r>
-            <a:r>
-              <a:rPr lang="zh-TW" altLang="en-US" dirty="0"/>
+              <a:rPr lang="en-US" altLang="zh-TW" sz="2200" dirty="0"/>
+              <a:t>test data</a:t>
+            </a:r>
+            <a:r>
+              <a:rPr lang="zh-TW" altLang="en-US" sz="2200" dirty="0"/>
               <a:t>評估</a:t>
             </a:r>
             <a:r>
-              <a:rPr lang="en-US" altLang="zh-TW" dirty="0"/>
+              <a:rPr lang="en-US" altLang="zh-TW" sz="2200" dirty="0"/>
               <a:t>model</a:t>
             </a:r>
             <a:r>
-              <a:rPr lang="zh-TW" altLang="en-US"/>
+              <a:rPr lang="zh-TW" altLang="en-US" sz="2200" dirty="0"/>
               <a:t>的最終成效</a:t>
             </a:r>
-            <a:endParaRPr lang="zh-TW" altLang="en-US" dirty="0"/>
           </a:p>
         </p:txBody>
       </p:sp>
@@ -8394,8 +8547,8 @@
           </a:p>
         </p:txBody>
       </p:sp>
-      <mc:AlternateContent xmlns:mc="http://schemas.openxmlformats.org/markup-compatibility/2006" xmlns:a14="http://schemas.microsoft.com/office/drawing/2010/main">
-        <mc:Choice Requires="a14">
+      <mc:AlternateContent xmlns:mc="http://schemas.openxmlformats.org/markup-compatibility/2006">
+        <mc:Choice xmlns:a14="http://schemas.microsoft.com/office/drawing/2010/main" Requires="a14">
           <p:sp>
             <p:nvSpPr>
               <p:cNvPr id="5" name="內容版面配置區 4">
@@ -8414,12 +8567,811 @@
             </p:nvSpPr>
             <p:spPr/>
             <p:txBody>
+              <a:bodyPr>
+                <a:normAutofit fontScale="92500" lnSpcReduction="10000"/>
+              </a:bodyPr>
+              <a:lstStyle/>
+              <a:p>
+                <a:r>
+                  <a:rPr lang="en-US" altLang="zh-TW" dirty="0"/>
+                  <a:t>Input : </a:t>
+                </a:r>
+                <a14:m>
+                  <m:oMath xmlns:m="http://schemas.openxmlformats.org/officeDocument/2006/math">
+                    <m:r>
+                      <a:rPr lang="en-US" altLang="zh-TW" i="1">
+                        <a:latin typeface="Cambria Math" panose="02040503050406030204" pitchFamily="18" charset="0"/>
+                      </a:rPr>
+                      <m:t>𝑋</m:t>
+                    </m:r>
+                    <m:r>
+                      <a:rPr lang="en-US" altLang="zh-TW" i="1">
+                        <a:latin typeface="Cambria Math" panose="02040503050406030204" pitchFamily="18" charset="0"/>
+                      </a:rPr>
+                      <m:t>=[</m:t>
+                    </m:r>
+                    <m:sSub>
+                      <m:sSubPr>
+                        <m:ctrlPr>
+                          <a:rPr lang="en-US" altLang="zh-TW" i="1">
+                            <a:latin typeface="Cambria Math" panose="02040503050406030204" pitchFamily="18" charset="0"/>
+                          </a:rPr>
+                        </m:ctrlPr>
+                      </m:sSubPr>
+                      <m:e>
+                        <m:r>
+                          <a:rPr lang="en-US" altLang="zh-TW" i="1">
+                            <a:latin typeface="Cambria Math" panose="02040503050406030204" pitchFamily="18" charset="0"/>
+                          </a:rPr>
+                          <m:t>𝑥</m:t>
+                        </m:r>
+                      </m:e>
+                      <m:sub>
+                        <m:r>
+                          <a:rPr lang="en-US" altLang="zh-TW" i="1">
+                            <a:latin typeface="Cambria Math" panose="02040503050406030204" pitchFamily="18" charset="0"/>
+                          </a:rPr>
+                          <m:t>1</m:t>
+                        </m:r>
+                      </m:sub>
+                    </m:sSub>
+                    <m:r>
+                      <a:rPr lang="en-US" altLang="zh-TW" i="1">
+                        <a:latin typeface="Cambria Math" panose="02040503050406030204" pitchFamily="18" charset="0"/>
+                      </a:rPr>
+                      <m:t>, ⋯,</m:t>
+                    </m:r>
+                    <m:sSub>
+                      <m:sSubPr>
+                        <m:ctrlPr>
+                          <a:rPr lang="en-US" altLang="zh-TW" i="1">
+                            <a:latin typeface="Cambria Math" panose="02040503050406030204" pitchFamily="18" charset="0"/>
+                          </a:rPr>
+                        </m:ctrlPr>
+                      </m:sSubPr>
+                      <m:e>
+                        <m:r>
+                          <a:rPr lang="en-US" altLang="zh-TW" i="1">
+                            <a:latin typeface="Cambria Math" panose="02040503050406030204" pitchFamily="18" charset="0"/>
+                          </a:rPr>
+                          <m:t>𝑥</m:t>
+                        </m:r>
+                      </m:e>
+                      <m:sub>
+                        <m:r>
+                          <a:rPr lang="en-US" altLang="zh-TW" i="1">
+                            <a:latin typeface="Cambria Math" panose="02040503050406030204" pitchFamily="18" charset="0"/>
+                          </a:rPr>
+                          <m:t>𝑛</m:t>
+                        </m:r>
+                      </m:sub>
+                    </m:sSub>
+                    <m:r>
+                      <a:rPr lang="en-US" altLang="zh-TW" i="1">
+                        <a:latin typeface="Cambria Math" panose="02040503050406030204" pitchFamily="18" charset="0"/>
+                      </a:rPr>
+                      <m:t>]</m:t>
+                    </m:r>
+                  </m:oMath>
+                </a14:m>
+                <a:endParaRPr lang="en-US" altLang="zh-TW" dirty="0"/>
+              </a:p>
+              <a:p>
+                <a:pPr lvl="1"/>
+                <a14:m>
+                  <m:oMath xmlns:m="http://schemas.openxmlformats.org/officeDocument/2006/math">
+                    <m:sSub>
+                      <m:sSubPr>
+                        <m:ctrlPr>
+                          <a:rPr lang="en-US" altLang="zh-TW" i="1">
+                            <a:latin typeface="Cambria Math" panose="02040503050406030204" pitchFamily="18" charset="0"/>
+                          </a:rPr>
+                        </m:ctrlPr>
+                      </m:sSubPr>
+                      <m:e>
+                        <m:r>
+                          <a:rPr lang="en-US" altLang="zh-TW" i="1">
+                            <a:latin typeface="Cambria Math" panose="02040503050406030204" pitchFamily="18" charset="0"/>
+                          </a:rPr>
+                          <m:t>𝑥</m:t>
+                        </m:r>
+                      </m:e>
+                      <m:sub>
+                        <m:r>
+                          <a:rPr lang="en-US" altLang="zh-TW" i="1">
+                            <a:latin typeface="Cambria Math" panose="02040503050406030204" pitchFamily="18" charset="0"/>
+                          </a:rPr>
+                          <m:t>𝑘</m:t>
+                        </m:r>
+                      </m:sub>
+                    </m:sSub>
+                    <m:r>
+                      <a:rPr lang="zh-TW" altLang="en-US" i="1" smtClean="0">
+                        <a:latin typeface="Cambria Math" panose="02040503050406030204" pitchFamily="18" charset="0"/>
+                      </a:rPr>
+                      <m:t> </m:t>
+                    </m:r>
+                  </m:oMath>
+                </a14:m>
+                <a:r>
+                  <a:rPr lang="zh-TW" altLang="en-US" dirty="0"/>
+                  <a:t>可以是任意種類的資料</a:t>
+                </a:r>
+                <a:r>
+                  <a:rPr lang="en-US" altLang="zh-TW" dirty="0"/>
+                  <a:t>(</a:t>
+                </a:r>
+                <a:r>
+                  <a:rPr lang="zh-TW" altLang="en-US" dirty="0"/>
+                  <a:t>量化 </a:t>
+                </a:r>
+                <a:r>
+                  <a:rPr lang="en-US" altLang="zh-TW" dirty="0"/>
+                  <a:t>or</a:t>
+                </a:r>
+                <a:r>
+                  <a:rPr lang="zh-TW" altLang="en-US" dirty="0"/>
+                  <a:t> 分類</a:t>
+                </a:r>
+                <a:r>
+                  <a:rPr lang="en-US" altLang="zh-TW" dirty="0"/>
+                  <a:t>)</a:t>
+                </a:r>
+                <a:r>
+                  <a:rPr lang="zh-TW" altLang="en-US" dirty="0"/>
+                  <a:t>，但會影響到使用的</a:t>
+                </a:r>
+                <a:r>
+                  <a:rPr lang="en-US" altLang="zh-TW" dirty="0"/>
+                  <a:t>model</a:t>
+                </a:r>
+              </a:p>
+              <a:p>
+                <a:pPr>
+                  <a:lnSpc>
+                    <a:spcPct val="150000"/>
+                  </a:lnSpc>
+                </a:pPr>
+                <a:r>
+                  <a:rPr lang="en-US" altLang="zh-TW" dirty="0"/>
+                  <a:t>Output : </a:t>
+                </a:r>
+                <a14:m>
+                  <m:oMath xmlns:m="http://schemas.openxmlformats.org/officeDocument/2006/math">
+                    <m:r>
+                      <m:rPr>
+                        <m:sty m:val="p"/>
+                      </m:rPr>
+                      <a:rPr lang="en-US" altLang="zh-TW" dirty="0">
+                        <a:latin typeface="Cambria Math" panose="02040503050406030204" pitchFamily="18" charset="0"/>
+                      </a:rPr>
+                      <m:t>c</m:t>
+                    </m:r>
+                    <m:r>
+                      <m:rPr>
+                        <m:sty m:val="p"/>
+                      </m:rPr>
+                      <a:rPr lang="en-US" altLang="zh-TW" b="0" i="0" dirty="0" smtClean="0">
+                        <a:latin typeface="Cambria Math" panose="02040503050406030204" pitchFamily="18" charset="0"/>
+                      </a:rPr>
+                      <m:t>onstant</m:t>
+                    </m:r>
+                    <m:r>
+                      <a:rPr lang="en-US" altLang="zh-TW" b="0" i="1" dirty="0" smtClean="0">
+                        <a:latin typeface="Cambria Math" panose="02040503050406030204" pitchFamily="18" charset="0"/>
+                      </a:rPr>
+                      <m:t>×</m:t>
+                    </m:r>
+                    <m:r>
+                      <a:rPr lang="en-US" altLang="zh-TW" b="0" i="0" smtClean="0">
+                        <a:latin typeface="Cambria Math" panose="02040503050406030204" pitchFamily="18" charset="0"/>
+                      </a:rPr>
+                      <m:t> </m:t>
+                    </m:r>
+                    <m:r>
+                      <m:rPr>
+                        <m:sty m:val="p"/>
+                      </m:rPr>
+                      <a:rPr lang="en-US" altLang="zh-TW" b="0" i="0" smtClean="0">
+                        <a:latin typeface="Cambria Math" panose="02040503050406030204" pitchFamily="18" charset="0"/>
+                      </a:rPr>
+                      <m:t>P</m:t>
+                    </m:r>
+                    <m:d>
+                      <m:dPr>
+                        <m:ctrlPr>
+                          <a:rPr lang="en-US" altLang="zh-TW" b="0" i="0" smtClean="0">
+                            <a:latin typeface="Cambria Math" panose="02040503050406030204" pitchFamily="18" charset="0"/>
+                          </a:rPr>
+                        </m:ctrlPr>
+                      </m:dPr>
+                      <m:e>
+                        <m:sSub>
+                          <m:sSubPr>
+                            <m:ctrlPr>
+                              <a:rPr lang="en-US" altLang="zh-TW" b="0" i="1" smtClean="0">
+                                <a:latin typeface="Cambria Math" panose="02040503050406030204" pitchFamily="18" charset="0"/>
+                              </a:rPr>
+                            </m:ctrlPr>
+                          </m:sSubPr>
+                          <m:e>
+                            <m:r>
+                              <a:rPr lang="en-US" altLang="zh-TW" b="0" i="1" smtClean="0">
+                                <a:latin typeface="Cambria Math" panose="02040503050406030204" pitchFamily="18" charset="0"/>
+                              </a:rPr>
+                              <m:t>𝑦</m:t>
+                            </m:r>
+                          </m:e>
+                          <m:sub>
+                            <m:r>
+                              <a:rPr lang="en-US" altLang="zh-TW" b="0" i="1" smtClean="0">
+                                <a:latin typeface="Cambria Math" panose="02040503050406030204" pitchFamily="18" charset="0"/>
+                              </a:rPr>
+                              <m:t>𝑖</m:t>
+                            </m:r>
+                          </m:sub>
+                        </m:sSub>
+                      </m:e>
+                      <m:e>
+                        <m:sSub>
+                          <m:sSubPr>
+                            <m:ctrlPr>
+                              <a:rPr lang="en-US" altLang="zh-TW" b="0" i="1" smtClean="0">
+                                <a:latin typeface="Cambria Math" panose="02040503050406030204" pitchFamily="18" charset="0"/>
+                              </a:rPr>
+                            </m:ctrlPr>
+                          </m:sSubPr>
+                          <m:e>
+                            <m:r>
+                              <a:rPr lang="en-US" altLang="zh-TW" b="0" i="1" smtClean="0">
+                                <a:latin typeface="Cambria Math" panose="02040503050406030204" pitchFamily="18" charset="0"/>
+                              </a:rPr>
+                              <m:t>𝑥</m:t>
+                            </m:r>
+                          </m:e>
+                          <m:sub>
+                            <m:r>
+                              <a:rPr lang="en-US" altLang="zh-TW" b="0" i="1" smtClean="0">
+                                <a:latin typeface="Cambria Math" panose="02040503050406030204" pitchFamily="18" charset="0"/>
+                              </a:rPr>
+                              <m:t>1</m:t>
+                            </m:r>
+                          </m:sub>
+                        </m:sSub>
+                        <m:r>
+                          <a:rPr lang="en-US" altLang="zh-TW" b="0" i="1" smtClean="0">
+                            <a:latin typeface="Cambria Math" panose="02040503050406030204" pitchFamily="18" charset="0"/>
+                          </a:rPr>
+                          <m:t>,⋯, </m:t>
+                        </m:r>
+                        <m:sSub>
+                          <m:sSubPr>
+                            <m:ctrlPr>
+                              <a:rPr lang="en-US" altLang="zh-TW" b="0" i="1" smtClean="0">
+                                <a:latin typeface="Cambria Math" panose="02040503050406030204" pitchFamily="18" charset="0"/>
+                              </a:rPr>
+                            </m:ctrlPr>
+                          </m:sSubPr>
+                          <m:e>
+                            <m:r>
+                              <a:rPr lang="en-US" altLang="zh-TW" b="0" i="1" smtClean="0">
+                                <a:latin typeface="Cambria Math" panose="02040503050406030204" pitchFamily="18" charset="0"/>
+                              </a:rPr>
+                              <m:t>𝑥</m:t>
+                            </m:r>
+                          </m:e>
+                          <m:sub>
+                            <m:r>
+                              <a:rPr lang="en-US" altLang="zh-TW" b="0" i="1" smtClean="0">
+                                <a:latin typeface="Cambria Math" panose="02040503050406030204" pitchFamily="18" charset="0"/>
+                              </a:rPr>
+                              <m:t>𝑛</m:t>
+                            </m:r>
+                          </m:sub>
+                        </m:sSub>
+                      </m:e>
+                    </m:d>
+                    <m:r>
+                      <a:rPr lang="zh-TW" altLang="en-US" i="1">
+                        <a:latin typeface="Cambria Math" panose="02040503050406030204" pitchFamily="18" charset="0"/>
+                      </a:rPr>
+                      <m:t> </m:t>
+                    </m:r>
+                  </m:oMath>
+                </a14:m>
+                <a:r>
+                  <a:rPr lang="en-US" altLang="zh-TW" dirty="0"/>
+                  <a:t>  </a:t>
+                </a:r>
+              </a:p>
+              <a:p>
+                <a:pPr lvl="1">
+                  <a:lnSpc>
+                    <a:spcPct val="150000"/>
+                  </a:lnSpc>
+                </a:pPr>
+                <a:r>
+                  <a:rPr lang="en-US" altLang="zh-TW" dirty="0"/>
+                  <a:t> </a:t>
+                </a:r>
+                <a14:m>
+                  <m:oMath xmlns:m="http://schemas.openxmlformats.org/officeDocument/2006/math">
+                    <m:sSub>
+                      <m:sSubPr>
+                        <m:ctrlPr>
+                          <a:rPr lang="en-US" altLang="zh-TW" b="0" i="0" smtClean="0">
+                            <a:latin typeface="Cambria Math" panose="02040503050406030204" pitchFamily="18" charset="0"/>
+                          </a:rPr>
+                        </m:ctrlPr>
+                      </m:sSubPr>
+                      <m:e>
+                        <m:r>
+                          <m:rPr>
+                            <m:sty m:val="p"/>
+                          </m:rPr>
+                          <a:rPr lang="en-US" altLang="zh-TW" b="0" i="0" smtClean="0">
+                            <a:latin typeface="Cambria Math" panose="02040503050406030204" pitchFamily="18" charset="0"/>
+                          </a:rPr>
+                          <m:t>y</m:t>
+                        </m:r>
+                      </m:e>
+                      <m:sub>
+                        <m:r>
+                          <a:rPr lang="en-US" altLang="zh-TW" b="0" i="1" smtClean="0">
+                            <a:latin typeface="Cambria Math" panose="02040503050406030204" pitchFamily="18" charset="0"/>
+                          </a:rPr>
+                          <m:t>𝑖</m:t>
+                        </m:r>
+                      </m:sub>
+                    </m:sSub>
+                    <m:r>
+                      <a:rPr lang="en-US" altLang="zh-TW" i="1">
+                        <a:latin typeface="Cambria Math" panose="02040503050406030204" pitchFamily="18" charset="0"/>
+                      </a:rPr>
+                      <m:t>∈{0, 1, ⋯,  </m:t>
+                    </m:r>
+                    <m:r>
+                      <a:rPr lang="en-US" altLang="zh-TW" i="1">
+                        <a:latin typeface="Cambria Math" panose="02040503050406030204" pitchFamily="18" charset="0"/>
+                      </a:rPr>
+                      <m:t>𝑘</m:t>
+                    </m:r>
+                    <m:r>
+                      <a:rPr lang="en-US" altLang="zh-TW" i="1">
+                        <a:latin typeface="Cambria Math" panose="02040503050406030204" pitchFamily="18" charset="0"/>
+                      </a:rPr>
+                      <m:t>−1}</m:t>
+                    </m:r>
+                  </m:oMath>
+                </a14:m>
+                <a:r>
+                  <a:rPr lang="en-US" altLang="zh-TW" dirty="0"/>
+                  <a:t> (k</a:t>
+                </a:r>
+                <a:r>
+                  <a:rPr lang="zh-TW" altLang="en-US" dirty="0"/>
+                  <a:t>種分類</a:t>
+                </a:r>
+                <a:r>
+                  <a:rPr lang="en-US" altLang="zh-TW" dirty="0"/>
+                  <a:t>)</a:t>
+                </a:r>
+              </a:p>
+              <a:p>
+                <a:pPr lvl="1">
+                  <a:lnSpc>
+                    <a:spcPct val="150000"/>
+                  </a:lnSpc>
+                </a:pPr>
+                <a:r>
+                  <a:rPr lang="zh-TW" altLang="en-US" dirty="0"/>
+                  <a:t>選擇機率最大的當作最終預測</a:t>
+                </a:r>
+                <a:endParaRPr lang="en-US" altLang="zh-TW" dirty="0"/>
+              </a:p>
+              <a:p>
+                <a:r>
+                  <a:rPr lang="en-US" altLang="zh-TW" dirty="0">
+                    <a:solidFill>
+                      <a:srgbClr val="FF0000"/>
+                    </a:solidFill>
+                  </a:rPr>
+                  <a:t>Naïve</a:t>
+                </a:r>
+                <a:r>
+                  <a:rPr lang="en-US" altLang="zh-TW" dirty="0"/>
+                  <a:t> assumption (conditional independence) : </a:t>
+                </a:r>
+                <a14:m>
+                  <m:oMath xmlns:m="http://schemas.openxmlformats.org/officeDocument/2006/math">
+                    <m:r>
+                      <m:rPr>
+                        <m:sty m:val="p"/>
+                      </m:rPr>
+                      <a:rPr lang="en-US" altLang="zh-TW">
+                        <a:latin typeface="Cambria Math" panose="02040503050406030204" pitchFamily="18" charset="0"/>
+                      </a:rPr>
+                      <m:t>P</m:t>
+                    </m:r>
+                    <m:d>
+                      <m:dPr>
+                        <m:ctrlPr>
+                          <a:rPr lang="en-US" altLang="zh-TW" i="1">
+                            <a:latin typeface="Cambria Math" panose="02040503050406030204" pitchFamily="18" charset="0"/>
+                          </a:rPr>
+                        </m:ctrlPr>
+                      </m:dPr>
+                      <m:e>
+                        <m:sSub>
+                          <m:sSubPr>
+                            <m:ctrlPr>
+                              <a:rPr lang="en-US" altLang="zh-TW" i="1">
+                                <a:latin typeface="Cambria Math" panose="02040503050406030204" pitchFamily="18" charset="0"/>
+                              </a:rPr>
+                            </m:ctrlPr>
+                          </m:sSubPr>
+                          <m:e>
+                            <m:r>
+                              <a:rPr lang="en-US" altLang="zh-TW" i="1">
+                                <a:latin typeface="Cambria Math" panose="02040503050406030204" pitchFamily="18" charset="0"/>
+                              </a:rPr>
+                              <m:t>𝑥</m:t>
+                            </m:r>
+                          </m:e>
+                          <m:sub>
+                            <m:r>
+                              <a:rPr lang="en-US" altLang="zh-TW" i="1">
+                                <a:latin typeface="Cambria Math" panose="02040503050406030204" pitchFamily="18" charset="0"/>
+                              </a:rPr>
+                              <m:t>𝑖</m:t>
+                            </m:r>
+                          </m:sub>
+                        </m:sSub>
+                      </m:e>
+                      <m:e>
+                        <m:r>
+                          <a:rPr lang="en-US" altLang="zh-TW" i="1">
+                            <a:latin typeface="Cambria Math" panose="02040503050406030204" pitchFamily="18" charset="0"/>
+                          </a:rPr>
+                          <m:t>𝑦</m:t>
+                        </m:r>
+                        <m:r>
+                          <a:rPr lang="en-US" altLang="zh-TW" i="1">
+                            <a:latin typeface="Cambria Math" panose="02040503050406030204" pitchFamily="18" charset="0"/>
+                          </a:rPr>
+                          <m:t>,</m:t>
+                        </m:r>
+                        <m:sSub>
+                          <m:sSubPr>
+                            <m:ctrlPr>
+                              <a:rPr lang="en-US" altLang="zh-TW" i="1">
+                                <a:latin typeface="Cambria Math" panose="02040503050406030204" pitchFamily="18" charset="0"/>
+                              </a:rPr>
+                            </m:ctrlPr>
+                          </m:sSubPr>
+                          <m:e>
+                            <m:r>
+                              <a:rPr lang="en-US" altLang="zh-TW" i="1">
+                                <a:latin typeface="Cambria Math" panose="02040503050406030204" pitchFamily="18" charset="0"/>
+                              </a:rPr>
+                              <m:t>𝑥</m:t>
+                            </m:r>
+                          </m:e>
+                          <m:sub>
+                            <m:r>
+                              <a:rPr lang="en-US" altLang="zh-TW" i="1">
+                                <a:latin typeface="Cambria Math" panose="02040503050406030204" pitchFamily="18" charset="0"/>
+                              </a:rPr>
+                              <m:t>1</m:t>
+                            </m:r>
+                          </m:sub>
+                        </m:sSub>
+                        <m:r>
+                          <a:rPr lang="en-US" altLang="zh-TW" i="1">
+                            <a:latin typeface="Cambria Math" panose="02040503050406030204" pitchFamily="18" charset="0"/>
+                          </a:rPr>
+                          <m:t>,⋯,</m:t>
+                        </m:r>
+                        <m:sSub>
+                          <m:sSubPr>
+                            <m:ctrlPr>
+                              <a:rPr lang="en-US" altLang="zh-TW" i="1">
+                                <a:latin typeface="Cambria Math" panose="02040503050406030204" pitchFamily="18" charset="0"/>
+                              </a:rPr>
+                            </m:ctrlPr>
+                          </m:sSubPr>
+                          <m:e>
+                            <m:r>
+                              <a:rPr lang="en-US" altLang="zh-TW" i="1">
+                                <a:latin typeface="Cambria Math" panose="02040503050406030204" pitchFamily="18" charset="0"/>
+                              </a:rPr>
+                              <m:t>𝑥</m:t>
+                            </m:r>
+                          </m:e>
+                          <m:sub>
+                            <m:r>
+                              <a:rPr lang="en-US" altLang="zh-TW" i="1">
+                                <a:latin typeface="Cambria Math" panose="02040503050406030204" pitchFamily="18" charset="0"/>
+                              </a:rPr>
+                              <m:t>𝑖</m:t>
+                            </m:r>
+                            <m:r>
+                              <a:rPr lang="en-US" altLang="zh-TW" i="1">
+                                <a:latin typeface="Cambria Math" panose="02040503050406030204" pitchFamily="18" charset="0"/>
+                              </a:rPr>
+                              <m:t>−1</m:t>
+                            </m:r>
+                          </m:sub>
+                        </m:sSub>
+                        <m:r>
+                          <a:rPr lang="en-US" altLang="zh-TW" i="1">
+                            <a:latin typeface="Cambria Math" panose="02040503050406030204" pitchFamily="18" charset="0"/>
+                          </a:rPr>
+                          <m:t>,</m:t>
+                        </m:r>
+                        <m:sSub>
+                          <m:sSubPr>
+                            <m:ctrlPr>
+                              <a:rPr lang="en-US" altLang="zh-TW" i="1">
+                                <a:latin typeface="Cambria Math" panose="02040503050406030204" pitchFamily="18" charset="0"/>
+                              </a:rPr>
+                            </m:ctrlPr>
+                          </m:sSubPr>
+                          <m:e>
+                            <m:r>
+                              <a:rPr lang="en-US" altLang="zh-TW" i="1">
+                                <a:latin typeface="Cambria Math" panose="02040503050406030204" pitchFamily="18" charset="0"/>
+                              </a:rPr>
+                              <m:t>𝑥</m:t>
+                            </m:r>
+                          </m:e>
+                          <m:sub>
+                            <m:r>
+                              <a:rPr lang="en-US" altLang="zh-TW" i="1">
+                                <a:latin typeface="Cambria Math" panose="02040503050406030204" pitchFamily="18" charset="0"/>
+                              </a:rPr>
+                              <m:t>𝑖</m:t>
+                            </m:r>
+                            <m:r>
+                              <a:rPr lang="en-US" altLang="zh-TW" i="1">
+                                <a:latin typeface="Cambria Math" panose="02040503050406030204" pitchFamily="18" charset="0"/>
+                              </a:rPr>
+                              <m:t>+1</m:t>
+                            </m:r>
+                          </m:sub>
+                        </m:sSub>
+                        <m:r>
+                          <a:rPr lang="en-US" altLang="zh-TW" i="1">
+                            <a:latin typeface="Cambria Math" panose="02040503050406030204" pitchFamily="18" charset="0"/>
+                          </a:rPr>
+                          <m:t>,⋯,</m:t>
+                        </m:r>
+                        <m:sSub>
+                          <m:sSubPr>
+                            <m:ctrlPr>
+                              <a:rPr lang="en-US" altLang="zh-TW" i="1">
+                                <a:latin typeface="Cambria Math" panose="02040503050406030204" pitchFamily="18" charset="0"/>
+                              </a:rPr>
+                            </m:ctrlPr>
+                          </m:sSubPr>
+                          <m:e>
+                            <m:r>
+                              <a:rPr lang="en-US" altLang="zh-TW" i="1">
+                                <a:latin typeface="Cambria Math" panose="02040503050406030204" pitchFamily="18" charset="0"/>
+                              </a:rPr>
+                              <m:t>𝑥</m:t>
+                            </m:r>
+                          </m:e>
+                          <m:sub>
+                            <m:r>
+                              <a:rPr lang="en-US" altLang="zh-TW" i="1">
+                                <a:latin typeface="Cambria Math" panose="02040503050406030204" pitchFamily="18" charset="0"/>
+                              </a:rPr>
+                              <m:t>𝑛</m:t>
+                            </m:r>
+                          </m:sub>
+                        </m:sSub>
+                      </m:e>
+                    </m:d>
+                    <m:r>
+                      <a:rPr lang="en-US" altLang="zh-TW" i="1">
+                        <a:latin typeface="Cambria Math" panose="02040503050406030204" pitchFamily="18" charset="0"/>
+                      </a:rPr>
+                      <m:t>=</m:t>
+                    </m:r>
+                    <m:r>
+                      <a:rPr lang="en-US" altLang="zh-TW" i="1">
+                        <a:latin typeface="Cambria Math" panose="02040503050406030204" pitchFamily="18" charset="0"/>
+                      </a:rPr>
+                      <m:t>𝑃</m:t>
+                    </m:r>
+                    <m:r>
+                      <a:rPr lang="en-US" altLang="zh-TW" i="1">
+                        <a:latin typeface="Cambria Math" panose="02040503050406030204" pitchFamily="18" charset="0"/>
+                      </a:rPr>
+                      <m:t>(</m:t>
+                    </m:r>
+                    <m:sSub>
+                      <m:sSubPr>
+                        <m:ctrlPr>
+                          <a:rPr lang="en-US" altLang="zh-TW" i="1">
+                            <a:latin typeface="Cambria Math" panose="02040503050406030204" pitchFamily="18" charset="0"/>
+                          </a:rPr>
+                        </m:ctrlPr>
+                      </m:sSubPr>
+                      <m:e>
+                        <m:r>
+                          <a:rPr lang="en-US" altLang="zh-TW" i="1">
+                            <a:latin typeface="Cambria Math" panose="02040503050406030204" pitchFamily="18" charset="0"/>
+                          </a:rPr>
+                          <m:t>𝑥</m:t>
+                        </m:r>
+                      </m:e>
+                      <m:sub>
+                        <m:r>
+                          <a:rPr lang="en-US" altLang="zh-TW" i="1">
+                            <a:latin typeface="Cambria Math" panose="02040503050406030204" pitchFamily="18" charset="0"/>
+                          </a:rPr>
+                          <m:t>𝑖</m:t>
+                        </m:r>
+                      </m:sub>
+                    </m:sSub>
+                    <m:r>
+                      <a:rPr lang="en-US" altLang="zh-TW" i="1">
+                        <a:latin typeface="Cambria Math" panose="02040503050406030204" pitchFamily="18" charset="0"/>
+                      </a:rPr>
+                      <m:t>|</m:t>
+                    </m:r>
+                    <m:r>
+                      <a:rPr lang="en-US" altLang="zh-TW" i="1">
+                        <a:latin typeface="Cambria Math" panose="02040503050406030204" pitchFamily="18" charset="0"/>
+                      </a:rPr>
+                      <m:t>𝑦</m:t>
+                    </m:r>
+                    <m:r>
+                      <a:rPr lang="en-US" altLang="zh-TW" i="1">
+                        <a:latin typeface="Cambria Math" panose="02040503050406030204" pitchFamily="18" charset="0"/>
+                      </a:rPr>
+                      <m:t>)</m:t>
+                    </m:r>
+                  </m:oMath>
+                </a14:m>
+                <a:endParaRPr lang="en-US" altLang="zh-TW" dirty="0"/>
+              </a:p>
+            </p:txBody>
+          </p:sp>
+        </mc:Choice>
+        <mc:Fallback>
+          <p:sp>
+            <p:nvSpPr>
+              <p:cNvPr id="5" name="內容版面配置區 4">
+                <a:extLst>
+                  <a:ext uri="{FF2B5EF4-FFF2-40B4-BE49-F238E27FC236}">
+                    <a16:creationId xmlns:a16="http://schemas.microsoft.com/office/drawing/2014/main" id="{CD4F6108-B0D4-48B5-AF50-D92C8FF9D70D}"/>
+                  </a:ext>
+                </a:extLst>
+              </p:cNvPr>
+              <p:cNvSpPr>
+                <a:spLocks noGrp="1" noRot="1" noChangeAspect="1" noMove="1" noResize="1" noEditPoints="1" noAdjustHandles="1" noChangeArrowheads="1" noChangeShapeType="1" noTextEdit="1"/>
+              </p:cNvSpPr>
+              <p:nvPr>
+                <p:ph idx="1"/>
+              </p:nvPr>
+            </p:nvSpPr>
+            <p:spPr>
+              <a:blipFill>
+                <a:blip r:embed="rId3"/>
+                <a:stretch>
+                  <a:fillRect l="-953" t="-3303"/>
+                </a:stretch>
+              </a:blipFill>
+            </p:spPr>
+            <p:txBody>
               <a:bodyPr/>
               <a:lstStyle/>
               <a:p>
                 <a:r>
+                  <a:rPr lang="zh-TW" altLang="en-US">
+                    <a:noFill/>
+                  </a:rPr>
+                  <a:t> </a:t>
+                </a:r>
+              </a:p>
+            </p:txBody>
+          </p:sp>
+        </mc:Fallback>
+      </mc:AlternateContent>
+    </p:spTree>
+    <p:extLst>
+      <p:ext uri="{BB962C8B-B14F-4D97-AF65-F5344CB8AC3E}">
+        <p14:creationId xmlns:p14="http://schemas.microsoft.com/office/powerpoint/2010/main" val="1197444122"/>
+      </p:ext>
+    </p:extLst>
+  </p:cSld>
+  <p:clrMapOvr>
+    <a:masterClrMapping/>
+  </p:clrMapOvr>
+</p:sld>
+</file>
+
+<file path=ppt/slides/slide16.xml><?xml version="1.0" encoding="utf-8"?>
+<p:sld xmlns:a="http://schemas.openxmlformats.org/drawingml/2006/main" xmlns:r="http://schemas.openxmlformats.org/officeDocument/2006/relationships" xmlns:p="http://schemas.openxmlformats.org/presentationml/2006/main">
+  <p:cSld>
+    <p:spTree>
+      <p:nvGrpSpPr>
+        <p:cNvPr id="1" name=""/>
+        <p:cNvGrpSpPr/>
+        <p:nvPr/>
+      </p:nvGrpSpPr>
+      <p:grpSpPr>
+        <a:xfrm>
+          <a:off x="0" y="0"/>
+          <a:ext cx="0" cy="0"/>
+          <a:chOff x="0" y="0"/>
+          <a:chExt cx="0" cy="0"/>
+        </a:xfrm>
+      </p:grpSpPr>
+      <p:sp>
+        <p:nvSpPr>
+          <p:cNvPr id="4" name="標題 3">
+            <a:extLst>
+              <a:ext uri="{FF2B5EF4-FFF2-40B4-BE49-F238E27FC236}">
+                <a16:creationId xmlns:a16="http://schemas.microsoft.com/office/drawing/2014/main" id="{992F8E74-2C84-4402-A3DE-83D140DA9B3F}"/>
+              </a:ext>
+            </a:extLst>
+          </p:cNvPr>
+          <p:cNvSpPr>
+            <a:spLocks noGrp="1"/>
+          </p:cNvSpPr>
+          <p:nvPr>
+            <p:ph type="title"/>
+          </p:nvPr>
+        </p:nvSpPr>
+        <p:spPr/>
+        <p:txBody>
+          <a:bodyPr/>
+          <a:lstStyle/>
+          <a:p>
+            <a:r>
+              <a:rPr lang="en-US" altLang="zh-TW" dirty="0"/>
+              <a:t>Naive Bayes classifier</a:t>
+            </a:r>
+            <a:endParaRPr lang="zh-TW" altLang="en-US" dirty="0"/>
+          </a:p>
+        </p:txBody>
+      </p:sp>
+      <mc:AlternateContent xmlns:mc="http://schemas.openxmlformats.org/markup-compatibility/2006">
+        <mc:Choice xmlns:a14="http://schemas.microsoft.com/office/drawing/2010/main" Requires="a14">
+          <p:sp>
+            <p:nvSpPr>
+              <p:cNvPr id="5" name="內容版面配置區 4">
+                <a:extLst>
+                  <a:ext uri="{FF2B5EF4-FFF2-40B4-BE49-F238E27FC236}">
+                    <a16:creationId xmlns:a16="http://schemas.microsoft.com/office/drawing/2014/main" id="{CD4F6108-B0D4-48B5-AF50-D92C8FF9D70D}"/>
+                  </a:ext>
+                </a:extLst>
+              </p:cNvPr>
+              <p:cNvSpPr>
+                <a:spLocks noGrp="1"/>
+              </p:cNvSpPr>
+              <p:nvPr>
+                <p:ph idx="1"/>
+              </p:nvPr>
+            </p:nvSpPr>
+            <p:spPr/>
+            <p:txBody>
+              <a:bodyPr>
+                <a:normAutofit/>
+              </a:bodyPr>
+              <a:lstStyle/>
+              <a:p>
+                <a:pPr marL="457200" indent="-457200">
+                  <a:buFont typeface="+mj-lt"/>
+                  <a:buAutoNum type="arabicPeriod"/>
+                </a:pPr>
+                <a:r>
                   <a:rPr lang="en-US" altLang="zh-TW" dirty="0"/>
-                  <a:t>Bayes' theorem : </a:t>
+                  <a:t>From Bayes' theorem : </a:t>
                 </a:r>
                 <a14:m>
                   <m:oMath xmlns:m="http://schemas.openxmlformats.org/officeDocument/2006/math">
@@ -8707,13 +9659,25 @@
                 <a:endParaRPr lang="en-US" altLang="zh-TW" dirty="0"/>
               </a:p>
               <a:p>
+                <a:pPr marL="457200" indent="-457200">
+                  <a:buFont typeface="+mj-lt"/>
+                  <a:buAutoNum type="arabicPeriod"/>
+                </a:pPr>
+                <a:r>
+                  <a:rPr lang="en-US" altLang="zh-TW" dirty="0">
+                    <a:solidFill>
+                      <a:schemeClr val="tx1"/>
+                    </a:solidFill>
+                  </a:rPr>
+                  <a:t>Applying</a:t>
+                </a:r>
                 <a:r>
                   <a:rPr lang="en-US" altLang="zh-TW" dirty="0">
                     <a:solidFill>
                       <a:srgbClr val="FF0000"/>
                     </a:solidFill>
                   </a:rPr>
-                  <a:t>Naïve</a:t>
+                  <a:t> naïve</a:t>
                 </a:r>
                 <a:r>
                   <a:rPr lang="en-US" altLang="zh-TW" dirty="0"/>
@@ -8976,9 +9940,13 @@
                 <a:endParaRPr lang="en-US" altLang="zh-TW" dirty="0"/>
               </a:p>
               <a:p>
+                <a:pPr marL="457200" indent="-457200">
+                  <a:buFont typeface="+mj-lt"/>
+                  <a:buAutoNum type="arabicPeriod"/>
+                </a:pPr>
                 <a:r>
                   <a:rPr lang="en-US" altLang="zh-TW" dirty="0"/>
-                  <a:t>New formula : </a:t>
+                  <a:t>Formula : </a:t>
                 </a:r>
                 <a14:m>
                   <m:oMath xmlns:m="http://schemas.openxmlformats.org/officeDocument/2006/math">
@@ -9072,7 +10040,7 @@
                     <m:f>
                       <m:fPr>
                         <m:ctrlPr>
-                          <a:rPr lang="en-US" altLang="zh-TW" i="1" smtClean="0">
+                          <a:rPr lang="en-US" altLang="zh-TW" i="1">
                             <a:latin typeface="Cambria Math" panose="02040503050406030204" pitchFamily="18" charset="0"/>
                           </a:rPr>
                         </m:ctrlPr>
@@ -9105,7 +10073,7 @@
                         <m:sSubSup>
                           <m:sSubSupPr>
                             <m:ctrlPr>
-                              <a:rPr lang="en-US" altLang="zh-TW" b="0" i="1" smtClean="0">
+                              <a:rPr lang="en-US" altLang="zh-TW" i="1">
                                 <a:latin typeface="Cambria Math" panose="02040503050406030204" pitchFamily="18" charset="0"/>
                               </a:rPr>
                             </m:ctrlPr>
@@ -9115,7 +10083,7 @@
                               <m:rPr>
                                 <m:sty m:val="p"/>
                               </m:rPr>
-                              <a:rPr lang="en-US" altLang="zh-TW" b="0" i="0" smtClean="0">
+                              <a:rPr lang="en-US" altLang="zh-TW">
                                 <a:latin typeface="Cambria Math" panose="02040503050406030204" pitchFamily="18" charset="0"/>
                               </a:rPr>
                               <m:t>Π</m:t>
@@ -9123,13 +10091,13 @@
                           </m:e>
                           <m:sub>
                             <m:r>
-                              <a:rPr lang="en-US" altLang="zh-TW" b="0" i="1" smtClean="0">
+                              <a:rPr lang="en-US" altLang="zh-TW" i="1">
                                 <a:latin typeface="Cambria Math" panose="02040503050406030204" pitchFamily="18" charset="0"/>
                               </a:rPr>
                               <m:t>𝑖</m:t>
                             </m:r>
                             <m:r>
-                              <a:rPr lang="en-US" altLang="zh-TW" b="0" i="1" smtClean="0">
+                              <a:rPr lang="en-US" altLang="zh-TW" i="1">
                                 <a:latin typeface="Cambria Math" panose="02040503050406030204" pitchFamily="18" charset="0"/>
                               </a:rPr>
                               <m:t>=1</m:t>
@@ -9137,7 +10105,7 @@
                           </m:sub>
                           <m:sup>
                             <m:r>
-                              <a:rPr lang="en-US" altLang="zh-TW" b="0" i="1" smtClean="0">
+                              <a:rPr lang="en-US" altLang="zh-TW" i="1">
                                 <a:latin typeface="Cambria Math" panose="02040503050406030204" pitchFamily="18" charset="0"/>
                               </a:rPr>
                               <m:t>𝑛</m:t>
@@ -9171,7 +10139,7 @@
                               </m:e>
                               <m:sub>
                                 <m:r>
-                                  <a:rPr lang="en-US" altLang="zh-TW" b="0" i="1" smtClean="0">
+                                  <a:rPr lang="en-US" altLang="zh-TW" i="1">
                                     <a:latin typeface="Cambria Math" panose="02040503050406030204" pitchFamily="18" charset="0"/>
                                   </a:rPr>
                                   <m:t>𝑖</m:t>
@@ -9267,7 +10235,7 @@
                       </m:den>
                     </m:f>
                     <m:r>
-                      <a:rPr lang="en-US" altLang="zh-TW" b="0" i="1" smtClean="0">
+                      <a:rPr lang="en-US" altLang="zh-TW" i="1">
                         <a:latin typeface="Cambria Math" panose="02040503050406030204" pitchFamily="18" charset="0"/>
                       </a:rPr>
                       <m:t>∝</m:t>
@@ -9339,7 +10307,7 @@
                       </m:sup>
                     </m:sSubSup>
                     <m:r>
-                      <a:rPr lang="en-US" altLang="zh-TW" b="0" i="1" smtClean="0">
+                      <a:rPr lang="en-US" altLang="zh-TW" i="1">
                         <a:latin typeface="Cambria Math" panose="02040503050406030204" pitchFamily="18" charset="0"/>
                       </a:rPr>
                       <m:t>𝑃</m:t>
@@ -9390,12 +10358,79 @@
                     </m:d>
                   </m:oMath>
                 </a14:m>
+                <a:endParaRPr lang="en-US" altLang="zh-TW" i="1" dirty="0"/>
+              </a:p>
+              <a:p>
+                <a:pPr marL="457200" indent="-457200">
+                  <a:buFont typeface="+mj-lt"/>
+                  <a:buAutoNum type="arabicPeriod"/>
+                </a:pPr>
+                <a14:m>
+                  <m:oMath xmlns:m="http://schemas.openxmlformats.org/officeDocument/2006/math">
+                    <m:r>
+                      <a:rPr lang="en-US" altLang="zh-TW" i="1">
+                        <a:latin typeface="Cambria Math" panose="02040503050406030204" pitchFamily="18" charset="0"/>
+                      </a:rPr>
+                      <m:t>𝑃</m:t>
+                    </m:r>
+                    <m:d>
+                      <m:dPr>
+                        <m:ctrlPr>
+                          <a:rPr lang="en-US" altLang="zh-TW" i="1" smtClean="0">
+                            <a:latin typeface="Cambria Math" panose="02040503050406030204" pitchFamily="18" charset="0"/>
+                          </a:rPr>
+                        </m:ctrlPr>
+                      </m:dPr>
+                      <m:e>
+                        <m:sSub>
+                          <m:sSubPr>
+                            <m:ctrlPr>
+                              <a:rPr lang="en-US" altLang="zh-TW" i="1">
+                                <a:latin typeface="Cambria Math" panose="02040503050406030204" pitchFamily="18" charset="0"/>
+                              </a:rPr>
+                            </m:ctrlPr>
+                          </m:sSubPr>
+                          <m:e>
+                            <m:r>
+                              <a:rPr lang="en-US" altLang="zh-TW" i="1">
+                                <a:latin typeface="Cambria Math" panose="02040503050406030204" pitchFamily="18" charset="0"/>
+                              </a:rPr>
+                              <m:t>𝑥</m:t>
+                            </m:r>
+                          </m:e>
+                          <m:sub>
+                            <m:r>
+                              <a:rPr lang="en-US" altLang="zh-TW" i="1">
+                                <a:latin typeface="Cambria Math" panose="02040503050406030204" pitchFamily="18" charset="0"/>
+                              </a:rPr>
+                              <m:t>𝑖</m:t>
+                            </m:r>
+                          </m:sub>
+                        </m:sSub>
+                      </m:e>
+                      <m:e>
+                        <m:r>
+                          <a:rPr lang="en-US" altLang="zh-TW" i="1">
+                            <a:latin typeface="Cambria Math" panose="02040503050406030204" pitchFamily="18" charset="0"/>
+                          </a:rPr>
+                          <m:t>𝑌</m:t>
+                        </m:r>
+                      </m:e>
+                    </m:d>
+                    <m:r>
+                      <a:rPr lang="zh-TW" altLang="en-US" i="1">
+                        <a:latin typeface="Cambria Math" panose="02040503050406030204" pitchFamily="18" charset="0"/>
+                      </a:rPr>
+                      <m:t>是人為假設的分布，需要看分析資料決定使用哪一種</m:t>
+                    </m:r>
+                  </m:oMath>
+                </a14:m>
                 <a:endParaRPr lang="en-US" altLang="zh-TW" dirty="0"/>
               </a:p>
             </p:txBody>
           </p:sp>
         </mc:Choice>
-        <mc:Fallback xmlns="">
+        <mc:Fallback>
           <p:sp>
             <p:nvSpPr>
               <p:cNvPr id="5" name="內容版面配置區 4">
@@ -9416,7 +10451,7 @@
               <a:blipFill>
                 <a:blip r:embed="rId3"/>
                 <a:stretch>
-                  <a:fillRect l="-1144"/>
+                  <a:fillRect l="-1271"/>
                 </a:stretch>
               </a:blipFill>
             </p:spPr>
@@ -9438,7 +10473,7 @@
     </p:spTree>
     <p:extLst>
       <p:ext uri="{BB962C8B-B14F-4D97-AF65-F5344CB8AC3E}">
-        <p14:creationId xmlns:p14="http://schemas.microsoft.com/office/powerpoint/2010/main" val="1197444122"/>
+        <p14:creationId xmlns:p14="http://schemas.microsoft.com/office/powerpoint/2010/main" val="424570707"/>
       </p:ext>
     </p:extLst>
   </p:cSld>
@@ -9448,7 +10483,7 @@
 </p:sld>
 </file>
 
-<file path=ppt/slides/slide16.xml><?xml version="1.0" encoding="utf-8"?>
+<file path=ppt/slides/slide17.xml><?xml version="1.0" encoding="utf-8"?>
 <p:sld xmlns:a="http://schemas.openxmlformats.org/drawingml/2006/main" xmlns:r="http://schemas.openxmlformats.org/officeDocument/2006/relationships" xmlns:p="http://schemas.openxmlformats.org/presentationml/2006/main">
   <p:cSld>
     <p:spTree>
@@ -9488,14 +10523,339 @@
           <a:p>
             <a:r>
               <a:rPr lang="en-US" altLang="zh-TW" dirty="0"/>
-              <a:t>Naive Bayes classifier</a:t>
+              <a:t>Families of naive Bayes classifier</a:t>
+            </a:r>
+          </a:p>
+        </p:txBody>
+      </p:sp>
+      <p:sp>
+        <p:nvSpPr>
+          <p:cNvPr id="5" name="內容版面配置區 4">
+            <a:extLst>
+              <a:ext uri="{FF2B5EF4-FFF2-40B4-BE49-F238E27FC236}">
+                <a16:creationId xmlns:a16="http://schemas.microsoft.com/office/drawing/2014/main" id="{CD4F6108-B0D4-48B5-AF50-D92C8FF9D70D}"/>
+              </a:ext>
+            </a:extLst>
+          </p:cNvPr>
+          <p:cNvSpPr>
+            <a:spLocks noGrp="1"/>
+          </p:cNvSpPr>
+          <p:nvPr>
+            <p:ph idx="1"/>
+          </p:nvPr>
+        </p:nvSpPr>
+        <p:spPr/>
+        <p:txBody>
+          <a:bodyPr>
+            <a:normAutofit lnSpcReduction="10000"/>
+          </a:bodyPr>
+          <a:lstStyle/>
+          <a:p>
+            <a:pPr marL="457200" indent="-457200">
+              <a:buFont typeface="+mj-lt"/>
+              <a:buAutoNum type="arabicPeriod"/>
+            </a:pPr>
+            <a:r>
+              <a:rPr lang="en-US" altLang="zh-TW" dirty="0">
+                <a:solidFill>
+                  <a:srgbClr val="FF0000"/>
+                </a:solidFill>
+              </a:rPr>
+              <a:t>*Gaussian Naive Bayes </a:t>
+            </a:r>
+            <a:r>
+              <a:rPr lang="en-US" altLang="zh-TW" dirty="0">
+                <a:solidFill>
+                  <a:schemeClr val="tx1"/>
+                </a:solidFill>
+              </a:rPr>
+              <a:t>:</a:t>
+            </a:r>
+            <a:r>
+              <a:rPr lang="en-US" altLang="zh-TW" dirty="0">
+                <a:solidFill>
+                  <a:srgbClr val="FF0000"/>
+                </a:solidFill>
+              </a:rPr>
+              <a:t> </a:t>
+            </a:r>
+            <a:r>
+              <a:rPr lang="zh-TW" altLang="en-US" dirty="0">
+                <a:solidFill>
+                  <a:schemeClr val="tx1"/>
+                </a:solidFill>
+              </a:rPr>
+              <a:t>量化特徵、常態分布</a:t>
+            </a:r>
+            <a:endParaRPr lang="en-US" altLang="zh-TW" dirty="0">
+              <a:solidFill>
+                <a:schemeClr val="tx1"/>
+              </a:solidFill>
+            </a:endParaRPr>
+          </a:p>
+          <a:p>
+            <a:pPr marL="457200" indent="-457200">
+              <a:buFont typeface="+mj-lt"/>
+              <a:buAutoNum type="arabicPeriod"/>
+            </a:pPr>
+            <a:r>
+              <a:rPr lang="en-US" altLang="zh-TW" dirty="0"/>
+              <a:t>Multinomial Naive Bayes</a:t>
+            </a:r>
+            <a:r>
+              <a:rPr lang="en-US" altLang="zh-TW" dirty="0">
+                <a:solidFill>
+                  <a:srgbClr val="FF0000"/>
+                </a:solidFill>
+              </a:rPr>
+              <a:t> </a:t>
+            </a:r>
+            <a:r>
+              <a:rPr lang="en-US" altLang="zh-TW" dirty="0">
+                <a:solidFill>
+                  <a:schemeClr val="tx1"/>
+                </a:solidFill>
+              </a:rPr>
+              <a:t>:</a:t>
+            </a:r>
+            <a:r>
+              <a:rPr lang="zh-TW" altLang="en-US" dirty="0">
+                <a:solidFill>
+                  <a:schemeClr val="tx1"/>
+                </a:solidFill>
+              </a:rPr>
+              <a:t> 分類特徵、多項分布</a:t>
+            </a:r>
+            <a:r>
+              <a:rPr lang="zh-TW" altLang="en-US" dirty="0"/>
+              <a:t>，適合用在文字類資料</a:t>
+            </a:r>
+            <a:endParaRPr lang="en-US" altLang="zh-TW" dirty="0"/>
+          </a:p>
+          <a:p>
+            <a:pPr marL="457200" indent="-457200">
+              <a:buFont typeface="+mj-lt"/>
+              <a:buAutoNum type="arabicPeriod"/>
+            </a:pPr>
+            <a:r>
+              <a:rPr lang="en-US" altLang="zh-TW" dirty="0"/>
+              <a:t>Complement Naive Bayes</a:t>
+            </a:r>
+            <a:r>
+              <a:rPr lang="en-US" altLang="zh-TW" dirty="0">
+                <a:solidFill>
+                  <a:srgbClr val="FF0000"/>
+                </a:solidFill>
+              </a:rPr>
+              <a:t> </a:t>
+            </a:r>
+            <a:r>
+              <a:rPr lang="en-US" altLang="zh-TW" dirty="0">
+                <a:solidFill>
+                  <a:schemeClr val="tx1"/>
+                </a:solidFill>
+              </a:rPr>
+              <a:t>:</a:t>
+            </a:r>
+            <a:r>
+              <a:rPr lang="zh-TW" altLang="en-US" dirty="0">
+                <a:solidFill>
+                  <a:schemeClr val="tx1"/>
+                </a:solidFill>
+              </a:rPr>
+              <a:t> 改良版的</a:t>
+            </a:r>
+            <a:r>
+              <a:rPr lang="en-US" altLang="zh-TW" dirty="0"/>
+              <a:t>Multinomial Naive Bayes</a:t>
+            </a:r>
+            <a:r>
+              <a:rPr lang="zh-TW" altLang="en-US" dirty="0"/>
+              <a:t>，適合在資料分布很不平均時使用</a:t>
+            </a:r>
+            <a:endParaRPr lang="en-US" altLang="zh-TW" dirty="0"/>
+          </a:p>
+          <a:p>
+            <a:pPr marL="457200" indent="-457200">
+              <a:buFont typeface="+mj-lt"/>
+              <a:buAutoNum type="arabicPeriod"/>
+            </a:pPr>
+            <a:r>
+              <a:rPr lang="en-US" altLang="zh-TW" dirty="0"/>
+              <a:t>Bernoulli Naive Bayes</a:t>
+            </a:r>
+            <a:r>
+              <a:rPr lang="en-US" altLang="zh-TW" dirty="0">
+                <a:solidFill>
+                  <a:srgbClr val="FF0000"/>
+                </a:solidFill>
+              </a:rPr>
+              <a:t> </a:t>
+            </a:r>
+            <a:r>
+              <a:rPr lang="en-US" altLang="zh-TW" dirty="0">
+                <a:solidFill>
+                  <a:schemeClr val="tx1"/>
+                </a:solidFill>
+              </a:rPr>
+              <a:t>:</a:t>
+            </a:r>
+            <a:r>
+              <a:rPr lang="zh-TW" altLang="en-US" dirty="0">
+                <a:solidFill>
+                  <a:schemeClr val="tx1"/>
+                </a:solidFill>
+              </a:rPr>
+              <a:t> 二元特徵、</a:t>
+            </a:r>
+            <a:r>
+              <a:rPr lang="zh-TW" altLang="zh-TW" dirty="0"/>
+              <a:t>伯努利</a:t>
+            </a:r>
+            <a:r>
+              <a:rPr lang="zh-TW" altLang="en-US" dirty="0">
+                <a:solidFill>
+                  <a:schemeClr val="tx1"/>
+                </a:solidFill>
+              </a:rPr>
+              <a:t>分布</a:t>
+            </a:r>
+            <a:endParaRPr lang="en-US" altLang="zh-TW" dirty="0"/>
+          </a:p>
+          <a:p>
+            <a:pPr marL="457200" indent="-457200">
+              <a:buFont typeface="+mj-lt"/>
+              <a:buAutoNum type="arabicPeriod"/>
+            </a:pPr>
+            <a:r>
+              <a:rPr lang="en-US" altLang="zh-TW" dirty="0"/>
+              <a:t>Categorical Naive Bayes</a:t>
+            </a:r>
+            <a:r>
+              <a:rPr lang="en-US" altLang="zh-TW" dirty="0">
+                <a:solidFill>
+                  <a:srgbClr val="FF0000"/>
+                </a:solidFill>
+              </a:rPr>
+              <a:t> </a:t>
+            </a:r>
+            <a:r>
+              <a:rPr lang="en-US" altLang="zh-TW" dirty="0">
+                <a:solidFill>
+                  <a:schemeClr val="tx1"/>
+                </a:solidFill>
+              </a:rPr>
+              <a:t>:</a:t>
+            </a:r>
+            <a:r>
+              <a:rPr lang="zh-TW" altLang="en-US" dirty="0">
+                <a:solidFill>
+                  <a:schemeClr val="tx1"/>
+                </a:solidFill>
+              </a:rPr>
+              <a:t> 分類特徵、類別分布</a:t>
+            </a:r>
+            <a:r>
+              <a:rPr lang="en-US" altLang="zh-TW" dirty="0">
+                <a:solidFill>
+                  <a:schemeClr val="tx1"/>
+                </a:solidFill>
+              </a:rPr>
+              <a:t>(</a:t>
+            </a:r>
+            <a:r>
+              <a:rPr lang="en-US" altLang="zh-TW" dirty="0"/>
+              <a:t>Categorical distribution</a:t>
+            </a:r>
+            <a:r>
+              <a:rPr lang="en-US" altLang="zh-TW" dirty="0">
+                <a:solidFill>
+                  <a:schemeClr val="tx1"/>
+                </a:solidFill>
+              </a:rPr>
+              <a:t>)</a:t>
+            </a:r>
+            <a:endParaRPr lang="en-US" altLang="zh-TW" dirty="0"/>
+          </a:p>
+          <a:p>
+            <a:pPr marL="457200" indent="-457200">
+              <a:buFont typeface="+mj-lt"/>
+              <a:buAutoNum type="arabicPeriod"/>
+            </a:pPr>
+            <a:endParaRPr lang="en-US" altLang="zh-TW" dirty="0"/>
+          </a:p>
+          <a:p>
+            <a:pPr marL="914400" lvl="1" indent="-457200">
+              <a:buFont typeface="+mj-lt"/>
+              <a:buAutoNum type="arabicPeriod"/>
+            </a:pPr>
+            <a:endParaRPr lang="en-US" altLang="zh-TW" dirty="0"/>
+          </a:p>
+        </p:txBody>
+      </p:sp>
+    </p:spTree>
+    <p:extLst>
+      <p:ext uri="{BB962C8B-B14F-4D97-AF65-F5344CB8AC3E}">
+        <p14:creationId xmlns:p14="http://schemas.microsoft.com/office/powerpoint/2010/main" val="438602933"/>
+      </p:ext>
+    </p:extLst>
+  </p:cSld>
+  <p:clrMapOvr>
+    <a:masterClrMapping/>
+  </p:clrMapOvr>
+</p:sld>
+</file>
+
+<file path=ppt/slides/slide18.xml><?xml version="1.0" encoding="utf-8"?>
+<p:sld xmlns:a="http://schemas.openxmlformats.org/drawingml/2006/main" xmlns:r="http://schemas.openxmlformats.org/officeDocument/2006/relationships" xmlns:p="http://schemas.openxmlformats.org/presentationml/2006/main">
+  <p:cSld>
+    <p:spTree>
+      <p:nvGrpSpPr>
+        <p:cNvPr id="1" name=""/>
+        <p:cNvGrpSpPr/>
+        <p:nvPr/>
+      </p:nvGrpSpPr>
+      <p:grpSpPr>
+        <a:xfrm>
+          <a:off x="0" y="0"/>
+          <a:ext cx="0" cy="0"/>
+          <a:chOff x="0" y="0"/>
+          <a:chExt cx="0" cy="0"/>
+        </a:xfrm>
+      </p:grpSpPr>
+      <p:sp>
+        <p:nvSpPr>
+          <p:cNvPr id="4" name="標題 3">
+            <a:extLst>
+              <a:ext uri="{FF2B5EF4-FFF2-40B4-BE49-F238E27FC236}">
+                <a16:creationId xmlns:a16="http://schemas.microsoft.com/office/drawing/2014/main" id="{992F8E74-2C84-4402-A3DE-83D140DA9B3F}"/>
+              </a:ext>
+            </a:extLst>
+          </p:cNvPr>
+          <p:cNvSpPr>
+            <a:spLocks noGrp="1"/>
+          </p:cNvSpPr>
+          <p:nvPr>
+            <p:ph type="title"/>
+          </p:nvPr>
+        </p:nvSpPr>
+        <p:spPr/>
+        <p:txBody>
+          <a:bodyPr>
+            <a:normAutofit/>
+          </a:bodyPr>
+          <a:lstStyle/>
+          <a:p>
+            <a:r>
+              <a:rPr lang="en-US" altLang="zh-TW" dirty="0"/>
+              <a:t>Gaussian Naive Bayes</a:t>
             </a:r>
             <a:endParaRPr lang="zh-TW" altLang="en-US" dirty="0"/>
           </a:p>
         </p:txBody>
       </p:sp>
-      <mc:AlternateContent xmlns:mc="http://schemas.openxmlformats.org/markup-compatibility/2006" xmlns:a14="http://schemas.microsoft.com/office/drawing/2010/main">
-        <mc:Choice Requires="a14">
+      <mc:AlternateContent xmlns:mc="http://schemas.openxmlformats.org/markup-compatibility/2006">
+        <mc:Choice xmlns:a14="http://schemas.microsoft.com/office/drawing/2010/main" Requires="a14">
           <p:sp>
             <p:nvSpPr>
               <p:cNvPr id="5" name="內容版面配置區 4">
@@ -9520,453 +10880,178 @@
               <a:lstStyle/>
               <a:p>
                 <a:r>
+                  <a:rPr lang="zh-TW" altLang="en-US" dirty="0"/>
+                  <a:t>假設</a:t>
+                </a:r>
+                <a:r>
                   <a:rPr lang="en-US" altLang="zh-TW" dirty="0"/>
-                  <a:t>Making prediction according to the new formula :</a:t>
+                  <a:t>features</a:t>
                 </a:r>
-                <a:endParaRPr lang="en-US" altLang="zh-TW" b="0" i="0" dirty="0">
-                  <a:latin typeface="Cambria Math" panose="02040503050406030204" pitchFamily="18" charset="0"/>
-                </a:endParaRPr>
-              </a:p>
-              <a:p>
-                <a:pPr marL="0" indent="0">
-                  <a:lnSpc>
-                    <a:spcPct val="150000"/>
-                  </a:lnSpc>
-                  <a:buNone/>
-                </a:pPr>
-                <a14:m>
-                  <m:oMathPara xmlns:m="http://schemas.openxmlformats.org/officeDocument/2006/math">
-                    <m:oMathParaPr>
-                      <m:jc m:val="centerGroup"/>
-                    </m:oMathParaPr>
-                    <m:oMath xmlns:m="http://schemas.openxmlformats.org/officeDocument/2006/math">
-                      <m:sSub>
-                        <m:sSubPr>
-                          <m:ctrlPr>
-                            <a:rPr lang="en-US" altLang="zh-TW" b="0" i="1" smtClean="0">
-                              <a:latin typeface="Cambria Math" panose="02040503050406030204" pitchFamily="18" charset="0"/>
-                            </a:rPr>
-                          </m:ctrlPr>
-                        </m:sSubPr>
-                        <m:e>
-                          <m:r>
-                            <m:rPr>
-                              <m:sty m:val="p"/>
-                            </m:rPr>
-                            <a:rPr lang="en-US" altLang="zh-TW" b="0" i="0" smtClean="0">
-                              <a:latin typeface="Cambria Math" panose="02040503050406030204" pitchFamily="18" charset="0"/>
-                            </a:rPr>
-                            <m:t>argmax</m:t>
-                          </m:r>
-                        </m:e>
-                        <m:sub>
-                          <m:r>
-                            <a:rPr lang="en-US" altLang="zh-TW" b="0" i="1" smtClean="0">
-                              <a:latin typeface="Cambria Math" panose="02040503050406030204" pitchFamily="18" charset="0"/>
-                            </a:rPr>
-                            <m:t>𝑌</m:t>
-                          </m:r>
-                        </m:sub>
-                      </m:sSub>
-                      <m:r>
-                        <a:rPr lang="en-US" altLang="zh-TW" b="0" i="0" smtClean="0">
-                          <a:latin typeface="Cambria Math" panose="02040503050406030204" pitchFamily="18" charset="0"/>
-                        </a:rPr>
-                        <m:t> </m:t>
-                      </m:r>
-                      <m:r>
-                        <a:rPr lang="en-US" altLang="zh-TW" i="1" smtClean="0">
-                          <a:latin typeface="Cambria Math" panose="02040503050406030204" pitchFamily="18" charset="0"/>
-                        </a:rPr>
-                        <m:t>𝑃</m:t>
-                      </m:r>
-                      <m:d>
-                        <m:dPr>
-                          <m:ctrlPr>
-                            <a:rPr lang="en-US" altLang="zh-TW" i="1">
-                              <a:latin typeface="Cambria Math" panose="02040503050406030204" pitchFamily="18" charset="0"/>
-                            </a:rPr>
-                          </m:ctrlPr>
-                        </m:dPr>
-                        <m:e>
-                          <m:r>
-                            <a:rPr lang="en-US" altLang="zh-TW" i="1">
-                              <a:latin typeface="Cambria Math" panose="02040503050406030204" pitchFamily="18" charset="0"/>
-                            </a:rPr>
-                            <m:t>𝑌</m:t>
-                          </m:r>
-                        </m:e>
-                        <m:e>
-                          <m:sSub>
-                            <m:sSubPr>
-                              <m:ctrlPr>
-                                <a:rPr lang="en-US" altLang="zh-TW" i="1">
-                                  <a:latin typeface="Cambria Math" panose="02040503050406030204" pitchFamily="18" charset="0"/>
-                                </a:rPr>
-                              </m:ctrlPr>
-                            </m:sSubPr>
-                            <m:e>
-                              <m:r>
-                                <a:rPr lang="en-US" altLang="zh-TW" i="1">
-                                  <a:latin typeface="Cambria Math" panose="02040503050406030204" pitchFamily="18" charset="0"/>
-                                </a:rPr>
-                                <m:t>𝑥</m:t>
-                              </m:r>
-                            </m:e>
-                            <m:sub>
-                              <m:r>
-                                <a:rPr lang="en-US" altLang="zh-TW" i="1">
-                                  <a:latin typeface="Cambria Math" panose="02040503050406030204" pitchFamily="18" charset="0"/>
-                                </a:rPr>
-                                <m:t>1</m:t>
-                              </m:r>
-                            </m:sub>
-                          </m:sSub>
-                          <m:r>
-                            <a:rPr lang="en-US" altLang="zh-TW" i="1">
-                              <a:latin typeface="Cambria Math" panose="02040503050406030204" pitchFamily="18" charset="0"/>
-                            </a:rPr>
-                            <m:t>,⋯,</m:t>
-                          </m:r>
-                          <m:sSub>
-                            <m:sSubPr>
-                              <m:ctrlPr>
-                                <a:rPr lang="en-US" altLang="zh-TW" i="1">
-                                  <a:latin typeface="Cambria Math" panose="02040503050406030204" pitchFamily="18" charset="0"/>
-                                </a:rPr>
-                              </m:ctrlPr>
-                            </m:sSubPr>
-                            <m:e>
-                              <m:r>
-                                <a:rPr lang="en-US" altLang="zh-TW" i="1">
-                                  <a:latin typeface="Cambria Math" panose="02040503050406030204" pitchFamily="18" charset="0"/>
-                                </a:rPr>
-                                <m:t>𝑥</m:t>
-                              </m:r>
-                            </m:e>
-                            <m:sub>
-                              <m:r>
-                                <a:rPr lang="en-US" altLang="zh-TW" i="1">
-                                  <a:latin typeface="Cambria Math" panose="02040503050406030204" pitchFamily="18" charset="0"/>
-                                </a:rPr>
-                                <m:t>𝑛</m:t>
-                              </m:r>
-                            </m:sub>
-                          </m:sSub>
-                        </m:e>
-                      </m:d>
-                      <m:r>
-                        <a:rPr lang="en-US" altLang="zh-TW" i="1">
-                          <a:latin typeface="Cambria Math" panose="02040503050406030204" pitchFamily="18" charset="0"/>
-                        </a:rPr>
-                        <m:t>=</m:t>
-                      </m:r>
-                      <m:sSub>
-                        <m:sSubPr>
-                          <m:ctrlPr>
-                            <a:rPr lang="en-US" altLang="zh-TW" i="1">
-                              <a:latin typeface="Cambria Math" panose="02040503050406030204" pitchFamily="18" charset="0"/>
-                            </a:rPr>
-                          </m:ctrlPr>
-                        </m:sSubPr>
-                        <m:e>
-                          <m:r>
-                            <m:rPr>
-                              <m:sty m:val="p"/>
-                            </m:rPr>
-                            <a:rPr lang="en-US" altLang="zh-TW">
-                              <a:latin typeface="Cambria Math" panose="02040503050406030204" pitchFamily="18" charset="0"/>
-                            </a:rPr>
-                            <m:t>argmax</m:t>
-                          </m:r>
-                        </m:e>
-                        <m:sub>
-                          <m:r>
-                            <a:rPr lang="en-US" altLang="zh-TW" i="1">
-                              <a:latin typeface="Cambria Math" panose="02040503050406030204" pitchFamily="18" charset="0"/>
-                            </a:rPr>
-                            <m:t>𝑌</m:t>
-                          </m:r>
-                        </m:sub>
-                      </m:sSub>
-                      <m:sSubSup>
-                        <m:sSubSupPr>
-                          <m:ctrlPr>
-                            <a:rPr lang="en-US" altLang="zh-TW" i="1">
-                              <a:latin typeface="Cambria Math" panose="02040503050406030204" pitchFamily="18" charset="0"/>
-                            </a:rPr>
-                          </m:ctrlPr>
-                        </m:sSubSupPr>
-                        <m:e>
-                          <m:r>
-                            <a:rPr lang="en-US" altLang="zh-TW" i="1">
-                              <a:latin typeface="Cambria Math" panose="02040503050406030204" pitchFamily="18" charset="0"/>
-                            </a:rPr>
-                            <m:t>𝑃</m:t>
-                          </m:r>
-                          <m:r>
-                            <a:rPr lang="en-US" altLang="zh-TW" i="1">
-                              <a:latin typeface="Cambria Math" panose="02040503050406030204" pitchFamily="18" charset="0"/>
-                            </a:rPr>
-                            <m:t>(</m:t>
-                          </m:r>
-                          <m:r>
-                            <a:rPr lang="en-US" altLang="zh-TW" i="1">
-                              <a:latin typeface="Cambria Math" panose="02040503050406030204" pitchFamily="18" charset="0"/>
-                            </a:rPr>
-                            <m:t>𝑌</m:t>
-                          </m:r>
-                          <m:r>
-                            <a:rPr lang="en-US" altLang="zh-TW" i="1">
-                              <a:latin typeface="Cambria Math" panose="02040503050406030204" pitchFamily="18" charset="0"/>
-                            </a:rPr>
-                            <m:t>)</m:t>
-                          </m:r>
-                          <m:r>
-                            <m:rPr>
-                              <m:sty m:val="p"/>
-                            </m:rPr>
-                            <a:rPr lang="en-US" altLang="zh-TW">
-                              <a:latin typeface="Cambria Math" panose="02040503050406030204" pitchFamily="18" charset="0"/>
-                            </a:rPr>
-                            <m:t>Π</m:t>
-                          </m:r>
-                        </m:e>
-                        <m:sub>
-                          <m:r>
-                            <a:rPr lang="en-US" altLang="zh-TW" i="1">
-                              <a:latin typeface="Cambria Math" panose="02040503050406030204" pitchFamily="18" charset="0"/>
-                            </a:rPr>
-                            <m:t>𝑖</m:t>
-                          </m:r>
-                          <m:r>
-                            <a:rPr lang="en-US" altLang="zh-TW" i="1">
-                              <a:latin typeface="Cambria Math" panose="02040503050406030204" pitchFamily="18" charset="0"/>
-                            </a:rPr>
-                            <m:t>=1</m:t>
-                          </m:r>
-                        </m:sub>
-                        <m:sup>
-                          <m:r>
-                            <a:rPr lang="en-US" altLang="zh-TW" i="1">
-                              <a:latin typeface="Cambria Math" panose="02040503050406030204" pitchFamily="18" charset="0"/>
-                            </a:rPr>
-                            <m:t>𝑛</m:t>
-                          </m:r>
-                        </m:sup>
-                      </m:sSubSup>
-                      <m:r>
-                        <a:rPr lang="en-US" altLang="zh-TW" b="0" i="1" smtClean="0">
-                          <a:latin typeface="Cambria Math" panose="02040503050406030204" pitchFamily="18" charset="0"/>
-                        </a:rPr>
-                        <m:t>𝑃</m:t>
-                      </m:r>
-                      <m:d>
-                        <m:dPr>
-                          <m:ctrlPr>
-                            <a:rPr lang="en-US" altLang="zh-TW" i="1">
-                              <a:latin typeface="Cambria Math" panose="02040503050406030204" pitchFamily="18" charset="0"/>
-                            </a:rPr>
-                          </m:ctrlPr>
-                        </m:dPr>
-                        <m:e>
-                          <m:sSub>
-                            <m:sSubPr>
-                              <m:ctrlPr>
-                                <a:rPr lang="en-US" altLang="zh-TW" i="1">
-                                  <a:latin typeface="Cambria Math" panose="02040503050406030204" pitchFamily="18" charset="0"/>
-                                </a:rPr>
-                              </m:ctrlPr>
-                            </m:sSubPr>
-                            <m:e>
-                              <m:r>
-                                <a:rPr lang="en-US" altLang="zh-TW" i="1">
-                                  <a:latin typeface="Cambria Math" panose="02040503050406030204" pitchFamily="18" charset="0"/>
-                                </a:rPr>
-                                <m:t>𝑥</m:t>
-                              </m:r>
-                            </m:e>
-                            <m:sub>
-                              <m:r>
-                                <a:rPr lang="en-US" altLang="zh-TW" i="1">
-                                  <a:latin typeface="Cambria Math" panose="02040503050406030204" pitchFamily="18" charset="0"/>
-                                </a:rPr>
-                                <m:t>𝑖</m:t>
-                              </m:r>
-                            </m:sub>
-                          </m:sSub>
-                        </m:e>
-                        <m:e>
-                          <m:r>
-                            <a:rPr lang="en-US" altLang="zh-TW" i="1">
-                              <a:latin typeface="Cambria Math" panose="02040503050406030204" pitchFamily="18" charset="0"/>
-                            </a:rPr>
-                            <m:t>𝑌</m:t>
-                          </m:r>
-                        </m:e>
-                      </m:d>
-                    </m:oMath>
-                  </m:oMathPara>
-                </a14:m>
-                <a:endParaRPr lang="en-US" altLang="zh-TW" dirty="0"/>
-              </a:p>
-              <a:p>
-                <a:pPr marL="914400" lvl="1" indent="-457200">
-                  <a:lnSpc>
-                    <a:spcPct val="150000"/>
-                  </a:lnSpc>
-                  <a:buFont typeface="+mj-lt"/>
-                  <a:buAutoNum type="arabicPeriod"/>
-                </a:pPr>
+                <a:r>
+                  <a:rPr lang="zh-TW" altLang="en-US" dirty="0"/>
+                  <a:t>為常態分布 </a:t>
+                </a:r>
                 <a14:m>
                   <m:oMath xmlns:m="http://schemas.openxmlformats.org/officeDocument/2006/math">
+                    <m:r>
+                      <a:rPr lang="en-US" altLang="zh-TW" i="1">
+                        <a:latin typeface="Cambria Math" panose="02040503050406030204" pitchFamily="18" charset="0"/>
+                      </a:rPr>
+                      <m:t>𝑃</m:t>
+                    </m:r>
+                    <m:d>
+                      <m:dPr>
+                        <m:ctrlPr>
+                          <a:rPr lang="en-US" altLang="zh-TW" i="1">
+                            <a:latin typeface="Cambria Math" panose="02040503050406030204" pitchFamily="18" charset="0"/>
+                          </a:rPr>
+                        </m:ctrlPr>
+                      </m:dPr>
+                      <m:e>
+                        <m:sSub>
+                          <m:sSubPr>
+                            <m:ctrlPr>
+                              <a:rPr lang="en-US" altLang="zh-TW" i="1">
+                                <a:latin typeface="Cambria Math" panose="02040503050406030204" pitchFamily="18" charset="0"/>
+                              </a:rPr>
+                            </m:ctrlPr>
+                          </m:sSubPr>
+                          <m:e>
+                            <m:r>
+                              <a:rPr lang="en-US" altLang="zh-TW" i="1">
+                                <a:latin typeface="Cambria Math" panose="02040503050406030204" pitchFamily="18" charset="0"/>
+                              </a:rPr>
+                              <m:t>𝑥</m:t>
+                            </m:r>
+                          </m:e>
+                          <m:sub>
+                            <m:r>
+                              <a:rPr lang="en-US" altLang="zh-TW" i="1">
+                                <a:latin typeface="Cambria Math" panose="02040503050406030204" pitchFamily="18" charset="0"/>
+                              </a:rPr>
+                              <m:t>𝑖</m:t>
+                            </m:r>
+                          </m:sub>
+                        </m:sSub>
+                      </m:e>
+                      <m:e>
+                        <m:r>
+                          <a:rPr lang="en-US" altLang="zh-TW" i="1">
+                            <a:latin typeface="Cambria Math" panose="02040503050406030204" pitchFamily="18" charset="0"/>
+                          </a:rPr>
+                          <m:t>𝑌</m:t>
+                        </m:r>
+                      </m:e>
+                    </m:d>
+                    <m:r>
+                      <a:rPr lang="zh-TW" altLang="en-US" i="1">
+                        <a:latin typeface="Cambria Math" panose="02040503050406030204" pitchFamily="18" charset="0"/>
+                      </a:rPr>
+                      <m:t> </m:t>
+                    </m:r>
+                    <m:r>
+                      <a:rPr lang="en-US" altLang="zh-TW" i="1">
+                        <a:latin typeface="Cambria Math" panose="02040503050406030204" pitchFamily="18" charset="0"/>
+                      </a:rPr>
+                      <m:t>=</m:t>
+                    </m:r>
+                    <m:r>
+                      <a:rPr lang="zh-TW" altLang="en-US" i="1">
+                        <a:latin typeface="Cambria Math" panose="02040503050406030204" pitchFamily="18" charset="0"/>
+                      </a:rPr>
+                      <m:t> </m:t>
+                    </m:r>
+                    <m:f>
+                      <m:fPr>
+                        <m:ctrlPr>
+                          <a:rPr lang="en-US" altLang="zh-TW" b="0" i="1" smtClean="0">
+                            <a:latin typeface="Cambria Math" panose="02040503050406030204" pitchFamily="18" charset="0"/>
+                          </a:rPr>
+                        </m:ctrlPr>
+                      </m:fPr>
+                      <m:num>
+                        <m:r>
+                          <a:rPr lang="en-US" altLang="zh-TW" b="0" i="1" smtClean="0">
+                            <a:latin typeface="Cambria Math" panose="02040503050406030204" pitchFamily="18" charset="0"/>
+                          </a:rPr>
+                          <m:t>1</m:t>
+                        </m:r>
+                      </m:num>
+                      <m:den>
+                        <m:rad>
+                          <m:radPr>
+                            <m:degHide m:val="on"/>
+                            <m:ctrlPr>
+                              <a:rPr lang="en-US" altLang="zh-TW" b="0" i="1" smtClean="0">
+                                <a:latin typeface="Cambria Math" panose="02040503050406030204" pitchFamily="18" charset="0"/>
+                              </a:rPr>
+                            </m:ctrlPr>
+                          </m:radPr>
+                          <m:deg/>
+                          <m:e>
+                            <m:r>
+                              <a:rPr lang="en-US" altLang="zh-TW" b="0" i="1" smtClean="0">
+                                <a:latin typeface="Cambria Math" panose="02040503050406030204" pitchFamily="18" charset="0"/>
+                              </a:rPr>
+                              <m:t>2</m:t>
+                            </m:r>
+                            <m:r>
+                              <a:rPr lang="en-US" altLang="zh-TW" b="0" i="1" smtClean="0">
+                                <a:latin typeface="Cambria Math" panose="02040503050406030204" pitchFamily="18" charset="0"/>
+                              </a:rPr>
+                              <m:t>𝜋</m:t>
+                            </m:r>
+                            <m:sSubSup>
+                              <m:sSubSupPr>
+                                <m:ctrlPr>
+                                  <a:rPr lang="en-US" altLang="zh-TW" b="0" i="1" smtClean="0">
+                                    <a:latin typeface="Cambria Math" panose="02040503050406030204" pitchFamily="18" charset="0"/>
+                                  </a:rPr>
+                                </m:ctrlPr>
+                              </m:sSubSupPr>
+                              <m:e>
+                                <m:r>
+                                  <a:rPr lang="en-US" altLang="zh-TW" b="0" i="1" smtClean="0">
+                                    <a:latin typeface="Cambria Math" panose="02040503050406030204" pitchFamily="18" charset="0"/>
+                                  </a:rPr>
+                                  <m:t>𝜎</m:t>
+                                </m:r>
+                              </m:e>
+                              <m:sub>
+                                <m:r>
+                                  <a:rPr lang="en-US" altLang="zh-TW" b="0" i="1" smtClean="0">
+                                    <a:latin typeface="Cambria Math" panose="02040503050406030204" pitchFamily="18" charset="0"/>
+                                  </a:rPr>
+                                  <m:t>𝑦</m:t>
+                                </m:r>
+                              </m:sub>
+                              <m:sup>
+                                <m:r>
+                                  <a:rPr lang="en-US" altLang="zh-TW" b="0" i="1" smtClean="0">
+                                    <a:latin typeface="Cambria Math" panose="02040503050406030204" pitchFamily="18" charset="0"/>
+                                  </a:rPr>
+                                  <m:t>2</m:t>
+                                </m:r>
+                              </m:sup>
+                            </m:sSubSup>
+                          </m:e>
+                        </m:rad>
+                      </m:den>
+                    </m:f>
                     <m:r>
                       <a:rPr lang="en-US" altLang="zh-TW" b="0" i="1" smtClean="0">
                         <a:latin typeface="Cambria Math" panose="02040503050406030204" pitchFamily="18" charset="0"/>
                       </a:rPr>
-                      <m:t>𝑌</m:t>
+                      <m:t> </m:t>
                     </m:r>
                     <m:r>
                       <a:rPr lang="en-US" altLang="zh-TW" b="0" i="1" smtClean="0">
                         <a:latin typeface="Cambria Math" panose="02040503050406030204" pitchFamily="18" charset="0"/>
                       </a:rPr>
-                      <m:t>∈{</m:t>
-                    </m:r>
-                    <m:sSub>
-                      <m:sSubPr>
-                        <m:ctrlPr>
-                          <a:rPr lang="en-US" altLang="zh-TW" b="0" i="1" smtClean="0">
-                            <a:latin typeface="Cambria Math" panose="02040503050406030204" pitchFamily="18" charset="0"/>
-                          </a:rPr>
-                        </m:ctrlPr>
-                      </m:sSubPr>
-                      <m:e>
-                        <m:r>
-                          <a:rPr lang="en-US" altLang="zh-TW" b="0" i="1" smtClean="0">
-                            <a:latin typeface="Cambria Math" panose="02040503050406030204" pitchFamily="18" charset="0"/>
-                          </a:rPr>
-                          <m:t>𝑦</m:t>
-                        </m:r>
-                      </m:e>
-                      <m:sub>
-                        <m:r>
-                          <a:rPr lang="en-US" altLang="zh-TW" b="0" i="1" smtClean="0">
-                            <a:latin typeface="Cambria Math" panose="02040503050406030204" pitchFamily="18" charset="0"/>
-                          </a:rPr>
-                          <m:t>1</m:t>
-                        </m:r>
-                      </m:sub>
-                    </m:sSub>
-                    <m:r>
-                      <a:rPr lang="en-US" altLang="zh-TW" b="0" i="1" smtClean="0">
-                        <a:latin typeface="Cambria Math" panose="02040503050406030204" pitchFamily="18" charset="0"/>
-                      </a:rPr>
-                      <m:t>,⋯,</m:t>
-                    </m:r>
-                    <m:sSub>
-                      <m:sSubPr>
-                        <m:ctrlPr>
-                          <a:rPr lang="en-US" altLang="zh-TW" b="0" i="1" smtClean="0">
-                            <a:latin typeface="Cambria Math" panose="02040503050406030204" pitchFamily="18" charset="0"/>
-                          </a:rPr>
-                        </m:ctrlPr>
-                      </m:sSubPr>
-                      <m:e>
-                        <m:r>
-                          <a:rPr lang="en-US" altLang="zh-TW" b="0" i="1" smtClean="0">
-                            <a:latin typeface="Cambria Math" panose="02040503050406030204" pitchFamily="18" charset="0"/>
-                          </a:rPr>
-                          <m:t>𝑦</m:t>
-                        </m:r>
-                      </m:e>
-                      <m:sub>
-                        <m:r>
-                          <a:rPr lang="en-US" altLang="zh-TW" b="0" i="1" smtClean="0">
-                            <a:latin typeface="Cambria Math" panose="02040503050406030204" pitchFamily="18" charset="0"/>
-                          </a:rPr>
-                          <m:t>𝑘</m:t>
-                        </m:r>
-                      </m:sub>
-                    </m:sSub>
-                    <m:r>
-                      <a:rPr lang="en-US" altLang="zh-TW" b="0" i="1" smtClean="0">
-                        <a:latin typeface="Cambria Math" panose="02040503050406030204" pitchFamily="18" charset="0"/>
-                      </a:rPr>
-                      <m:t>}</m:t>
-                    </m:r>
-                  </m:oMath>
-                </a14:m>
-                <a:r>
-                  <a:rPr lang="en-US" altLang="zh-TW" dirty="0"/>
-                  <a:t> : a categorical variable</a:t>
-                </a:r>
-              </a:p>
-              <a:p>
-                <a:pPr marL="914400" lvl="1" indent="-457200">
-                  <a:buFont typeface="+mj-lt"/>
-                  <a:buAutoNum type="arabicPeriod"/>
-                </a:pPr>
-                <a14:m>
-                  <m:oMath xmlns:m="http://schemas.openxmlformats.org/officeDocument/2006/math">
-                    <m:sSub>
-                      <m:sSubPr>
-                        <m:ctrlPr>
-                          <a:rPr lang="en-US" altLang="zh-TW" b="0" i="1" smtClean="0">
-                            <a:latin typeface="Cambria Math" panose="02040503050406030204" pitchFamily="18" charset="0"/>
-                          </a:rPr>
-                        </m:ctrlPr>
-                      </m:sSubPr>
-                      <m:e>
-                        <m:r>
-                          <a:rPr lang="en-US" altLang="zh-TW" b="0" i="1" smtClean="0">
-                            <a:latin typeface="Cambria Math" panose="02040503050406030204" pitchFamily="18" charset="0"/>
-                          </a:rPr>
-                          <m:t>𝑥</m:t>
-                        </m:r>
-                      </m:e>
-                      <m:sub>
-                        <m:r>
-                          <a:rPr lang="en-US" altLang="zh-TW" b="0" i="1" smtClean="0">
-                            <a:latin typeface="Cambria Math" panose="02040503050406030204" pitchFamily="18" charset="0"/>
-                          </a:rPr>
-                          <m:t>𝑖</m:t>
-                        </m:r>
-                      </m:sub>
-                    </m:sSub>
-                  </m:oMath>
-                </a14:m>
-                <a:r>
-                  <a:rPr lang="en-US" altLang="zh-TW" dirty="0"/>
-                  <a:t> : an input feature (either categorical or </a:t>
-                </a:r>
-                <a:r>
-                  <a:rPr lang="en-US" altLang="zh-TW" dirty="0">
-                    <a:solidFill>
-                      <a:srgbClr val="FF0000"/>
-                    </a:solidFill>
-                  </a:rPr>
-                  <a:t>quantitative</a:t>
-                </a:r>
-                <a:r>
-                  <a:rPr lang="en-US" altLang="zh-TW" dirty="0"/>
-                  <a:t>)</a:t>
-                </a:r>
-              </a:p>
-              <a:p>
-                <a:pPr marL="914400" lvl="1" indent="-457200">
-                  <a:buFont typeface="+mj-lt"/>
-                  <a:buAutoNum type="arabicPeriod"/>
-                </a:pPr>
-                <a14:m>
-                  <m:oMath xmlns:m="http://schemas.openxmlformats.org/officeDocument/2006/math">
-                    <m:r>
-                      <a:rPr lang="en-US" altLang="zh-TW" b="0" i="1" smtClean="0">
-                        <a:latin typeface="Cambria Math" panose="02040503050406030204" pitchFamily="18" charset="0"/>
-                      </a:rPr>
-                      <m:t>𝑃</m:t>
+                      <m:t>𝑒𝑥𝑝</m:t>
                     </m:r>
                     <m:r>
-                      <a:rPr lang="en-US" altLang="zh-TW" b="0" i="1" smtClean="0">
+                      <a:rPr lang="en-US" altLang="zh-TW" i="1">
                         <a:latin typeface="Cambria Math" panose="02040503050406030204" pitchFamily="18" charset="0"/>
                       </a:rPr>
                       <m:t>(</m:t>
@@ -9975,8 +11060,146 @@
                       <a:rPr lang="en-US" altLang="zh-TW" b="0" i="1" smtClean="0">
                         <a:latin typeface="Cambria Math" panose="02040503050406030204" pitchFamily="18" charset="0"/>
                       </a:rPr>
-                      <m:t>𝑌</m:t>
+                      <m:t>−</m:t>
                     </m:r>
+                    <m:f>
+                      <m:fPr>
+                        <m:ctrlPr>
+                          <a:rPr lang="en-US" altLang="zh-TW" b="0" i="1" smtClean="0">
+                            <a:latin typeface="Cambria Math" panose="02040503050406030204" pitchFamily="18" charset="0"/>
+                          </a:rPr>
+                        </m:ctrlPr>
+                      </m:fPr>
+                      <m:num>
+                        <m:sSup>
+                          <m:sSupPr>
+                            <m:ctrlPr>
+                              <a:rPr lang="en-US" altLang="zh-TW" b="0" i="1" smtClean="0">
+                                <a:latin typeface="Cambria Math" panose="02040503050406030204" pitchFamily="18" charset="0"/>
+                              </a:rPr>
+                            </m:ctrlPr>
+                          </m:sSupPr>
+                          <m:e>
+                            <m:d>
+                              <m:dPr>
+                                <m:ctrlPr>
+                                  <a:rPr lang="en-US" altLang="zh-TW" b="0" i="1" smtClean="0">
+                                    <a:latin typeface="Cambria Math" panose="02040503050406030204" pitchFamily="18" charset="0"/>
+                                  </a:rPr>
+                                </m:ctrlPr>
+                              </m:dPr>
+                              <m:e>
+                                <m:sSub>
+                                  <m:sSubPr>
+                                    <m:ctrlPr>
+                                      <a:rPr lang="en-US" altLang="zh-TW" b="0" i="1" smtClean="0">
+                                        <a:latin typeface="Cambria Math" panose="02040503050406030204" pitchFamily="18" charset="0"/>
+                                      </a:rPr>
+                                    </m:ctrlPr>
+                                  </m:sSubPr>
+                                  <m:e>
+                                    <m:r>
+                                      <a:rPr lang="en-US" altLang="zh-TW" b="0" i="1" smtClean="0">
+                                        <a:latin typeface="Cambria Math" panose="02040503050406030204" pitchFamily="18" charset="0"/>
+                                      </a:rPr>
+                                      <m:t>𝑥</m:t>
+                                    </m:r>
+                                  </m:e>
+                                  <m:sub>
+                                    <m:r>
+                                      <a:rPr lang="en-US" altLang="zh-TW" b="0" i="1" smtClean="0">
+                                        <a:latin typeface="Cambria Math" panose="02040503050406030204" pitchFamily="18" charset="0"/>
+                                      </a:rPr>
+                                      <m:t>𝑖</m:t>
+                                    </m:r>
+                                  </m:sub>
+                                </m:sSub>
+                                <m:r>
+                                  <a:rPr lang="en-US" altLang="zh-TW" b="0" i="1" smtClean="0">
+                                    <a:latin typeface="Cambria Math" panose="02040503050406030204" pitchFamily="18" charset="0"/>
+                                  </a:rPr>
+                                  <m:t> − </m:t>
+                                </m:r>
+                                <m:sSub>
+                                  <m:sSubPr>
+                                    <m:ctrlPr>
+                                      <a:rPr lang="en-US" altLang="zh-TW" b="0" i="1" smtClean="0">
+                                        <a:latin typeface="Cambria Math" panose="02040503050406030204" pitchFamily="18" charset="0"/>
+                                      </a:rPr>
+                                    </m:ctrlPr>
+                                  </m:sSubPr>
+                                  <m:e>
+                                    <m:r>
+                                      <a:rPr lang="en-US" altLang="zh-TW" b="0" i="1" smtClean="0">
+                                        <a:latin typeface="Cambria Math" panose="02040503050406030204" pitchFamily="18" charset="0"/>
+                                      </a:rPr>
+                                      <m:t>𝜇</m:t>
+                                    </m:r>
+                                  </m:e>
+                                  <m:sub>
+                                    <m:r>
+                                      <a:rPr lang="en-US" altLang="zh-TW" b="0" i="1" smtClean="0">
+                                        <a:latin typeface="Cambria Math" panose="02040503050406030204" pitchFamily="18" charset="0"/>
+                                      </a:rPr>
+                                      <m:t>𝑦</m:t>
+                                    </m:r>
+                                  </m:sub>
+                                </m:sSub>
+                              </m:e>
+                            </m:d>
+                          </m:e>
+                          <m:sup>
+                            <m:r>
+                              <a:rPr lang="en-US" altLang="zh-TW" b="0" i="1" smtClean="0">
+                                <a:latin typeface="Cambria Math" panose="02040503050406030204" pitchFamily="18" charset="0"/>
+                              </a:rPr>
+                              <m:t>2</m:t>
+                            </m:r>
+                          </m:sup>
+                        </m:sSup>
+                      </m:num>
+                      <m:den>
+                        <m:r>
+                          <a:rPr lang="en-US" altLang="zh-TW" b="0" i="1" smtClean="0">
+                            <a:latin typeface="Cambria Math" panose="02040503050406030204" pitchFamily="18" charset="0"/>
+                          </a:rPr>
+                          <m:t>2</m:t>
+                        </m:r>
+                        <m:sSubSup>
+                          <m:sSubSupPr>
+                            <m:ctrlPr>
+                              <a:rPr lang="en-US" altLang="zh-TW" b="0" i="1" smtClean="0">
+                                <a:latin typeface="Cambria Math" panose="02040503050406030204" pitchFamily="18" charset="0"/>
+                              </a:rPr>
+                            </m:ctrlPr>
+                          </m:sSubSupPr>
+                          <m:e>
+                            <m:r>
+                              <a:rPr lang="en-US" altLang="zh-TW" b="0" i="1" smtClean="0">
+                                <a:latin typeface="Cambria Math" panose="02040503050406030204" pitchFamily="18" charset="0"/>
+                              </a:rPr>
+                              <m:t>𝜎</m:t>
+                            </m:r>
+                          </m:e>
+                          <m:sub>
+                            <m:r>
+                              <a:rPr lang="en-US" altLang="zh-TW" b="0" i="1" smtClean="0">
+                                <a:latin typeface="Cambria Math" panose="02040503050406030204" pitchFamily="18" charset="0"/>
+                              </a:rPr>
+                              <m:t>𝑦</m:t>
+                            </m:r>
+                          </m:sub>
+                          <m:sup>
+                            <m:r>
+                              <a:rPr lang="en-US" altLang="zh-TW" b="0" i="1" smtClean="0">
+                                <a:latin typeface="Cambria Math" panose="02040503050406030204" pitchFamily="18" charset="0"/>
+                              </a:rPr>
+                              <m:t>2</m:t>
+                            </m:r>
+                          </m:sup>
+                        </m:sSubSup>
+                      </m:den>
+                    </m:f>
                     <m:r>
                       <a:rPr lang="en-US" altLang="zh-TW" b="0" i="1" smtClean="0">
                         <a:latin typeface="Cambria Math" panose="02040503050406030204" pitchFamily="18" charset="0"/>
@@ -9986,29 +11209,26 @@
                   </m:oMath>
                 </a14:m>
                 <a:r>
-                  <a:rPr lang="en-US" altLang="zh-TW" dirty="0"/>
-                  <a:t> : estimated by training dataset</a:t>
+                  <a:rPr lang="zh-TW" altLang="en-US" dirty="0"/>
+                  <a:t> </a:t>
                 </a:r>
+                <a:endParaRPr lang="en-US" altLang="zh-TW" dirty="0"/>
               </a:p>
               <a:p>
-                <a:pPr marL="914400" lvl="1" indent="-457200">
-                  <a:buFont typeface="+mj-lt"/>
-                  <a:buAutoNum type="arabicPeriod"/>
-                </a:pPr>
+                <a:r>
+                  <a:rPr lang="zh-TW" altLang="en-US" dirty="0"/>
+                  <a:t>使用</a:t>
+                </a:r>
+                <a:r>
+                  <a:rPr lang="en-US" altLang="zh-TW" dirty="0"/>
+                  <a:t>maximum likelihood estimation</a:t>
+                </a:r>
+                <a:r>
+                  <a:rPr lang="zh-TW" altLang="en-US" dirty="0"/>
+                  <a:t>去找出 </a:t>
+                </a:r>
                 <a14:m>
                   <m:oMath xmlns:m="http://schemas.openxmlformats.org/officeDocument/2006/math">
-                    <m:r>
-                      <a:rPr lang="en-US" altLang="zh-TW" b="0" i="1" smtClean="0">
-                        <a:latin typeface="Cambria Math" panose="02040503050406030204" pitchFamily="18" charset="0"/>
-                      </a:rPr>
-                      <m:t>𝑃</m:t>
-                    </m:r>
-                    <m:r>
-                      <a:rPr lang="en-US" altLang="zh-TW" b="0" i="1" smtClean="0">
-                        <a:latin typeface="Cambria Math" panose="02040503050406030204" pitchFamily="18" charset="0"/>
-                      </a:rPr>
-                      <m:t>(</m:t>
-                    </m:r>
                     <m:sSub>
                       <m:sSubPr>
                         <m:ctrlPr>
@@ -10022,7 +11242,7 @@
                           <a:rPr lang="en-US" altLang="zh-TW" b="0" i="1" smtClean="0">
                             <a:latin typeface="Cambria Math" panose="02040503050406030204" pitchFamily="18" charset="0"/>
                           </a:rPr>
-                          <m:t>𝑥</m:t>
+                          <m:t>𝜎</m:t>
                         </m:r>
                       </m:e>
                       <m:sub>
@@ -10030,51 +11250,55 @@
                           <a:rPr lang="en-US" altLang="zh-TW" b="0" i="1" smtClean="0">
                             <a:latin typeface="Cambria Math" panose="02040503050406030204" pitchFamily="18" charset="0"/>
                           </a:rPr>
-                          <m:t>𝑖</m:t>
+                          <m:t>𝑦</m:t>
                         </m:r>
                       </m:sub>
                     </m:sSub>
-                    <m:r>
-                      <a:rPr lang="en-US" altLang="zh-TW" b="0" i="1" smtClean="0">
-                        <a:latin typeface="Cambria Math" panose="02040503050406030204" pitchFamily="18" charset="0"/>
-                      </a:rPr>
-                      <m:t>|</m:t>
-                    </m:r>
-                    <m:r>
-                      <a:rPr lang="en-US" altLang="zh-TW" b="0" i="1" smtClean="0">
-                        <a:latin typeface="Cambria Math" panose="02040503050406030204" pitchFamily="18" charset="0"/>
-                      </a:rPr>
-                      <m:t>𝑌</m:t>
-                    </m:r>
-                    <m:r>
-                      <a:rPr lang="en-US" altLang="zh-TW" b="0" i="1" smtClean="0">
-                        <a:latin typeface="Cambria Math" panose="02040503050406030204" pitchFamily="18" charset="0"/>
-                      </a:rPr>
-                      <m:t>)</m:t>
-                    </m:r>
                   </m:oMath>
                 </a14:m>
                 <a:r>
                   <a:rPr lang="en-US" altLang="zh-TW" dirty="0"/>
-                  <a:t> : make some assumption of distribution (ex: </a:t>
+                  <a:t> </a:t>
                 </a:r>
                 <a:r>
-                  <a:rPr lang="en-US" altLang="zh-TW" dirty="0">
-                    <a:solidFill>
-                      <a:srgbClr val="FF0000"/>
-                    </a:solidFill>
-                  </a:rPr>
-                  <a:t>Gaussian distribution</a:t>
+                  <a:rPr lang="zh-TW" altLang="en-US" dirty="0"/>
+                  <a:t>與 </a:t>
                 </a:r>
-                <a:r>
-                  <a:rPr lang="en-US" altLang="zh-TW" dirty="0"/>
-                  <a:t>, multinomial distribution, …)</a:t>
-                </a:r>
+                <a14:m>
+                  <m:oMath xmlns:m="http://schemas.openxmlformats.org/officeDocument/2006/math">
+                    <m:sSub>
+                      <m:sSubPr>
+                        <m:ctrlPr>
+                          <a:rPr lang="en-US" altLang="zh-TW" b="0" i="1" smtClean="0">
+                            <a:latin typeface="Cambria Math" panose="02040503050406030204" pitchFamily="18" charset="0"/>
+                          </a:rPr>
+                        </m:ctrlPr>
+                      </m:sSubPr>
+                      <m:e>
+                        <m:r>
+                          <a:rPr lang="en-US" altLang="zh-TW" b="0" i="1" smtClean="0">
+                            <a:latin typeface="Cambria Math" panose="02040503050406030204" pitchFamily="18" charset="0"/>
+                          </a:rPr>
+                          <m:t>𝜇</m:t>
+                        </m:r>
+                      </m:e>
+                      <m:sub>
+                        <m:r>
+                          <a:rPr lang="en-US" altLang="zh-TW" b="0" i="1" smtClean="0">
+                            <a:latin typeface="Cambria Math" panose="02040503050406030204" pitchFamily="18" charset="0"/>
+                          </a:rPr>
+                          <m:t>𝑦</m:t>
+                        </m:r>
+                      </m:sub>
+                    </m:sSub>
+                  </m:oMath>
+                </a14:m>
+                <a:endParaRPr lang="en-US" altLang="zh-TW" dirty="0"/>
               </a:p>
             </p:txBody>
           </p:sp>
         </mc:Choice>
-        <mc:Fallback xmlns="">
+        <mc:Fallback>
           <p:sp>
             <p:nvSpPr>
               <p:cNvPr id="5" name="內容版面配置區 4">
@@ -10095,7 +11319,7 @@
               <a:blipFill>
                 <a:blip r:embed="rId2"/>
                 <a:stretch>
-                  <a:fillRect l="-1144" t="-2752" b="-2936"/>
+                  <a:fillRect l="-1144"/>
                 </a:stretch>
               </a:blipFill>
             </p:spPr>
@@ -11220,7 +12444,7 @@
             </a:r>
             <a:r>
               <a:rPr lang="zh-TW" altLang="en-US" dirty="0"/>
-              <a:t>是不是量化特徵</a:t>
+              <a:t>是不是量化資料</a:t>
             </a:r>
             <a:r>
               <a:rPr lang="en-US" altLang="zh-TW" dirty="0"/>
@@ -11228,7 +12452,7 @@
             </a:r>
             <a:r>
               <a:rPr lang="zh-TW" altLang="en-US" dirty="0"/>
-              <a:t> 是不是離散資料</a:t>
+              <a:t> 是不是分類資料</a:t>
             </a:r>
             <a:r>
               <a:rPr lang="en-US" altLang="zh-TW" dirty="0"/>
@@ -11317,7 +12541,7 @@
             </a:pPr>
             <a:r>
               <a:rPr lang="zh-TW" altLang="en-US" dirty="0"/>
-              <a:t>訓練演算法的過程</a:t>
+              <a:t>訓練演算法</a:t>
             </a:r>
           </a:p>
         </p:txBody>

--- a/ML_workshop.pptx
+++ b/ML_workshop.pptx
@@ -7403,8 +7403,8 @@
           </a:p>
         </p:txBody>
       </p:sp>
-      <mc:AlternateContent xmlns:mc="http://schemas.openxmlformats.org/markup-compatibility/2006">
-        <mc:Choice xmlns:a14="http://schemas.microsoft.com/office/drawing/2010/main" Requires="a14">
+      <mc:AlternateContent xmlns:mc="http://schemas.openxmlformats.org/markup-compatibility/2006" xmlns:a14="http://schemas.microsoft.com/office/drawing/2010/main">
+        <mc:Choice Requires="a14">
           <p:sp>
             <p:nvSpPr>
               <p:cNvPr id="5" name="內容版面配置區 4">
@@ -7765,7 +7765,7 @@
             </p:txBody>
           </p:sp>
         </mc:Choice>
-        <mc:Fallback>
+        <mc:Fallback xmlns="">
           <p:sp>
             <p:nvSpPr>
               <p:cNvPr id="5" name="內容版面配置區 4">
@@ -8108,7 +8108,7 @@
         <p:spPr/>
         <p:txBody>
           <a:bodyPr>
-            <a:normAutofit fontScale="92500" lnSpcReduction="20000"/>
+            <a:normAutofit fontScale="92500" lnSpcReduction="10000"/>
           </a:bodyPr>
           <a:lstStyle/>
           <a:p>
@@ -8156,28 +8156,13 @@
             </a:r>
             <a:r>
               <a:rPr lang="zh-TW" altLang="en-US" dirty="0"/>
-              <a:t>個相同大小集合 </a:t>
-            </a:r>
-            <a:r>
-              <a:rPr lang="en-US" altLang="zh-TW" dirty="0"/>
-              <a:t>(leave-one-out</a:t>
-            </a:r>
-            <a:r>
-              <a:rPr lang="zh-TW" altLang="en-US" dirty="0"/>
-              <a:t>就把</a:t>
-            </a:r>
-            <a:r>
-              <a:rPr lang="en-US" altLang="zh-TW" dirty="0"/>
-              <a:t>k</a:t>
-            </a:r>
-            <a:r>
-              <a:rPr lang="zh-TW" altLang="en-US" dirty="0"/>
-              <a:t>設定為總資料數</a:t>
-            </a:r>
-            <a:r>
-              <a:rPr lang="en-US" altLang="zh-TW" dirty="0"/>
-              <a:t>)</a:t>
-            </a:r>
+              <a:t>個相同</a:t>
+            </a:r>
+            <a:r>
+              <a:rPr lang="zh-TW" altLang="en-US"/>
+              <a:t>大小集合</a:t>
+            </a:r>
+            <a:endParaRPr lang="en-US" altLang="zh-TW" dirty="0"/>
           </a:p>
           <a:p>
             <a:pPr marL="457200" indent="-457200">
@@ -8547,8 +8532,8 @@
           </a:p>
         </p:txBody>
       </p:sp>
-      <mc:AlternateContent xmlns:mc="http://schemas.openxmlformats.org/markup-compatibility/2006">
-        <mc:Choice xmlns:a14="http://schemas.microsoft.com/office/drawing/2010/main" Requires="a14">
+      <mc:AlternateContent xmlns:mc="http://schemas.openxmlformats.org/markup-compatibility/2006" xmlns:a14="http://schemas.microsoft.com/office/drawing/2010/main">
+        <mc:Choice Requires="a14">
           <p:sp>
             <p:nvSpPr>
               <p:cNvPr id="5" name="內容版面配置區 4">
@@ -8780,7 +8765,7 @@
                     <m:d>
                       <m:dPr>
                         <m:ctrlPr>
-                          <a:rPr lang="en-US" altLang="zh-TW" b="0" i="0" smtClean="0">
+                          <a:rPr lang="en-US" altLang="zh-TW" b="0" i="1" smtClean="0">
                             <a:latin typeface="Cambria Math" panose="02040503050406030204" pitchFamily="18" charset="0"/>
                           </a:rPr>
                         </m:ctrlPr>
@@ -8899,7 +8884,7 @@
                     <m:sSub>
                       <m:sSubPr>
                         <m:ctrlPr>
-                          <a:rPr lang="en-US" altLang="zh-TW" b="0" i="0" smtClean="0">
+                          <a:rPr lang="en-US" altLang="zh-TW" b="0" i="1" smtClean="0">
                             <a:latin typeface="Cambria Math" panose="02040503050406030204" pitchFamily="18" charset="0"/>
                           </a:rPr>
                         </m:ctrlPr>
@@ -9241,7 +9226,7 @@
             </p:txBody>
           </p:sp>
         </mc:Choice>
-        <mc:Fallback>
+        <mc:Fallback xmlns="">
           <p:sp>
             <p:nvSpPr>
               <p:cNvPr id="5" name="內容版面配置區 4">
@@ -9340,8 +9325,8 @@
           </a:p>
         </p:txBody>
       </p:sp>
-      <mc:AlternateContent xmlns:mc="http://schemas.openxmlformats.org/markup-compatibility/2006">
-        <mc:Choice xmlns:a14="http://schemas.microsoft.com/office/drawing/2010/main" Requires="a14">
+      <mc:AlternateContent xmlns:mc="http://schemas.openxmlformats.org/markup-compatibility/2006" xmlns:a14="http://schemas.microsoft.com/office/drawing/2010/main">
+        <mc:Choice Requires="a14">
           <p:sp>
             <p:nvSpPr>
               <p:cNvPr id="5" name="內容版面配置區 4">
@@ -10430,7 +10415,7 @@
             </p:txBody>
           </p:sp>
         </mc:Choice>
-        <mc:Fallback>
+        <mc:Fallback xmlns="">
           <p:sp>
             <p:nvSpPr>
               <p:cNvPr id="5" name="內容版面配置區 4">
@@ -10854,8 +10839,8 @@
           </a:p>
         </p:txBody>
       </p:sp>
-      <mc:AlternateContent xmlns:mc="http://schemas.openxmlformats.org/markup-compatibility/2006">
-        <mc:Choice xmlns:a14="http://schemas.microsoft.com/office/drawing/2010/main" Requires="a14">
+      <mc:AlternateContent xmlns:mc="http://schemas.openxmlformats.org/markup-compatibility/2006" xmlns:a14="http://schemas.microsoft.com/office/drawing/2010/main">
+        <mc:Choice Requires="a14">
           <p:sp>
             <p:nvSpPr>
               <p:cNvPr id="5" name="內容版面配置區 4">
@@ -11298,7 +11283,7 @@
             </p:txBody>
           </p:sp>
         </mc:Choice>
-        <mc:Fallback>
+        <mc:Fallback xmlns="">
           <p:sp>
             <p:nvSpPr>
               <p:cNvPr id="5" name="內容版面配置區 4">
@@ -12517,7 +12502,7 @@
             </a:r>
             <a:r>
               <a:rPr lang="zh-TW" altLang="en-US" dirty="0"/>
-              <a:t>建立的數學公式</a:t>
+              <a:t> 的數學公式</a:t>
             </a:r>
             <a:endParaRPr lang="en-US" altLang="zh-TW" dirty="0"/>
           </a:p>
